--- a/slides/Figures.pptx
+++ b/slides/Figures.pptx
@@ -6,6 +6,11 @@
   </p:sldMasterIdLst>
   <p:sldIdLst>
     <p:sldId id="256" r:id="rId2"/>
+    <p:sldId id="257" r:id="rId3"/>
+    <p:sldId id="259" r:id="rId4"/>
+    <p:sldId id="258" r:id="rId5"/>
+    <p:sldId id="260" r:id="rId6"/>
+    <p:sldId id="261" r:id="rId7"/>
   </p:sldIdLst>
   <p:sldSz cx="12192000" cy="6858000"/>
   <p:notesSz cx="6858000" cy="9144000"/>
@@ -3342,7 +3347,10 @@
           <a:bodyPr/>
           <a:lstStyle/>
           <a:p>
-            <a:endParaRPr lang="en-US"/>
+            <a:r>
+              <a:rPr lang="en-US" dirty="0"/>
+              <a:t>Class Figures</a:t>
+            </a:r>
           </a:p>
         </p:txBody>
       </p:sp>
@@ -3375,6 +3383,3326 @@
     <p:extLst>
       <p:ext uri="{BB962C8B-B14F-4D97-AF65-F5344CB8AC3E}">
         <p14:creationId xmlns:p14="http://schemas.microsoft.com/office/powerpoint/2010/main" val="1472928353"/>
+      </p:ext>
+    </p:extLst>
+  </p:cSld>
+  <p:clrMapOvr>
+    <a:masterClrMapping/>
+  </p:clrMapOvr>
+</p:sld>
+</file>
+
+<file path=ppt/slides/slide2.xml><?xml version="1.0" encoding="utf-8"?>
+<p:sld xmlns:a="http://schemas.openxmlformats.org/drawingml/2006/main" xmlns:r="http://schemas.openxmlformats.org/officeDocument/2006/relationships" xmlns:p="http://schemas.openxmlformats.org/presentationml/2006/main">
+  <p:cSld>
+    <p:spTree>
+      <p:nvGrpSpPr>
+        <p:cNvPr id="1" name=""/>
+        <p:cNvGrpSpPr/>
+        <p:nvPr/>
+      </p:nvGrpSpPr>
+      <p:grpSpPr>
+        <a:xfrm>
+          <a:off x="0" y="0"/>
+          <a:ext cx="0" cy="0"/>
+          <a:chOff x="0" y="0"/>
+          <a:chExt cx="0" cy="0"/>
+        </a:xfrm>
+      </p:grpSpPr>
+      <p:sp>
+        <p:nvSpPr>
+          <p:cNvPr id="2" name="Title 1">
+            <a:extLst>
+              <a:ext uri="{FF2B5EF4-FFF2-40B4-BE49-F238E27FC236}">
+                <a16:creationId xmlns:a16="http://schemas.microsoft.com/office/drawing/2014/main" id="{128A3585-398F-D2DE-80C6-A35F30DE8E8C}"/>
+              </a:ext>
+            </a:extLst>
+          </p:cNvPr>
+          <p:cNvSpPr>
+            <a:spLocks noGrp="1"/>
+          </p:cNvSpPr>
+          <p:nvPr>
+            <p:ph type="title"/>
+          </p:nvPr>
+        </p:nvSpPr>
+        <p:spPr>
+          <a:xfrm>
+            <a:off x="838200" y="365126"/>
+            <a:ext cx="10515600" cy="536918"/>
+          </a:xfrm>
+        </p:spPr>
+        <p:txBody>
+          <a:bodyPr>
+            <a:normAutofit fontScale="90000"/>
+          </a:bodyPr>
+          <a:lstStyle/>
+          <a:p>
+            <a:r>
+              <a:rPr lang="en-US" dirty="0"/>
+              <a:t>Agentic Workflows</a:t>
+            </a:r>
+          </a:p>
+        </p:txBody>
+      </p:sp>
+      <p:sp>
+        <p:nvSpPr>
+          <p:cNvPr id="4" name="Rectangle 3">
+            <a:extLst>
+              <a:ext uri="{FF2B5EF4-FFF2-40B4-BE49-F238E27FC236}">
+                <a16:creationId xmlns:a16="http://schemas.microsoft.com/office/drawing/2014/main" id="{3B8A1B91-785E-8D04-C3D0-D607EA0B20A7}"/>
+              </a:ext>
+            </a:extLst>
+          </p:cNvPr>
+          <p:cNvSpPr/>
+          <p:nvPr/>
+        </p:nvSpPr>
+        <p:spPr>
+          <a:xfrm>
+            <a:off x="3894895" y="1302337"/>
+            <a:ext cx="2638251" cy="518984"/>
+          </a:xfrm>
+          <a:prstGeom prst="rect">
+            <a:avLst/>
+          </a:prstGeom>
+          <a:solidFill>
+            <a:srgbClr val="0070C0"/>
+          </a:solidFill>
+        </p:spPr>
+        <p:style>
+          <a:lnRef idx="2">
+            <a:schemeClr val="accent1">
+              <a:shade val="15000"/>
+            </a:schemeClr>
+          </a:lnRef>
+          <a:fillRef idx="1">
+            <a:schemeClr val="accent1"/>
+          </a:fillRef>
+          <a:effectRef idx="0">
+            <a:schemeClr val="accent1"/>
+          </a:effectRef>
+          <a:fontRef idx="minor">
+            <a:schemeClr val="lt1"/>
+          </a:fontRef>
+        </p:style>
+        <p:txBody>
+          <a:bodyPr rtlCol="0" anchor="ctr"/>
+          <a:lstStyle/>
+          <a:p>
+            <a:pPr algn="ctr"/>
+            <a:r>
+              <a:rPr lang="en-US" dirty="0">
+                <a:latin typeface="Arial" panose="020B0604020202020204" pitchFamily="34" charset="0"/>
+                <a:cs typeface="Arial" panose="020B0604020202020204" pitchFamily="34" charset="0"/>
+              </a:rPr>
+              <a:t>Initial Prompt</a:t>
+            </a:r>
+          </a:p>
+        </p:txBody>
+      </p:sp>
+      <p:sp>
+        <p:nvSpPr>
+          <p:cNvPr id="5" name="Rounded Rectangle 4">
+            <a:extLst>
+              <a:ext uri="{FF2B5EF4-FFF2-40B4-BE49-F238E27FC236}">
+                <a16:creationId xmlns:a16="http://schemas.microsoft.com/office/drawing/2014/main" id="{2A1858B7-03F7-2A99-BCF2-5E2C8D2A493C}"/>
+              </a:ext>
+            </a:extLst>
+          </p:cNvPr>
+          <p:cNvSpPr/>
+          <p:nvPr/>
+        </p:nvSpPr>
+        <p:spPr>
+          <a:xfrm>
+            <a:off x="3894895" y="2273968"/>
+            <a:ext cx="2638251" cy="625643"/>
+          </a:xfrm>
+          <a:prstGeom prst="roundRect">
+            <a:avLst/>
+          </a:prstGeom>
+          <a:solidFill>
+            <a:srgbClr val="002060"/>
+          </a:solidFill>
+          <a:ln>
+            <a:solidFill>
+              <a:srgbClr val="002060"/>
+            </a:solidFill>
+          </a:ln>
+        </p:spPr>
+        <p:style>
+          <a:lnRef idx="2">
+            <a:schemeClr val="accent1">
+              <a:shade val="15000"/>
+            </a:schemeClr>
+          </a:lnRef>
+          <a:fillRef idx="1">
+            <a:schemeClr val="accent1"/>
+          </a:fillRef>
+          <a:effectRef idx="0">
+            <a:schemeClr val="accent1"/>
+          </a:effectRef>
+          <a:fontRef idx="minor">
+            <a:schemeClr val="lt1"/>
+          </a:fontRef>
+        </p:style>
+        <p:txBody>
+          <a:bodyPr rtlCol="0" anchor="ctr"/>
+          <a:lstStyle/>
+          <a:p>
+            <a:pPr algn="ctr"/>
+            <a:r>
+              <a:rPr lang="en-US" dirty="0">
+                <a:latin typeface="Arial" panose="020B0604020202020204" pitchFamily="34" charset="0"/>
+                <a:cs typeface="Arial" panose="020B0604020202020204" pitchFamily="34" charset="0"/>
+              </a:rPr>
+              <a:t>Send to LLM</a:t>
+            </a:r>
+          </a:p>
+        </p:txBody>
+      </p:sp>
+      <p:sp>
+        <p:nvSpPr>
+          <p:cNvPr id="6" name="Diamond 5">
+            <a:extLst>
+              <a:ext uri="{FF2B5EF4-FFF2-40B4-BE49-F238E27FC236}">
+                <a16:creationId xmlns:a16="http://schemas.microsoft.com/office/drawing/2014/main" id="{977C4B20-0718-A694-3DA6-5FD6E07A824B}"/>
+              </a:ext>
+            </a:extLst>
+          </p:cNvPr>
+          <p:cNvSpPr/>
+          <p:nvPr/>
+        </p:nvSpPr>
+        <p:spPr>
+          <a:xfrm>
+            <a:off x="3894896" y="3429000"/>
+            <a:ext cx="2638250" cy="1191126"/>
+          </a:xfrm>
+          <a:prstGeom prst="diamond">
+            <a:avLst/>
+          </a:prstGeom>
+          <a:solidFill>
+            <a:srgbClr val="FFC000"/>
+          </a:solidFill>
+        </p:spPr>
+        <p:style>
+          <a:lnRef idx="2">
+            <a:schemeClr val="accent1">
+              <a:shade val="15000"/>
+            </a:schemeClr>
+          </a:lnRef>
+          <a:fillRef idx="1">
+            <a:schemeClr val="accent1"/>
+          </a:fillRef>
+          <a:effectRef idx="0">
+            <a:schemeClr val="accent1"/>
+          </a:effectRef>
+          <a:fontRef idx="minor">
+            <a:schemeClr val="lt1"/>
+          </a:fontRef>
+        </p:style>
+        <p:txBody>
+          <a:bodyPr rtlCol="0" anchor="ctr"/>
+          <a:lstStyle/>
+          <a:p>
+            <a:pPr algn="ctr"/>
+            <a:r>
+              <a:rPr lang="en-US" dirty="0">
+                <a:solidFill>
+                  <a:schemeClr val="tx1"/>
+                </a:solidFill>
+                <a:latin typeface="Arial" panose="020B0604020202020204" pitchFamily="34" charset="0"/>
+                <a:cs typeface="Arial" panose="020B0604020202020204" pitchFamily="34" charset="0"/>
+              </a:rPr>
+              <a:t>Response OK?</a:t>
+            </a:r>
+          </a:p>
+        </p:txBody>
+      </p:sp>
+      <p:sp>
+        <p:nvSpPr>
+          <p:cNvPr id="7" name="Rectangle 6">
+            <a:extLst>
+              <a:ext uri="{FF2B5EF4-FFF2-40B4-BE49-F238E27FC236}">
+                <a16:creationId xmlns:a16="http://schemas.microsoft.com/office/drawing/2014/main" id="{29CD8946-6D98-7630-E603-8A51D15B6175}"/>
+              </a:ext>
+            </a:extLst>
+          </p:cNvPr>
+          <p:cNvSpPr/>
+          <p:nvPr/>
+        </p:nvSpPr>
+        <p:spPr>
+          <a:xfrm>
+            <a:off x="3947898" y="5149515"/>
+            <a:ext cx="2532244" cy="518984"/>
+          </a:xfrm>
+          <a:prstGeom prst="rect">
+            <a:avLst/>
+          </a:prstGeom>
+          <a:solidFill>
+            <a:srgbClr val="0070C0"/>
+          </a:solidFill>
+        </p:spPr>
+        <p:style>
+          <a:lnRef idx="2">
+            <a:schemeClr val="accent1">
+              <a:shade val="15000"/>
+            </a:schemeClr>
+          </a:lnRef>
+          <a:fillRef idx="1">
+            <a:schemeClr val="accent1"/>
+          </a:fillRef>
+          <a:effectRef idx="0">
+            <a:schemeClr val="accent1"/>
+          </a:effectRef>
+          <a:fontRef idx="minor">
+            <a:schemeClr val="lt1"/>
+          </a:fontRef>
+        </p:style>
+        <p:txBody>
+          <a:bodyPr rtlCol="0" anchor="ctr"/>
+          <a:lstStyle/>
+          <a:p>
+            <a:pPr algn="ctr"/>
+            <a:r>
+              <a:rPr lang="en-US" dirty="0">
+                <a:latin typeface="Arial" panose="020B0604020202020204" pitchFamily="34" charset="0"/>
+                <a:cs typeface="Arial" panose="020B0604020202020204" pitchFamily="34" charset="0"/>
+              </a:rPr>
+              <a:t>New Prompt</a:t>
+            </a:r>
+          </a:p>
+        </p:txBody>
+      </p:sp>
+      <p:cxnSp>
+        <p:nvCxnSpPr>
+          <p:cNvPr id="9" name="Elbow Connector 8">
+            <a:extLst>
+              <a:ext uri="{FF2B5EF4-FFF2-40B4-BE49-F238E27FC236}">
+                <a16:creationId xmlns:a16="http://schemas.microsoft.com/office/drawing/2014/main" id="{F16866AC-80D0-74B3-6389-71BBD28024B1}"/>
+              </a:ext>
+            </a:extLst>
+          </p:cNvPr>
+          <p:cNvCxnSpPr>
+            <a:cxnSpLocks/>
+            <a:stCxn id="7" idx="1"/>
+            <a:endCxn id="5" idx="1"/>
+          </p:cNvCxnSpPr>
+          <p:nvPr/>
+        </p:nvCxnSpPr>
+        <p:spPr>
+          <a:xfrm rot="10800000">
+            <a:off x="3894896" y="2586791"/>
+            <a:ext cx="53003" cy="2822217"/>
+          </a:xfrm>
+          <a:prstGeom prst="bentConnector3">
+            <a:avLst>
+              <a:gd name="adj1" fmla="val 968051"/>
+            </a:avLst>
+          </a:prstGeom>
+          <a:ln w="57150">
+            <a:tailEnd type="triangle"/>
+          </a:ln>
+        </p:spPr>
+        <p:style>
+          <a:lnRef idx="2">
+            <a:schemeClr val="accent1"/>
+          </a:lnRef>
+          <a:fillRef idx="0">
+            <a:schemeClr val="accent1"/>
+          </a:fillRef>
+          <a:effectRef idx="1">
+            <a:schemeClr val="accent1"/>
+          </a:effectRef>
+          <a:fontRef idx="minor">
+            <a:schemeClr val="tx1"/>
+          </a:fontRef>
+        </p:style>
+      </p:cxnSp>
+      <p:cxnSp>
+        <p:nvCxnSpPr>
+          <p:cNvPr id="11" name="Straight Arrow Connector 10">
+            <a:extLst>
+              <a:ext uri="{FF2B5EF4-FFF2-40B4-BE49-F238E27FC236}">
+                <a16:creationId xmlns:a16="http://schemas.microsoft.com/office/drawing/2014/main" id="{6903F2BB-0C7A-3BB3-758A-09846BAEBF93}"/>
+              </a:ext>
+            </a:extLst>
+          </p:cNvPr>
+          <p:cNvCxnSpPr>
+            <a:stCxn id="4" idx="2"/>
+            <a:endCxn id="5" idx="0"/>
+          </p:cNvCxnSpPr>
+          <p:nvPr/>
+        </p:nvCxnSpPr>
+        <p:spPr>
+          <a:xfrm>
+            <a:off x="5214021" y="1821321"/>
+            <a:ext cx="0" cy="452647"/>
+          </a:xfrm>
+          <a:prstGeom prst="straightConnector1">
+            <a:avLst/>
+          </a:prstGeom>
+          <a:ln w="57150">
+            <a:solidFill>
+              <a:schemeClr val="tx1"/>
+            </a:solidFill>
+            <a:tailEnd type="triangle"/>
+          </a:ln>
+        </p:spPr>
+        <p:style>
+          <a:lnRef idx="2">
+            <a:schemeClr val="accent1"/>
+          </a:lnRef>
+          <a:fillRef idx="0">
+            <a:schemeClr val="accent1"/>
+          </a:fillRef>
+          <a:effectRef idx="1">
+            <a:schemeClr val="accent1"/>
+          </a:effectRef>
+          <a:fontRef idx="minor">
+            <a:schemeClr val="tx1"/>
+          </a:fontRef>
+        </p:style>
+      </p:cxnSp>
+      <p:cxnSp>
+        <p:nvCxnSpPr>
+          <p:cNvPr id="12" name="Straight Arrow Connector 11">
+            <a:extLst>
+              <a:ext uri="{FF2B5EF4-FFF2-40B4-BE49-F238E27FC236}">
+                <a16:creationId xmlns:a16="http://schemas.microsoft.com/office/drawing/2014/main" id="{B886E0B2-D60F-26EA-8DCC-0975C774A6E4}"/>
+              </a:ext>
+            </a:extLst>
+          </p:cNvPr>
+          <p:cNvCxnSpPr>
+            <a:cxnSpLocks/>
+            <a:stCxn id="5" idx="2"/>
+            <a:endCxn id="6" idx="0"/>
+          </p:cNvCxnSpPr>
+          <p:nvPr/>
+        </p:nvCxnSpPr>
+        <p:spPr>
+          <a:xfrm>
+            <a:off x="5214021" y="2899611"/>
+            <a:ext cx="0" cy="529389"/>
+          </a:xfrm>
+          <a:prstGeom prst="straightConnector1">
+            <a:avLst/>
+          </a:prstGeom>
+          <a:ln w="57150">
+            <a:solidFill>
+              <a:schemeClr val="tx1"/>
+            </a:solidFill>
+            <a:tailEnd type="triangle"/>
+          </a:ln>
+        </p:spPr>
+        <p:style>
+          <a:lnRef idx="2">
+            <a:schemeClr val="accent1"/>
+          </a:lnRef>
+          <a:fillRef idx="0">
+            <a:schemeClr val="accent1"/>
+          </a:fillRef>
+          <a:effectRef idx="1">
+            <a:schemeClr val="accent1"/>
+          </a:effectRef>
+          <a:fontRef idx="minor">
+            <a:schemeClr val="tx1"/>
+          </a:fontRef>
+        </p:style>
+      </p:cxnSp>
+      <p:cxnSp>
+        <p:nvCxnSpPr>
+          <p:cNvPr id="17" name="Straight Arrow Connector 16">
+            <a:extLst>
+              <a:ext uri="{FF2B5EF4-FFF2-40B4-BE49-F238E27FC236}">
+                <a16:creationId xmlns:a16="http://schemas.microsoft.com/office/drawing/2014/main" id="{02D60698-016D-C999-643F-1713A4AFF331}"/>
+              </a:ext>
+            </a:extLst>
+          </p:cNvPr>
+          <p:cNvCxnSpPr>
+            <a:cxnSpLocks/>
+            <a:stCxn id="6" idx="3"/>
+            <a:endCxn id="19" idx="2"/>
+          </p:cNvCxnSpPr>
+          <p:nvPr/>
+        </p:nvCxnSpPr>
+        <p:spPr>
+          <a:xfrm>
+            <a:off x="6533146" y="4024563"/>
+            <a:ext cx="986982" cy="0"/>
+          </a:xfrm>
+          <a:prstGeom prst="straightConnector1">
+            <a:avLst/>
+          </a:prstGeom>
+          <a:ln w="57150">
+            <a:solidFill>
+              <a:srgbClr val="00B050"/>
+            </a:solidFill>
+            <a:tailEnd type="triangle"/>
+          </a:ln>
+        </p:spPr>
+        <p:style>
+          <a:lnRef idx="2">
+            <a:schemeClr val="accent1"/>
+          </a:lnRef>
+          <a:fillRef idx="0">
+            <a:schemeClr val="accent1"/>
+          </a:fillRef>
+          <a:effectRef idx="1">
+            <a:schemeClr val="accent1"/>
+          </a:effectRef>
+          <a:fontRef idx="minor">
+            <a:schemeClr val="tx1"/>
+          </a:fontRef>
+        </p:style>
+      </p:cxnSp>
+      <p:sp>
+        <p:nvSpPr>
+          <p:cNvPr id="18" name="Oval 17">
+            <a:extLst>
+              <a:ext uri="{FF2B5EF4-FFF2-40B4-BE49-F238E27FC236}">
+                <a16:creationId xmlns:a16="http://schemas.microsoft.com/office/drawing/2014/main" id="{C5A180F9-02E2-DF5D-BF06-566DF03429D0}"/>
+              </a:ext>
+            </a:extLst>
+          </p:cNvPr>
+          <p:cNvSpPr/>
+          <p:nvPr/>
+        </p:nvSpPr>
+        <p:spPr>
+          <a:xfrm>
+            <a:off x="2123159" y="1302337"/>
+            <a:ext cx="1081470" cy="518984"/>
+          </a:xfrm>
+          <a:prstGeom prst="ellipse">
+            <a:avLst/>
+          </a:prstGeom>
+          <a:solidFill>
+            <a:srgbClr val="00B050"/>
+          </a:solidFill>
+        </p:spPr>
+        <p:style>
+          <a:lnRef idx="2">
+            <a:schemeClr val="accent1">
+              <a:shade val="15000"/>
+            </a:schemeClr>
+          </a:lnRef>
+          <a:fillRef idx="1">
+            <a:schemeClr val="accent1"/>
+          </a:fillRef>
+          <a:effectRef idx="0">
+            <a:schemeClr val="accent1"/>
+          </a:effectRef>
+          <a:fontRef idx="minor">
+            <a:schemeClr val="lt1"/>
+          </a:fontRef>
+        </p:style>
+        <p:txBody>
+          <a:bodyPr rtlCol="0" anchor="ctr"/>
+          <a:lstStyle/>
+          <a:p>
+            <a:pPr algn="ctr"/>
+            <a:r>
+              <a:rPr lang="en-US" dirty="0">
+                <a:latin typeface="Arial" panose="020B0604020202020204" pitchFamily="34" charset="0"/>
+                <a:cs typeface="Arial" panose="020B0604020202020204" pitchFamily="34" charset="0"/>
+              </a:rPr>
+              <a:t>Start</a:t>
+            </a:r>
+          </a:p>
+        </p:txBody>
+      </p:sp>
+      <p:sp>
+        <p:nvSpPr>
+          <p:cNvPr id="19" name="Oval 18">
+            <a:extLst>
+              <a:ext uri="{FF2B5EF4-FFF2-40B4-BE49-F238E27FC236}">
+                <a16:creationId xmlns:a16="http://schemas.microsoft.com/office/drawing/2014/main" id="{ABB29816-76B9-0E17-ABDA-A5140EDE100D}"/>
+              </a:ext>
+            </a:extLst>
+          </p:cNvPr>
+          <p:cNvSpPr/>
+          <p:nvPr/>
+        </p:nvSpPr>
+        <p:spPr>
+          <a:xfrm>
+            <a:off x="7520128" y="3765071"/>
+            <a:ext cx="1333814" cy="518984"/>
+          </a:xfrm>
+          <a:prstGeom prst="ellipse">
+            <a:avLst/>
+          </a:prstGeom>
+          <a:solidFill>
+            <a:srgbClr val="7030A0"/>
+          </a:solidFill>
+        </p:spPr>
+        <p:style>
+          <a:lnRef idx="2">
+            <a:schemeClr val="accent1">
+              <a:shade val="15000"/>
+            </a:schemeClr>
+          </a:lnRef>
+          <a:fillRef idx="1">
+            <a:schemeClr val="accent1"/>
+          </a:fillRef>
+          <a:effectRef idx="0">
+            <a:schemeClr val="accent1"/>
+          </a:effectRef>
+          <a:fontRef idx="minor">
+            <a:schemeClr val="lt1"/>
+          </a:fontRef>
+        </p:style>
+        <p:txBody>
+          <a:bodyPr rtlCol="0" anchor="ctr"/>
+          <a:lstStyle/>
+          <a:p>
+            <a:pPr algn="ctr"/>
+            <a:r>
+              <a:rPr lang="en-US" dirty="0">
+                <a:latin typeface="Arial" panose="020B0604020202020204" pitchFamily="34" charset="0"/>
+                <a:cs typeface="Arial" panose="020B0604020202020204" pitchFamily="34" charset="0"/>
+              </a:rPr>
+              <a:t>Finish</a:t>
+            </a:r>
+          </a:p>
+        </p:txBody>
+      </p:sp>
+      <p:cxnSp>
+        <p:nvCxnSpPr>
+          <p:cNvPr id="20" name="Straight Arrow Connector 19">
+            <a:extLst>
+              <a:ext uri="{FF2B5EF4-FFF2-40B4-BE49-F238E27FC236}">
+                <a16:creationId xmlns:a16="http://schemas.microsoft.com/office/drawing/2014/main" id="{174FA547-0112-DF6C-8727-ACC477AE7ED0}"/>
+              </a:ext>
+            </a:extLst>
+          </p:cNvPr>
+          <p:cNvCxnSpPr>
+            <a:cxnSpLocks/>
+            <a:stCxn id="6" idx="2"/>
+            <a:endCxn id="7" idx="0"/>
+          </p:cNvCxnSpPr>
+          <p:nvPr/>
+        </p:nvCxnSpPr>
+        <p:spPr>
+          <a:xfrm flipH="1">
+            <a:off x="5214020" y="4620126"/>
+            <a:ext cx="1" cy="529389"/>
+          </a:xfrm>
+          <a:prstGeom prst="straightConnector1">
+            <a:avLst/>
+          </a:prstGeom>
+          <a:ln w="57150">
+            <a:solidFill>
+              <a:srgbClr val="FF0000"/>
+            </a:solidFill>
+            <a:tailEnd type="triangle"/>
+          </a:ln>
+        </p:spPr>
+        <p:style>
+          <a:lnRef idx="2">
+            <a:schemeClr val="accent1"/>
+          </a:lnRef>
+          <a:fillRef idx="0">
+            <a:schemeClr val="accent1"/>
+          </a:fillRef>
+          <a:effectRef idx="1">
+            <a:schemeClr val="accent1"/>
+          </a:effectRef>
+          <a:fontRef idx="minor">
+            <a:schemeClr val="tx1"/>
+          </a:fontRef>
+        </p:style>
+      </p:cxnSp>
+      <p:cxnSp>
+        <p:nvCxnSpPr>
+          <p:cNvPr id="26" name="Straight Arrow Connector 25">
+            <a:extLst>
+              <a:ext uri="{FF2B5EF4-FFF2-40B4-BE49-F238E27FC236}">
+                <a16:creationId xmlns:a16="http://schemas.microsoft.com/office/drawing/2014/main" id="{E4D0E8E6-3AD3-2442-5C3D-80A9295DCDD5}"/>
+              </a:ext>
+            </a:extLst>
+          </p:cNvPr>
+          <p:cNvCxnSpPr>
+            <a:cxnSpLocks/>
+            <a:stCxn id="18" idx="6"/>
+            <a:endCxn id="4" idx="1"/>
+          </p:cNvCxnSpPr>
+          <p:nvPr/>
+        </p:nvCxnSpPr>
+        <p:spPr>
+          <a:xfrm>
+            <a:off x="3204629" y="1561829"/>
+            <a:ext cx="690266" cy="0"/>
+          </a:xfrm>
+          <a:prstGeom prst="straightConnector1">
+            <a:avLst/>
+          </a:prstGeom>
+          <a:ln w="57150">
+            <a:tailEnd type="triangle"/>
+          </a:ln>
+        </p:spPr>
+        <p:style>
+          <a:lnRef idx="2">
+            <a:schemeClr val="accent1"/>
+          </a:lnRef>
+          <a:fillRef idx="0">
+            <a:schemeClr val="accent1"/>
+          </a:fillRef>
+          <a:effectRef idx="1">
+            <a:schemeClr val="accent1"/>
+          </a:effectRef>
+          <a:fontRef idx="minor">
+            <a:schemeClr val="tx1"/>
+          </a:fontRef>
+        </p:style>
+      </p:cxnSp>
+      <p:sp>
+        <p:nvSpPr>
+          <p:cNvPr id="29" name="TextBox 28">
+            <a:extLst>
+              <a:ext uri="{FF2B5EF4-FFF2-40B4-BE49-F238E27FC236}">
+                <a16:creationId xmlns:a16="http://schemas.microsoft.com/office/drawing/2014/main" id="{9AD031B0-28C2-FA32-F1E5-AD1253E44B0A}"/>
+              </a:ext>
+            </a:extLst>
+          </p:cNvPr>
+          <p:cNvSpPr txBox="1"/>
+          <p:nvPr/>
+        </p:nvSpPr>
+        <p:spPr>
+          <a:xfrm>
+            <a:off x="6738684" y="3628830"/>
+            <a:ext cx="575905" cy="369332"/>
+          </a:xfrm>
+          <a:prstGeom prst="rect">
+            <a:avLst/>
+          </a:prstGeom>
+          <a:noFill/>
+        </p:spPr>
+        <p:txBody>
+          <a:bodyPr wrap="square" lIns="0" tIns="0" rIns="0" bIns="0" rtlCol="0">
+            <a:noAutofit/>
+          </a:bodyPr>
+          <a:lstStyle>
+            <a:defPPr>
+              <a:defRPr lang="en-US"/>
+            </a:defPPr>
+            <a:lvl1pPr>
+              <a:defRPr>
+                <a:solidFill>
+                  <a:srgbClr val="FF0000"/>
+                </a:solidFill>
+                <a:latin typeface="Arial" panose="020B0604020202020204" pitchFamily="34" charset="0"/>
+                <a:cs typeface="Arial" panose="020B0604020202020204" pitchFamily="34" charset="0"/>
+              </a:defRPr>
+            </a:lvl1pPr>
+          </a:lstStyle>
+          <a:p>
+            <a:r>
+              <a:rPr lang="en-US" b="1" dirty="0">
+                <a:solidFill>
+                  <a:srgbClr val="00B050"/>
+                </a:solidFill>
+              </a:rPr>
+              <a:t>Yes</a:t>
+            </a:r>
+          </a:p>
+        </p:txBody>
+      </p:sp>
+      <p:sp>
+        <p:nvSpPr>
+          <p:cNvPr id="30" name="TextBox 29">
+            <a:extLst>
+              <a:ext uri="{FF2B5EF4-FFF2-40B4-BE49-F238E27FC236}">
+                <a16:creationId xmlns:a16="http://schemas.microsoft.com/office/drawing/2014/main" id="{14F032B3-16CE-91FC-F961-63A829BAB750}"/>
+              </a:ext>
+            </a:extLst>
+          </p:cNvPr>
+          <p:cNvSpPr txBox="1"/>
+          <p:nvPr/>
+        </p:nvSpPr>
+        <p:spPr>
+          <a:xfrm>
+            <a:off x="5348318" y="4735050"/>
+            <a:ext cx="332509" cy="276999"/>
+          </a:xfrm>
+          <a:prstGeom prst="rect">
+            <a:avLst/>
+          </a:prstGeom>
+          <a:noFill/>
+        </p:spPr>
+        <p:txBody>
+          <a:bodyPr wrap="square" lIns="0" tIns="0" rIns="0" bIns="0" rtlCol="0">
+            <a:noAutofit/>
+          </a:bodyPr>
+          <a:lstStyle/>
+          <a:p>
+            <a:r>
+              <a:rPr lang="en-US" b="1" dirty="0">
+                <a:solidFill>
+                  <a:srgbClr val="FF0000"/>
+                </a:solidFill>
+                <a:latin typeface="Arial" panose="020B0604020202020204" pitchFamily="34" charset="0"/>
+                <a:cs typeface="Arial" panose="020B0604020202020204" pitchFamily="34" charset="0"/>
+              </a:rPr>
+              <a:t>No</a:t>
+            </a:r>
+          </a:p>
+        </p:txBody>
+      </p:sp>
+      <p:sp>
+        <p:nvSpPr>
+          <p:cNvPr id="44" name="TextBox 43">
+            <a:extLst>
+              <a:ext uri="{FF2B5EF4-FFF2-40B4-BE49-F238E27FC236}">
+                <a16:creationId xmlns:a16="http://schemas.microsoft.com/office/drawing/2014/main" id="{4EA72B5C-4E20-3983-ACDE-82A66F89A3F6}"/>
+              </a:ext>
+            </a:extLst>
+          </p:cNvPr>
+          <p:cNvSpPr txBox="1"/>
+          <p:nvPr/>
+        </p:nvSpPr>
+        <p:spPr>
+          <a:xfrm>
+            <a:off x="2520852" y="3765071"/>
+            <a:ext cx="683777" cy="369332"/>
+          </a:xfrm>
+          <a:prstGeom prst="rect">
+            <a:avLst/>
+          </a:prstGeom>
+          <a:noFill/>
+        </p:spPr>
+        <p:txBody>
+          <a:bodyPr wrap="none" rtlCol="0">
+            <a:spAutoFit/>
+          </a:bodyPr>
+          <a:lstStyle/>
+          <a:p>
+            <a:r>
+              <a:rPr lang="en-US" dirty="0"/>
+              <a:t>Loop</a:t>
+            </a:r>
+          </a:p>
+        </p:txBody>
+      </p:sp>
+    </p:spTree>
+    <p:extLst>
+      <p:ext uri="{BB962C8B-B14F-4D97-AF65-F5344CB8AC3E}">
+        <p14:creationId xmlns:p14="http://schemas.microsoft.com/office/powerpoint/2010/main" val="4070677080"/>
+      </p:ext>
+    </p:extLst>
+  </p:cSld>
+  <p:clrMapOvr>
+    <a:masterClrMapping/>
+  </p:clrMapOvr>
+</p:sld>
+</file>
+
+<file path=ppt/slides/slide3.xml><?xml version="1.0" encoding="utf-8"?>
+<p:sld xmlns:a="http://schemas.openxmlformats.org/drawingml/2006/main" xmlns:r="http://schemas.openxmlformats.org/officeDocument/2006/relationships" xmlns:p="http://schemas.openxmlformats.org/presentationml/2006/main">
+  <p:cSld>
+    <p:spTree>
+      <p:nvGrpSpPr>
+        <p:cNvPr id="1" name=""/>
+        <p:cNvGrpSpPr/>
+        <p:nvPr/>
+      </p:nvGrpSpPr>
+      <p:grpSpPr>
+        <a:xfrm>
+          <a:off x="0" y="0"/>
+          <a:ext cx="0" cy="0"/>
+          <a:chOff x="0" y="0"/>
+          <a:chExt cx="0" cy="0"/>
+        </a:xfrm>
+      </p:grpSpPr>
+      <p:sp>
+        <p:nvSpPr>
+          <p:cNvPr id="2" name="Title 1">
+            <a:extLst>
+              <a:ext uri="{FF2B5EF4-FFF2-40B4-BE49-F238E27FC236}">
+                <a16:creationId xmlns:a16="http://schemas.microsoft.com/office/drawing/2014/main" id="{882174D5-9982-8748-077B-A109148CCDB4}"/>
+              </a:ext>
+            </a:extLst>
+          </p:cNvPr>
+          <p:cNvSpPr>
+            <a:spLocks noGrp="1"/>
+          </p:cNvSpPr>
+          <p:nvPr>
+            <p:ph type="title"/>
+          </p:nvPr>
+        </p:nvSpPr>
+        <p:spPr/>
+        <p:txBody>
+          <a:bodyPr/>
+          <a:lstStyle/>
+          <a:p>
+            <a:r>
+              <a:rPr lang="en-US" dirty="0"/>
+              <a:t>Things to Note</a:t>
+            </a:r>
+          </a:p>
+        </p:txBody>
+      </p:sp>
+      <p:sp>
+        <p:nvSpPr>
+          <p:cNvPr id="3" name="Content Placeholder 2">
+            <a:extLst>
+              <a:ext uri="{FF2B5EF4-FFF2-40B4-BE49-F238E27FC236}">
+                <a16:creationId xmlns:a16="http://schemas.microsoft.com/office/drawing/2014/main" id="{929449D2-BDBF-FAFF-4866-F355611B742F}"/>
+              </a:ext>
+            </a:extLst>
+          </p:cNvPr>
+          <p:cNvSpPr>
+            <a:spLocks noGrp="1"/>
+          </p:cNvSpPr>
+          <p:nvPr>
+            <p:ph idx="1"/>
+          </p:nvPr>
+        </p:nvSpPr>
+        <p:spPr/>
+        <p:txBody>
+          <a:bodyPr/>
+          <a:lstStyle/>
+          <a:p>
+            <a:r>
+              <a:rPr lang="en-US" dirty="0"/>
+              <a:t>The LLM is trained on </a:t>
+            </a:r>
+            <a:r>
+              <a:rPr lang="en-US" b="1" dirty="0"/>
+              <a:t>public</a:t>
+            </a:r>
+            <a:r>
+              <a:rPr lang="en-US" dirty="0"/>
+              <a:t> knowledge but does not know anything about your goals, your products or your customers </a:t>
+            </a:r>
+          </a:p>
+          <a:p>
+            <a:r>
+              <a:rPr lang="en-US" dirty="0"/>
+              <a:t>A human decides if the response is OK</a:t>
+            </a:r>
+          </a:p>
+          <a:p>
+            <a:r>
+              <a:rPr lang="en-US" dirty="0"/>
+              <a:t>The human is “trained” to write better prompts</a:t>
+            </a:r>
+          </a:p>
+        </p:txBody>
+      </p:sp>
+    </p:spTree>
+    <p:extLst>
+      <p:ext uri="{BB962C8B-B14F-4D97-AF65-F5344CB8AC3E}">
+        <p14:creationId xmlns:p14="http://schemas.microsoft.com/office/powerpoint/2010/main" val="704102384"/>
+      </p:ext>
+    </p:extLst>
+  </p:cSld>
+  <p:clrMapOvr>
+    <a:masterClrMapping/>
+  </p:clrMapOvr>
+</p:sld>
+</file>
+
+<file path=ppt/slides/slide4.xml><?xml version="1.0" encoding="utf-8"?>
+<p:sld xmlns:a="http://schemas.openxmlformats.org/drawingml/2006/main" xmlns:r="http://schemas.openxmlformats.org/officeDocument/2006/relationships" xmlns:p="http://schemas.openxmlformats.org/presentationml/2006/main">
+  <p:cSld>
+    <p:spTree>
+      <p:nvGrpSpPr>
+        <p:cNvPr id="1" name=""/>
+        <p:cNvGrpSpPr/>
+        <p:nvPr/>
+      </p:nvGrpSpPr>
+      <p:grpSpPr>
+        <a:xfrm>
+          <a:off x="0" y="0"/>
+          <a:ext cx="0" cy="0"/>
+          <a:chOff x="0" y="0"/>
+          <a:chExt cx="0" cy="0"/>
+        </a:xfrm>
+      </p:grpSpPr>
+      <p:sp>
+        <p:nvSpPr>
+          <p:cNvPr id="2" name="Title 1">
+            <a:extLst>
+              <a:ext uri="{FF2B5EF4-FFF2-40B4-BE49-F238E27FC236}">
+                <a16:creationId xmlns:a16="http://schemas.microsoft.com/office/drawing/2014/main" id="{94C9827F-96F0-714C-0118-F91AF0D9FAB8}"/>
+              </a:ext>
+            </a:extLst>
+          </p:cNvPr>
+          <p:cNvSpPr>
+            <a:spLocks noGrp="1"/>
+          </p:cNvSpPr>
+          <p:nvPr>
+            <p:ph type="title"/>
+          </p:nvPr>
+        </p:nvSpPr>
+        <p:spPr>
+          <a:xfrm>
+            <a:off x="262295" y="199705"/>
+            <a:ext cx="10515600" cy="407822"/>
+          </a:xfrm>
+        </p:spPr>
+        <p:txBody>
+          <a:bodyPr>
+            <a:normAutofit fontScale="90000"/>
+          </a:bodyPr>
+          <a:lstStyle/>
+          <a:p>
+            <a:endParaRPr lang="en-US"/>
+          </a:p>
+        </p:txBody>
+      </p:sp>
+      <p:sp>
+        <p:nvSpPr>
+          <p:cNvPr id="4" name="Rectangle 3">
+            <a:extLst>
+              <a:ext uri="{FF2B5EF4-FFF2-40B4-BE49-F238E27FC236}">
+                <a16:creationId xmlns:a16="http://schemas.microsoft.com/office/drawing/2014/main" id="{D83512BC-1705-D092-F04E-A9B4D09F12E0}"/>
+              </a:ext>
+            </a:extLst>
+          </p:cNvPr>
+          <p:cNvSpPr/>
+          <p:nvPr/>
+        </p:nvSpPr>
+        <p:spPr>
+          <a:xfrm>
+            <a:off x="3964343" y="944853"/>
+            <a:ext cx="2638251" cy="518984"/>
+          </a:xfrm>
+          <a:prstGeom prst="rect">
+            <a:avLst/>
+          </a:prstGeom>
+          <a:solidFill>
+            <a:srgbClr val="0070C0"/>
+          </a:solidFill>
+        </p:spPr>
+        <p:style>
+          <a:lnRef idx="2">
+            <a:schemeClr val="accent1">
+              <a:shade val="15000"/>
+            </a:schemeClr>
+          </a:lnRef>
+          <a:fillRef idx="1">
+            <a:schemeClr val="accent1"/>
+          </a:fillRef>
+          <a:effectRef idx="0">
+            <a:schemeClr val="accent1"/>
+          </a:effectRef>
+          <a:fontRef idx="minor">
+            <a:schemeClr val="lt1"/>
+          </a:fontRef>
+        </p:style>
+        <p:txBody>
+          <a:bodyPr rtlCol="0" anchor="ctr"/>
+          <a:lstStyle/>
+          <a:p>
+            <a:pPr algn="ctr"/>
+            <a:r>
+              <a:rPr lang="en-US" dirty="0">
+                <a:latin typeface="Arial" panose="020B0604020202020204" pitchFamily="34" charset="0"/>
+                <a:cs typeface="Arial" panose="020B0604020202020204" pitchFamily="34" charset="0"/>
+              </a:rPr>
+              <a:t>Initial Prompt</a:t>
+            </a:r>
+          </a:p>
+        </p:txBody>
+      </p:sp>
+      <p:sp>
+        <p:nvSpPr>
+          <p:cNvPr id="5" name="Rounded Rectangle 4">
+            <a:extLst>
+              <a:ext uri="{FF2B5EF4-FFF2-40B4-BE49-F238E27FC236}">
+                <a16:creationId xmlns:a16="http://schemas.microsoft.com/office/drawing/2014/main" id="{584D8CDD-1787-D1A3-EC3F-9704AAF382C7}"/>
+              </a:ext>
+            </a:extLst>
+          </p:cNvPr>
+          <p:cNvSpPr/>
+          <p:nvPr/>
+        </p:nvSpPr>
+        <p:spPr>
+          <a:xfrm>
+            <a:off x="3964343" y="2829553"/>
+            <a:ext cx="2638251" cy="625643"/>
+          </a:xfrm>
+          <a:prstGeom prst="roundRect">
+            <a:avLst/>
+          </a:prstGeom>
+          <a:solidFill>
+            <a:srgbClr val="002060"/>
+          </a:solidFill>
+          <a:ln>
+            <a:solidFill>
+              <a:srgbClr val="002060"/>
+            </a:solidFill>
+          </a:ln>
+        </p:spPr>
+        <p:style>
+          <a:lnRef idx="2">
+            <a:schemeClr val="accent1">
+              <a:shade val="15000"/>
+            </a:schemeClr>
+          </a:lnRef>
+          <a:fillRef idx="1">
+            <a:schemeClr val="accent1"/>
+          </a:fillRef>
+          <a:effectRef idx="0">
+            <a:schemeClr val="accent1"/>
+          </a:effectRef>
+          <a:fontRef idx="minor">
+            <a:schemeClr val="lt1"/>
+          </a:fontRef>
+        </p:style>
+        <p:txBody>
+          <a:bodyPr rtlCol="0" anchor="ctr"/>
+          <a:lstStyle/>
+          <a:p>
+            <a:pPr algn="ctr"/>
+            <a:r>
+              <a:rPr lang="en-US" dirty="0">
+                <a:latin typeface="Arial" panose="020B0604020202020204" pitchFamily="34" charset="0"/>
+                <a:cs typeface="Arial" panose="020B0604020202020204" pitchFamily="34" charset="0"/>
+              </a:rPr>
+              <a:t>Send to LLM</a:t>
+            </a:r>
+          </a:p>
+        </p:txBody>
+      </p:sp>
+      <p:sp>
+        <p:nvSpPr>
+          <p:cNvPr id="6" name="Diamond 5">
+            <a:extLst>
+              <a:ext uri="{FF2B5EF4-FFF2-40B4-BE49-F238E27FC236}">
+                <a16:creationId xmlns:a16="http://schemas.microsoft.com/office/drawing/2014/main" id="{F39DB72E-3939-741C-B14F-051CE197BFF8}"/>
+              </a:ext>
+            </a:extLst>
+          </p:cNvPr>
+          <p:cNvSpPr/>
+          <p:nvPr/>
+        </p:nvSpPr>
+        <p:spPr>
+          <a:xfrm>
+            <a:off x="3964344" y="3984585"/>
+            <a:ext cx="2638250" cy="1191126"/>
+          </a:xfrm>
+          <a:prstGeom prst="diamond">
+            <a:avLst/>
+          </a:prstGeom>
+          <a:solidFill>
+            <a:srgbClr val="FFC000"/>
+          </a:solidFill>
+        </p:spPr>
+        <p:style>
+          <a:lnRef idx="2">
+            <a:schemeClr val="accent1">
+              <a:shade val="15000"/>
+            </a:schemeClr>
+          </a:lnRef>
+          <a:fillRef idx="1">
+            <a:schemeClr val="accent1"/>
+          </a:fillRef>
+          <a:effectRef idx="0">
+            <a:schemeClr val="accent1"/>
+          </a:effectRef>
+          <a:fontRef idx="minor">
+            <a:schemeClr val="lt1"/>
+          </a:fontRef>
+        </p:style>
+        <p:txBody>
+          <a:bodyPr rtlCol="0" anchor="ctr"/>
+          <a:lstStyle/>
+          <a:p>
+            <a:pPr algn="ctr"/>
+            <a:r>
+              <a:rPr lang="en-US" dirty="0">
+                <a:solidFill>
+                  <a:schemeClr val="tx1"/>
+                </a:solidFill>
+                <a:latin typeface="Arial" panose="020B0604020202020204" pitchFamily="34" charset="0"/>
+                <a:cs typeface="Arial" panose="020B0604020202020204" pitchFamily="34" charset="0"/>
+              </a:rPr>
+              <a:t>Response OK?</a:t>
+            </a:r>
+          </a:p>
+        </p:txBody>
+      </p:sp>
+      <p:sp>
+        <p:nvSpPr>
+          <p:cNvPr id="7" name="Rectangle 6">
+            <a:extLst>
+              <a:ext uri="{FF2B5EF4-FFF2-40B4-BE49-F238E27FC236}">
+                <a16:creationId xmlns:a16="http://schemas.microsoft.com/office/drawing/2014/main" id="{BD319993-9684-779B-2B12-39A9F07A97D7}"/>
+              </a:ext>
+            </a:extLst>
+          </p:cNvPr>
+          <p:cNvSpPr/>
+          <p:nvPr/>
+        </p:nvSpPr>
+        <p:spPr>
+          <a:xfrm>
+            <a:off x="4017346" y="5705100"/>
+            <a:ext cx="2532244" cy="518984"/>
+          </a:xfrm>
+          <a:prstGeom prst="rect">
+            <a:avLst/>
+          </a:prstGeom>
+          <a:solidFill>
+            <a:srgbClr val="0070C0"/>
+          </a:solidFill>
+        </p:spPr>
+        <p:style>
+          <a:lnRef idx="2">
+            <a:schemeClr val="accent1">
+              <a:shade val="15000"/>
+            </a:schemeClr>
+          </a:lnRef>
+          <a:fillRef idx="1">
+            <a:schemeClr val="accent1"/>
+          </a:fillRef>
+          <a:effectRef idx="0">
+            <a:schemeClr val="accent1"/>
+          </a:effectRef>
+          <a:fontRef idx="minor">
+            <a:schemeClr val="lt1"/>
+          </a:fontRef>
+        </p:style>
+        <p:txBody>
+          <a:bodyPr rtlCol="0" anchor="ctr"/>
+          <a:lstStyle/>
+          <a:p>
+            <a:pPr algn="ctr"/>
+            <a:r>
+              <a:rPr lang="en-US" dirty="0">
+                <a:latin typeface="Arial" panose="020B0604020202020204" pitchFamily="34" charset="0"/>
+                <a:cs typeface="Arial" panose="020B0604020202020204" pitchFamily="34" charset="0"/>
+              </a:rPr>
+              <a:t>New Prompt</a:t>
+            </a:r>
+          </a:p>
+        </p:txBody>
+      </p:sp>
+      <p:cxnSp>
+        <p:nvCxnSpPr>
+          <p:cNvPr id="8" name="Elbow Connector 7">
+            <a:extLst>
+              <a:ext uri="{FF2B5EF4-FFF2-40B4-BE49-F238E27FC236}">
+                <a16:creationId xmlns:a16="http://schemas.microsoft.com/office/drawing/2014/main" id="{204603E0-9B31-6642-0652-C916C7109914}"/>
+              </a:ext>
+            </a:extLst>
+          </p:cNvPr>
+          <p:cNvCxnSpPr>
+            <a:cxnSpLocks/>
+            <a:stCxn id="7" idx="1"/>
+            <a:endCxn id="5" idx="1"/>
+          </p:cNvCxnSpPr>
+          <p:nvPr/>
+        </p:nvCxnSpPr>
+        <p:spPr>
+          <a:xfrm rot="10800000">
+            <a:off x="3964344" y="3142376"/>
+            <a:ext cx="53003" cy="2822217"/>
+          </a:xfrm>
+          <a:prstGeom prst="bentConnector3">
+            <a:avLst>
+              <a:gd name="adj1" fmla="val 968051"/>
+            </a:avLst>
+          </a:prstGeom>
+          <a:ln w="57150">
+            <a:tailEnd type="triangle"/>
+          </a:ln>
+        </p:spPr>
+        <p:style>
+          <a:lnRef idx="2">
+            <a:schemeClr val="accent1"/>
+          </a:lnRef>
+          <a:fillRef idx="0">
+            <a:schemeClr val="accent1"/>
+          </a:fillRef>
+          <a:effectRef idx="1">
+            <a:schemeClr val="accent1"/>
+          </a:effectRef>
+          <a:fontRef idx="minor">
+            <a:schemeClr val="tx1"/>
+          </a:fontRef>
+        </p:style>
+      </p:cxnSp>
+      <p:cxnSp>
+        <p:nvCxnSpPr>
+          <p:cNvPr id="9" name="Straight Arrow Connector 8">
+            <a:extLst>
+              <a:ext uri="{FF2B5EF4-FFF2-40B4-BE49-F238E27FC236}">
+                <a16:creationId xmlns:a16="http://schemas.microsoft.com/office/drawing/2014/main" id="{65A4D2AB-EB31-A5BC-B112-A8C244622E69}"/>
+              </a:ext>
+            </a:extLst>
+          </p:cNvPr>
+          <p:cNvCxnSpPr>
+            <a:cxnSpLocks/>
+            <a:endCxn id="5" idx="0"/>
+          </p:cNvCxnSpPr>
+          <p:nvPr/>
+        </p:nvCxnSpPr>
+        <p:spPr>
+          <a:xfrm>
+            <a:off x="5279236" y="2407534"/>
+            <a:ext cx="4233" cy="422019"/>
+          </a:xfrm>
+          <a:prstGeom prst="straightConnector1">
+            <a:avLst/>
+          </a:prstGeom>
+          <a:ln w="57150">
+            <a:solidFill>
+              <a:schemeClr val="tx1"/>
+            </a:solidFill>
+            <a:tailEnd type="triangle"/>
+          </a:ln>
+        </p:spPr>
+        <p:style>
+          <a:lnRef idx="2">
+            <a:schemeClr val="accent1"/>
+          </a:lnRef>
+          <a:fillRef idx="0">
+            <a:schemeClr val="accent1"/>
+          </a:fillRef>
+          <a:effectRef idx="1">
+            <a:schemeClr val="accent1"/>
+          </a:effectRef>
+          <a:fontRef idx="minor">
+            <a:schemeClr val="tx1"/>
+          </a:fontRef>
+        </p:style>
+      </p:cxnSp>
+      <p:cxnSp>
+        <p:nvCxnSpPr>
+          <p:cNvPr id="10" name="Straight Arrow Connector 9">
+            <a:extLst>
+              <a:ext uri="{FF2B5EF4-FFF2-40B4-BE49-F238E27FC236}">
+                <a16:creationId xmlns:a16="http://schemas.microsoft.com/office/drawing/2014/main" id="{4D5C23AD-2D18-CCBE-3229-FEBEBE301019}"/>
+              </a:ext>
+            </a:extLst>
+          </p:cNvPr>
+          <p:cNvCxnSpPr>
+            <a:cxnSpLocks/>
+            <a:stCxn id="5" idx="2"/>
+            <a:endCxn id="6" idx="0"/>
+          </p:cNvCxnSpPr>
+          <p:nvPr/>
+        </p:nvCxnSpPr>
+        <p:spPr>
+          <a:xfrm>
+            <a:off x="5283469" y="3455196"/>
+            <a:ext cx="0" cy="529389"/>
+          </a:xfrm>
+          <a:prstGeom prst="straightConnector1">
+            <a:avLst/>
+          </a:prstGeom>
+          <a:ln w="57150">
+            <a:solidFill>
+              <a:schemeClr val="tx1"/>
+            </a:solidFill>
+            <a:tailEnd type="triangle"/>
+          </a:ln>
+        </p:spPr>
+        <p:style>
+          <a:lnRef idx="2">
+            <a:schemeClr val="accent1"/>
+          </a:lnRef>
+          <a:fillRef idx="0">
+            <a:schemeClr val="accent1"/>
+          </a:fillRef>
+          <a:effectRef idx="1">
+            <a:schemeClr val="accent1"/>
+          </a:effectRef>
+          <a:fontRef idx="minor">
+            <a:schemeClr val="tx1"/>
+          </a:fontRef>
+        </p:style>
+      </p:cxnSp>
+      <p:cxnSp>
+        <p:nvCxnSpPr>
+          <p:cNvPr id="11" name="Straight Arrow Connector 10">
+            <a:extLst>
+              <a:ext uri="{FF2B5EF4-FFF2-40B4-BE49-F238E27FC236}">
+                <a16:creationId xmlns:a16="http://schemas.microsoft.com/office/drawing/2014/main" id="{236A4EA2-9485-3265-F7CF-EE1C2FEBB4E7}"/>
+              </a:ext>
+            </a:extLst>
+          </p:cNvPr>
+          <p:cNvCxnSpPr>
+            <a:cxnSpLocks/>
+            <a:stCxn id="6" idx="3"/>
+            <a:endCxn id="13" idx="2"/>
+          </p:cNvCxnSpPr>
+          <p:nvPr/>
+        </p:nvCxnSpPr>
+        <p:spPr>
+          <a:xfrm>
+            <a:off x="6602594" y="4580148"/>
+            <a:ext cx="986982" cy="0"/>
+          </a:xfrm>
+          <a:prstGeom prst="straightConnector1">
+            <a:avLst/>
+          </a:prstGeom>
+          <a:ln w="57150">
+            <a:solidFill>
+              <a:srgbClr val="00B050"/>
+            </a:solidFill>
+            <a:tailEnd type="triangle"/>
+          </a:ln>
+        </p:spPr>
+        <p:style>
+          <a:lnRef idx="2">
+            <a:schemeClr val="accent1"/>
+          </a:lnRef>
+          <a:fillRef idx="0">
+            <a:schemeClr val="accent1"/>
+          </a:fillRef>
+          <a:effectRef idx="1">
+            <a:schemeClr val="accent1"/>
+          </a:effectRef>
+          <a:fontRef idx="minor">
+            <a:schemeClr val="tx1"/>
+          </a:fontRef>
+        </p:style>
+      </p:cxnSp>
+      <p:sp>
+        <p:nvSpPr>
+          <p:cNvPr id="12" name="Oval 11">
+            <a:extLst>
+              <a:ext uri="{FF2B5EF4-FFF2-40B4-BE49-F238E27FC236}">
+                <a16:creationId xmlns:a16="http://schemas.microsoft.com/office/drawing/2014/main" id="{40E6C80E-0ABA-FDC6-340F-0E7E155767D4}"/>
+              </a:ext>
+            </a:extLst>
+          </p:cNvPr>
+          <p:cNvSpPr/>
+          <p:nvPr/>
+        </p:nvSpPr>
+        <p:spPr>
+          <a:xfrm>
+            <a:off x="2192607" y="944853"/>
+            <a:ext cx="1081470" cy="518984"/>
+          </a:xfrm>
+          <a:prstGeom prst="ellipse">
+            <a:avLst/>
+          </a:prstGeom>
+          <a:solidFill>
+            <a:srgbClr val="00B050"/>
+          </a:solidFill>
+        </p:spPr>
+        <p:style>
+          <a:lnRef idx="2">
+            <a:schemeClr val="accent1">
+              <a:shade val="15000"/>
+            </a:schemeClr>
+          </a:lnRef>
+          <a:fillRef idx="1">
+            <a:schemeClr val="accent1"/>
+          </a:fillRef>
+          <a:effectRef idx="0">
+            <a:schemeClr val="accent1"/>
+          </a:effectRef>
+          <a:fontRef idx="minor">
+            <a:schemeClr val="lt1"/>
+          </a:fontRef>
+        </p:style>
+        <p:txBody>
+          <a:bodyPr rtlCol="0" anchor="ctr"/>
+          <a:lstStyle/>
+          <a:p>
+            <a:pPr algn="ctr"/>
+            <a:r>
+              <a:rPr lang="en-US" dirty="0">
+                <a:latin typeface="Arial" panose="020B0604020202020204" pitchFamily="34" charset="0"/>
+                <a:cs typeface="Arial" panose="020B0604020202020204" pitchFamily="34" charset="0"/>
+              </a:rPr>
+              <a:t>Start</a:t>
+            </a:r>
+          </a:p>
+        </p:txBody>
+      </p:sp>
+      <p:sp>
+        <p:nvSpPr>
+          <p:cNvPr id="13" name="Oval 12">
+            <a:extLst>
+              <a:ext uri="{FF2B5EF4-FFF2-40B4-BE49-F238E27FC236}">
+                <a16:creationId xmlns:a16="http://schemas.microsoft.com/office/drawing/2014/main" id="{E48F9F1D-8B48-C443-0D3F-B05E1CA22E52}"/>
+              </a:ext>
+            </a:extLst>
+          </p:cNvPr>
+          <p:cNvSpPr/>
+          <p:nvPr/>
+        </p:nvSpPr>
+        <p:spPr>
+          <a:xfrm>
+            <a:off x="7589576" y="4320656"/>
+            <a:ext cx="1333814" cy="518984"/>
+          </a:xfrm>
+          <a:prstGeom prst="ellipse">
+            <a:avLst/>
+          </a:prstGeom>
+          <a:solidFill>
+            <a:srgbClr val="7030A0"/>
+          </a:solidFill>
+        </p:spPr>
+        <p:style>
+          <a:lnRef idx="2">
+            <a:schemeClr val="accent1">
+              <a:shade val="15000"/>
+            </a:schemeClr>
+          </a:lnRef>
+          <a:fillRef idx="1">
+            <a:schemeClr val="accent1"/>
+          </a:fillRef>
+          <a:effectRef idx="0">
+            <a:schemeClr val="accent1"/>
+          </a:effectRef>
+          <a:fontRef idx="minor">
+            <a:schemeClr val="lt1"/>
+          </a:fontRef>
+        </p:style>
+        <p:txBody>
+          <a:bodyPr rtlCol="0" anchor="ctr"/>
+          <a:lstStyle/>
+          <a:p>
+            <a:pPr algn="ctr"/>
+            <a:r>
+              <a:rPr lang="en-US" dirty="0">
+                <a:latin typeface="Arial" panose="020B0604020202020204" pitchFamily="34" charset="0"/>
+                <a:cs typeface="Arial" panose="020B0604020202020204" pitchFamily="34" charset="0"/>
+              </a:rPr>
+              <a:t>Finish</a:t>
+            </a:r>
+          </a:p>
+        </p:txBody>
+      </p:sp>
+      <p:cxnSp>
+        <p:nvCxnSpPr>
+          <p:cNvPr id="14" name="Straight Arrow Connector 13">
+            <a:extLst>
+              <a:ext uri="{FF2B5EF4-FFF2-40B4-BE49-F238E27FC236}">
+                <a16:creationId xmlns:a16="http://schemas.microsoft.com/office/drawing/2014/main" id="{5C43F5A8-1422-5900-A2BD-05E697280FE0}"/>
+              </a:ext>
+            </a:extLst>
+          </p:cNvPr>
+          <p:cNvCxnSpPr>
+            <a:cxnSpLocks/>
+            <a:stCxn id="6" idx="2"/>
+            <a:endCxn id="7" idx="0"/>
+          </p:cNvCxnSpPr>
+          <p:nvPr/>
+        </p:nvCxnSpPr>
+        <p:spPr>
+          <a:xfrm flipH="1">
+            <a:off x="5283468" y="5175711"/>
+            <a:ext cx="1" cy="529389"/>
+          </a:xfrm>
+          <a:prstGeom prst="straightConnector1">
+            <a:avLst/>
+          </a:prstGeom>
+          <a:ln w="57150">
+            <a:solidFill>
+              <a:srgbClr val="FF0000"/>
+            </a:solidFill>
+            <a:tailEnd type="triangle"/>
+          </a:ln>
+        </p:spPr>
+        <p:style>
+          <a:lnRef idx="2">
+            <a:schemeClr val="accent1"/>
+          </a:lnRef>
+          <a:fillRef idx="0">
+            <a:schemeClr val="accent1"/>
+          </a:fillRef>
+          <a:effectRef idx="1">
+            <a:schemeClr val="accent1"/>
+          </a:effectRef>
+          <a:fontRef idx="minor">
+            <a:schemeClr val="tx1"/>
+          </a:fontRef>
+        </p:style>
+      </p:cxnSp>
+      <p:cxnSp>
+        <p:nvCxnSpPr>
+          <p:cNvPr id="15" name="Straight Arrow Connector 14">
+            <a:extLst>
+              <a:ext uri="{FF2B5EF4-FFF2-40B4-BE49-F238E27FC236}">
+                <a16:creationId xmlns:a16="http://schemas.microsoft.com/office/drawing/2014/main" id="{07F1BDA4-AABA-7226-50B7-43A9BB0EDD63}"/>
+              </a:ext>
+            </a:extLst>
+          </p:cNvPr>
+          <p:cNvCxnSpPr>
+            <a:cxnSpLocks/>
+            <a:stCxn id="12" idx="6"/>
+            <a:endCxn id="4" idx="1"/>
+          </p:cNvCxnSpPr>
+          <p:nvPr/>
+        </p:nvCxnSpPr>
+        <p:spPr>
+          <a:xfrm>
+            <a:off x="3274077" y="1204345"/>
+            <a:ext cx="690266" cy="0"/>
+          </a:xfrm>
+          <a:prstGeom prst="straightConnector1">
+            <a:avLst/>
+          </a:prstGeom>
+          <a:ln w="57150">
+            <a:tailEnd type="triangle"/>
+          </a:ln>
+        </p:spPr>
+        <p:style>
+          <a:lnRef idx="2">
+            <a:schemeClr val="accent1"/>
+          </a:lnRef>
+          <a:fillRef idx="0">
+            <a:schemeClr val="accent1"/>
+          </a:fillRef>
+          <a:effectRef idx="1">
+            <a:schemeClr val="accent1"/>
+          </a:effectRef>
+          <a:fontRef idx="minor">
+            <a:schemeClr val="tx1"/>
+          </a:fontRef>
+        </p:style>
+      </p:cxnSp>
+      <p:sp>
+        <p:nvSpPr>
+          <p:cNvPr id="16" name="TextBox 15">
+            <a:extLst>
+              <a:ext uri="{FF2B5EF4-FFF2-40B4-BE49-F238E27FC236}">
+                <a16:creationId xmlns:a16="http://schemas.microsoft.com/office/drawing/2014/main" id="{92E8B78A-EEED-6A2F-E49D-D0AE6DC6F824}"/>
+              </a:ext>
+            </a:extLst>
+          </p:cNvPr>
+          <p:cNvSpPr txBox="1"/>
+          <p:nvPr/>
+        </p:nvSpPr>
+        <p:spPr>
+          <a:xfrm>
+            <a:off x="6808132" y="4184415"/>
+            <a:ext cx="575905" cy="369332"/>
+          </a:xfrm>
+          <a:prstGeom prst="rect">
+            <a:avLst/>
+          </a:prstGeom>
+          <a:noFill/>
+        </p:spPr>
+        <p:txBody>
+          <a:bodyPr wrap="square" lIns="0" tIns="0" rIns="0" bIns="0" rtlCol="0">
+            <a:noAutofit/>
+          </a:bodyPr>
+          <a:lstStyle>
+            <a:defPPr>
+              <a:defRPr lang="en-US"/>
+            </a:defPPr>
+            <a:lvl1pPr>
+              <a:defRPr>
+                <a:solidFill>
+                  <a:srgbClr val="FF0000"/>
+                </a:solidFill>
+                <a:latin typeface="Arial" panose="020B0604020202020204" pitchFamily="34" charset="0"/>
+                <a:cs typeface="Arial" panose="020B0604020202020204" pitchFamily="34" charset="0"/>
+              </a:defRPr>
+            </a:lvl1pPr>
+          </a:lstStyle>
+          <a:p>
+            <a:r>
+              <a:rPr lang="en-US" b="1" dirty="0">
+                <a:solidFill>
+                  <a:srgbClr val="00B050"/>
+                </a:solidFill>
+              </a:rPr>
+              <a:t>Yes</a:t>
+            </a:r>
+          </a:p>
+        </p:txBody>
+      </p:sp>
+      <p:sp>
+        <p:nvSpPr>
+          <p:cNvPr id="17" name="TextBox 16">
+            <a:extLst>
+              <a:ext uri="{FF2B5EF4-FFF2-40B4-BE49-F238E27FC236}">
+                <a16:creationId xmlns:a16="http://schemas.microsoft.com/office/drawing/2014/main" id="{7114E0F4-0F90-8C5C-94A4-C04348D05A83}"/>
+              </a:ext>
+            </a:extLst>
+          </p:cNvPr>
+          <p:cNvSpPr txBox="1"/>
+          <p:nvPr/>
+        </p:nvSpPr>
+        <p:spPr>
+          <a:xfrm>
+            <a:off x="5417766" y="5290635"/>
+            <a:ext cx="332509" cy="276999"/>
+          </a:xfrm>
+          <a:prstGeom prst="rect">
+            <a:avLst/>
+          </a:prstGeom>
+          <a:noFill/>
+        </p:spPr>
+        <p:txBody>
+          <a:bodyPr wrap="square" lIns="0" tIns="0" rIns="0" bIns="0" rtlCol="0">
+            <a:noAutofit/>
+          </a:bodyPr>
+          <a:lstStyle/>
+          <a:p>
+            <a:r>
+              <a:rPr lang="en-US" b="1" dirty="0">
+                <a:solidFill>
+                  <a:srgbClr val="FF0000"/>
+                </a:solidFill>
+                <a:latin typeface="Arial" panose="020B0604020202020204" pitchFamily="34" charset="0"/>
+                <a:cs typeface="Arial" panose="020B0604020202020204" pitchFamily="34" charset="0"/>
+              </a:rPr>
+              <a:t>No</a:t>
+            </a:r>
+          </a:p>
+        </p:txBody>
+      </p:sp>
+      <p:cxnSp>
+        <p:nvCxnSpPr>
+          <p:cNvPr id="22" name="Straight Arrow Connector 21">
+            <a:extLst>
+              <a:ext uri="{FF2B5EF4-FFF2-40B4-BE49-F238E27FC236}">
+                <a16:creationId xmlns:a16="http://schemas.microsoft.com/office/drawing/2014/main" id="{6D5553A8-F44D-0CBE-0508-010C4DB483E0}"/>
+              </a:ext>
+            </a:extLst>
+          </p:cNvPr>
+          <p:cNvCxnSpPr>
+            <a:cxnSpLocks/>
+          </p:cNvCxnSpPr>
+          <p:nvPr/>
+        </p:nvCxnSpPr>
+        <p:spPr>
+          <a:xfrm>
+            <a:off x="5279236" y="1463837"/>
+            <a:ext cx="0" cy="388113"/>
+          </a:xfrm>
+          <a:prstGeom prst="straightConnector1">
+            <a:avLst/>
+          </a:prstGeom>
+          <a:ln w="57150">
+            <a:solidFill>
+              <a:schemeClr val="tx1"/>
+            </a:solidFill>
+            <a:tailEnd type="triangle"/>
+          </a:ln>
+        </p:spPr>
+        <p:style>
+          <a:lnRef idx="2">
+            <a:schemeClr val="accent1"/>
+          </a:lnRef>
+          <a:fillRef idx="0">
+            <a:schemeClr val="accent1"/>
+          </a:fillRef>
+          <a:effectRef idx="1">
+            <a:schemeClr val="accent1"/>
+          </a:effectRef>
+          <a:fontRef idx="minor">
+            <a:schemeClr val="tx1"/>
+          </a:fontRef>
+        </p:style>
+      </p:cxnSp>
+      <p:sp>
+        <p:nvSpPr>
+          <p:cNvPr id="25" name="Rounded Rectangle 24">
+            <a:extLst>
+              <a:ext uri="{FF2B5EF4-FFF2-40B4-BE49-F238E27FC236}">
+                <a16:creationId xmlns:a16="http://schemas.microsoft.com/office/drawing/2014/main" id="{077B029B-FB0B-B1B3-1F6A-D7CC3A313A8B}"/>
+              </a:ext>
+            </a:extLst>
+          </p:cNvPr>
+          <p:cNvSpPr/>
+          <p:nvPr/>
+        </p:nvSpPr>
+        <p:spPr>
+          <a:xfrm>
+            <a:off x="3990845" y="1878145"/>
+            <a:ext cx="2638251" cy="489472"/>
+          </a:xfrm>
+          <a:prstGeom prst="roundRect">
+            <a:avLst/>
+          </a:prstGeom>
+          <a:solidFill>
+            <a:schemeClr val="accent6">
+              <a:lumMod val="75000"/>
+            </a:schemeClr>
+          </a:solidFill>
+          <a:ln>
+            <a:solidFill>
+              <a:srgbClr val="002060"/>
+            </a:solidFill>
+          </a:ln>
+        </p:spPr>
+        <p:style>
+          <a:lnRef idx="2">
+            <a:schemeClr val="accent1">
+              <a:shade val="15000"/>
+            </a:schemeClr>
+          </a:lnRef>
+          <a:fillRef idx="1">
+            <a:schemeClr val="accent1"/>
+          </a:fillRef>
+          <a:effectRef idx="0">
+            <a:schemeClr val="accent1"/>
+          </a:effectRef>
+          <a:fontRef idx="minor">
+            <a:schemeClr val="lt1"/>
+          </a:fontRef>
+        </p:style>
+        <p:txBody>
+          <a:bodyPr rtlCol="0" anchor="ctr"/>
+          <a:lstStyle/>
+          <a:p>
+            <a:pPr algn="ctr"/>
+            <a:r>
+              <a:rPr lang="en-US" dirty="0">
+                <a:latin typeface="Arial" panose="020B0604020202020204" pitchFamily="34" charset="0"/>
+                <a:cs typeface="Arial" panose="020B0604020202020204" pitchFamily="34" charset="0"/>
+              </a:rPr>
+              <a:t>Enrich Prompt</a:t>
+            </a:r>
+          </a:p>
+        </p:txBody>
+      </p:sp>
+      <p:sp>
+        <p:nvSpPr>
+          <p:cNvPr id="27" name="Can 26">
+            <a:extLst>
+              <a:ext uri="{FF2B5EF4-FFF2-40B4-BE49-F238E27FC236}">
+                <a16:creationId xmlns:a16="http://schemas.microsoft.com/office/drawing/2014/main" id="{744621E0-9668-FD0E-3CF4-60D3224DCAB7}"/>
+              </a:ext>
+            </a:extLst>
+          </p:cNvPr>
+          <p:cNvSpPr/>
+          <p:nvPr/>
+        </p:nvSpPr>
+        <p:spPr>
+          <a:xfrm>
+            <a:off x="7440305" y="1761840"/>
+            <a:ext cx="1483085" cy="752354"/>
+          </a:xfrm>
+          <a:prstGeom prst="can">
+            <a:avLst>
+              <a:gd name="adj" fmla="val 15769"/>
+            </a:avLst>
+          </a:prstGeom>
+          <a:solidFill>
+            <a:schemeClr val="accent6">
+              <a:lumMod val="75000"/>
+            </a:schemeClr>
+          </a:solidFill>
+        </p:spPr>
+        <p:style>
+          <a:lnRef idx="2">
+            <a:schemeClr val="accent1">
+              <a:shade val="15000"/>
+            </a:schemeClr>
+          </a:lnRef>
+          <a:fillRef idx="1">
+            <a:schemeClr val="accent1"/>
+          </a:fillRef>
+          <a:effectRef idx="0">
+            <a:schemeClr val="accent1"/>
+          </a:effectRef>
+          <a:fontRef idx="minor">
+            <a:schemeClr val="lt1"/>
+          </a:fontRef>
+        </p:style>
+        <p:txBody>
+          <a:bodyPr rtlCol="0" anchor="ctr"/>
+          <a:lstStyle/>
+          <a:p>
+            <a:pPr algn="ctr"/>
+            <a:r>
+              <a:rPr lang="en-US" dirty="0"/>
+              <a:t>Knowledge</a:t>
+            </a:r>
+          </a:p>
+          <a:p>
+            <a:pPr algn="ctr"/>
+            <a:r>
+              <a:rPr lang="en-US" dirty="0"/>
+              <a:t>Base</a:t>
+            </a:r>
+          </a:p>
+        </p:txBody>
+      </p:sp>
+      <p:cxnSp>
+        <p:nvCxnSpPr>
+          <p:cNvPr id="29" name="Straight Arrow Connector 28">
+            <a:extLst>
+              <a:ext uri="{FF2B5EF4-FFF2-40B4-BE49-F238E27FC236}">
+                <a16:creationId xmlns:a16="http://schemas.microsoft.com/office/drawing/2014/main" id="{B61E3EC5-ADCE-9523-EDF3-DD8098854AFC}"/>
+              </a:ext>
+            </a:extLst>
+          </p:cNvPr>
+          <p:cNvCxnSpPr>
+            <a:stCxn id="25" idx="3"/>
+            <a:endCxn id="27" idx="2"/>
+          </p:cNvCxnSpPr>
+          <p:nvPr/>
+        </p:nvCxnSpPr>
+        <p:spPr>
+          <a:xfrm>
+            <a:off x="6629096" y="2122881"/>
+            <a:ext cx="811209" cy="15136"/>
+          </a:xfrm>
+          <a:prstGeom prst="straightConnector1">
+            <a:avLst/>
+          </a:prstGeom>
+          <a:ln w="57150">
+            <a:headEnd type="triangle"/>
+            <a:tailEnd type="triangle"/>
+          </a:ln>
+        </p:spPr>
+        <p:style>
+          <a:lnRef idx="2">
+            <a:schemeClr val="accent1"/>
+          </a:lnRef>
+          <a:fillRef idx="0">
+            <a:schemeClr val="accent1"/>
+          </a:fillRef>
+          <a:effectRef idx="1">
+            <a:schemeClr val="accent1"/>
+          </a:effectRef>
+          <a:fontRef idx="minor">
+            <a:schemeClr val="tx1"/>
+          </a:fontRef>
+        </p:style>
+      </p:cxnSp>
+    </p:spTree>
+    <p:extLst>
+      <p:ext uri="{BB962C8B-B14F-4D97-AF65-F5344CB8AC3E}">
+        <p14:creationId xmlns:p14="http://schemas.microsoft.com/office/powerpoint/2010/main" val="282254683"/>
+      </p:ext>
+    </p:extLst>
+  </p:cSld>
+  <p:clrMapOvr>
+    <a:masterClrMapping/>
+  </p:clrMapOvr>
+</p:sld>
+</file>
+
+<file path=ppt/slides/slide5.xml><?xml version="1.0" encoding="utf-8"?>
+<p:sld xmlns:a="http://schemas.openxmlformats.org/drawingml/2006/main" xmlns:r="http://schemas.openxmlformats.org/officeDocument/2006/relationships" xmlns:p="http://schemas.openxmlformats.org/presentationml/2006/main">
+  <p:cSld>
+    <p:spTree>
+      <p:nvGrpSpPr>
+        <p:cNvPr id="1" name="">
+          <a:extLst>
+            <a:ext uri="{FF2B5EF4-FFF2-40B4-BE49-F238E27FC236}">
+              <a16:creationId xmlns:a16="http://schemas.microsoft.com/office/drawing/2014/main" id="{4D5298C5-4AB9-2FCC-4B04-56CCB34CD5AE}"/>
+            </a:ext>
+          </a:extLst>
+        </p:cNvPr>
+        <p:cNvGrpSpPr/>
+        <p:nvPr/>
+      </p:nvGrpSpPr>
+      <p:grpSpPr>
+        <a:xfrm>
+          <a:off x="0" y="0"/>
+          <a:ext cx="0" cy="0"/>
+          <a:chOff x="0" y="0"/>
+          <a:chExt cx="0" cy="0"/>
+        </a:xfrm>
+      </p:grpSpPr>
+      <p:sp>
+        <p:nvSpPr>
+          <p:cNvPr id="2" name="Title 1">
+            <a:extLst>
+              <a:ext uri="{FF2B5EF4-FFF2-40B4-BE49-F238E27FC236}">
+                <a16:creationId xmlns:a16="http://schemas.microsoft.com/office/drawing/2014/main" id="{EC8378B5-5FD0-789F-F5A0-8FAEC23CB111}"/>
+              </a:ext>
+            </a:extLst>
+          </p:cNvPr>
+          <p:cNvSpPr>
+            <a:spLocks noGrp="1"/>
+          </p:cNvSpPr>
+          <p:nvPr>
+            <p:ph type="title"/>
+          </p:nvPr>
+        </p:nvSpPr>
+        <p:spPr>
+          <a:xfrm>
+            <a:off x="262295" y="199705"/>
+            <a:ext cx="10515600" cy="407822"/>
+          </a:xfrm>
+        </p:spPr>
+        <p:txBody>
+          <a:bodyPr>
+            <a:normAutofit fontScale="90000"/>
+          </a:bodyPr>
+          <a:lstStyle/>
+          <a:p>
+            <a:endParaRPr lang="en-US"/>
+          </a:p>
+        </p:txBody>
+      </p:sp>
+      <p:sp>
+        <p:nvSpPr>
+          <p:cNvPr id="4" name="Rectangle 3">
+            <a:extLst>
+              <a:ext uri="{FF2B5EF4-FFF2-40B4-BE49-F238E27FC236}">
+                <a16:creationId xmlns:a16="http://schemas.microsoft.com/office/drawing/2014/main" id="{9ADFDBFA-0651-28BE-17F8-837AF89F552D}"/>
+              </a:ext>
+            </a:extLst>
+          </p:cNvPr>
+          <p:cNvSpPr/>
+          <p:nvPr/>
+        </p:nvSpPr>
+        <p:spPr>
+          <a:xfrm>
+            <a:off x="3964343" y="944853"/>
+            <a:ext cx="2638251" cy="518984"/>
+          </a:xfrm>
+          <a:prstGeom prst="rect">
+            <a:avLst/>
+          </a:prstGeom>
+          <a:solidFill>
+            <a:srgbClr val="0070C0"/>
+          </a:solidFill>
+        </p:spPr>
+        <p:style>
+          <a:lnRef idx="2">
+            <a:schemeClr val="accent1">
+              <a:shade val="15000"/>
+            </a:schemeClr>
+          </a:lnRef>
+          <a:fillRef idx="1">
+            <a:schemeClr val="accent1"/>
+          </a:fillRef>
+          <a:effectRef idx="0">
+            <a:schemeClr val="accent1"/>
+          </a:effectRef>
+          <a:fontRef idx="minor">
+            <a:schemeClr val="lt1"/>
+          </a:fontRef>
+        </p:style>
+        <p:txBody>
+          <a:bodyPr rtlCol="0" anchor="ctr"/>
+          <a:lstStyle/>
+          <a:p>
+            <a:pPr algn="ctr"/>
+            <a:r>
+              <a:rPr lang="en-US" dirty="0">
+                <a:latin typeface="Arial" panose="020B0604020202020204" pitchFamily="34" charset="0"/>
+                <a:cs typeface="Arial" panose="020B0604020202020204" pitchFamily="34" charset="0"/>
+              </a:rPr>
+              <a:t>Initial Prompt</a:t>
+            </a:r>
+          </a:p>
+        </p:txBody>
+      </p:sp>
+      <p:sp>
+        <p:nvSpPr>
+          <p:cNvPr id="5" name="Rounded Rectangle 4">
+            <a:extLst>
+              <a:ext uri="{FF2B5EF4-FFF2-40B4-BE49-F238E27FC236}">
+                <a16:creationId xmlns:a16="http://schemas.microsoft.com/office/drawing/2014/main" id="{E676412E-DBC2-53CD-AAB6-4D4DB078A183}"/>
+              </a:ext>
+            </a:extLst>
+          </p:cNvPr>
+          <p:cNvSpPr/>
+          <p:nvPr/>
+        </p:nvSpPr>
+        <p:spPr>
+          <a:xfrm>
+            <a:off x="3964343" y="2829553"/>
+            <a:ext cx="2638251" cy="625643"/>
+          </a:xfrm>
+          <a:prstGeom prst="roundRect">
+            <a:avLst/>
+          </a:prstGeom>
+          <a:solidFill>
+            <a:srgbClr val="002060"/>
+          </a:solidFill>
+          <a:ln>
+            <a:solidFill>
+              <a:srgbClr val="002060"/>
+            </a:solidFill>
+          </a:ln>
+        </p:spPr>
+        <p:style>
+          <a:lnRef idx="2">
+            <a:schemeClr val="accent1">
+              <a:shade val="15000"/>
+            </a:schemeClr>
+          </a:lnRef>
+          <a:fillRef idx="1">
+            <a:schemeClr val="accent1"/>
+          </a:fillRef>
+          <a:effectRef idx="0">
+            <a:schemeClr val="accent1"/>
+          </a:effectRef>
+          <a:fontRef idx="minor">
+            <a:schemeClr val="lt1"/>
+          </a:fontRef>
+        </p:style>
+        <p:txBody>
+          <a:bodyPr rtlCol="0" anchor="ctr"/>
+          <a:lstStyle/>
+          <a:p>
+            <a:pPr algn="ctr"/>
+            <a:r>
+              <a:rPr lang="en-US" dirty="0">
+                <a:latin typeface="Arial" panose="020B0604020202020204" pitchFamily="34" charset="0"/>
+                <a:cs typeface="Arial" panose="020B0604020202020204" pitchFamily="34" charset="0"/>
+              </a:rPr>
+              <a:t>Send to LLM</a:t>
+            </a:r>
+          </a:p>
+        </p:txBody>
+      </p:sp>
+      <p:sp>
+        <p:nvSpPr>
+          <p:cNvPr id="6" name="Diamond 5">
+            <a:extLst>
+              <a:ext uri="{FF2B5EF4-FFF2-40B4-BE49-F238E27FC236}">
+                <a16:creationId xmlns:a16="http://schemas.microsoft.com/office/drawing/2014/main" id="{792A2AB8-4B89-C35F-2D27-6AB558DF257B}"/>
+              </a:ext>
+            </a:extLst>
+          </p:cNvPr>
+          <p:cNvSpPr/>
+          <p:nvPr/>
+        </p:nvSpPr>
+        <p:spPr>
+          <a:xfrm>
+            <a:off x="3964344" y="3984585"/>
+            <a:ext cx="2638250" cy="1191126"/>
+          </a:xfrm>
+          <a:prstGeom prst="diamond">
+            <a:avLst/>
+          </a:prstGeom>
+          <a:solidFill>
+            <a:srgbClr val="FFC000"/>
+          </a:solidFill>
+        </p:spPr>
+        <p:style>
+          <a:lnRef idx="2">
+            <a:schemeClr val="accent1">
+              <a:shade val="15000"/>
+            </a:schemeClr>
+          </a:lnRef>
+          <a:fillRef idx="1">
+            <a:schemeClr val="accent1"/>
+          </a:fillRef>
+          <a:effectRef idx="0">
+            <a:schemeClr val="accent1"/>
+          </a:effectRef>
+          <a:fontRef idx="minor">
+            <a:schemeClr val="lt1"/>
+          </a:fontRef>
+        </p:style>
+        <p:txBody>
+          <a:bodyPr rtlCol="0" anchor="ctr"/>
+          <a:lstStyle/>
+          <a:p>
+            <a:pPr algn="ctr"/>
+            <a:r>
+              <a:rPr lang="en-US" dirty="0">
+                <a:solidFill>
+                  <a:schemeClr val="tx1"/>
+                </a:solidFill>
+                <a:latin typeface="Arial" panose="020B0604020202020204" pitchFamily="34" charset="0"/>
+                <a:cs typeface="Arial" panose="020B0604020202020204" pitchFamily="34" charset="0"/>
+              </a:rPr>
+              <a:t>Response OK?</a:t>
+            </a:r>
+          </a:p>
+        </p:txBody>
+      </p:sp>
+      <p:sp>
+        <p:nvSpPr>
+          <p:cNvPr id="7" name="Rectangle 6">
+            <a:extLst>
+              <a:ext uri="{FF2B5EF4-FFF2-40B4-BE49-F238E27FC236}">
+                <a16:creationId xmlns:a16="http://schemas.microsoft.com/office/drawing/2014/main" id="{BAFE3E13-FDD7-C1CB-1DE8-94517088BD30}"/>
+              </a:ext>
+            </a:extLst>
+          </p:cNvPr>
+          <p:cNvSpPr/>
+          <p:nvPr/>
+        </p:nvSpPr>
+        <p:spPr>
+          <a:xfrm>
+            <a:off x="4017346" y="5705100"/>
+            <a:ext cx="2532244" cy="518984"/>
+          </a:xfrm>
+          <a:prstGeom prst="rect">
+            <a:avLst/>
+          </a:prstGeom>
+          <a:solidFill>
+            <a:srgbClr val="0070C0"/>
+          </a:solidFill>
+        </p:spPr>
+        <p:style>
+          <a:lnRef idx="2">
+            <a:schemeClr val="accent1">
+              <a:shade val="15000"/>
+            </a:schemeClr>
+          </a:lnRef>
+          <a:fillRef idx="1">
+            <a:schemeClr val="accent1"/>
+          </a:fillRef>
+          <a:effectRef idx="0">
+            <a:schemeClr val="accent1"/>
+          </a:effectRef>
+          <a:fontRef idx="minor">
+            <a:schemeClr val="lt1"/>
+          </a:fontRef>
+        </p:style>
+        <p:txBody>
+          <a:bodyPr rtlCol="0" anchor="ctr"/>
+          <a:lstStyle/>
+          <a:p>
+            <a:pPr algn="ctr"/>
+            <a:r>
+              <a:rPr lang="en-US" dirty="0">
+                <a:latin typeface="Arial" panose="020B0604020202020204" pitchFamily="34" charset="0"/>
+                <a:cs typeface="Arial" panose="020B0604020202020204" pitchFamily="34" charset="0"/>
+              </a:rPr>
+              <a:t>New Prompt</a:t>
+            </a:r>
+          </a:p>
+        </p:txBody>
+      </p:sp>
+      <p:cxnSp>
+        <p:nvCxnSpPr>
+          <p:cNvPr id="8" name="Elbow Connector 7">
+            <a:extLst>
+              <a:ext uri="{FF2B5EF4-FFF2-40B4-BE49-F238E27FC236}">
+                <a16:creationId xmlns:a16="http://schemas.microsoft.com/office/drawing/2014/main" id="{A02D9AA7-0027-5E55-C2B6-6A23B3D4E73E}"/>
+              </a:ext>
+            </a:extLst>
+          </p:cNvPr>
+          <p:cNvCxnSpPr>
+            <a:cxnSpLocks/>
+            <a:stCxn id="7" idx="1"/>
+            <a:endCxn id="5" idx="1"/>
+          </p:cNvCxnSpPr>
+          <p:nvPr/>
+        </p:nvCxnSpPr>
+        <p:spPr>
+          <a:xfrm rot="10800000">
+            <a:off x="3964344" y="3142376"/>
+            <a:ext cx="53003" cy="2822217"/>
+          </a:xfrm>
+          <a:prstGeom prst="bentConnector3">
+            <a:avLst>
+              <a:gd name="adj1" fmla="val 968051"/>
+            </a:avLst>
+          </a:prstGeom>
+          <a:ln w="57150">
+            <a:tailEnd type="triangle"/>
+          </a:ln>
+        </p:spPr>
+        <p:style>
+          <a:lnRef idx="2">
+            <a:schemeClr val="accent1"/>
+          </a:lnRef>
+          <a:fillRef idx="0">
+            <a:schemeClr val="accent1"/>
+          </a:fillRef>
+          <a:effectRef idx="1">
+            <a:schemeClr val="accent1"/>
+          </a:effectRef>
+          <a:fontRef idx="minor">
+            <a:schemeClr val="tx1"/>
+          </a:fontRef>
+        </p:style>
+      </p:cxnSp>
+      <p:cxnSp>
+        <p:nvCxnSpPr>
+          <p:cNvPr id="9" name="Straight Arrow Connector 8">
+            <a:extLst>
+              <a:ext uri="{FF2B5EF4-FFF2-40B4-BE49-F238E27FC236}">
+                <a16:creationId xmlns:a16="http://schemas.microsoft.com/office/drawing/2014/main" id="{0224E0F3-B5EB-B47D-751D-5325E65C6742}"/>
+              </a:ext>
+            </a:extLst>
+          </p:cNvPr>
+          <p:cNvCxnSpPr>
+            <a:cxnSpLocks/>
+            <a:endCxn id="5" idx="0"/>
+          </p:cNvCxnSpPr>
+          <p:nvPr/>
+        </p:nvCxnSpPr>
+        <p:spPr>
+          <a:xfrm>
+            <a:off x="5279236" y="2407534"/>
+            <a:ext cx="4233" cy="422019"/>
+          </a:xfrm>
+          <a:prstGeom prst="straightConnector1">
+            <a:avLst/>
+          </a:prstGeom>
+          <a:ln w="57150">
+            <a:solidFill>
+              <a:schemeClr val="tx1"/>
+            </a:solidFill>
+            <a:tailEnd type="triangle"/>
+          </a:ln>
+        </p:spPr>
+        <p:style>
+          <a:lnRef idx="2">
+            <a:schemeClr val="accent1"/>
+          </a:lnRef>
+          <a:fillRef idx="0">
+            <a:schemeClr val="accent1"/>
+          </a:fillRef>
+          <a:effectRef idx="1">
+            <a:schemeClr val="accent1"/>
+          </a:effectRef>
+          <a:fontRef idx="minor">
+            <a:schemeClr val="tx1"/>
+          </a:fontRef>
+        </p:style>
+      </p:cxnSp>
+      <p:cxnSp>
+        <p:nvCxnSpPr>
+          <p:cNvPr id="10" name="Straight Arrow Connector 9">
+            <a:extLst>
+              <a:ext uri="{FF2B5EF4-FFF2-40B4-BE49-F238E27FC236}">
+                <a16:creationId xmlns:a16="http://schemas.microsoft.com/office/drawing/2014/main" id="{6E8F8BCA-79BB-FCC9-32C3-6C88C99C4732}"/>
+              </a:ext>
+            </a:extLst>
+          </p:cNvPr>
+          <p:cNvCxnSpPr>
+            <a:cxnSpLocks/>
+            <a:stCxn id="5" idx="2"/>
+            <a:endCxn id="6" idx="0"/>
+          </p:cNvCxnSpPr>
+          <p:nvPr/>
+        </p:nvCxnSpPr>
+        <p:spPr>
+          <a:xfrm>
+            <a:off x="5283469" y="3455196"/>
+            <a:ext cx="0" cy="529389"/>
+          </a:xfrm>
+          <a:prstGeom prst="straightConnector1">
+            <a:avLst/>
+          </a:prstGeom>
+          <a:ln w="57150">
+            <a:solidFill>
+              <a:schemeClr val="tx1"/>
+            </a:solidFill>
+            <a:tailEnd type="triangle"/>
+          </a:ln>
+        </p:spPr>
+        <p:style>
+          <a:lnRef idx="2">
+            <a:schemeClr val="accent1"/>
+          </a:lnRef>
+          <a:fillRef idx="0">
+            <a:schemeClr val="accent1"/>
+          </a:fillRef>
+          <a:effectRef idx="1">
+            <a:schemeClr val="accent1"/>
+          </a:effectRef>
+          <a:fontRef idx="minor">
+            <a:schemeClr val="tx1"/>
+          </a:fontRef>
+        </p:style>
+      </p:cxnSp>
+      <p:cxnSp>
+        <p:nvCxnSpPr>
+          <p:cNvPr id="11" name="Straight Arrow Connector 10">
+            <a:extLst>
+              <a:ext uri="{FF2B5EF4-FFF2-40B4-BE49-F238E27FC236}">
+                <a16:creationId xmlns:a16="http://schemas.microsoft.com/office/drawing/2014/main" id="{014F38F0-A52D-2129-B847-30143EC3F770}"/>
+              </a:ext>
+            </a:extLst>
+          </p:cNvPr>
+          <p:cNvCxnSpPr>
+            <a:cxnSpLocks/>
+            <a:stCxn id="6" idx="3"/>
+            <a:endCxn id="13" idx="2"/>
+          </p:cNvCxnSpPr>
+          <p:nvPr/>
+        </p:nvCxnSpPr>
+        <p:spPr>
+          <a:xfrm>
+            <a:off x="6602594" y="4580148"/>
+            <a:ext cx="986982" cy="0"/>
+          </a:xfrm>
+          <a:prstGeom prst="straightConnector1">
+            <a:avLst/>
+          </a:prstGeom>
+          <a:ln w="57150">
+            <a:solidFill>
+              <a:srgbClr val="00B050"/>
+            </a:solidFill>
+            <a:tailEnd type="triangle"/>
+          </a:ln>
+        </p:spPr>
+        <p:style>
+          <a:lnRef idx="2">
+            <a:schemeClr val="accent1"/>
+          </a:lnRef>
+          <a:fillRef idx="0">
+            <a:schemeClr val="accent1"/>
+          </a:fillRef>
+          <a:effectRef idx="1">
+            <a:schemeClr val="accent1"/>
+          </a:effectRef>
+          <a:fontRef idx="minor">
+            <a:schemeClr val="tx1"/>
+          </a:fontRef>
+        </p:style>
+      </p:cxnSp>
+      <p:sp>
+        <p:nvSpPr>
+          <p:cNvPr id="12" name="Oval 11">
+            <a:extLst>
+              <a:ext uri="{FF2B5EF4-FFF2-40B4-BE49-F238E27FC236}">
+                <a16:creationId xmlns:a16="http://schemas.microsoft.com/office/drawing/2014/main" id="{7BB1C3E4-D166-E887-FC06-1ECDBC2F2998}"/>
+              </a:ext>
+            </a:extLst>
+          </p:cNvPr>
+          <p:cNvSpPr/>
+          <p:nvPr/>
+        </p:nvSpPr>
+        <p:spPr>
+          <a:xfrm>
+            <a:off x="2192607" y="944853"/>
+            <a:ext cx="1081470" cy="518984"/>
+          </a:xfrm>
+          <a:prstGeom prst="ellipse">
+            <a:avLst/>
+          </a:prstGeom>
+          <a:solidFill>
+            <a:srgbClr val="00B050"/>
+          </a:solidFill>
+        </p:spPr>
+        <p:style>
+          <a:lnRef idx="2">
+            <a:schemeClr val="accent1">
+              <a:shade val="15000"/>
+            </a:schemeClr>
+          </a:lnRef>
+          <a:fillRef idx="1">
+            <a:schemeClr val="accent1"/>
+          </a:fillRef>
+          <a:effectRef idx="0">
+            <a:schemeClr val="accent1"/>
+          </a:effectRef>
+          <a:fontRef idx="minor">
+            <a:schemeClr val="lt1"/>
+          </a:fontRef>
+        </p:style>
+        <p:txBody>
+          <a:bodyPr rtlCol="0" anchor="ctr"/>
+          <a:lstStyle/>
+          <a:p>
+            <a:pPr algn="ctr"/>
+            <a:r>
+              <a:rPr lang="en-US" dirty="0">
+                <a:latin typeface="Arial" panose="020B0604020202020204" pitchFamily="34" charset="0"/>
+                <a:cs typeface="Arial" panose="020B0604020202020204" pitchFamily="34" charset="0"/>
+              </a:rPr>
+              <a:t>Start</a:t>
+            </a:r>
+          </a:p>
+        </p:txBody>
+      </p:sp>
+      <p:sp>
+        <p:nvSpPr>
+          <p:cNvPr id="13" name="Oval 12">
+            <a:extLst>
+              <a:ext uri="{FF2B5EF4-FFF2-40B4-BE49-F238E27FC236}">
+                <a16:creationId xmlns:a16="http://schemas.microsoft.com/office/drawing/2014/main" id="{3DEF2ED6-BE9B-F418-3A85-96D7B904A18D}"/>
+              </a:ext>
+            </a:extLst>
+          </p:cNvPr>
+          <p:cNvSpPr/>
+          <p:nvPr/>
+        </p:nvSpPr>
+        <p:spPr>
+          <a:xfrm>
+            <a:off x="7589576" y="4320656"/>
+            <a:ext cx="1333814" cy="518984"/>
+          </a:xfrm>
+          <a:prstGeom prst="ellipse">
+            <a:avLst/>
+          </a:prstGeom>
+          <a:solidFill>
+            <a:srgbClr val="7030A0"/>
+          </a:solidFill>
+        </p:spPr>
+        <p:style>
+          <a:lnRef idx="2">
+            <a:schemeClr val="accent1">
+              <a:shade val="15000"/>
+            </a:schemeClr>
+          </a:lnRef>
+          <a:fillRef idx="1">
+            <a:schemeClr val="accent1"/>
+          </a:fillRef>
+          <a:effectRef idx="0">
+            <a:schemeClr val="accent1"/>
+          </a:effectRef>
+          <a:fontRef idx="minor">
+            <a:schemeClr val="lt1"/>
+          </a:fontRef>
+        </p:style>
+        <p:txBody>
+          <a:bodyPr rtlCol="0" anchor="ctr"/>
+          <a:lstStyle/>
+          <a:p>
+            <a:pPr algn="ctr"/>
+            <a:r>
+              <a:rPr lang="en-US" dirty="0">
+                <a:latin typeface="Arial" panose="020B0604020202020204" pitchFamily="34" charset="0"/>
+                <a:cs typeface="Arial" panose="020B0604020202020204" pitchFamily="34" charset="0"/>
+              </a:rPr>
+              <a:t>Finish</a:t>
+            </a:r>
+          </a:p>
+        </p:txBody>
+      </p:sp>
+      <p:cxnSp>
+        <p:nvCxnSpPr>
+          <p:cNvPr id="14" name="Straight Arrow Connector 13">
+            <a:extLst>
+              <a:ext uri="{FF2B5EF4-FFF2-40B4-BE49-F238E27FC236}">
+                <a16:creationId xmlns:a16="http://schemas.microsoft.com/office/drawing/2014/main" id="{43BA8D4F-78C1-BD3E-CC51-78716DE70796}"/>
+              </a:ext>
+            </a:extLst>
+          </p:cNvPr>
+          <p:cNvCxnSpPr>
+            <a:cxnSpLocks/>
+            <a:stCxn id="6" idx="2"/>
+            <a:endCxn id="7" idx="0"/>
+          </p:cNvCxnSpPr>
+          <p:nvPr/>
+        </p:nvCxnSpPr>
+        <p:spPr>
+          <a:xfrm flipH="1">
+            <a:off x="5283468" y="5175711"/>
+            <a:ext cx="1" cy="529389"/>
+          </a:xfrm>
+          <a:prstGeom prst="straightConnector1">
+            <a:avLst/>
+          </a:prstGeom>
+          <a:ln w="57150">
+            <a:solidFill>
+              <a:srgbClr val="FF0000"/>
+            </a:solidFill>
+            <a:tailEnd type="triangle"/>
+          </a:ln>
+        </p:spPr>
+        <p:style>
+          <a:lnRef idx="2">
+            <a:schemeClr val="accent1"/>
+          </a:lnRef>
+          <a:fillRef idx="0">
+            <a:schemeClr val="accent1"/>
+          </a:fillRef>
+          <a:effectRef idx="1">
+            <a:schemeClr val="accent1"/>
+          </a:effectRef>
+          <a:fontRef idx="minor">
+            <a:schemeClr val="tx1"/>
+          </a:fontRef>
+        </p:style>
+      </p:cxnSp>
+      <p:cxnSp>
+        <p:nvCxnSpPr>
+          <p:cNvPr id="15" name="Straight Arrow Connector 14">
+            <a:extLst>
+              <a:ext uri="{FF2B5EF4-FFF2-40B4-BE49-F238E27FC236}">
+                <a16:creationId xmlns:a16="http://schemas.microsoft.com/office/drawing/2014/main" id="{F02CC973-1F0A-6DC9-63F9-E81B4A7A0E36}"/>
+              </a:ext>
+            </a:extLst>
+          </p:cNvPr>
+          <p:cNvCxnSpPr>
+            <a:cxnSpLocks/>
+            <a:stCxn id="12" idx="6"/>
+            <a:endCxn id="4" idx="1"/>
+          </p:cNvCxnSpPr>
+          <p:nvPr/>
+        </p:nvCxnSpPr>
+        <p:spPr>
+          <a:xfrm>
+            <a:off x="3274077" y="1204345"/>
+            <a:ext cx="690266" cy="0"/>
+          </a:xfrm>
+          <a:prstGeom prst="straightConnector1">
+            <a:avLst/>
+          </a:prstGeom>
+          <a:ln w="57150">
+            <a:tailEnd type="triangle"/>
+          </a:ln>
+        </p:spPr>
+        <p:style>
+          <a:lnRef idx="2">
+            <a:schemeClr val="accent1"/>
+          </a:lnRef>
+          <a:fillRef idx="0">
+            <a:schemeClr val="accent1"/>
+          </a:fillRef>
+          <a:effectRef idx="1">
+            <a:schemeClr val="accent1"/>
+          </a:effectRef>
+          <a:fontRef idx="minor">
+            <a:schemeClr val="tx1"/>
+          </a:fontRef>
+        </p:style>
+      </p:cxnSp>
+      <p:sp>
+        <p:nvSpPr>
+          <p:cNvPr id="16" name="TextBox 15">
+            <a:extLst>
+              <a:ext uri="{FF2B5EF4-FFF2-40B4-BE49-F238E27FC236}">
+                <a16:creationId xmlns:a16="http://schemas.microsoft.com/office/drawing/2014/main" id="{39E84A6B-8B68-ED8E-4AA5-1F86F9BA9F09}"/>
+              </a:ext>
+            </a:extLst>
+          </p:cNvPr>
+          <p:cNvSpPr txBox="1"/>
+          <p:nvPr/>
+        </p:nvSpPr>
+        <p:spPr>
+          <a:xfrm>
+            <a:off x="6808132" y="4184415"/>
+            <a:ext cx="575905" cy="369332"/>
+          </a:xfrm>
+          <a:prstGeom prst="rect">
+            <a:avLst/>
+          </a:prstGeom>
+          <a:noFill/>
+        </p:spPr>
+        <p:txBody>
+          <a:bodyPr wrap="square" lIns="0" tIns="0" rIns="0" bIns="0" rtlCol="0">
+            <a:noAutofit/>
+          </a:bodyPr>
+          <a:lstStyle>
+            <a:defPPr>
+              <a:defRPr lang="en-US"/>
+            </a:defPPr>
+            <a:lvl1pPr>
+              <a:defRPr>
+                <a:solidFill>
+                  <a:srgbClr val="FF0000"/>
+                </a:solidFill>
+                <a:latin typeface="Arial" panose="020B0604020202020204" pitchFamily="34" charset="0"/>
+                <a:cs typeface="Arial" panose="020B0604020202020204" pitchFamily="34" charset="0"/>
+              </a:defRPr>
+            </a:lvl1pPr>
+          </a:lstStyle>
+          <a:p>
+            <a:r>
+              <a:rPr lang="en-US" b="1" dirty="0">
+                <a:solidFill>
+                  <a:srgbClr val="00B050"/>
+                </a:solidFill>
+              </a:rPr>
+              <a:t>Yes</a:t>
+            </a:r>
+          </a:p>
+        </p:txBody>
+      </p:sp>
+      <p:sp>
+        <p:nvSpPr>
+          <p:cNvPr id="17" name="TextBox 16">
+            <a:extLst>
+              <a:ext uri="{FF2B5EF4-FFF2-40B4-BE49-F238E27FC236}">
+                <a16:creationId xmlns:a16="http://schemas.microsoft.com/office/drawing/2014/main" id="{62A50FF2-4EB9-577A-87C4-D37AEB54EDE8}"/>
+              </a:ext>
+            </a:extLst>
+          </p:cNvPr>
+          <p:cNvSpPr txBox="1"/>
+          <p:nvPr/>
+        </p:nvSpPr>
+        <p:spPr>
+          <a:xfrm>
+            <a:off x="5417766" y="5290635"/>
+            <a:ext cx="332509" cy="276999"/>
+          </a:xfrm>
+          <a:prstGeom prst="rect">
+            <a:avLst/>
+          </a:prstGeom>
+          <a:noFill/>
+        </p:spPr>
+        <p:txBody>
+          <a:bodyPr wrap="square" lIns="0" tIns="0" rIns="0" bIns="0" rtlCol="0">
+            <a:noAutofit/>
+          </a:bodyPr>
+          <a:lstStyle/>
+          <a:p>
+            <a:r>
+              <a:rPr lang="en-US" b="1" dirty="0">
+                <a:solidFill>
+                  <a:srgbClr val="FF0000"/>
+                </a:solidFill>
+                <a:latin typeface="Arial" panose="020B0604020202020204" pitchFamily="34" charset="0"/>
+                <a:cs typeface="Arial" panose="020B0604020202020204" pitchFamily="34" charset="0"/>
+              </a:rPr>
+              <a:t>No</a:t>
+            </a:r>
+          </a:p>
+        </p:txBody>
+      </p:sp>
+      <p:cxnSp>
+        <p:nvCxnSpPr>
+          <p:cNvPr id="22" name="Straight Arrow Connector 21">
+            <a:extLst>
+              <a:ext uri="{FF2B5EF4-FFF2-40B4-BE49-F238E27FC236}">
+                <a16:creationId xmlns:a16="http://schemas.microsoft.com/office/drawing/2014/main" id="{69FEF191-2EB2-4230-FE8A-83A9A933BB61}"/>
+              </a:ext>
+            </a:extLst>
+          </p:cNvPr>
+          <p:cNvCxnSpPr>
+            <a:cxnSpLocks/>
+          </p:cNvCxnSpPr>
+          <p:nvPr/>
+        </p:nvCxnSpPr>
+        <p:spPr>
+          <a:xfrm>
+            <a:off x="5279236" y="1463837"/>
+            <a:ext cx="0" cy="388113"/>
+          </a:xfrm>
+          <a:prstGeom prst="straightConnector1">
+            <a:avLst/>
+          </a:prstGeom>
+          <a:ln w="57150">
+            <a:solidFill>
+              <a:schemeClr val="tx1"/>
+            </a:solidFill>
+            <a:tailEnd type="triangle"/>
+          </a:ln>
+        </p:spPr>
+        <p:style>
+          <a:lnRef idx="2">
+            <a:schemeClr val="accent1"/>
+          </a:lnRef>
+          <a:fillRef idx="0">
+            <a:schemeClr val="accent1"/>
+          </a:fillRef>
+          <a:effectRef idx="1">
+            <a:schemeClr val="accent1"/>
+          </a:effectRef>
+          <a:fontRef idx="minor">
+            <a:schemeClr val="tx1"/>
+          </a:fontRef>
+        </p:style>
+      </p:cxnSp>
+      <p:sp>
+        <p:nvSpPr>
+          <p:cNvPr id="25" name="Rounded Rectangle 24">
+            <a:extLst>
+              <a:ext uri="{FF2B5EF4-FFF2-40B4-BE49-F238E27FC236}">
+                <a16:creationId xmlns:a16="http://schemas.microsoft.com/office/drawing/2014/main" id="{48A71ACF-7576-180F-E313-261C0133927D}"/>
+              </a:ext>
+            </a:extLst>
+          </p:cNvPr>
+          <p:cNvSpPr/>
+          <p:nvPr/>
+        </p:nvSpPr>
+        <p:spPr>
+          <a:xfrm>
+            <a:off x="3990845" y="1878145"/>
+            <a:ext cx="2638251" cy="489472"/>
+          </a:xfrm>
+          <a:prstGeom prst="roundRect">
+            <a:avLst/>
+          </a:prstGeom>
+          <a:solidFill>
+            <a:schemeClr val="accent6">
+              <a:lumMod val="75000"/>
+            </a:schemeClr>
+          </a:solidFill>
+          <a:ln>
+            <a:solidFill>
+              <a:srgbClr val="002060"/>
+            </a:solidFill>
+          </a:ln>
+        </p:spPr>
+        <p:style>
+          <a:lnRef idx="2">
+            <a:schemeClr val="accent1">
+              <a:shade val="15000"/>
+            </a:schemeClr>
+          </a:lnRef>
+          <a:fillRef idx="1">
+            <a:schemeClr val="accent1"/>
+          </a:fillRef>
+          <a:effectRef idx="0">
+            <a:schemeClr val="accent1"/>
+          </a:effectRef>
+          <a:fontRef idx="minor">
+            <a:schemeClr val="lt1"/>
+          </a:fontRef>
+        </p:style>
+        <p:txBody>
+          <a:bodyPr rtlCol="0" anchor="ctr"/>
+          <a:lstStyle/>
+          <a:p>
+            <a:pPr algn="ctr"/>
+            <a:r>
+              <a:rPr lang="en-US" dirty="0">
+                <a:latin typeface="Arial" panose="020B0604020202020204" pitchFamily="34" charset="0"/>
+                <a:cs typeface="Arial" panose="020B0604020202020204" pitchFamily="34" charset="0"/>
+              </a:rPr>
+              <a:t>Enrich Prompt</a:t>
+            </a:r>
+          </a:p>
+        </p:txBody>
+      </p:sp>
+      <p:sp>
+        <p:nvSpPr>
+          <p:cNvPr id="27" name="Can 26">
+            <a:extLst>
+              <a:ext uri="{FF2B5EF4-FFF2-40B4-BE49-F238E27FC236}">
+                <a16:creationId xmlns:a16="http://schemas.microsoft.com/office/drawing/2014/main" id="{1BB3C57E-4F09-FAB2-1E41-C67B92ACADAE}"/>
+              </a:ext>
+            </a:extLst>
+          </p:cNvPr>
+          <p:cNvSpPr/>
+          <p:nvPr/>
+        </p:nvSpPr>
+        <p:spPr>
+          <a:xfrm>
+            <a:off x="7440305" y="1761840"/>
+            <a:ext cx="1483085" cy="752354"/>
+          </a:xfrm>
+          <a:prstGeom prst="can">
+            <a:avLst>
+              <a:gd name="adj" fmla="val 15769"/>
+            </a:avLst>
+          </a:prstGeom>
+          <a:solidFill>
+            <a:schemeClr val="accent6">
+              <a:lumMod val="75000"/>
+            </a:schemeClr>
+          </a:solidFill>
+        </p:spPr>
+        <p:style>
+          <a:lnRef idx="2">
+            <a:schemeClr val="accent1">
+              <a:shade val="15000"/>
+            </a:schemeClr>
+          </a:lnRef>
+          <a:fillRef idx="1">
+            <a:schemeClr val="accent1"/>
+          </a:fillRef>
+          <a:effectRef idx="0">
+            <a:schemeClr val="accent1"/>
+          </a:effectRef>
+          <a:fontRef idx="minor">
+            <a:schemeClr val="lt1"/>
+          </a:fontRef>
+        </p:style>
+        <p:txBody>
+          <a:bodyPr rtlCol="0" anchor="ctr"/>
+          <a:lstStyle/>
+          <a:p>
+            <a:pPr algn="ctr"/>
+            <a:r>
+              <a:rPr lang="en-US" dirty="0"/>
+              <a:t>Knowledge</a:t>
+            </a:r>
+          </a:p>
+          <a:p>
+            <a:pPr algn="ctr"/>
+            <a:r>
+              <a:rPr lang="en-US" dirty="0"/>
+              <a:t>Base</a:t>
+            </a:r>
+          </a:p>
+        </p:txBody>
+      </p:sp>
+      <p:cxnSp>
+        <p:nvCxnSpPr>
+          <p:cNvPr id="29" name="Straight Arrow Connector 28">
+            <a:extLst>
+              <a:ext uri="{FF2B5EF4-FFF2-40B4-BE49-F238E27FC236}">
+                <a16:creationId xmlns:a16="http://schemas.microsoft.com/office/drawing/2014/main" id="{71C0FDF8-40BE-6EEE-FAA5-605748BE35A0}"/>
+              </a:ext>
+            </a:extLst>
+          </p:cNvPr>
+          <p:cNvCxnSpPr>
+            <a:stCxn id="25" idx="3"/>
+            <a:endCxn id="27" idx="2"/>
+          </p:cNvCxnSpPr>
+          <p:nvPr/>
+        </p:nvCxnSpPr>
+        <p:spPr>
+          <a:xfrm>
+            <a:off x="6629096" y="2122881"/>
+            <a:ext cx="811209" cy="15136"/>
+          </a:xfrm>
+          <a:prstGeom prst="straightConnector1">
+            <a:avLst/>
+          </a:prstGeom>
+          <a:ln w="57150">
+            <a:headEnd type="triangle"/>
+            <a:tailEnd type="triangle"/>
+          </a:ln>
+        </p:spPr>
+        <p:style>
+          <a:lnRef idx="2">
+            <a:schemeClr val="accent1"/>
+          </a:lnRef>
+          <a:fillRef idx="0">
+            <a:schemeClr val="accent1"/>
+          </a:fillRef>
+          <a:effectRef idx="1">
+            <a:schemeClr val="accent1"/>
+          </a:effectRef>
+          <a:fontRef idx="minor">
+            <a:schemeClr val="tx1"/>
+          </a:fontRef>
+        </p:style>
+      </p:cxnSp>
+    </p:spTree>
+    <p:extLst>
+      <p:ext uri="{BB962C8B-B14F-4D97-AF65-F5344CB8AC3E}">
+        <p14:creationId xmlns:p14="http://schemas.microsoft.com/office/powerpoint/2010/main" val="2370951512"/>
+      </p:ext>
+    </p:extLst>
+  </p:cSld>
+  <p:clrMapOvr>
+    <a:masterClrMapping/>
+  </p:clrMapOvr>
+</p:sld>
+</file>
+
+<file path=ppt/slides/slide6.xml><?xml version="1.0" encoding="utf-8"?>
+<p:sld xmlns:a="http://schemas.openxmlformats.org/drawingml/2006/main" xmlns:r="http://schemas.openxmlformats.org/officeDocument/2006/relationships" xmlns:p="http://schemas.openxmlformats.org/presentationml/2006/main">
+  <p:cSld>
+    <p:spTree>
+      <p:nvGrpSpPr>
+        <p:cNvPr id="1" name=""/>
+        <p:cNvGrpSpPr/>
+        <p:nvPr/>
+      </p:nvGrpSpPr>
+      <p:grpSpPr>
+        <a:xfrm>
+          <a:off x="0" y="0"/>
+          <a:ext cx="0" cy="0"/>
+          <a:chOff x="0" y="0"/>
+          <a:chExt cx="0" cy="0"/>
+        </a:xfrm>
+      </p:grpSpPr>
+      <p:sp>
+        <p:nvSpPr>
+          <p:cNvPr id="4" name="Google Shape;292;p49">
+            <a:extLst>
+              <a:ext uri="{FF2B5EF4-FFF2-40B4-BE49-F238E27FC236}">
+                <a16:creationId xmlns:a16="http://schemas.microsoft.com/office/drawing/2014/main" id="{AC30F401-85A7-8CC2-D330-E74627A7F741}"/>
+              </a:ext>
+            </a:extLst>
+          </p:cNvPr>
+          <p:cNvSpPr txBox="1">
+            <a:spLocks noGrp="1"/>
+          </p:cNvSpPr>
+          <p:nvPr>
+            <p:ph type="title"/>
+          </p:nvPr>
+        </p:nvSpPr>
+        <p:spPr>
+          <a:xfrm>
+            <a:off x="222875" y="196275"/>
+            <a:ext cx="8520600" cy="572700"/>
+          </a:xfrm>
+          <a:prstGeom prst="rect">
+            <a:avLst/>
+          </a:prstGeom>
+        </p:spPr>
+        <p:txBody>
+          <a:bodyPr spcFirstLastPara="1" wrap="square" lIns="91425" tIns="91425" rIns="91425" bIns="91425" anchor="t" anchorCtr="0">
+            <a:normAutofit fontScale="90000"/>
+          </a:bodyPr>
+          <a:lstStyle/>
+          <a:p>
+            <a:pPr marL="0" lvl="0" indent="0" algn="l" rtl="0">
+              <a:spcBef>
+                <a:spcPts val="0"/>
+              </a:spcBef>
+              <a:spcAft>
+                <a:spcPts val="0"/>
+              </a:spcAft>
+              <a:buNone/>
+            </a:pPr>
+            <a:r>
+              <a:rPr lang="en"/>
+              <a:t>Yann Lecun's Modular Cognitive Architecture</a:t>
+            </a:r>
+            <a:endParaRPr/>
+          </a:p>
+        </p:txBody>
+      </p:sp>
+      <p:sp>
+        <p:nvSpPr>
+          <p:cNvPr id="5" name="Google Shape;293;p49">
+            <a:extLst>
+              <a:ext uri="{FF2B5EF4-FFF2-40B4-BE49-F238E27FC236}">
+                <a16:creationId xmlns:a16="http://schemas.microsoft.com/office/drawing/2014/main" id="{E189E921-6B3B-CC01-0D97-E6233E34EEED}"/>
+              </a:ext>
+            </a:extLst>
+          </p:cNvPr>
+          <p:cNvSpPr txBox="1">
+            <a:spLocks/>
+          </p:cNvSpPr>
+          <p:nvPr/>
+        </p:nvSpPr>
+        <p:spPr>
+          <a:xfrm>
+            <a:off x="6970325" y="869225"/>
+            <a:ext cx="3546300" cy="3171300"/>
+          </a:xfrm>
+          <a:prstGeom prst="rect">
+            <a:avLst/>
+          </a:prstGeom>
+        </p:spPr>
+        <p:txBody>
+          <a:bodyPr spcFirstLastPara="1" vert="horz" wrap="square" lIns="91425" tIns="91425" rIns="91425" bIns="91425" rtlCol="0" anchor="t" anchorCtr="0">
+            <a:normAutofit fontScale="92500" lnSpcReduction="10000"/>
+          </a:bodyPr>
+          <a:lstStyle>
+            <a:lvl1pPr marL="228600" indent="-228600" algn="l" defTabSz="914400" rtl="0" eaLnBrk="1" latinLnBrk="0" hangingPunct="1">
+              <a:lnSpc>
+                <a:spcPct val="90000"/>
+              </a:lnSpc>
+              <a:spcBef>
+                <a:spcPts val="1000"/>
+              </a:spcBef>
+              <a:buFont typeface="Arial" panose="020B0604020202020204" pitchFamily="34" charset="0"/>
+              <a:buChar char="•"/>
+              <a:defRPr sz="2800" kern="1200">
+                <a:solidFill>
+                  <a:schemeClr val="tx1"/>
+                </a:solidFill>
+                <a:latin typeface="+mn-lt"/>
+                <a:ea typeface="+mn-ea"/>
+                <a:cs typeface="+mn-cs"/>
+              </a:defRPr>
+            </a:lvl1pPr>
+            <a:lvl2pPr marL="685800" indent="-228600" algn="l" defTabSz="914400" rtl="0" eaLnBrk="1" latinLnBrk="0" hangingPunct="1">
+              <a:lnSpc>
+                <a:spcPct val="90000"/>
+              </a:lnSpc>
+              <a:spcBef>
+                <a:spcPts val="500"/>
+              </a:spcBef>
+              <a:buFont typeface="Arial" panose="020B0604020202020204" pitchFamily="34" charset="0"/>
+              <a:buChar char="•"/>
+              <a:defRPr sz="2400" kern="1200">
+                <a:solidFill>
+                  <a:schemeClr val="tx1"/>
+                </a:solidFill>
+                <a:latin typeface="+mn-lt"/>
+                <a:ea typeface="+mn-ea"/>
+                <a:cs typeface="+mn-cs"/>
+              </a:defRPr>
+            </a:lvl2pPr>
+            <a:lvl3pPr marL="1143000" indent="-228600" algn="l" defTabSz="914400" rtl="0" eaLnBrk="1" latinLnBrk="0" hangingPunct="1">
+              <a:lnSpc>
+                <a:spcPct val="90000"/>
+              </a:lnSpc>
+              <a:spcBef>
+                <a:spcPts val="500"/>
+              </a:spcBef>
+              <a:buFont typeface="Arial" panose="020B0604020202020204" pitchFamily="34" charset="0"/>
+              <a:buChar char="•"/>
+              <a:defRPr sz="2000" kern="1200">
+                <a:solidFill>
+                  <a:schemeClr val="tx1"/>
+                </a:solidFill>
+                <a:latin typeface="+mn-lt"/>
+                <a:ea typeface="+mn-ea"/>
+                <a:cs typeface="+mn-cs"/>
+              </a:defRPr>
+            </a:lvl3pPr>
+            <a:lvl4pPr marL="1600200" indent="-228600" algn="l" defTabSz="914400" rtl="0" eaLnBrk="1" latinLnBrk="0" hangingPunct="1">
+              <a:lnSpc>
+                <a:spcPct val="90000"/>
+              </a:lnSpc>
+              <a:spcBef>
+                <a:spcPts val="500"/>
+              </a:spcBef>
+              <a:buFont typeface="Arial" panose="020B0604020202020204" pitchFamily="34" charset="0"/>
+              <a:buChar char="•"/>
+              <a:defRPr sz="1800" kern="1200">
+                <a:solidFill>
+                  <a:schemeClr val="tx1"/>
+                </a:solidFill>
+                <a:latin typeface="+mn-lt"/>
+                <a:ea typeface="+mn-ea"/>
+                <a:cs typeface="+mn-cs"/>
+              </a:defRPr>
+            </a:lvl4pPr>
+            <a:lvl5pPr marL="2057400" indent="-228600" algn="l" defTabSz="914400" rtl="0" eaLnBrk="1" latinLnBrk="0" hangingPunct="1">
+              <a:lnSpc>
+                <a:spcPct val="90000"/>
+              </a:lnSpc>
+              <a:spcBef>
+                <a:spcPts val="500"/>
+              </a:spcBef>
+              <a:buFont typeface="Arial" panose="020B0604020202020204" pitchFamily="34" charset="0"/>
+              <a:buChar char="•"/>
+              <a:defRPr sz="1800" kern="1200">
+                <a:solidFill>
+                  <a:schemeClr val="tx1"/>
+                </a:solidFill>
+                <a:latin typeface="+mn-lt"/>
+                <a:ea typeface="+mn-ea"/>
+                <a:cs typeface="+mn-cs"/>
+              </a:defRPr>
+            </a:lvl5pPr>
+            <a:lvl6pPr marL="2514600" indent="-228600" algn="l" defTabSz="914400" rtl="0" eaLnBrk="1" latinLnBrk="0" hangingPunct="1">
+              <a:lnSpc>
+                <a:spcPct val="90000"/>
+              </a:lnSpc>
+              <a:spcBef>
+                <a:spcPts val="500"/>
+              </a:spcBef>
+              <a:buFont typeface="Arial" panose="020B0604020202020204" pitchFamily="34" charset="0"/>
+              <a:buChar char="•"/>
+              <a:defRPr sz="1800" kern="1200">
+                <a:solidFill>
+                  <a:schemeClr val="tx1"/>
+                </a:solidFill>
+                <a:latin typeface="+mn-lt"/>
+                <a:ea typeface="+mn-ea"/>
+                <a:cs typeface="+mn-cs"/>
+              </a:defRPr>
+            </a:lvl6pPr>
+            <a:lvl7pPr marL="2971800" indent="-228600" algn="l" defTabSz="914400" rtl="0" eaLnBrk="1" latinLnBrk="0" hangingPunct="1">
+              <a:lnSpc>
+                <a:spcPct val="90000"/>
+              </a:lnSpc>
+              <a:spcBef>
+                <a:spcPts val="500"/>
+              </a:spcBef>
+              <a:buFont typeface="Arial" panose="020B0604020202020204" pitchFamily="34" charset="0"/>
+              <a:buChar char="•"/>
+              <a:defRPr sz="1800" kern="1200">
+                <a:solidFill>
+                  <a:schemeClr val="tx1"/>
+                </a:solidFill>
+                <a:latin typeface="+mn-lt"/>
+                <a:ea typeface="+mn-ea"/>
+                <a:cs typeface="+mn-cs"/>
+              </a:defRPr>
+            </a:lvl7pPr>
+            <a:lvl8pPr marL="3429000" indent="-228600" algn="l" defTabSz="914400" rtl="0" eaLnBrk="1" latinLnBrk="0" hangingPunct="1">
+              <a:lnSpc>
+                <a:spcPct val="90000"/>
+              </a:lnSpc>
+              <a:spcBef>
+                <a:spcPts val="500"/>
+              </a:spcBef>
+              <a:buFont typeface="Arial" panose="020B0604020202020204" pitchFamily="34" charset="0"/>
+              <a:buChar char="•"/>
+              <a:defRPr sz="1800" kern="1200">
+                <a:solidFill>
+                  <a:schemeClr val="tx1"/>
+                </a:solidFill>
+                <a:latin typeface="+mn-lt"/>
+                <a:ea typeface="+mn-ea"/>
+                <a:cs typeface="+mn-cs"/>
+              </a:defRPr>
+            </a:lvl8pPr>
+            <a:lvl9pPr marL="3886200" indent="-228600" algn="l" defTabSz="914400" rtl="0" eaLnBrk="1" latinLnBrk="0" hangingPunct="1">
+              <a:lnSpc>
+                <a:spcPct val="90000"/>
+              </a:lnSpc>
+              <a:spcBef>
+                <a:spcPts val="500"/>
+              </a:spcBef>
+              <a:buFont typeface="Arial" panose="020B0604020202020204" pitchFamily="34" charset="0"/>
+              <a:buChar char="•"/>
+              <a:defRPr sz="1800" kern="1200">
+                <a:solidFill>
+                  <a:schemeClr val="tx1"/>
+                </a:solidFill>
+                <a:latin typeface="+mn-lt"/>
+                <a:ea typeface="+mn-ea"/>
+                <a:cs typeface="+mn-cs"/>
+              </a:defRPr>
+            </a:lvl9pPr>
+          </a:lstStyle>
+          <a:p>
+            <a:pPr marL="0" indent="0">
+              <a:spcBef>
+                <a:spcPts val="0"/>
+              </a:spcBef>
+              <a:buFont typeface="Arial" panose="020B0604020202020204" pitchFamily="34" charset="0"/>
+              <a:buNone/>
+            </a:pPr>
+            <a:r>
+              <a:rPr lang="en-US" b="1"/>
+              <a:t>World Models</a:t>
+            </a:r>
+            <a:r>
+              <a:rPr lang="en-US"/>
+              <a:t> are used to predict the future state based on your actions</a:t>
+            </a:r>
+          </a:p>
+          <a:p>
+            <a:pPr marL="0" indent="0">
+              <a:spcBef>
+                <a:spcPts val="1200"/>
+              </a:spcBef>
+              <a:spcAft>
+                <a:spcPts val="1200"/>
+              </a:spcAft>
+              <a:buFont typeface="Arial" panose="020B0604020202020204" pitchFamily="34" charset="0"/>
+              <a:buNone/>
+            </a:pPr>
+            <a:r>
+              <a:rPr lang="en-US" b="1"/>
+              <a:t>Planning</a:t>
+            </a:r>
+            <a:r>
+              <a:rPr lang="en-US"/>
+              <a:t> is about understanding how actions change world models in the future</a:t>
+            </a:r>
+          </a:p>
+        </p:txBody>
+      </p:sp>
+      <p:sp>
+        <p:nvSpPr>
+          <p:cNvPr id="6" name="Google Shape;295;p49">
+            <a:extLst>
+              <a:ext uri="{FF2B5EF4-FFF2-40B4-BE49-F238E27FC236}">
+                <a16:creationId xmlns:a16="http://schemas.microsoft.com/office/drawing/2014/main" id="{DF5D377D-EEA7-9B18-31B4-8F861B9AE3E1}"/>
+              </a:ext>
+            </a:extLst>
+          </p:cNvPr>
+          <p:cNvSpPr txBox="1"/>
+          <p:nvPr/>
+        </p:nvSpPr>
+        <p:spPr>
+          <a:xfrm>
+            <a:off x="2062182" y="5619475"/>
+            <a:ext cx="6804300" cy="369300"/>
+          </a:xfrm>
+          <a:prstGeom prst="rect">
+            <a:avLst/>
+          </a:prstGeom>
+          <a:noFill/>
+          <a:ln>
+            <a:noFill/>
+          </a:ln>
+        </p:spPr>
+        <p:txBody>
+          <a:bodyPr spcFirstLastPara="1" wrap="square" lIns="91425" tIns="91425" rIns="91425" bIns="91425" anchor="t" anchorCtr="0">
+            <a:spAutoFit/>
+          </a:bodyPr>
+          <a:lstStyle/>
+          <a:p>
+            <a:pPr marL="0" lvl="0" indent="0" algn="r" rtl="0">
+              <a:spcBef>
+                <a:spcPts val="0"/>
+              </a:spcBef>
+              <a:spcAft>
+                <a:spcPts val="0"/>
+              </a:spcAft>
+              <a:buNone/>
+            </a:pPr>
+            <a:r>
+              <a:rPr lang="en" sz="1200">
+                <a:solidFill>
+                  <a:srgbClr val="7F7F7F"/>
+                </a:solidFill>
+              </a:rPr>
+              <a:t>YouTube: https://youtu.be/MiqLoAZFRSE?si=KvFwiDTgt0bUMo0H&amp;t=1288</a:t>
+            </a:r>
+            <a:endParaRPr sz="1200">
+              <a:solidFill>
+                <a:srgbClr val="7F7F7F"/>
+              </a:solidFill>
+            </a:endParaRPr>
+          </a:p>
+        </p:txBody>
+      </p:sp>
+      <p:pic>
+        <p:nvPicPr>
+          <p:cNvPr id="7" name="Google Shape;296;p49">
+            <a:extLst>
+              <a:ext uri="{FF2B5EF4-FFF2-40B4-BE49-F238E27FC236}">
+                <a16:creationId xmlns:a16="http://schemas.microsoft.com/office/drawing/2014/main" id="{C39825D1-6B4F-18BD-5A26-373041AFC00C}"/>
+              </a:ext>
+            </a:extLst>
+          </p:cNvPr>
+          <p:cNvPicPr preferRelativeResize="0"/>
+          <p:nvPr/>
+        </p:nvPicPr>
+        <p:blipFill>
+          <a:blip r:embed="rId2">
+            <a:alphaModFix/>
+          </a:blip>
+          <a:stretch>
+            <a:fillRect/>
+          </a:stretch>
+        </p:blipFill>
+        <p:spPr>
+          <a:xfrm>
+            <a:off x="222875" y="1687325"/>
+            <a:ext cx="4109346" cy="3570700"/>
+          </a:xfrm>
+          <a:prstGeom prst="rect">
+            <a:avLst/>
+          </a:prstGeom>
+          <a:noFill/>
+          <a:ln>
+            <a:noFill/>
+          </a:ln>
+        </p:spPr>
+      </p:pic>
+      <p:sp>
+        <p:nvSpPr>
+          <p:cNvPr id="8" name="Google Shape;297;p49">
+            <a:extLst>
+              <a:ext uri="{FF2B5EF4-FFF2-40B4-BE49-F238E27FC236}">
+                <a16:creationId xmlns:a16="http://schemas.microsoft.com/office/drawing/2014/main" id="{72D7C2B0-59EE-E831-F4B8-A23AD6679804}"/>
+              </a:ext>
+            </a:extLst>
+          </p:cNvPr>
+          <p:cNvSpPr txBox="1"/>
+          <p:nvPr/>
+        </p:nvSpPr>
+        <p:spPr>
+          <a:xfrm>
+            <a:off x="4721250" y="4331825"/>
+            <a:ext cx="5466300" cy="369300"/>
+          </a:xfrm>
+          <a:prstGeom prst="rect">
+            <a:avLst/>
+          </a:prstGeom>
+          <a:noFill/>
+          <a:ln>
+            <a:noFill/>
+          </a:ln>
+        </p:spPr>
+        <p:txBody>
+          <a:bodyPr spcFirstLastPara="1" wrap="square" lIns="91425" tIns="91425" rIns="91425" bIns="91425" anchor="t" anchorCtr="0">
+            <a:spAutoFit/>
+          </a:bodyPr>
+          <a:lstStyle/>
+          <a:p>
+            <a:pPr marL="0" lvl="0" indent="0" algn="r" rtl="0">
+              <a:spcBef>
+                <a:spcPts val="0"/>
+              </a:spcBef>
+              <a:spcAft>
+                <a:spcPts val="0"/>
+              </a:spcAft>
+              <a:buNone/>
+            </a:pPr>
+            <a:r>
+              <a:rPr lang="en" sz="1200">
+                <a:solidFill>
+                  <a:schemeClr val="dk2"/>
+                </a:solidFill>
+              </a:rPr>
+              <a:t>Source: https://openreview.net/pdf?id=BZ5a1r-kVsf</a:t>
+            </a:r>
+            <a:endParaRPr sz="1200">
+              <a:solidFill>
+                <a:schemeClr val="dk2"/>
+              </a:solidFill>
+            </a:endParaRPr>
+          </a:p>
+        </p:txBody>
+      </p:sp>
+    </p:spTree>
+    <p:extLst>
+      <p:ext uri="{BB962C8B-B14F-4D97-AF65-F5344CB8AC3E}">
+        <p14:creationId xmlns:p14="http://schemas.microsoft.com/office/powerpoint/2010/main" val="3272389822"/>
       </p:ext>
     </p:extLst>
   </p:cSld>

--- a/slides/Figures.pptx
+++ b/slides/Figures.pptx
@@ -11,6 +11,9 @@
     <p:sldId id="258" r:id="rId5"/>
     <p:sldId id="260" r:id="rId6"/>
     <p:sldId id="261" r:id="rId7"/>
+    <p:sldId id="262" r:id="rId8"/>
+    <p:sldId id="263" r:id="rId9"/>
+    <p:sldId id="264" r:id="rId10"/>
   </p:sldIdLst>
   <p:sldSz cx="12192000" cy="6858000"/>
   <p:notesSz cx="6858000" cy="9144000"/>
@@ -5317,7 +5320,7 @@
         </p:nvSpPr>
         <p:spPr>
           <a:xfrm>
-            <a:off x="262295" y="199705"/>
+            <a:off x="326220" y="174824"/>
             <a:ext cx="10515600" cy="407822"/>
           </a:xfrm>
         </p:spPr>
@@ -6139,69 +6142,6 @@
           </a:p>
         </p:txBody>
       </p:sp>
-      <p:sp>
-        <p:nvSpPr>
-          <p:cNvPr id="27" name="Can 26">
-            <a:extLst>
-              <a:ext uri="{FF2B5EF4-FFF2-40B4-BE49-F238E27FC236}">
-                <a16:creationId xmlns:a16="http://schemas.microsoft.com/office/drawing/2014/main" id="{1BB3C57E-4F09-FAB2-1E41-C67B92ACADAE}"/>
-              </a:ext>
-            </a:extLst>
-          </p:cNvPr>
-          <p:cNvSpPr/>
-          <p:nvPr/>
-        </p:nvSpPr>
-        <p:spPr>
-          <a:xfrm>
-            <a:off x="7440305" y="1761840"/>
-            <a:ext cx="1483085" cy="752354"/>
-          </a:xfrm>
-          <a:prstGeom prst="can">
-            <a:avLst>
-              <a:gd name="adj" fmla="val 15769"/>
-            </a:avLst>
-          </a:prstGeom>
-          <a:solidFill>
-            <a:schemeClr val="accent6">
-              <a:lumMod val="75000"/>
-            </a:schemeClr>
-          </a:solidFill>
-        </p:spPr>
-        <p:style>
-          <a:lnRef idx="2">
-            <a:schemeClr val="accent1">
-              <a:shade val="15000"/>
-            </a:schemeClr>
-          </a:lnRef>
-          <a:fillRef idx="1">
-            <a:schemeClr val="accent1"/>
-          </a:fillRef>
-          <a:effectRef idx="0">
-            <a:schemeClr val="accent1"/>
-          </a:effectRef>
-          <a:fontRef idx="minor">
-            <a:schemeClr val="lt1"/>
-          </a:fontRef>
-        </p:style>
-        <p:txBody>
-          <a:bodyPr rtlCol="0" anchor="ctr"/>
-          <a:lstStyle/>
-          <a:p>
-            <a:pPr algn="ctr"/>
-            <a:r>
-              <a:rPr lang="en-US" dirty="0"/>
-              <a:t>Knowledge</a:t>
-            </a:r>
-          </a:p>
-          <a:p>
-            <a:pPr algn="ctr"/>
-            <a:r>
-              <a:rPr lang="en-US" dirty="0"/>
-              <a:t>Base</a:t>
-            </a:r>
-          </a:p>
-        </p:txBody>
-      </p:sp>
       <p:cxnSp>
         <p:nvCxnSpPr>
           <p:cNvPr id="29" name="Straight Arrow Connector 28">
@@ -6212,8 +6152,8 @@
             </a:extLst>
           </p:cNvPr>
           <p:cNvCxnSpPr>
+            <a:cxnSpLocks/>
             <a:stCxn id="25" idx="3"/>
-            <a:endCxn id="27" idx="2"/>
           </p:cNvCxnSpPr>
           <p:nvPr/>
         </p:nvCxnSpPr>
@@ -6245,6 +6185,1270 @@
           </a:fontRef>
         </p:style>
       </p:cxnSp>
+      <p:grpSp>
+        <p:nvGrpSpPr>
+          <p:cNvPr id="18" name="Group 17">
+            <a:extLst>
+              <a:ext uri="{FF2B5EF4-FFF2-40B4-BE49-F238E27FC236}">
+                <a16:creationId xmlns:a16="http://schemas.microsoft.com/office/drawing/2014/main" id="{C87E3D9D-E1BC-765C-63EB-79D8F1162BDA}"/>
+              </a:ext>
+            </a:extLst>
+          </p:cNvPr>
+          <p:cNvGrpSpPr/>
+          <p:nvPr/>
+        </p:nvGrpSpPr>
+        <p:grpSpPr>
+          <a:xfrm>
+            <a:off x="7440305" y="1492060"/>
+            <a:ext cx="1643605" cy="1261641"/>
+            <a:chOff x="8414795" y="2882096"/>
+            <a:chExt cx="1643605" cy="1261641"/>
+          </a:xfrm>
+        </p:grpSpPr>
+        <p:sp>
+          <p:nvSpPr>
+            <p:cNvPr id="19" name="Can 18">
+              <a:extLst>
+                <a:ext uri="{FF2B5EF4-FFF2-40B4-BE49-F238E27FC236}">
+                  <a16:creationId xmlns:a16="http://schemas.microsoft.com/office/drawing/2014/main" id="{FB50B214-F122-7D4A-2048-E4F1DD6E68B8}"/>
+                </a:ext>
+              </a:extLst>
+            </p:cNvPr>
+            <p:cNvSpPr/>
+            <p:nvPr/>
+          </p:nvSpPr>
+          <p:spPr>
+            <a:xfrm>
+              <a:off x="8414795" y="2882096"/>
+              <a:ext cx="1643605" cy="1261641"/>
+            </a:xfrm>
+            <a:prstGeom prst="can">
+              <a:avLst>
+                <a:gd name="adj" fmla="val 13073"/>
+              </a:avLst>
+            </a:prstGeom>
+            <a:solidFill>
+              <a:schemeClr val="bg1">
+                <a:lumMod val="85000"/>
+              </a:schemeClr>
+            </a:solidFill>
+          </p:spPr>
+          <p:style>
+            <a:lnRef idx="2">
+              <a:schemeClr val="accent1">
+                <a:shade val="15000"/>
+              </a:schemeClr>
+            </a:lnRef>
+            <a:fillRef idx="1">
+              <a:schemeClr val="accent1"/>
+            </a:fillRef>
+            <a:effectRef idx="0">
+              <a:schemeClr val="accent1"/>
+            </a:effectRef>
+            <a:fontRef idx="minor">
+              <a:schemeClr val="lt1"/>
+            </a:fontRef>
+          </p:style>
+          <p:txBody>
+            <a:bodyPr rtlCol="0" anchor="ctr"/>
+            <a:lstStyle/>
+            <a:p>
+              <a:pPr algn="ctr"/>
+              <a:endParaRPr lang="en-US"/>
+            </a:p>
+          </p:txBody>
+        </p:sp>
+        <p:grpSp>
+          <p:nvGrpSpPr>
+            <p:cNvPr id="20" name="Google Shape;571;p74">
+              <a:extLst>
+                <a:ext uri="{FF2B5EF4-FFF2-40B4-BE49-F238E27FC236}">
+                  <a16:creationId xmlns:a16="http://schemas.microsoft.com/office/drawing/2014/main" id="{1E1B5D46-BC77-5D18-F12C-FAF6DE6787A2}"/>
+                </a:ext>
+              </a:extLst>
+            </p:cNvPr>
+            <p:cNvGrpSpPr/>
+            <p:nvPr/>
+          </p:nvGrpSpPr>
+          <p:grpSpPr>
+            <a:xfrm>
+              <a:off x="8623139" y="3134005"/>
+              <a:ext cx="1330304" cy="905560"/>
+              <a:chOff x="3505200" y="4267200"/>
+              <a:chExt cx="1676400" cy="1600200"/>
+            </a:xfrm>
+          </p:grpSpPr>
+          <p:sp>
+            <p:nvSpPr>
+              <p:cNvPr id="21" name="Google Shape;572;p74">
+                <a:extLst>
+                  <a:ext uri="{FF2B5EF4-FFF2-40B4-BE49-F238E27FC236}">
+                    <a16:creationId xmlns:a16="http://schemas.microsoft.com/office/drawing/2014/main" id="{983262AD-EB7D-B5AE-FF92-5A80ADF65FB8}"/>
+                  </a:ext>
+                </a:extLst>
+              </p:cNvPr>
+              <p:cNvSpPr/>
+              <p:nvPr/>
+            </p:nvSpPr>
+            <p:spPr>
+              <a:xfrm>
+                <a:off x="4191000" y="4267200"/>
+                <a:ext cx="228600" cy="228600"/>
+              </a:xfrm>
+              <a:prstGeom prst="ellipse">
+                <a:avLst/>
+              </a:prstGeom>
+              <a:solidFill>
+                <a:srgbClr val="FF0000"/>
+              </a:solidFill>
+              <a:ln w="12700" cap="flat" cmpd="sng">
+                <a:solidFill>
+                  <a:srgbClr val="010101"/>
+                </a:solidFill>
+                <a:prstDash val="solid"/>
+                <a:round/>
+                <a:headEnd type="none" w="sm" len="sm"/>
+                <a:tailEnd type="none" w="sm" len="sm"/>
+              </a:ln>
+            </p:spPr>
+            <p:txBody>
+              <a:bodyPr spcFirstLastPara="1" wrap="square" lIns="91425" tIns="45700" rIns="91425" bIns="45700" anchor="t" anchorCtr="0">
+                <a:noAutofit/>
+              </a:bodyPr>
+              <a:lstStyle/>
+              <a:p>
+                <a:pPr marL="0" marR="0" lvl="0" indent="0" algn="ctr" rtl="0">
+                  <a:lnSpc>
+                    <a:spcPct val="100000"/>
+                  </a:lnSpc>
+                  <a:spcBef>
+                    <a:spcPts val="0"/>
+                  </a:spcBef>
+                  <a:spcAft>
+                    <a:spcPts val="0"/>
+                  </a:spcAft>
+                  <a:buClr>
+                    <a:srgbClr val="010101"/>
+                  </a:buClr>
+                  <a:buSzPts val="2400"/>
+                  <a:buFont typeface="Arial"/>
+                  <a:buNone/>
+                </a:pPr>
+                <a:endParaRPr sz="2400" b="1" i="0" u="none" strike="noStrike" cap="none">
+                  <a:solidFill>
+                    <a:srgbClr val="010101"/>
+                  </a:solidFill>
+                  <a:latin typeface="Arial Narrow"/>
+                  <a:ea typeface="Arial Narrow"/>
+                  <a:cs typeface="Arial Narrow"/>
+                  <a:sym typeface="Arial Narrow"/>
+                </a:endParaRPr>
+              </a:p>
+            </p:txBody>
+          </p:sp>
+          <p:sp>
+            <p:nvSpPr>
+              <p:cNvPr id="23" name="Google Shape;573;p74">
+                <a:extLst>
+                  <a:ext uri="{FF2B5EF4-FFF2-40B4-BE49-F238E27FC236}">
+                    <a16:creationId xmlns:a16="http://schemas.microsoft.com/office/drawing/2014/main" id="{CC78144A-2FD8-D695-E51E-C03E2ABBCADA}"/>
+                  </a:ext>
+                </a:extLst>
+              </p:cNvPr>
+              <p:cNvSpPr/>
+              <p:nvPr/>
+            </p:nvSpPr>
+            <p:spPr>
+              <a:xfrm>
+                <a:off x="3886200" y="4724400"/>
+                <a:ext cx="228600" cy="228600"/>
+              </a:xfrm>
+              <a:prstGeom prst="ellipse">
+                <a:avLst/>
+              </a:prstGeom>
+              <a:solidFill>
+                <a:srgbClr val="996633"/>
+              </a:solidFill>
+              <a:ln w="12700" cap="flat" cmpd="sng">
+                <a:solidFill>
+                  <a:srgbClr val="010101"/>
+                </a:solidFill>
+                <a:prstDash val="solid"/>
+                <a:round/>
+                <a:headEnd type="none" w="sm" len="sm"/>
+                <a:tailEnd type="none" w="sm" len="sm"/>
+              </a:ln>
+            </p:spPr>
+            <p:txBody>
+              <a:bodyPr spcFirstLastPara="1" wrap="square" lIns="91425" tIns="45700" rIns="91425" bIns="45700" anchor="t" anchorCtr="0">
+                <a:noAutofit/>
+              </a:bodyPr>
+              <a:lstStyle/>
+              <a:p>
+                <a:pPr marL="0" marR="0" lvl="0" indent="0" algn="ctr" rtl="0">
+                  <a:lnSpc>
+                    <a:spcPct val="100000"/>
+                  </a:lnSpc>
+                  <a:spcBef>
+                    <a:spcPts val="0"/>
+                  </a:spcBef>
+                  <a:spcAft>
+                    <a:spcPts val="0"/>
+                  </a:spcAft>
+                  <a:buClr>
+                    <a:srgbClr val="010101"/>
+                  </a:buClr>
+                  <a:buSzPts val="2400"/>
+                  <a:buFont typeface="Arial"/>
+                  <a:buNone/>
+                </a:pPr>
+                <a:endParaRPr sz="2400" b="1" i="0" u="none" strike="noStrike" cap="none">
+                  <a:solidFill>
+                    <a:srgbClr val="010101"/>
+                  </a:solidFill>
+                  <a:latin typeface="Arial Narrow"/>
+                  <a:ea typeface="Arial Narrow"/>
+                  <a:cs typeface="Arial Narrow"/>
+                  <a:sym typeface="Arial Narrow"/>
+                </a:endParaRPr>
+              </a:p>
+            </p:txBody>
+          </p:sp>
+          <p:sp>
+            <p:nvSpPr>
+              <p:cNvPr id="24" name="Google Shape;574;p74">
+                <a:extLst>
+                  <a:ext uri="{FF2B5EF4-FFF2-40B4-BE49-F238E27FC236}">
+                    <a16:creationId xmlns:a16="http://schemas.microsoft.com/office/drawing/2014/main" id="{60DF63F3-0172-99AF-C233-995DA6591EF3}"/>
+                  </a:ext>
+                </a:extLst>
+              </p:cNvPr>
+              <p:cNvSpPr/>
+              <p:nvPr/>
+            </p:nvSpPr>
+            <p:spPr>
+              <a:xfrm>
+                <a:off x="4191000" y="5105400"/>
+                <a:ext cx="228600" cy="228600"/>
+              </a:xfrm>
+              <a:prstGeom prst="ellipse">
+                <a:avLst/>
+              </a:prstGeom>
+              <a:solidFill>
+                <a:srgbClr val="7030A0"/>
+              </a:solidFill>
+              <a:ln w="12700" cap="flat" cmpd="sng">
+                <a:solidFill>
+                  <a:srgbClr val="010101"/>
+                </a:solidFill>
+                <a:prstDash val="solid"/>
+                <a:round/>
+                <a:headEnd type="none" w="sm" len="sm"/>
+                <a:tailEnd type="none" w="sm" len="sm"/>
+              </a:ln>
+            </p:spPr>
+            <p:txBody>
+              <a:bodyPr spcFirstLastPara="1" wrap="square" lIns="91425" tIns="45700" rIns="91425" bIns="45700" anchor="t" anchorCtr="0">
+                <a:noAutofit/>
+              </a:bodyPr>
+              <a:lstStyle/>
+              <a:p>
+                <a:pPr marL="0" marR="0" lvl="0" indent="0" algn="ctr" rtl="0">
+                  <a:lnSpc>
+                    <a:spcPct val="100000"/>
+                  </a:lnSpc>
+                  <a:spcBef>
+                    <a:spcPts val="0"/>
+                  </a:spcBef>
+                  <a:spcAft>
+                    <a:spcPts val="0"/>
+                  </a:spcAft>
+                  <a:buClr>
+                    <a:srgbClr val="010101"/>
+                  </a:buClr>
+                  <a:buSzPts val="2400"/>
+                  <a:buFont typeface="Arial"/>
+                  <a:buNone/>
+                </a:pPr>
+                <a:endParaRPr sz="2400" b="1" i="0" u="none" strike="noStrike" cap="none">
+                  <a:solidFill>
+                    <a:srgbClr val="010101"/>
+                  </a:solidFill>
+                  <a:latin typeface="Arial Narrow"/>
+                  <a:ea typeface="Arial Narrow"/>
+                  <a:cs typeface="Arial Narrow"/>
+                  <a:sym typeface="Arial Narrow"/>
+                </a:endParaRPr>
+              </a:p>
+            </p:txBody>
+          </p:sp>
+          <p:sp>
+            <p:nvSpPr>
+              <p:cNvPr id="26" name="Google Shape;575;p74">
+                <a:extLst>
+                  <a:ext uri="{FF2B5EF4-FFF2-40B4-BE49-F238E27FC236}">
+                    <a16:creationId xmlns:a16="http://schemas.microsoft.com/office/drawing/2014/main" id="{40021322-E4BF-B291-F87A-5F9012403F2A}"/>
+                  </a:ext>
+                </a:extLst>
+              </p:cNvPr>
+              <p:cNvSpPr/>
+              <p:nvPr/>
+            </p:nvSpPr>
+            <p:spPr>
+              <a:xfrm>
+                <a:off x="4794721" y="4494213"/>
+                <a:ext cx="228600" cy="228600"/>
+              </a:xfrm>
+              <a:prstGeom prst="ellipse">
+                <a:avLst/>
+              </a:prstGeom>
+              <a:solidFill>
+                <a:schemeClr val="accent4"/>
+              </a:solidFill>
+              <a:ln w="12700" cap="flat" cmpd="sng">
+                <a:solidFill>
+                  <a:srgbClr val="010101"/>
+                </a:solidFill>
+                <a:prstDash val="solid"/>
+                <a:round/>
+                <a:headEnd type="none" w="sm" len="sm"/>
+                <a:tailEnd type="none" w="sm" len="sm"/>
+              </a:ln>
+            </p:spPr>
+            <p:txBody>
+              <a:bodyPr spcFirstLastPara="1" wrap="square" lIns="91425" tIns="45700" rIns="91425" bIns="45700" anchor="t" anchorCtr="0">
+                <a:noAutofit/>
+              </a:bodyPr>
+              <a:lstStyle/>
+              <a:p>
+                <a:pPr marL="0" marR="0" lvl="0" indent="0" algn="ctr" rtl="0">
+                  <a:lnSpc>
+                    <a:spcPct val="100000"/>
+                  </a:lnSpc>
+                  <a:spcBef>
+                    <a:spcPts val="0"/>
+                  </a:spcBef>
+                  <a:spcAft>
+                    <a:spcPts val="0"/>
+                  </a:spcAft>
+                  <a:buClr>
+                    <a:srgbClr val="010101"/>
+                  </a:buClr>
+                  <a:buSzPts val="2400"/>
+                  <a:buFont typeface="Arial"/>
+                  <a:buNone/>
+                </a:pPr>
+                <a:endParaRPr sz="2400" b="1" i="0" u="none" strike="noStrike" cap="none">
+                  <a:solidFill>
+                    <a:srgbClr val="010101"/>
+                  </a:solidFill>
+                  <a:latin typeface="Arial Narrow"/>
+                  <a:ea typeface="Arial Narrow"/>
+                  <a:cs typeface="Arial Narrow"/>
+                  <a:sym typeface="Arial Narrow"/>
+                </a:endParaRPr>
+              </a:p>
+            </p:txBody>
+          </p:sp>
+          <p:sp>
+            <p:nvSpPr>
+              <p:cNvPr id="28" name="Google Shape;576;p74">
+                <a:extLst>
+                  <a:ext uri="{FF2B5EF4-FFF2-40B4-BE49-F238E27FC236}">
+                    <a16:creationId xmlns:a16="http://schemas.microsoft.com/office/drawing/2014/main" id="{81694C1B-6434-10D9-58AD-AC85919E494C}"/>
+                  </a:ext>
+                </a:extLst>
+              </p:cNvPr>
+              <p:cNvSpPr/>
+              <p:nvPr/>
+            </p:nvSpPr>
+            <p:spPr>
+              <a:xfrm>
+                <a:off x="4648200" y="4953000"/>
+                <a:ext cx="228600" cy="228600"/>
+              </a:xfrm>
+              <a:prstGeom prst="ellipse">
+                <a:avLst/>
+              </a:prstGeom>
+              <a:solidFill>
+                <a:srgbClr val="FFFF00"/>
+              </a:solidFill>
+              <a:ln w="12700" cap="flat" cmpd="sng">
+                <a:solidFill>
+                  <a:srgbClr val="010101"/>
+                </a:solidFill>
+                <a:prstDash val="solid"/>
+                <a:round/>
+                <a:headEnd type="none" w="sm" len="sm"/>
+                <a:tailEnd type="none" w="sm" len="sm"/>
+              </a:ln>
+            </p:spPr>
+            <p:txBody>
+              <a:bodyPr spcFirstLastPara="1" wrap="square" lIns="91425" tIns="45700" rIns="91425" bIns="45700" anchor="t" anchorCtr="0">
+                <a:noAutofit/>
+              </a:bodyPr>
+              <a:lstStyle/>
+              <a:p>
+                <a:pPr marL="0" marR="0" lvl="0" indent="0" algn="ctr" rtl="0">
+                  <a:lnSpc>
+                    <a:spcPct val="100000"/>
+                  </a:lnSpc>
+                  <a:spcBef>
+                    <a:spcPts val="0"/>
+                  </a:spcBef>
+                  <a:spcAft>
+                    <a:spcPts val="0"/>
+                  </a:spcAft>
+                  <a:buClr>
+                    <a:srgbClr val="010101"/>
+                  </a:buClr>
+                  <a:buSzPts val="2400"/>
+                  <a:buFont typeface="Arial"/>
+                  <a:buNone/>
+                </a:pPr>
+                <a:endParaRPr sz="2400" b="1" i="0" u="none" strike="noStrike" cap="none">
+                  <a:solidFill>
+                    <a:srgbClr val="010101"/>
+                  </a:solidFill>
+                  <a:latin typeface="Arial Narrow"/>
+                  <a:ea typeface="Arial Narrow"/>
+                  <a:cs typeface="Arial Narrow"/>
+                  <a:sym typeface="Arial Narrow"/>
+                </a:endParaRPr>
+              </a:p>
+            </p:txBody>
+          </p:sp>
+          <p:sp>
+            <p:nvSpPr>
+              <p:cNvPr id="30" name="Google Shape;577;p74">
+                <a:extLst>
+                  <a:ext uri="{FF2B5EF4-FFF2-40B4-BE49-F238E27FC236}">
+                    <a16:creationId xmlns:a16="http://schemas.microsoft.com/office/drawing/2014/main" id="{B6BC3682-2032-BC38-88DA-E23062BB5CAE}"/>
+                  </a:ext>
+                </a:extLst>
+              </p:cNvPr>
+              <p:cNvSpPr/>
+              <p:nvPr/>
+            </p:nvSpPr>
+            <p:spPr>
+              <a:xfrm>
+                <a:off x="3581400" y="5257800"/>
+                <a:ext cx="228600" cy="228600"/>
+              </a:xfrm>
+              <a:prstGeom prst="ellipse">
+                <a:avLst/>
+              </a:prstGeom>
+              <a:solidFill>
+                <a:srgbClr val="92D050"/>
+              </a:solidFill>
+              <a:ln w="12700" cap="flat" cmpd="sng">
+                <a:solidFill>
+                  <a:srgbClr val="010101"/>
+                </a:solidFill>
+                <a:prstDash val="solid"/>
+                <a:round/>
+                <a:headEnd type="none" w="sm" len="sm"/>
+                <a:tailEnd type="none" w="sm" len="sm"/>
+              </a:ln>
+            </p:spPr>
+            <p:txBody>
+              <a:bodyPr spcFirstLastPara="1" wrap="square" lIns="91425" tIns="45700" rIns="91425" bIns="45700" anchor="t" anchorCtr="0">
+                <a:noAutofit/>
+              </a:bodyPr>
+              <a:lstStyle/>
+              <a:p>
+                <a:pPr marL="0" marR="0" lvl="0" indent="0" algn="ctr" rtl="0">
+                  <a:lnSpc>
+                    <a:spcPct val="100000"/>
+                  </a:lnSpc>
+                  <a:spcBef>
+                    <a:spcPts val="0"/>
+                  </a:spcBef>
+                  <a:spcAft>
+                    <a:spcPts val="0"/>
+                  </a:spcAft>
+                  <a:buClr>
+                    <a:srgbClr val="010101"/>
+                  </a:buClr>
+                  <a:buSzPts val="2400"/>
+                  <a:buFont typeface="Arial"/>
+                  <a:buNone/>
+                </a:pPr>
+                <a:endParaRPr sz="2400" b="1" i="0" u="none" strike="noStrike" cap="none">
+                  <a:solidFill>
+                    <a:srgbClr val="010101"/>
+                  </a:solidFill>
+                  <a:latin typeface="Arial Narrow"/>
+                  <a:ea typeface="Arial Narrow"/>
+                  <a:cs typeface="Arial Narrow"/>
+                  <a:sym typeface="Arial Narrow"/>
+                </a:endParaRPr>
+              </a:p>
+            </p:txBody>
+          </p:sp>
+          <p:sp>
+            <p:nvSpPr>
+              <p:cNvPr id="31" name="Google Shape;578;p74">
+                <a:extLst>
+                  <a:ext uri="{FF2B5EF4-FFF2-40B4-BE49-F238E27FC236}">
+                    <a16:creationId xmlns:a16="http://schemas.microsoft.com/office/drawing/2014/main" id="{643768A6-11B7-D828-E858-7CCDC2AF8E2F}"/>
+                  </a:ext>
+                </a:extLst>
+              </p:cNvPr>
+              <p:cNvSpPr/>
+              <p:nvPr/>
+            </p:nvSpPr>
+            <p:spPr>
+              <a:xfrm>
+                <a:off x="4419600" y="5486400"/>
+                <a:ext cx="228600" cy="228600"/>
+              </a:xfrm>
+              <a:prstGeom prst="ellipse">
+                <a:avLst/>
+              </a:prstGeom>
+              <a:solidFill>
+                <a:srgbClr val="0070C0"/>
+              </a:solidFill>
+              <a:ln w="12700" cap="flat" cmpd="sng">
+                <a:solidFill>
+                  <a:srgbClr val="010101"/>
+                </a:solidFill>
+                <a:prstDash val="solid"/>
+                <a:round/>
+                <a:headEnd type="none" w="sm" len="sm"/>
+                <a:tailEnd type="none" w="sm" len="sm"/>
+              </a:ln>
+            </p:spPr>
+            <p:txBody>
+              <a:bodyPr spcFirstLastPara="1" wrap="square" lIns="91425" tIns="45700" rIns="91425" bIns="45700" anchor="t" anchorCtr="0">
+                <a:noAutofit/>
+              </a:bodyPr>
+              <a:lstStyle/>
+              <a:p>
+                <a:pPr marL="0" marR="0" lvl="0" indent="0" algn="ctr" rtl="0">
+                  <a:lnSpc>
+                    <a:spcPct val="100000"/>
+                  </a:lnSpc>
+                  <a:spcBef>
+                    <a:spcPts val="0"/>
+                  </a:spcBef>
+                  <a:spcAft>
+                    <a:spcPts val="0"/>
+                  </a:spcAft>
+                  <a:buClr>
+                    <a:srgbClr val="010101"/>
+                  </a:buClr>
+                  <a:buSzPts val="2400"/>
+                  <a:buFont typeface="Arial"/>
+                  <a:buNone/>
+                </a:pPr>
+                <a:endParaRPr sz="2400" b="1" i="0" u="none" strike="noStrike" cap="none">
+                  <a:solidFill>
+                    <a:srgbClr val="010101"/>
+                  </a:solidFill>
+                  <a:latin typeface="Arial Narrow"/>
+                  <a:ea typeface="Arial Narrow"/>
+                  <a:cs typeface="Arial Narrow"/>
+                  <a:sym typeface="Arial Narrow"/>
+                </a:endParaRPr>
+              </a:p>
+            </p:txBody>
+          </p:sp>
+          <p:sp>
+            <p:nvSpPr>
+              <p:cNvPr id="32" name="Google Shape;579;p74">
+                <a:extLst>
+                  <a:ext uri="{FF2B5EF4-FFF2-40B4-BE49-F238E27FC236}">
+                    <a16:creationId xmlns:a16="http://schemas.microsoft.com/office/drawing/2014/main" id="{0E60D970-144A-5D43-D26B-DBDBBC2D9ECC}"/>
+                  </a:ext>
+                </a:extLst>
+              </p:cNvPr>
+              <p:cNvSpPr/>
+              <p:nvPr/>
+            </p:nvSpPr>
+            <p:spPr>
+              <a:xfrm>
+                <a:off x="3505200" y="4572000"/>
+                <a:ext cx="228600" cy="228600"/>
+              </a:xfrm>
+              <a:prstGeom prst="ellipse">
+                <a:avLst/>
+              </a:prstGeom>
+              <a:solidFill>
+                <a:srgbClr val="A5A5A5"/>
+              </a:solidFill>
+              <a:ln w="12700" cap="flat" cmpd="sng">
+                <a:solidFill>
+                  <a:srgbClr val="010101"/>
+                </a:solidFill>
+                <a:prstDash val="solid"/>
+                <a:round/>
+                <a:headEnd type="none" w="sm" len="sm"/>
+                <a:tailEnd type="none" w="sm" len="sm"/>
+              </a:ln>
+            </p:spPr>
+            <p:txBody>
+              <a:bodyPr spcFirstLastPara="1" wrap="square" lIns="91425" tIns="45700" rIns="91425" bIns="45700" anchor="t" anchorCtr="0">
+                <a:noAutofit/>
+              </a:bodyPr>
+              <a:lstStyle/>
+              <a:p>
+                <a:pPr marL="0" marR="0" lvl="0" indent="0" algn="ctr" rtl="0">
+                  <a:lnSpc>
+                    <a:spcPct val="100000"/>
+                  </a:lnSpc>
+                  <a:spcBef>
+                    <a:spcPts val="0"/>
+                  </a:spcBef>
+                  <a:spcAft>
+                    <a:spcPts val="0"/>
+                  </a:spcAft>
+                  <a:buClr>
+                    <a:srgbClr val="010101"/>
+                  </a:buClr>
+                  <a:buSzPts val="2400"/>
+                  <a:buFont typeface="Arial"/>
+                  <a:buNone/>
+                </a:pPr>
+                <a:endParaRPr sz="2400" b="1" i="0" u="none" strike="noStrike" cap="none">
+                  <a:solidFill>
+                    <a:srgbClr val="010101"/>
+                  </a:solidFill>
+                  <a:latin typeface="Arial Narrow"/>
+                  <a:ea typeface="Arial Narrow"/>
+                  <a:cs typeface="Arial Narrow"/>
+                  <a:sym typeface="Arial Narrow"/>
+                </a:endParaRPr>
+              </a:p>
+            </p:txBody>
+          </p:sp>
+          <p:sp>
+            <p:nvSpPr>
+              <p:cNvPr id="33" name="Google Shape;580;p74">
+                <a:extLst>
+                  <a:ext uri="{FF2B5EF4-FFF2-40B4-BE49-F238E27FC236}">
+                    <a16:creationId xmlns:a16="http://schemas.microsoft.com/office/drawing/2014/main" id="{18D211C0-6158-8276-2FED-C324130B2EED}"/>
+                  </a:ext>
+                </a:extLst>
+              </p:cNvPr>
+              <p:cNvSpPr/>
+              <p:nvPr/>
+            </p:nvSpPr>
+            <p:spPr>
+              <a:xfrm>
+                <a:off x="4953000" y="5334000"/>
+                <a:ext cx="228600" cy="228600"/>
+              </a:xfrm>
+              <a:prstGeom prst="ellipse">
+                <a:avLst/>
+              </a:prstGeom>
+              <a:solidFill>
+                <a:srgbClr val="00B050"/>
+              </a:solidFill>
+              <a:ln w="12700" cap="flat" cmpd="sng">
+                <a:solidFill>
+                  <a:srgbClr val="010101"/>
+                </a:solidFill>
+                <a:prstDash val="solid"/>
+                <a:round/>
+                <a:headEnd type="none" w="sm" len="sm"/>
+                <a:tailEnd type="none" w="sm" len="sm"/>
+              </a:ln>
+            </p:spPr>
+            <p:txBody>
+              <a:bodyPr spcFirstLastPara="1" wrap="square" lIns="91425" tIns="45700" rIns="91425" bIns="45700" anchor="t" anchorCtr="0">
+                <a:noAutofit/>
+              </a:bodyPr>
+              <a:lstStyle/>
+              <a:p>
+                <a:pPr marL="0" marR="0" lvl="0" indent="0" algn="ctr" rtl="0">
+                  <a:lnSpc>
+                    <a:spcPct val="100000"/>
+                  </a:lnSpc>
+                  <a:spcBef>
+                    <a:spcPts val="0"/>
+                  </a:spcBef>
+                  <a:spcAft>
+                    <a:spcPts val="0"/>
+                  </a:spcAft>
+                  <a:buClr>
+                    <a:srgbClr val="010101"/>
+                  </a:buClr>
+                  <a:buSzPts val="2400"/>
+                  <a:buFont typeface="Arial"/>
+                  <a:buNone/>
+                </a:pPr>
+                <a:endParaRPr sz="2400" b="1" i="0" u="none" strike="noStrike" cap="none">
+                  <a:solidFill>
+                    <a:srgbClr val="010101"/>
+                  </a:solidFill>
+                  <a:latin typeface="Arial Narrow"/>
+                  <a:ea typeface="Arial Narrow"/>
+                  <a:cs typeface="Arial Narrow"/>
+                  <a:sym typeface="Arial Narrow"/>
+                </a:endParaRPr>
+              </a:p>
+            </p:txBody>
+          </p:sp>
+          <p:cxnSp>
+            <p:nvCxnSpPr>
+              <p:cNvPr id="34" name="Google Shape;581;p74">
+                <a:extLst>
+                  <a:ext uri="{FF2B5EF4-FFF2-40B4-BE49-F238E27FC236}">
+                    <a16:creationId xmlns:a16="http://schemas.microsoft.com/office/drawing/2014/main" id="{B4B484A9-B4C0-300D-7DA0-22657FA55F77}"/>
+                  </a:ext>
+                </a:extLst>
+              </p:cNvPr>
+              <p:cNvCxnSpPr>
+                <a:stCxn id="32" idx="7"/>
+                <a:endCxn id="21" idx="2"/>
+              </p:cNvCxnSpPr>
+              <p:nvPr/>
+            </p:nvCxnSpPr>
+            <p:spPr>
+              <a:xfrm rot="10800000" flipH="1">
+                <a:off x="3700322" y="4381378"/>
+                <a:ext cx="490800" cy="224100"/>
+              </a:xfrm>
+              <a:prstGeom prst="straightConnector1">
+                <a:avLst/>
+              </a:prstGeom>
+              <a:noFill/>
+              <a:ln w="12700" cap="flat" cmpd="sng">
+                <a:solidFill>
+                  <a:srgbClr val="010101"/>
+                </a:solidFill>
+                <a:prstDash val="solid"/>
+                <a:round/>
+                <a:headEnd type="none" w="sm" len="sm"/>
+                <a:tailEnd type="triangle" w="med" len="med"/>
+              </a:ln>
+            </p:spPr>
+          </p:cxnSp>
+          <p:cxnSp>
+            <p:nvCxnSpPr>
+              <p:cNvPr id="35" name="Google Shape;582;p74">
+                <a:extLst>
+                  <a:ext uri="{FF2B5EF4-FFF2-40B4-BE49-F238E27FC236}">
+                    <a16:creationId xmlns:a16="http://schemas.microsoft.com/office/drawing/2014/main" id="{BBEF6EBF-514A-10C7-3732-226C28186CD4}"/>
+                  </a:ext>
+                </a:extLst>
+              </p:cNvPr>
+              <p:cNvCxnSpPr>
+                <a:stCxn id="21" idx="6"/>
+                <a:endCxn id="26" idx="2"/>
+              </p:cNvCxnSpPr>
+              <p:nvPr/>
+            </p:nvCxnSpPr>
+            <p:spPr>
+              <a:xfrm>
+                <a:off x="4419600" y="4381500"/>
+                <a:ext cx="375000" cy="227100"/>
+              </a:xfrm>
+              <a:prstGeom prst="straightConnector1">
+                <a:avLst/>
+              </a:prstGeom>
+              <a:noFill/>
+              <a:ln w="12700" cap="flat" cmpd="sng">
+                <a:solidFill>
+                  <a:srgbClr val="010101"/>
+                </a:solidFill>
+                <a:prstDash val="solid"/>
+                <a:round/>
+                <a:headEnd type="none" w="sm" len="sm"/>
+                <a:tailEnd type="triangle" w="med" len="med"/>
+              </a:ln>
+            </p:spPr>
+          </p:cxnSp>
+          <p:cxnSp>
+            <p:nvCxnSpPr>
+              <p:cNvPr id="36" name="Google Shape;583;p74">
+                <a:extLst>
+                  <a:ext uri="{FF2B5EF4-FFF2-40B4-BE49-F238E27FC236}">
+                    <a16:creationId xmlns:a16="http://schemas.microsoft.com/office/drawing/2014/main" id="{D17A3644-BF4D-6D37-D55F-E4869E77CE10}"/>
+                  </a:ext>
+                </a:extLst>
+              </p:cNvPr>
+              <p:cNvCxnSpPr>
+                <a:stCxn id="26" idx="4"/>
+                <a:endCxn id="28" idx="0"/>
+              </p:cNvCxnSpPr>
+              <p:nvPr/>
+            </p:nvCxnSpPr>
+            <p:spPr>
+              <a:xfrm flipH="1">
+                <a:off x="4762621" y="4722813"/>
+                <a:ext cx="146400" cy="230100"/>
+              </a:xfrm>
+              <a:prstGeom prst="straightConnector1">
+                <a:avLst/>
+              </a:prstGeom>
+              <a:noFill/>
+              <a:ln w="12700" cap="flat" cmpd="sng">
+                <a:solidFill>
+                  <a:srgbClr val="010101"/>
+                </a:solidFill>
+                <a:prstDash val="solid"/>
+                <a:round/>
+                <a:headEnd type="none" w="sm" len="sm"/>
+                <a:tailEnd type="triangle" w="med" len="med"/>
+              </a:ln>
+            </p:spPr>
+          </p:cxnSp>
+          <p:cxnSp>
+            <p:nvCxnSpPr>
+              <p:cNvPr id="37" name="Google Shape;584;p74">
+                <a:extLst>
+                  <a:ext uri="{FF2B5EF4-FFF2-40B4-BE49-F238E27FC236}">
+                    <a16:creationId xmlns:a16="http://schemas.microsoft.com/office/drawing/2014/main" id="{B34067CF-1E56-42CD-14A2-8AC3474BE3A0}"/>
+                  </a:ext>
+                </a:extLst>
+              </p:cNvPr>
+              <p:cNvCxnSpPr>
+                <a:stCxn id="28" idx="5"/>
+                <a:endCxn id="33" idx="1"/>
+              </p:cNvCxnSpPr>
+              <p:nvPr/>
+            </p:nvCxnSpPr>
+            <p:spPr>
+              <a:xfrm>
+                <a:off x="4843322" y="5148122"/>
+                <a:ext cx="143100" cy="219300"/>
+              </a:xfrm>
+              <a:prstGeom prst="straightConnector1">
+                <a:avLst/>
+              </a:prstGeom>
+              <a:noFill/>
+              <a:ln w="12700" cap="flat" cmpd="sng">
+                <a:solidFill>
+                  <a:srgbClr val="010101"/>
+                </a:solidFill>
+                <a:prstDash val="solid"/>
+                <a:round/>
+                <a:headEnd type="none" w="sm" len="sm"/>
+                <a:tailEnd type="triangle" w="med" len="med"/>
+              </a:ln>
+            </p:spPr>
+          </p:cxnSp>
+          <p:cxnSp>
+            <p:nvCxnSpPr>
+              <p:cNvPr id="38" name="Google Shape;585;p74">
+                <a:extLst>
+                  <a:ext uri="{FF2B5EF4-FFF2-40B4-BE49-F238E27FC236}">
+                    <a16:creationId xmlns:a16="http://schemas.microsoft.com/office/drawing/2014/main" id="{ED0A399A-E227-3FB1-A6D3-383560480B37}"/>
+                  </a:ext>
+                </a:extLst>
+              </p:cNvPr>
+              <p:cNvCxnSpPr>
+                <a:stCxn id="33" idx="2"/>
+                <a:endCxn id="31" idx="6"/>
+              </p:cNvCxnSpPr>
+              <p:nvPr/>
+            </p:nvCxnSpPr>
+            <p:spPr>
+              <a:xfrm flipH="1">
+                <a:off x="4648200" y="5448300"/>
+                <a:ext cx="304800" cy="152400"/>
+              </a:xfrm>
+              <a:prstGeom prst="straightConnector1">
+                <a:avLst/>
+              </a:prstGeom>
+              <a:noFill/>
+              <a:ln w="12700" cap="flat" cmpd="sng">
+                <a:solidFill>
+                  <a:srgbClr val="010101"/>
+                </a:solidFill>
+                <a:prstDash val="solid"/>
+                <a:round/>
+                <a:headEnd type="none" w="sm" len="sm"/>
+                <a:tailEnd type="triangle" w="med" len="med"/>
+              </a:ln>
+            </p:spPr>
+          </p:cxnSp>
+          <p:cxnSp>
+            <p:nvCxnSpPr>
+              <p:cNvPr id="39" name="Google Shape;586;p74">
+                <a:extLst>
+                  <a:ext uri="{FF2B5EF4-FFF2-40B4-BE49-F238E27FC236}">
+                    <a16:creationId xmlns:a16="http://schemas.microsoft.com/office/drawing/2014/main" id="{A0DC91EC-6BDD-7338-72D6-6DA46E3631BC}"/>
+                  </a:ext>
+                </a:extLst>
+              </p:cNvPr>
+              <p:cNvCxnSpPr>
+                <a:endCxn id="24" idx="5"/>
+              </p:cNvCxnSpPr>
+              <p:nvPr/>
+            </p:nvCxnSpPr>
+            <p:spPr>
+              <a:xfrm rot="10800000">
+                <a:off x="4386122" y="5300522"/>
+                <a:ext cx="105000" cy="219300"/>
+              </a:xfrm>
+              <a:prstGeom prst="straightConnector1">
+                <a:avLst/>
+              </a:prstGeom>
+              <a:noFill/>
+              <a:ln w="12700" cap="flat" cmpd="sng">
+                <a:solidFill>
+                  <a:srgbClr val="010101"/>
+                </a:solidFill>
+                <a:prstDash val="solid"/>
+                <a:round/>
+                <a:headEnd type="none" w="sm" len="sm"/>
+                <a:tailEnd type="triangle" w="med" len="med"/>
+              </a:ln>
+            </p:spPr>
+          </p:cxnSp>
+          <p:cxnSp>
+            <p:nvCxnSpPr>
+              <p:cNvPr id="40" name="Google Shape;587;p74">
+                <a:extLst>
+                  <a:ext uri="{FF2B5EF4-FFF2-40B4-BE49-F238E27FC236}">
+                    <a16:creationId xmlns:a16="http://schemas.microsoft.com/office/drawing/2014/main" id="{95F4524F-600F-6255-EDAE-FCFAFB8C587E}"/>
+                  </a:ext>
+                </a:extLst>
+              </p:cNvPr>
+              <p:cNvCxnSpPr>
+                <a:stCxn id="24" idx="1"/>
+                <a:endCxn id="23" idx="5"/>
+              </p:cNvCxnSpPr>
+              <p:nvPr/>
+            </p:nvCxnSpPr>
+            <p:spPr>
+              <a:xfrm rot="10800000">
+                <a:off x="4081378" y="4919578"/>
+                <a:ext cx="143100" cy="219300"/>
+              </a:xfrm>
+              <a:prstGeom prst="straightConnector1">
+                <a:avLst/>
+              </a:prstGeom>
+              <a:noFill/>
+              <a:ln w="12700" cap="flat" cmpd="sng">
+                <a:solidFill>
+                  <a:srgbClr val="010101"/>
+                </a:solidFill>
+                <a:prstDash val="solid"/>
+                <a:round/>
+                <a:headEnd type="none" w="sm" len="sm"/>
+                <a:tailEnd type="triangle" w="med" len="med"/>
+              </a:ln>
+            </p:spPr>
+          </p:cxnSp>
+          <p:cxnSp>
+            <p:nvCxnSpPr>
+              <p:cNvPr id="41" name="Google Shape;588;p74">
+                <a:extLst>
+                  <a:ext uri="{FF2B5EF4-FFF2-40B4-BE49-F238E27FC236}">
+                    <a16:creationId xmlns:a16="http://schemas.microsoft.com/office/drawing/2014/main" id="{F4EC45DA-BCF2-40C2-AF14-511D960747B5}"/>
+                  </a:ext>
+                </a:extLst>
+              </p:cNvPr>
+              <p:cNvCxnSpPr>
+                <a:stCxn id="23" idx="3"/>
+                <a:endCxn id="30" idx="7"/>
+              </p:cNvCxnSpPr>
+              <p:nvPr/>
+            </p:nvCxnSpPr>
+            <p:spPr>
+              <a:xfrm flipH="1">
+                <a:off x="3776578" y="4919522"/>
+                <a:ext cx="143100" cy="371700"/>
+              </a:xfrm>
+              <a:prstGeom prst="straightConnector1">
+                <a:avLst/>
+              </a:prstGeom>
+              <a:noFill/>
+              <a:ln w="12700" cap="flat" cmpd="sng">
+                <a:solidFill>
+                  <a:srgbClr val="010101"/>
+                </a:solidFill>
+                <a:prstDash val="solid"/>
+                <a:round/>
+                <a:headEnd type="none" w="sm" len="sm"/>
+                <a:tailEnd type="triangle" w="med" len="med"/>
+              </a:ln>
+            </p:spPr>
+          </p:cxnSp>
+          <p:cxnSp>
+            <p:nvCxnSpPr>
+              <p:cNvPr id="42" name="Google Shape;589;p74">
+                <a:extLst>
+                  <a:ext uri="{FF2B5EF4-FFF2-40B4-BE49-F238E27FC236}">
+                    <a16:creationId xmlns:a16="http://schemas.microsoft.com/office/drawing/2014/main" id="{3B6FB225-351A-EBDC-FC1C-161DF62561AC}"/>
+                  </a:ext>
+                </a:extLst>
+              </p:cNvPr>
+              <p:cNvCxnSpPr>
+                <a:stCxn id="32" idx="4"/>
+                <a:endCxn id="30" idx="1"/>
+              </p:cNvCxnSpPr>
+              <p:nvPr/>
+            </p:nvCxnSpPr>
+            <p:spPr>
+              <a:xfrm flipH="1">
+                <a:off x="3615000" y="4800600"/>
+                <a:ext cx="4500" cy="490800"/>
+              </a:xfrm>
+              <a:prstGeom prst="straightConnector1">
+                <a:avLst/>
+              </a:prstGeom>
+              <a:noFill/>
+              <a:ln w="12700" cap="flat" cmpd="sng">
+                <a:solidFill>
+                  <a:srgbClr val="010101"/>
+                </a:solidFill>
+                <a:prstDash val="solid"/>
+                <a:round/>
+                <a:headEnd type="none" w="sm" len="sm"/>
+                <a:tailEnd type="triangle" w="med" len="med"/>
+              </a:ln>
+            </p:spPr>
+          </p:cxnSp>
+          <p:cxnSp>
+            <p:nvCxnSpPr>
+              <p:cNvPr id="43" name="Google Shape;590;p74">
+                <a:extLst>
+                  <a:ext uri="{FF2B5EF4-FFF2-40B4-BE49-F238E27FC236}">
+                    <a16:creationId xmlns:a16="http://schemas.microsoft.com/office/drawing/2014/main" id="{888743E5-72FB-2098-5F53-31E1D7EFCC1C}"/>
+                  </a:ext>
+                </a:extLst>
+              </p:cNvPr>
+              <p:cNvCxnSpPr>
+                <a:stCxn id="24" idx="7"/>
+                <a:endCxn id="21" idx="4"/>
+              </p:cNvCxnSpPr>
+              <p:nvPr/>
+            </p:nvCxnSpPr>
+            <p:spPr>
+              <a:xfrm rot="10800000">
+                <a:off x="4305422" y="4495678"/>
+                <a:ext cx="80700" cy="643200"/>
+              </a:xfrm>
+              <a:prstGeom prst="straightConnector1">
+                <a:avLst/>
+              </a:prstGeom>
+              <a:noFill/>
+              <a:ln w="12700" cap="flat" cmpd="sng">
+                <a:solidFill>
+                  <a:srgbClr val="010101"/>
+                </a:solidFill>
+                <a:prstDash val="solid"/>
+                <a:round/>
+                <a:headEnd type="none" w="sm" len="sm"/>
+                <a:tailEnd type="triangle" w="med" len="med"/>
+              </a:ln>
+            </p:spPr>
+          </p:cxnSp>
+          <p:cxnSp>
+            <p:nvCxnSpPr>
+              <p:cNvPr id="44" name="Google Shape;591;p74">
+                <a:extLst>
+                  <a:ext uri="{FF2B5EF4-FFF2-40B4-BE49-F238E27FC236}">
+                    <a16:creationId xmlns:a16="http://schemas.microsoft.com/office/drawing/2014/main" id="{09574181-9A6F-29C5-2AEB-1F1F92DC474D}"/>
+                  </a:ext>
+                </a:extLst>
+              </p:cNvPr>
+              <p:cNvCxnSpPr>
+                <a:stCxn id="24" idx="3"/>
+                <a:endCxn id="30" idx="6"/>
+              </p:cNvCxnSpPr>
+              <p:nvPr/>
+            </p:nvCxnSpPr>
+            <p:spPr>
+              <a:xfrm flipH="1">
+                <a:off x="3809878" y="5300522"/>
+                <a:ext cx="414600" cy="71700"/>
+              </a:xfrm>
+              <a:prstGeom prst="straightConnector1">
+                <a:avLst/>
+              </a:prstGeom>
+              <a:noFill/>
+              <a:ln w="12700" cap="flat" cmpd="sng">
+                <a:solidFill>
+                  <a:srgbClr val="010101"/>
+                </a:solidFill>
+                <a:prstDash val="solid"/>
+                <a:round/>
+                <a:headEnd type="none" w="sm" len="sm"/>
+                <a:tailEnd type="triangle" w="med" len="med"/>
+              </a:ln>
+            </p:spPr>
+          </p:cxnSp>
+          <p:sp>
+            <p:nvSpPr>
+              <p:cNvPr id="45" name="Google Shape;592;p74">
+                <a:extLst>
+                  <a:ext uri="{FF2B5EF4-FFF2-40B4-BE49-F238E27FC236}">
+                    <a16:creationId xmlns:a16="http://schemas.microsoft.com/office/drawing/2014/main" id="{1B6FEA66-3B39-BA45-F04A-9DEF0F53F91F}"/>
+                  </a:ext>
+                </a:extLst>
+              </p:cNvPr>
+              <p:cNvSpPr/>
+              <p:nvPr/>
+            </p:nvSpPr>
+            <p:spPr>
+              <a:xfrm>
+                <a:off x="3962400" y="5638800"/>
+                <a:ext cx="228600" cy="228600"/>
+              </a:xfrm>
+              <a:prstGeom prst="ellipse">
+                <a:avLst/>
+              </a:prstGeom>
+              <a:solidFill>
+                <a:srgbClr val="9900FF"/>
+              </a:solidFill>
+              <a:ln w="12700" cap="flat" cmpd="sng">
+                <a:solidFill>
+                  <a:srgbClr val="010101"/>
+                </a:solidFill>
+                <a:prstDash val="solid"/>
+                <a:round/>
+                <a:headEnd type="none" w="sm" len="sm"/>
+                <a:tailEnd type="none" w="sm" len="sm"/>
+              </a:ln>
+            </p:spPr>
+            <p:txBody>
+              <a:bodyPr spcFirstLastPara="1" wrap="square" lIns="91425" tIns="45700" rIns="91425" bIns="45700" anchor="t" anchorCtr="0">
+                <a:noAutofit/>
+              </a:bodyPr>
+              <a:lstStyle/>
+              <a:p>
+                <a:pPr marL="0" marR="0" lvl="0" indent="0" algn="ctr" rtl="0">
+                  <a:lnSpc>
+                    <a:spcPct val="100000"/>
+                  </a:lnSpc>
+                  <a:spcBef>
+                    <a:spcPts val="0"/>
+                  </a:spcBef>
+                  <a:spcAft>
+                    <a:spcPts val="0"/>
+                  </a:spcAft>
+                  <a:buClr>
+                    <a:srgbClr val="010101"/>
+                  </a:buClr>
+                  <a:buSzPts val="2400"/>
+                  <a:buFont typeface="Arial"/>
+                  <a:buNone/>
+                </a:pPr>
+                <a:endParaRPr sz="2400" b="1" i="0" u="none" strike="noStrike" cap="none">
+                  <a:solidFill>
+                    <a:srgbClr val="010101"/>
+                  </a:solidFill>
+                  <a:latin typeface="Arial Narrow"/>
+                  <a:ea typeface="Arial Narrow"/>
+                  <a:cs typeface="Arial Narrow"/>
+                  <a:sym typeface="Arial Narrow"/>
+                </a:endParaRPr>
+              </a:p>
+            </p:txBody>
+          </p:sp>
+          <p:cxnSp>
+            <p:nvCxnSpPr>
+              <p:cNvPr id="46" name="Google Shape;593;p74">
+                <a:extLst>
+                  <a:ext uri="{FF2B5EF4-FFF2-40B4-BE49-F238E27FC236}">
+                    <a16:creationId xmlns:a16="http://schemas.microsoft.com/office/drawing/2014/main" id="{D9C06066-2391-BB55-79ED-80FF1473CC40}"/>
+                  </a:ext>
+                </a:extLst>
+              </p:cNvPr>
+              <p:cNvCxnSpPr>
+                <a:stCxn id="45" idx="7"/>
+                <a:endCxn id="24" idx="4"/>
+              </p:cNvCxnSpPr>
+              <p:nvPr/>
+            </p:nvCxnSpPr>
+            <p:spPr>
+              <a:xfrm rot="10800000" flipH="1">
+                <a:off x="4157522" y="5333878"/>
+                <a:ext cx="147900" cy="338400"/>
+              </a:xfrm>
+              <a:prstGeom prst="straightConnector1">
+                <a:avLst/>
+              </a:prstGeom>
+              <a:noFill/>
+              <a:ln w="12700" cap="flat" cmpd="sng">
+                <a:solidFill>
+                  <a:srgbClr val="010101"/>
+                </a:solidFill>
+                <a:prstDash val="solid"/>
+                <a:round/>
+                <a:headEnd type="none" w="sm" len="sm"/>
+                <a:tailEnd type="triangle" w="med" len="med"/>
+              </a:ln>
+            </p:spPr>
+          </p:cxnSp>
+        </p:grpSp>
+      </p:grpSp>
+      <p:sp>
+        <p:nvSpPr>
+          <p:cNvPr id="47" name="TextBox 46">
+            <a:extLst>
+              <a:ext uri="{FF2B5EF4-FFF2-40B4-BE49-F238E27FC236}">
+                <a16:creationId xmlns:a16="http://schemas.microsoft.com/office/drawing/2014/main" id="{237B0464-2865-923C-43BC-D56E2E4B68FD}"/>
+              </a:ext>
+            </a:extLst>
+          </p:cNvPr>
+          <p:cNvSpPr txBox="1"/>
+          <p:nvPr/>
+        </p:nvSpPr>
+        <p:spPr>
+          <a:xfrm>
+            <a:off x="7333354" y="1069994"/>
+            <a:ext cx="2028697" cy="369332"/>
+          </a:xfrm>
+          <a:prstGeom prst="rect">
+            <a:avLst/>
+          </a:prstGeom>
+          <a:noFill/>
+        </p:spPr>
+        <p:txBody>
+          <a:bodyPr wrap="none" rtlCol="0">
+            <a:spAutoFit/>
+          </a:bodyPr>
+          <a:lstStyle/>
+          <a:p>
+            <a:r>
+              <a:rPr lang="en-US" b="1" dirty="0"/>
+              <a:t>Knowledge Graph</a:t>
+            </a:r>
+          </a:p>
+        </p:txBody>
+      </p:sp>
+      <p:sp>
+        <p:nvSpPr>
+          <p:cNvPr id="48" name="TextBox 47">
+            <a:extLst>
+              <a:ext uri="{FF2B5EF4-FFF2-40B4-BE49-F238E27FC236}">
+                <a16:creationId xmlns:a16="http://schemas.microsoft.com/office/drawing/2014/main" id="{F6429A7A-2323-1FC3-CE1D-B95DCCA5E5B0}"/>
+              </a:ext>
+            </a:extLst>
+          </p:cNvPr>
+          <p:cNvSpPr txBox="1"/>
+          <p:nvPr/>
+        </p:nvSpPr>
+        <p:spPr>
+          <a:xfrm>
+            <a:off x="7350754" y="2844817"/>
+            <a:ext cx="1811458" cy="369332"/>
+          </a:xfrm>
+          <a:prstGeom prst="rect">
+            <a:avLst/>
+          </a:prstGeom>
+          <a:noFill/>
+        </p:spPr>
+        <p:txBody>
+          <a:bodyPr wrap="none" rtlCol="0">
+            <a:spAutoFit/>
+          </a:bodyPr>
+          <a:lstStyle/>
+          <a:p>
+            <a:r>
+              <a:rPr lang="en-US" b="1" dirty="0"/>
+              <a:t>Similarity Index</a:t>
+            </a:r>
+          </a:p>
+        </p:txBody>
+      </p:sp>
     </p:spTree>
     <p:extLst>
       <p:ext uri="{BB962C8B-B14F-4D97-AF65-F5344CB8AC3E}">
@@ -6339,8 +7543,8 @@
         </p:nvSpPr>
         <p:spPr>
           <a:xfrm>
-            <a:off x="6970325" y="869225"/>
-            <a:ext cx="3546300" cy="3171300"/>
+            <a:off x="5859154" y="1160525"/>
+            <a:ext cx="4777979" cy="3171300"/>
           </a:xfrm>
           <a:prstGeom prst="rect">
             <a:avLst/>
@@ -6348,7 +7552,7 @@
         </p:spPr>
         <p:txBody>
           <a:bodyPr spcFirstLastPara="1" vert="horz" wrap="square" lIns="91425" tIns="91425" rIns="91425" bIns="91425" rtlCol="0" anchor="t" anchorCtr="0">
-            <a:normAutofit fontScale="92500" lnSpcReduction="10000"/>
+            <a:normAutofit lnSpcReduction="10000"/>
           </a:bodyPr>
           <a:lstStyle>
             <a:lvl1pPr marL="228600" indent="-228600" algn="l" defTabSz="914400" rtl="0" eaLnBrk="1" latinLnBrk="0" hangingPunct="1">
@@ -6523,11 +7727,11 @@
               <a:buNone/>
             </a:pPr>
             <a:r>
-              <a:rPr lang="en-US" b="1"/>
+              <a:rPr lang="en-US" b="1" dirty="0"/>
               <a:t>World Models</a:t>
             </a:r>
             <a:r>
-              <a:rPr lang="en-US"/>
+              <a:rPr lang="en-US" dirty="0"/>
               <a:t> are used to predict the future state based on your actions</a:t>
             </a:r>
           </a:p>
@@ -6543,11 +7747,11 @@
               <a:buNone/>
             </a:pPr>
             <a:r>
-              <a:rPr lang="en-US" b="1"/>
+              <a:rPr lang="en-US" b="1" dirty="0"/>
               <a:t>Planning</a:t>
             </a:r>
             <a:r>
-              <a:rPr lang="en-US"/>
+              <a:rPr lang="en-US" dirty="0"/>
               <a:t> is about understanding how actions change world models in the future</a:t>
             </a:r>
           </a:p>
@@ -6631,7 +7835,7 @@
         </p:blipFill>
         <p:spPr>
           <a:xfrm>
-            <a:off x="222875" y="1687325"/>
+            <a:off x="1253022" y="1502130"/>
             <a:ext cx="4109346" cy="3570700"/>
           </a:xfrm>
           <a:prstGeom prst="rect">
@@ -6703,6 +7907,6498 @@
     <p:extLst>
       <p:ext uri="{BB962C8B-B14F-4D97-AF65-F5344CB8AC3E}">
         <p14:creationId xmlns:p14="http://schemas.microsoft.com/office/powerpoint/2010/main" val="3272389822"/>
+      </p:ext>
+    </p:extLst>
+  </p:cSld>
+  <p:clrMapOvr>
+    <a:masterClrMapping/>
+  </p:clrMapOvr>
+</p:sld>
+</file>
+
+<file path=ppt/slides/slide7.xml><?xml version="1.0" encoding="utf-8"?>
+<p:sld xmlns:a="http://schemas.openxmlformats.org/drawingml/2006/main" xmlns:r="http://schemas.openxmlformats.org/officeDocument/2006/relationships" xmlns:p="http://schemas.openxmlformats.org/presentationml/2006/main">
+  <p:cSld>
+    <p:spTree>
+      <p:nvGrpSpPr>
+        <p:cNvPr id="1" name=""/>
+        <p:cNvGrpSpPr/>
+        <p:nvPr/>
+      </p:nvGrpSpPr>
+      <p:grpSpPr>
+        <a:xfrm>
+          <a:off x="0" y="0"/>
+          <a:ext cx="0" cy="0"/>
+          <a:chOff x="0" y="0"/>
+          <a:chExt cx="0" cy="0"/>
+        </a:xfrm>
+      </p:grpSpPr>
+      <p:sp>
+        <p:nvSpPr>
+          <p:cNvPr id="2" name="Title 1">
+            <a:extLst>
+              <a:ext uri="{FF2B5EF4-FFF2-40B4-BE49-F238E27FC236}">
+                <a16:creationId xmlns:a16="http://schemas.microsoft.com/office/drawing/2014/main" id="{9C4E3741-39BB-28E5-8E41-AFC3FC60DB02}"/>
+              </a:ext>
+            </a:extLst>
+          </p:cNvPr>
+          <p:cNvSpPr>
+            <a:spLocks noGrp="1"/>
+          </p:cNvSpPr>
+          <p:nvPr>
+            <p:ph type="title"/>
+          </p:nvPr>
+        </p:nvSpPr>
+        <p:spPr/>
+        <p:txBody>
+          <a:bodyPr/>
+          <a:lstStyle/>
+          <a:p>
+            <a:endParaRPr lang="en-US"/>
+          </a:p>
+        </p:txBody>
+      </p:sp>
+      <p:grpSp>
+        <p:nvGrpSpPr>
+          <p:cNvPr id="28" name="Group 27">
+            <a:extLst>
+              <a:ext uri="{FF2B5EF4-FFF2-40B4-BE49-F238E27FC236}">
+                <a16:creationId xmlns:a16="http://schemas.microsoft.com/office/drawing/2014/main" id="{AD6EC5F8-1307-70D2-8E60-223E71E25B4D}"/>
+              </a:ext>
+            </a:extLst>
+          </p:cNvPr>
+          <p:cNvGrpSpPr/>
+          <p:nvPr/>
+        </p:nvGrpSpPr>
+        <p:grpSpPr>
+          <a:xfrm>
+            <a:off x="8414795" y="2882096"/>
+            <a:ext cx="1643605" cy="1261641"/>
+            <a:chOff x="8414795" y="2882096"/>
+            <a:chExt cx="1643605" cy="1261641"/>
+          </a:xfrm>
+        </p:grpSpPr>
+        <p:sp>
+          <p:nvSpPr>
+            <p:cNvPr id="27" name="Can 26">
+              <a:extLst>
+                <a:ext uri="{FF2B5EF4-FFF2-40B4-BE49-F238E27FC236}">
+                  <a16:creationId xmlns:a16="http://schemas.microsoft.com/office/drawing/2014/main" id="{ADF4B3DE-7621-019A-05F9-D407A1EF7BE4}"/>
+                </a:ext>
+              </a:extLst>
+            </p:cNvPr>
+            <p:cNvSpPr/>
+            <p:nvPr/>
+          </p:nvSpPr>
+          <p:spPr>
+            <a:xfrm>
+              <a:off x="8414795" y="2882096"/>
+              <a:ext cx="1643605" cy="1261641"/>
+            </a:xfrm>
+            <a:prstGeom prst="can">
+              <a:avLst>
+                <a:gd name="adj" fmla="val 13073"/>
+              </a:avLst>
+            </a:prstGeom>
+            <a:solidFill>
+              <a:schemeClr val="bg1">
+                <a:lumMod val="85000"/>
+              </a:schemeClr>
+            </a:solidFill>
+          </p:spPr>
+          <p:style>
+            <a:lnRef idx="2">
+              <a:schemeClr val="accent1">
+                <a:shade val="15000"/>
+              </a:schemeClr>
+            </a:lnRef>
+            <a:fillRef idx="1">
+              <a:schemeClr val="accent1"/>
+            </a:fillRef>
+            <a:effectRef idx="0">
+              <a:schemeClr val="accent1"/>
+            </a:effectRef>
+            <a:fontRef idx="minor">
+              <a:schemeClr val="lt1"/>
+            </a:fontRef>
+          </p:style>
+          <p:txBody>
+            <a:bodyPr rtlCol="0" anchor="ctr"/>
+            <a:lstStyle/>
+            <a:p>
+              <a:pPr algn="ctr"/>
+              <a:endParaRPr lang="en-US"/>
+            </a:p>
+          </p:txBody>
+        </p:sp>
+        <p:grpSp>
+          <p:nvGrpSpPr>
+            <p:cNvPr id="4" name="Google Shape;571;p74">
+              <a:extLst>
+                <a:ext uri="{FF2B5EF4-FFF2-40B4-BE49-F238E27FC236}">
+                  <a16:creationId xmlns:a16="http://schemas.microsoft.com/office/drawing/2014/main" id="{088AB3E5-8620-0F07-EC2C-F9AB36F4AC8D}"/>
+                </a:ext>
+              </a:extLst>
+            </p:cNvPr>
+            <p:cNvGrpSpPr/>
+            <p:nvPr/>
+          </p:nvGrpSpPr>
+          <p:grpSpPr>
+            <a:xfrm>
+              <a:off x="8623139" y="3134005"/>
+              <a:ext cx="1330304" cy="905560"/>
+              <a:chOff x="3505200" y="4267200"/>
+              <a:chExt cx="1676400" cy="1600200"/>
+            </a:xfrm>
+          </p:grpSpPr>
+          <p:sp>
+            <p:nvSpPr>
+              <p:cNvPr id="5" name="Google Shape;572;p74">
+                <a:extLst>
+                  <a:ext uri="{FF2B5EF4-FFF2-40B4-BE49-F238E27FC236}">
+                    <a16:creationId xmlns:a16="http://schemas.microsoft.com/office/drawing/2014/main" id="{DC43C23F-9086-05AA-6D49-E9DB40547E86}"/>
+                  </a:ext>
+                </a:extLst>
+              </p:cNvPr>
+              <p:cNvSpPr/>
+              <p:nvPr/>
+            </p:nvSpPr>
+            <p:spPr>
+              <a:xfrm>
+                <a:off x="4191000" y="4267200"/>
+                <a:ext cx="228600" cy="228600"/>
+              </a:xfrm>
+              <a:prstGeom prst="ellipse">
+                <a:avLst/>
+              </a:prstGeom>
+              <a:solidFill>
+                <a:srgbClr val="FF0000"/>
+              </a:solidFill>
+              <a:ln w="12700" cap="flat" cmpd="sng">
+                <a:solidFill>
+                  <a:srgbClr val="010101"/>
+                </a:solidFill>
+                <a:prstDash val="solid"/>
+                <a:round/>
+                <a:headEnd type="none" w="sm" len="sm"/>
+                <a:tailEnd type="none" w="sm" len="sm"/>
+              </a:ln>
+            </p:spPr>
+            <p:txBody>
+              <a:bodyPr spcFirstLastPara="1" wrap="square" lIns="91425" tIns="45700" rIns="91425" bIns="45700" anchor="t" anchorCtr="0">
+                <a:noAutofit/>
+              </a:bodyPr>
+              <a:lstStyle/>
+              <a:p>
+                <a:pPr marL="0" marR="0" lvl="0" indent="0" algn="ctr" rtl="0">
+                  <a:lnSpc>
+                    <a:spcPct val="100000"/>
+                  </a:lnSpc>
+                  <a:spcBef>
+                    <a:spcPts val="0"/>
+                  </a:spcBef>
+                  <a:spcAft>
+                    <a:spcPts val="0"/>
+                  </a:spcAft>
+                  <a:buClr>
+                    <a:srgbClr val="010101"/>
+                  </a:buClr>
+                  <a:buSzPts val="2400"/>
+                  <a:buFont typeface="Arial"/>
+                  <a:buNone/>
+                </a:pPr>
+                <a:endParaRPr sz="2400" b="1" i="0" u="none" strike="noStrike" cap="none">
+                  <a:solidFill>
+                    <a:srgbClr val="010101"/>
+                  </a:solidFill>
+                  <a:latin typeface="Arial Narrow"/>
+                  <a:ea typeface="Arial Narrow"/>
+                  <a:cs typeface="Arial Narrow"/>
+                  <a:sym typeface="Arial Narrow"/>
+                </a:endParaRPr>
+              </a:p>
+            </p:txBody>
+          </p:sp>
+          <p:sp>
+            <p:nvSpPr>
+              <p:cNvPr id="6" name="Google Shape;573;p74">
+                <a:extLst>
+                  <a:ext uri="{FF2B5EF4-FFF2-40B4-BE49-F238E27FC236}">
+                    <a16:creationId xmlns:a16="http://schemas.microsoft.com/office/drawing/2014/main" id="{D4145597-5E17-37B2-BAB9-40D2EBAA07C1}"/>
+                  </a:ext>
+                </a:extLst>
+              </p:cNvPr>
+              <p:cNvSpPr/>
+              <p:nvPr/>
+            </p:nvSpPr>
+            <p:spPr>
+              <a:xfrm>
+                <a:off x="3886200" y="4724400"/>
+                <a:ext cx="228600" cy="228600"/>
+              </a:xfrm>
+              <a:prstGeom prst="ellipse">
+                <a:avLst/>
+              </a:prstGeom>
+              <a:solidFill>
+                <a:srgbClr val="996633"/>
+              </a:solidFill>
+              <a:ln w="12700" cap="flat" cmpd="sng">
+                <a:solidFill>
+                  <a:srgbClr val="010101"/>
+                </a:solidFill>
+                <a:prstDash val="solid"/>
+                <a:round/>
+                <a:headEnd type="none" w="sm" len="sm"/>
+                <a:tailEnd type="none" w="sm" len="sm"/>
+              </a:ln>
+            </p:spPr>
+            <p:txBody>
+              <a:bodyPr spcFirstLastPara="1" wrap="square" lIns="91425" tIns="45700" rIns="91425" bIns="45700" anchor="t" anchorCtr="0">
+                <a:noAutofit/>
+              </a:bodyPr>
+              <a:lstStyle/>
+              <a:p>
+                <a:pPr marL="0" marR="0" lvl="0" indent="0" algn="ctr" rtl="0">
+                  <a:lnSpc>
+                    <a:spcPct val="100000"/>
+                  </a:lnSpc>
+                  <a:spcBef>
+                    <a:spcPts val="0"/>
+                  </a:spcBef>
+                  <a:spcAft>
+                    <a:spcPts val="0"/>
+                  </a:spcAft>
+                  <a:buClr>
+                    <a:srgbClr val="010101"/>
+                  </a:buClr>
+                  <a:buSzPts val="2400"/>
+                  <a:buFont typeface="Arial"/>
+                  <a:buNone/>
+                </a:pPr>
+                <a:endParaRPr sz="2400" b="1" i="0" u="none" strike="noStrike" cap="none">
+                  <a:solidFill>
+                    <a:srgbClr val="010101"/>
+                  </a:solidFill>
+                  <a:latin typeface="Arial Narrow"/>
+                  <a:ea typeface="Arial Narrow"/>
+                  <a:cs typeface="Arial Narrow"/>
+                  <a:sym typeface="Arial Narrow"/>
+                </a:endParaRPr>
+              </a:p>
+            </p:txBody>
+          </p:sp>
+          <p:sp>
+            <p:nvSpPr>
+              <p:cNvPr id="7" name="Google Shape;574;p74">
+                <a:extLst>
+                  <a:ext uri="{FF2B5EF4-FFF2-40B4-BE49-F238E27FC236}">
+                    <a16:creationId xmlns:a16="http://schemas.microsoft.com/office/drawing/2014/main" id="{6BAC66E5-A6BF-4C85-8D5D-5BC6F9E106E4}"/>
+                  </a:ext>
+                </a:extLst>
+              </p:cNvPr>
+              <p:cNvSpPr/>
+              <p:nvPr/>
+            </p:nvSpPr>
+            <p:spPr>
+              <a:xfrm>
+                <a:off x="4191000" y="5105400"/>
+                <a:ext cx="228600" cy="228600"/>
+              </a:xfrm>
+              <a:prstGeom prst="ellipse">
+                <a:avLst/>
+              </a:prstGeom>
+              <a:solidFill>
+                <a:srgbClr val="7030A0"/>
+              </a:solidFill>
+              <a:ln w="12700" cap="flat" cmpd="sng">
+                <a:solidFill>
+                  <a:srgbClr val="010101"/>
+                </a:solidFill>
+                <a:prstDash val="solid"/>
+                <a:round/>
+                <a:headEnd type="none" w="sm" len="sm"/>
+                <a:tailEnd type="none" w="sm" len="sm"/>
+              </a:ln>
+            </p:spPr>
+            <p:txBody>
+              <a:bodyPr spcFirstLastPara="1" wrap="square" lIns="91425" tIns="45700" rIns="91425" bIns="45700" anchor="t" anchorCtr="0">
+                <a:noAutofit/>
+              </a:bodyPr>
+              <a:lstStyle/>
+              <a:p>
+                <a:pPr marL="0" marR="0" lvl="0" indent="0" algn="ctr" rtl="0">
+                  <a:lnSpc>
+                    <a:spcPct val="100000"/>
+                  </a:lnSpc>
+                  <a:spcBef>
+                    <a:spcPts val="0"/>
+                  </a:spcBef>
+                  <a:spcAft>
+                    <a:spcPts val="0"/>
+                  </a:spcAft>
+                  <a:buClr>
+                    <a:srgbClr val="010101"/>
+                  </a:buClr>
+                  <a:buSzPts val="2400"/>
+                  <a:buFont typeface="Arial"/>
+                  <a:buNone/>
+                </a:pPr>
+                <a:endParaRPr sz="2400" b="1" i="0" u="none" strike="noStrike" cap="none">
+                  <a:solidFill>
+                    <a:srgbClr val="010101"/>
+                  </a:solidFill>
+                  <a:latin typeface="Arial Narrow"/>
+                  <a:ea typeface="Arial Narrow"/>
+                  <a:cs typeface="Arial Narrow"/>
+                  <a:sym typeface="Arial Narrow"/>
+                </a:endParaRPr>
+              </a:p>
+            </p:txBody>
+          </p:sp>
+          <p:sp>
+            <p:nvSpPr>
+              <p:cNvPr id="8" name="Google Shape;575;p74">
+                <a:extLst>
+                  <a:ext uri="{FF2B5EF4-FFF2-40B4-BE49-F238E27FC236}">
+                    <a16:creationId xmlns:a16="http://schemas.microsoft.com/office/drawing/2014/main" id="{BEF69653-6AA8-C513-1062-3D7560E92D4A}"/>
+                  </a:ext>
+                </a:extLst>
+              </p:cNvPr>
+              <p:cNvSpPr/>
+              <p:nvPr/>
+            </p:nvSpPr>
+            <p:spPr>
+              <a:xfrm>
+                <a:off x="4794721" y="4494213"/>
+                <a:ext cx="228600" cy="228600"/>
+              </a:xfrm>
+              <a:prstGeom prst="ellipse">
+                <a:avLst/>
+              </a:prstGeom>
+              <a:solidFill>
+                <a:schemeClr val="accent4"/>
+              </a:solidFill>
+              <a:ln w="12700" cap="flat" cmpd="sng">
+                <a:solidFill>
+                  <a:srgbClr val="010101"/>
+                </a:solidFill>
+                <a:prstDash val="solid"/>
+                <a:round/>
+                <a:headEnd type="none" w="sm" len="sm"/>
+                <a:tailEnd type="none" w="sm" len="sm"/>
+              </a:ln>
+            </p:spPr>
+            <p:txBody>
+              <a:bodyPr spcFirstLastPara="1" wrap="square" lIns="91425" tIns="45700" rIns="91425" bIns="45700" anchor="t" anchorCtr="0">
+                <a:noAutofit/>
+              </a:bodyPr>
+              <a:lstStyle/>
+              <a:p>
+                <a:pPr marL="0" marR="0" lvl="0" indent="0" algn="ctr" rtl="0">
+                  <a:lnSpc>
+                    <a:spcPct val="100000"/>
+                  </a:lnSpc>
+                  <a:spcBef>
+                    <a:spcPts val="0"/>
+                  </a:spcBef>
+                  <a:spcAft>
+                    <a:spcPts val="0"/>
+                  </a:spcAft>
+                  <a:buClr>
+                    <a:srgbClr val="010101"/>
+                  </a:buClr>
+                  <a:buSzPts val="2400"/>
+                  <a:buFont typeface="Arial"/>
+                  <a:buNone/>
+                </a:pPr>
+                <a:endParaRPr sz="2400" b="1" i="0" u="none" strike="noStrike" cap="none">
+                  <a:solidFill>
+                    <a:srgbClr val="010101"/>
+                  </a:solidFill>
+                  <a:latin typeface="Arial Narrow"/>
+                  <a:ea typeface="Arial Narrow"/>
+                  <a:cs typeface="Arial Narrow"/>
+                  <a:sym typeface="Arial Narrow"/>
+                </a:endParaRPr>
+              </a:p>
+            </p:txBody>
+          </p:sp>
+          <p:sp>
+            <p:nvSpPr>
+              <p:cNvPr id="9" name="Google Shape;576;p74">
+                <a:extLst>
+                  <a:ext uri="{FF2B5EF4-FFF2-40B4-BE49-F238E27FC236}">
+                    <a16:creationId xmlns:a16="http://schemas.microsoft.com/office/drawing/2014/main" id="{7842572B-A219-0FB4-5173-33A06A8F1448}"/>
+                  </a:ext>
+                </a:extLst>
+              </p:cNvPr>
+              <p:cNvSpPr/>
+              <p:nvPr/>
+            </p:nvSpPr>
+            <p:spPr>
+              <a:xfrm>
+                <a:off x="4648200" y="4953000"/>
+                <a:ext cx="228600" cy="228600"/>
+              </a:xfrm>
+              <a:prstGeom prst="ellipse">
+                <a:avLst/>
+              </a:prstGeom>
+              <a:solidFill>
+                <a:srgbClr val="FFFF00"/>
+              </a:solidFill>
+              <a:ln w="12700" cap="flat" cmpd="sng">
+                <a:solidFill>
+                  <a:srgbClr val="010101"/>
+                </a:solidFill>
+                <a:prstDash val="solid"/>
+                <a:round/>
+                <a:headEnd type="none" w="sm" len="sm"/>
+                <a:tailEnd type="none" w="sm" len="sm"/>
+              </a:ln>
+            </p:spPr>
+            <p:txBody>
+              <a:bodyPr spcFirstLastPara="1" wrap="square" lIns="91425" tIns="45700" rIns="91425" bIns="45700" anchor="t" anchorCtr="0">
+                <a:noAutofit/>
+              </a:bodyPr>
+              <a:lstStyle/>
+              <a:p>
+                <a:pPr marL="0" marR="0" lvl="0" indent="0" algn="ctr" rtl="0">
+                  <a:lnSpc>
+                    <a:spcPct val="100000"/>
+                  </a:lnSpc>
+                  <a:spcBef>
+                    <a:spcPts val="0"/>
+                  </a:spcBef>
+                  <a:spcAft>
+                    <a:spcPts val="0"/>
+                  </a:spcAft>
+                  <a:buClr>
+                    <a:srgbClr val="010101"/>
+                  </a:buClr>
+                  <a:buSzPts val="2400"/>
+                  <a:buFont typeface="Arial"/>
+                  <a:buNone/>
+                </a:pPr>
+                <a:endParaRPr sz="2400" b="1" i="0" u="none" strike="noStrike" cap="none">
+                  <a:solidFill>
+                    <a:srgbClr val="010101"/>
+                  </a:solidFill>
+                  <a:latin typeface="Arial Narrow"/>
+                  <a:ea typeface="Arial Narrow"/>
+                  <a:cs typeface="Arial Narrow"/>
+                  <a:sym typeface="Arial Narrow"/>
+                </a:endParaRPr>
+              </a:p>
+            </p:txBody>
+          </p:sp>
+          <p:sp>
+            <p:nvSpPr>
+              <p:cNvPr id="10" name="Google Shape;577;p74">
+                <a:extLst>
+                  <a:ext uri="{FF2B5EF4-FFF2-40B4-BE49-F238E27FC236}">
+                    <a16:creationId xmlns:a16="http://schemas.microsoft.com/office/drawing/2014/main" id="{878D3AB8-467C-7B38-83ED-F9B1C7196E14}"/>
+                  </a:ext>
+                </a:extLst>
+              </p:cNvPr>
+              <p:cNvSpPr/>
+              <p:nvPr/>
+            </p:nvSpPr>
+            <p:spPr>
+              <a:xfrm>
+                <a:off x="3581400" y="5257800"/>
+                <a:ext cx="228600" cy="228600"/>
+              </a:xfrm>
+              <a:prstGeom prst="ellipse">
+                <a:avLst/>
+              </a:prstGeom>
+              <a:solidFill>
+                <a:srgbClr val="92D050"/>
+              </a:solidFill>
+              <a:ln w="12700" cap="flat" cmpd="sng">
+                <a:solidFill>
+                  <a:srgbClr val="010101"/>
+                </a:solidFill>
+                <a:prstDash val="solid"/>
+                <a:round/>
+                <a:headEnd type="none" w="sm" len="sm"/>
+                <a:tailEnd type="none" w="sm" len="sm"/>
+              </a:ln>
+            </p:spPr>
+            <p:txBody>
+              <a:bodyPr spcFirstLastPara="1" wrap="square" lIns="91425" tIns="45700" rIns="91425" bIns="45700" anchor="t" anchorCtr="0">
+                <a:noAutofit/>
+              </a:bodyPr>
+              <a:lstStyle/>
+              <a:p>
+                <a:pPr marL="0" marR="0" lvl="0" indent="0" algn="ctr" rtl="0">
+                  <a:lnSpc>
+                    <a:spcPct val="100000"/>
+                  </a:lnSpc>
+                  <a:spcBef>
+                    <a:spcPts val="0"/>
+                  </a:spcBef>
+                  <a:spcAft>
+                    <a:spcPts val="0"/>
+                  </a:spcAft>
+                  <a:buClr>
+                    <a:srgbClr val="010101"/>
+                  </a:buClr>
+                  <a:buSzPts val="2400"/>
+                  <a:buFont typeface="Arial"/>
+                  <a:buNone/>
+                </a:pPr>
+                <a:endParaRPr sz="2400" b="1" i="0" u="none" strike="noStrike" cap="none">
+                  <a:solidFill>
+                    <a:srgbClr val="010101"/>
+                  </a:solidFill>
+                  <a:latin typeface="Arial Narrow"/>
+                  <a:ea typeface="Arial Narrow"/>
+                  <a:cs typeface="Arial Narrow"/>
+                  <a:sym typeface="Arial Narrow"/>
+                </a:endParaRPr>
+              </a:p>
+            </p:txBody>
+          </p:sp>
+          <p:sp>
+            <p:nvSpPr>
+              <p:cNvPr id="11" name="Google Shape;578;p74">
+                <a:extLst>
+                  <a:ext uri="{FF2B5EF4-FFF2-40B4-BE49-F238E27FC236}">
+                    <a16:creationId xmlns:a16="http://schemas.microsoft.com/office/drawing/2014/main" id="{E3E9C028-A275-B552-35C7-E2453B40DE27}"/>
+                  </a:ext>
+                </a:extLst>
+              </p:cNvPr>
+              <p:cNvSpPr/>
+              <p:nvPr/>
+            </p:nvSpPr>
+            <p:spPr>
+              <a:xfrm>
+                <a:off x="4419600" y="5486400"/>
+                <a:ext cx="228600" cy="228600"/>
+              </a:xfrm>
+              <a:prstGeom prst="ellipse">
+                <a:avLst/>
+              </a:prstGeom>
+              <a:solidFill>
+                <a:srgbClr val="0070C0"/>
+              </a:solidFill>
+              <a:ln w="12700" cap="flat" cmpd="sng">
+                <a:solidFill>
+                  <a:srgbClr val="010101"/>
+                </a:solidFill>
+                <a:prstDash val="solid"/>
+                <a:round/>
+                <a:headEnd type="none" w="sm" len="sm"/>
+                <a:tailEnd type="none" w="sm" len="sm"/>
+              </a:ln>
+            </p:spPr>
+            <p:txBody>
+              <a:bodyPr spcFirstLastPara="1" wrap="square" lIns="91425" tIns="45700" rIns="91425" bIns="45700" anchor="t" anchorCtr="0">
+                <a:noAutofit/>
+              </a:bodyPr>
+              <a:lstStyle/>
+              <a:p>
+                <a:pPr marL="0" marR="0" lvl="0" indent="0" algn="ctr" rtl="0">
+                  <a:lnSpc>
+                    <a:spcPct val="100000"/>
+                  </a:lnSpc>
+                  <a:spcBef>
+                    <a:spcPts val="0"/>
+                  </a:spcBef>
+                  <a:spcAft>
+                    <a:spcPts val="0"/>
+                  </a:spcAft>
+                  <a:buClr>
+                    <a:srgbClr val="010101"/>
+                  </a:buClr>
+                  <a:buSzPts val="2400"/>
+                  <a:buFont typeface="Arial"/>
+                  <a:buNone/>
+                </a:pPr>
+                <a:endParaRPr sz="2400" b="1" i="0" u="none" strike="noStrike" cap="none">
+                  <a:solidFill>
+                    <a:srgbClr val="010101"/>
+                  </a:solidFill>
+                  <a:latin typeface="Arial Narrow"/>
+                  <a:ea typeface="Arial Narrow"/>
+                  <a:cs typeface="Arial Narrow"/>
+                  <a:sym typeface="Arial Narrow"/>
+                </a:endParaRPr>
+              </a:p>
+            </p:txBody>
+          </p:sp>
+          <p:sp>
+            <p:nvSpPr>
+              <p:cNvPr id="12" name="Google Shape;579;p74">
+                <a:extLst>
+                  <a:ext uri="{FF2B5EF4-FFF2-40B4-BE49-F238E27FC236}">
+                    <a16:creationId xmlns:a16="http://schemas.microsoft.com/office/drawing/2014/main" id="{40834244-676A-D1EC-AD33-5889417E4CBB}"/>
+                  </a:ext>
+                </a:extLst>
+              </p:cNvPr>
+              <p:cNvSpPr/>
+              <p:nvPr/>
+            </p:nvSpPr>
+            <p:spPr>
+              <a:xfrm>
+                <a:off x="3505200" y="4572000"/>
+                <a:ext cx="228600" cy="228600"/>
+              </a:xfrm>
+              <a:prstGeom prst="ellipse">
+                <a:avLst/>
+              </a:prstGeom>
+              <a:solidFill>
+                <a:srgbClr val="A5A5A5"/>
+              </a:solidFill>
+              <a:ln w="12700" cap="flat" cmpd="sng">
+                <a:solidFill>
+                  <a:srgbClr val="010101"/>
+                </a:solidFill>
+                <a:prstDash val="solid"/>
+                <a:round/>
+                <a:headEnd type="none" w="sm" len="sm"/>
+                <a:tailEnd type="none" w="sm" len="sm"/>
+              </a:ln>
+            </p:spPr>
+            <p:txBody>
+              <a:bodyPr spcFirstLastPara="1" wrap="square" lIns="91425" tIns="45700" rIns="91425" bIns="45700" anchor="t" anchorCtr="0">
+                <a:noAutofit/>
+              </a:bodyPr>
+              <a:lstStyle/>
+              <a:p>
+                <a:pPr marL="0" marR="0" lvl="0" indent="0" algn="ctr" rtl="0">
+                  <a:lnSpc>
+                    <a:spcPct val="100000"/>
+                  </a:lnSpc>
+                  <a:spcBef>
+                    <a:spcPts val="0"/>
+                  </a:spcBef>
+                  <a:spcAft>
+                    <a:spcPts val="0"/>
+                  </a:spcAft>
+                  <a:buClr>
+                    <a:srgbClr val="010101"/>
+                  </a:buClr>
+                  <a:buSzPts val="2400"/>
+                  <a:buFont typeface="Arial"/>
+                  <a:buNone/>
+                </a:pPr>
+                <a:endParaRPr sz="2400" b="1" i="0" u="none" strike="noStrike" cap="none">
+                  <a:solidFill>
+                    <a:srgbClr val="010101"/>
+                  </a:solidFill>
+                  <a:latin typeface="Arial Narrow"/>
+                  <a:ea typeface="Arial Narrow"/>
+                  <a:cs typeface="Arial Narrow"/>
+                  <a:sym typeface="Arial Narrow"/>
+                </a:endParaRPr>
+              </a:p>
+            </p:txBody>
+          </p:sp>
+          <p:sp>
+            <p:nvSpPr>
+              <p:cNvPr id="13" name="Google Shape;580;p74">
+                <a:extLst>
+                  <a:ext uri="{FF2B5EF4-FFF2-40B4-BE49-F238E27FC236}">
+                    <a16:creationId xmlns:a16="http://schemas.microsoft.com/office/drawing/2014/main" id="{8DA8CF6A-1571-95A2-8BCF-2BD1C9B176CD}"/>
+                  </a:ext>
+                </a:extLst>
+              </p:cNvPr>
+              <p:cNvSpPr/>
+              <p:nvPr/>
+            </p:nvSpPr>
+            <p:spPr>
+              <a:xfrm>
+                <a:off x="4953000" y="5334000"/>
+                <a:ext cx="228600" cy="228600"/>
+              </a:xfrm>
+              <a:prstGeom prst="ellipse">
+                <a:avLst/>
+              </a:prstGeom>
+              <a:solidFill>
+                <a:srgbClr val="00B050"/>
+              </a:solidFill>
+              <a:ln w="12700" cap="flat" cmpd="sng">
+                <a:solidFill>
+                  <a:srgbClr val="010101"/>
+                </a:solidFill>
+                <a:prstDash val="solid"/>
+                <a:round/>
+                <a:headEnd type="none" w="sm" len="sm"/>
+                <a:tailEnd type="none" w="sm" len="sm"/>
+              </a:ln>
+            </p:spPr>
+            <p:txBody>
+              <a:bodyPr spcFirstLastPara="1" wrap="square" lIns="91425" tIns="45700" rIns="91425" bIns="45700" anchor="t" anchorCtr="0">
+                <a:noAutofit/>
+              </a:bodyPr>
+              <a:lstStyle/>
+              <a:p>
+                <a:pPr marL="0" marR="0" lvl="0" indent="0" algn="ctr" rtl="0">
+                  <a:lnSpc>
+                    <a:spcPct val="100000"/>
+                  </a:lnSpc>
+                  <a:spcBef>
+                    <a:spcPts val="0"/>
+                  </a:spcBef>
+                  <a:spcAft>
+                    <a:spcPts val="0"/>
+                  </a:spcAft>
+                  <a:buClr>
+                    <a:srgbClr val="010101"/>
+                  </a:buClr>
+                  <a:buSzPts val="2400"/>
+                  <a:buFont typeface="Arial"/>
+                  <a:buNone/>
+                </a:pPr>
+                <a:endParaRPr sz="2400" b="1" i="0" u="none" strike="noStrike" cap="none">
+                  <a:solidFill>
+                    <a:srgbClr val="010101"/>
+                  </a:solidFill>
+                  <a:latin typeface="Arial Narrow"/>
+                  <a:ea typeface="Arial Narrow"/>
+                  <a:cs typeface="Arial Narrow"/>
+                  <a:sym typeface="Arial Narrow"/>
+                </a:endParaRPr>
+              </a:p>
+            </p:txBody>
+          </p:sp>
+          <p:cxnSp>
+            <p:nvCxnSpPr>
+              <p:cNvPr id="14" name="Google Shape;581;p74">
+                <a:extLst>
+                  <a:ext uri="{FF2B5EF4-FFF2-40B4-BE49-F238E27FC236}">
+                    <a16:creationId xmlns:a16="http://schemas.microsoft.com/office/drawing/2014/main" id="{B1ADB32C-E2B8-09C3-6CF3-6567E11806BD}"/>
+                  </a:ext>
+                </a:extLst>
+              </p:cNvPr>
+              <p:cNvCxnSpPr>
+                <a:stCxn id="12" idx="7"/>
+                <a:endCxn id="5" idx="2"/>
+              </p:cNvCxnSpPr>
+              <p:nvPr/>
+            </p:nvCxnSpPr>
+            <p:spPr>
+              <a:xfrm rot="10800000" flipH="1">
+                <a:off x="3700322" y="4381378"/>
+                <a:ext cx="490800" cy="224100"/>
+              </a:xfrm>
+              <a:prstGeom prst="straightConnector1">
+                <a:avLst/>
+              </a:prstGeom>
+              <a:noFill/>
+              <a:ln w="12700" cap="flat" cmpd="sng">
+                <a:solidFill>
+                  <a:srgbClr val="010101"/>
+                </a:solidFill>
+                <a:prstDash val="solid"/>
+                <a:round/>
+                <a:headEnd type="none" w="sm" len="sm"/>
+                <a:tailEnd type="triangle" w="med" len="med"/>
+              </a:ln>
+            </p:spPr>
+          </p:cxnSp>
+          <p:cxnSp>
+            <p:nvCxnSpPr>
+              <p:cNvPr id="15" name="Google Shape;582;p74">
+                <a:extLst>
+                  <a:ext uri="{FF2B5EF4-FFF2-40B4-BE49-F238E27FC236}">
+                    <a16:creationId xmlns:a16="http://schemas.microsoft.com/office/drawing/2014/main" id="{FD2D24EB-6E25-5446-8C6E-BF60F919D763}"/>
+                  </a:ext>
+                </a:extLst>
+              </p:cNvPr>
+              <p:cNvCxnSpPr>
+                <a:stCxn id="5" idx="6"/>
+                <a:endCxn id="8" idx="2"/>
+              </p:cNvCxnSpPr>
+              <p:nvPr/>
+            </p:nvCxnSpPr>
+            <p:spPr>
+              <a:xfrm>
+                <a:off x="4419600" y="4381500"/>
+                <a:ext cx="375000" cy="227100"/>
+              </a:xfrm>
+              <a:prstGeom prst="straightConnector1">
+                <a:avLst/>
+              </a:prstGeom>
+              <a:noFill/>
+              <a:ln w="12700" cap="flat" cmpd="sng">
+                <a:solidFill>
+                  <a:srgbClr val="010101"/>
+                </a:solidFill>
+                <a:prstDash val="solid"/>
+                <a:round/>
+                <a:headEnd type="none" w="sm" len="sm"/>
+                <a:tailEnd type="triangle" w="med" len="med"/>
+              </a:ln>
+            </p:spPr>
+          </p:cxnSp>
+          <p:cxnSp>
+            <p:nvCxnSpPr>
+              <p:cNvPr id="16" name="Google Shape;583;p74">
+                <a:extLst>
+                  <a:ext uri="{FF2B5EF4-FFF2-40B4-BE49-F238E27FC236}">
+                    <a16:creationId xmlns:a16="http://schemas.microsoft.com/office/drawing/2014/main" id="{CAC814EC-D4F3-05F1-873C-34632E8F9BD5}"/>
+                  </a:ext>
+                </a:extLst>
+              </p:cNvPr>
+              <p:cNvCxnSpPr>
+                <a:stCxn id="8" idx="4"/>
+                <a:endCxn id="9" idx="0"/>
+              </p:cNvCxnSpPr>
+              <p:nvPr/>
+            </p:nvCxnSpPr>
+            <p:spPr>
+              <a:xfrm flipH="1">
+                <a:off x="4762621" y="4722813"/>
+                <a:ext cx="146400" cy="230100"/>
+              </a:xfrm>
+              <a:prstGeom prst="straightConnector1">
+                <a:avLst/>
+              </a:prstGeom>
+              <a:noFill/>
+              <a:ln w="12700" cap="flat" cmpd="sng">
+                <a:solidFill>
+                  <a:srgbClr val="010101"/>
+                </a:solidFill>
+                <a:prstDash val="solid"/>
+                <a:round/>
+                <a:headEnd type="none" w="sm" len="sm"/>
+                <a:tailEnd type="triangle" w="med" len="med"/>
+              </a:ln>
+            </p:spPr>
+          </p:cxnSp>
+          <p:cxnSp>
+            <p:nvCxnSpPr>
+              <p:cNvPr id="17" name="Google Shape;584;p74">
+                <a:extLst>
+                  <a:ext uri="{FF2B5EF4-FFF2-40B4-BE49-F238E27FC236}">
+                    <a16:creationId xmlns:a16="http://schemas.microsoft.com/office/drawing/2014/main" id="{A42640D9-0074-CD61-93B1-80E638A14105}"/>
+                  </a:ext>
+                </a:extLst>
+              </p:cNvPr>
+              <p:cNvCxnSpPr>
+                <a:stCxn id="9" idx="5"/>
+                <a:endCxn id="13" idx="1"/>
+              </p:cNvCxnSpPr>
+              <p:nvPr/>
+            </p:nvCxnSpPr>
+            <p:spPr>
+              <a:xfrm>
+                <a:off x="4843322" y="5148122"/>
+                <a:ext cx="143100" cy="219300"/>
+              </a:xfrm>
+              <a:prstGeom prst="straightConnector1">
+                <a:avLst/>
+              </a:prstGeom>
+              <a:noFill/>
+              <a:ln w="12700" cap="flat" cmpd="sng">
+                <a:solidFill>
+                  <a:srgbClr val="010101"/>
+                </a:solidFill>
+                <a:prstDash val="solid"/>
+                <a:round/>
+                <a:headEnd type="none" w="sm" len="sm"/>
+                <a:tailEnd type="triangle" w="med" len="med"/>
+              </a:ln>
+            </p:spPr>
+          </p:cxnSp>
+          <p:cxnSp>
+            <p:nvCxnSpPr>
+              <p:cNvPr id="18" name="Google Shape;585;p74">
+                <a:extLst>
+                  <a:ext uri="{FF2B5EF4-FFF2-40B4-BE49-F238E27FC236}">
+                    <a16:creationId xmlns:a16="http://schemas.microsoft.com/office/drawing/2014/main" id="{3D6C0AED-4BC7-4AD9-7EF8-A528F96F2A06}"/>
+                  </a:ext>
+                </a:extLst>
+              </p:cNvPr>
+              <p:cNvCxnSpPr>
+                <a:stCxn id="13" idx="2"/>
+                <a:endCxn id="11" idx="6"/>
+              </p:cNvCxnSpPr>
+              <p:nvPr/>
+            </p:nvCxnSpPr>
+            <p:spPr>
+              <a:xfrm flipH="1">
+                <a:off x="4648200" y="5448300"/>
+                <a:ext cx="304800" cy="152400"/>
+              </a:xfrm>
+              <a:prstGeom prst="straightConnector1">
+                <a:avLst/>
+              </a:prstGeom>
+              <a:noFill/>
+              <a:ln w="12700" cap="flat" cmpd="sng">
+                <a:solidFill>
+                  <a:srgbClr val="010101"/>
+                </a:solidFill>
+                <a:prstDash val="solid"/>
+                <a:round/>
+                <a:headEnd type="none" w="sm" len="sm"/>
+                <a:tailEnd type="triangle" w="med" len="med"/>
+              </a:ln>
+            </p:spPr>
+          </p:cxnSp>
+          <p:cxnSp>
+            <p:nvCxnSpPr>
+              <p:cNvPr id="19" name="Google Shape;586;p74">
+                <a:extLst>
+                  <a:ext uri="{FF2B5EF4-FFF2-40B4-BE49-F238E27FC236}">
+                    <a16:creationId xmlns:a16="http://schemas.microsoft.com/office/drawing/2014/main" id="{9107E81D-52C5-5050-DEBA-31E74C921026}"/>
+                  </a:ext>
+                </a:extLst>
+              </p:cNvPr>
+              <p:cNvCxnSpPr>
+                <a:endCxn id="7" idx="5"/>
+              </p:cNvCxnSpPr>
+              <p:nvPr/>
+            </p:nvCxnSpPr>
+            <p:spPr>
+              <a:xfrm rot="10800000">
+                <a:off x="4386122" y="5300522"/>
+                <a:ext cx="105000" cy="219300"/>
+              </a:xfrm>
+              <a:prstGeom prst="straightConnector1">
+                <a:avLst/>
+              </a:prstGeom>
+              <a:noFill/>
+              <a:ln w="12700" cap="flat" cmpd="sng">
+                <a:solidFill>
+                  <a:srgbClr val="010101"/>
+                </a:solidFill>
+                <a:prstDash val="solid"/>
+                <a:round/>
+                <a:headEnd type="none" w="sm" len="sm"/>
+                <a:tailEnd type="triangle" w="med" len="med"/>
+              </a:ln>
+            </p:spPr>
+          </p:cxnSp>
+          <p:cxnSp>
+            <p:nvCxnSpPr>
+              <p:cNvPr id="20" name="Google Shape;587;p74">
+                <a:extLst>
+                  <a:ext uri="{FF2B5EF4-FFF2-40B4-BE49-F238E27FC236}">
+                    <a16:creationId xmlns:a16="http://schemas.microsoft.com/office/drawing/2014/main" id="{A6F2C72B-5432-C27D-AA1B-0D7E8DDB1DD0}"/>
+                  </a:ext>
+                </a:extLst>
+              </p:cNvPr>
+              <p:cNvCxnSpPr>
+                <a:stCxn id="7" idx="1"/>
+                <a:endCxn id="6" idx="5"/>
+              </p:cNvCxnSpPr>
+              <p:nvPr/>
+            </p:nvCxnSpPr>
+            <p:spPr>
+              <a:xfrm rot="10800000">
+                <a:off x="4081378" y="4919578"/>
+                <a:ext cx="143100" cy="219300"/>
+              </a:xfrm>
+              <a:prstGeom prst="straightConnector1">
+                <a:avLst/>
+              </a:prstGeom>
+              <a:noFill/>
+              <a:ln w="12700" cap="flat" cmpd="sng">
+                <a:solidFill>
+                  <a:srgbClr val="010101"/>
+                </a:solidFill>
+                <a:prstDash val="solid"/>
+                <a:round/>
+                <a:headEnd type="none" w="sm" len="sm"/>
+                <a:tailEnd type="triangle" w="med" len="med"/>
+              </a:ln>
+            </p:spPr>
+          </p:cxnSp>
+          <p:cxnSp>
+            <p:nvCxnSpPr>
+              <p:cNvPr id="21" name="Google Shape;588;p74">
+                <a:extLst>
+                  <a:ext uri="{FF2B5EF4-FFF2-40B4-BE49-F238E27FC236}">
+                    <a16:creationId xmlns:a16="http://schemas.microsoft.com/office/drawing/2014/main" id="{609710B2-50F6-CFCE-EC4A-E640C0AC2F80}"/>
+                  </a:ext>
+                </a:extLst>
+              </p:cNvPr>
+              <p:cNvCxnSpPr>
+                <a:stCxn id="6" idx="3"/>
+                <a:endCxn id="10" idx="7"/>
+              </p:cNvCxnSpPr>
+              <p:nvPr/>
+            </p:nvCxnSpPr>
+            <p:spPr>
+              <a:xfrm flipH="1">
+                <a:off x="3776578" y="4919522"/>
+                <a:ext cx="143100" cy="371700"/>
+              </a:xfrm>
+              <a:prstGeom prst="straightConnector1">
+                <a:avLst/>
+              </a:prstGeom>
+              <a:noFill/>
+              <a:ln w="12700" cap="flat" cmpd="sng">
+                <a:solidFill>
+                  <a:srgbClr val="010101"/>
+                </a:solidFill>
+                <a:prstDash val="solid"/>
+                <a:round/>
+                <a:headEnd type="none" w="sm" len="sm"/>
+                <a:tailEnd type="triangle" w="med" len="med"/>
+              </a:ln>
+            </p:spPr>
+          </p:cxnSp>
+          <p:cxnSp>
+            <p:nvCxnSpPr>
+              <p:cNvPr id="22" name="Google Shape;589;p74">
+                <a:extLst>
+                  <a:ext uri="{FF2B5EF4-FFF2-40B4-BE49-F238E27FC236}">
+                    <a16:creationId xmlns:a16="http://schemas.microsoft.com/office/drawing/2014/main" id="{51B0C364-AEB7-1099-E5CE-113799A03D44}"/>
+                  </a:ext>
+                </a:extLst>
+              </p:cNvPr>
+              <p:cNvCxnSpPr>
+                <a:stCxn id="12" idx="4"/>
+                <a:endCxn id="10" idx="1"/>
+              </p:cNvCxnSpPr>
+              <p:nvPr/>
+            </p:nvCxnSpPr>
+            <p:spPr>
+              <a:xfrm flipH="1">
+                <a:off x="3615000" y="4800600"/>
+                <a:ext cx="4500" cy="490800"/>
+              </a:xfrm>
+              <a:prstGeom prst="straightConnector1">
+                <a:avLst/>
+              </a:prstGeom>
+              <a:noFill/>
+              <a:ln w="12700" cap="flat" cmpd="sng">
+                <a:solidFill>
+                  <a:srgbClr val="010101"/>
+                </a:solidFill>
+                <a:prstDash val="solid"/>
+                <a:round/>
+                <a:headEnd type="none" w="sm" len="sm"/>
+                <a:tailEnd type="triangle" w="med" len="med"/>
+              </a:ln>
+            </p:spPr>
+          </p:cxnSp>
+          <p:cxnSp>
+            <p:nvCxnSpPr>
+              <p:cNvPr id="23" name="Google Shape;590;p74">
+                <a:extLst>
+                  <a:ext uri="{FF2B5EF4-FFF2-40B4-BE49-F238E27FC236}">
+                    <a16:creationId xmlns:a16="http://schemas.microsoft.com/office/drawing/2014/main" id="{4377ED74-B602-85B6-50A9-C8E64EC833FB}"/>
+                  </a:ext>
+                </a:extLst>
+              </p:cNvPr>
+              <p:cNvCxnSpPr>
+                <a:stCxn id="7" idx="7"/>
+                <a:endCxn id="5" idx="4"/>
+              </p:cNvCxnSpPr>
+              <p:nvPr/>
+            </p:nvCxnSpPr>
+            <p:spPr>
+              <a:xfrm rot="10800000">
+                <a:off x="4305422" y="4495678"/>
+                <a:ext cx="80700" cy="643200"/>
+              </a:xfrm>
+              <a:prstGeom prst="straightConnector1">
+                <a:avLst/>
+              </a:prstGeom>
+              <a:noFill/>
+              <a:ln w="12700" cap="flat" cmpd="sng">
+                <a:solidFill>
+                  <a:srgbClr val="010101"/>
+                </a:solidFill>
+                <a:prstDash val="solid"/>
+                <a:round/>
+                <a:headEnd type="none" w="sm" len="sm"/>
+                <a:tailEnd type="triangle" w="med" len="med"/>
+              </a:ln>
+            </p:spPr>
+          </p:cxnSp>
+          <p:cxnSp>
+            <p:nvCxnSpPr>
+              <p:cNvPr id="24" name="Google Shape;591;p74">
+                <a:extLst>
+                  <a:ext uri="{FF2B5EF4-FFF2-40B4-BE49-F238E27FC236}">
+                    <a16:creationId xmlns:a16="http://schemas.microsoft.com/office/drawing/2014/main" id="{55AFCD03-EE24-9350-66FA-7234E7C8430D}"/>
+                  </a:ext>
+                </a:extLst>
+              </p:cNvPr>
+              <p:cNvCxnSpPr>
+                <a:stCxn id="7" idx="3"/>
+                <a:endCxn id="10" idx="6"/>
+              </p:cNvCxnSpPr>
+              <p:nvPr/>
+            </p:nvCxnSpPr>
+            <p:spPr>
+              <a:xfrm flipH="1">
+                <a:off x="3809878" y="5300522"/>
+                <a:ext cx="414600" cy="71700"/>
+              </a:xfrm>
+              <a:prstGeom prst="straightConnector1">
+                <a:avLst/>
+              </a:prstGeom>
+              <a:noFill/>
+              <a:ln w="12700" cap="flat" cmpd="sng">
+                <a:solidFill>
+                  <a:srgbClr val="010101"/>
+                </a:solidFill>
+                <a:prstDash val="solid"/>
+                <a:round/>
+                <a:headEnd type="none" w="sm" len="sm"/>
+                <a:tailEnd type="triangle" w="med" len="med"/>
+              </a:ln>
+            </p:spPr>
+          </p:cxnSp>
+          <p:sp>
+            <p:nvSpPr>
+              <p:cNvPr id="25" name="Google Shape;592;p74">
+                <a:extLst>
+                  <a:ext uri="{FF2B5EF4-FFF2-40B4-BE49-F238E27FC236}">
+                    <a16:creationId xmlns:a16="http://schemas.microsoft.com/office/drawing/2014/main" id="{631FC931-8309-E794-E225-B1FF7B71DE81}"/>
+                  </a:ext>
+                </a:extLst>
+              </p:cNvPr>
+              <p:cNvSpPr/>
+              <p:nvPr/>
+            </p:nvSpPr>
+            <p:spPr>
+              <a:xfrm>
+                <a:off x="3962400" y="5638800"/>
+                <a:ext cx="228600" cy="228600"/>
+              </a:xfrm>
+              <a:prstGeom prst="ellipse">
+                <a:avLst/>
+              </a:prstGeom>
+              <a:solidFill>
+                <a:srgbClr val="9900FF"/>
+              </a:solidFill>
+              <a:ln w="12700" cap="flat" cmpd="sng">
+                <a:solidFill>
+                  <a:srgbClr val="010101"/>
+                </a:solidFill>
+                <a:prstDash val="solid"/>
+                <a:round/>
+                <a:headEnd type="none" w="sm" len="sm"/>
+                <a:tailEnd type="none" w="sm" len="sm"/>
+              </a:ln>
+            </p:spPr>
+            <p:txBody>
+              <a:bodyPr spcFirstLastPara="1" wrap="square" lIns="91425" tIns="45700" rIns="91425" bIns="45700" anchor="t" anchorCtr="0">
+                <a:noAutofit/>
+              </a:bodyPr>
+              <a:lstStyle/>
+              <a:p>
+                <a:pPr marL="0" marR="0" lvl="0" indent="0" algn="ctr" rtl="0">
+                  <a:lnSpc>
+                    <a:spcPct val="100000"/>
+                  </a:lnSpc>
+                  <a:spcBef>
+                    <a:spcPts val="0"/>
+                  </a:spcBef>
+                  <a:spcAft>
+                    <a:spcPts val="0"/>
+                  </a:spcAft>
+                  <a:buClr>
+                    <a:srgbClr val="010101"/>
+                  </a:buClr>
+                  <a:buSzPts val="2400"/>
+                  <a:buFont typeface="Arial"/>
+                  <a:buNone/>
+                </a:pPr>
+                <a:endParaRPr sz="2400" b="1" i="0" u="none" strike="noStrike" cap="none">
+                  <a:solidFill>
+                    <a:srgbClr val="010101"/>
+                  </a:solidFill>
+                  <a:latin typeface="Arial Narrow"/>
+                  <a:ea typeface="Arial Narrow"/>
+                  <a:cs typeface="Arial Narrow"/>
+                  <a:sym typeface="Arial Narrow"/>
+                </a:endParaRPr>
+              </a:p>
+            </p:txBody>
+          </p:sp>
+          <p:cxnSp>
+            <p:nvCxnSpPr>
+              <p:cNvPr id="26" name="Google Shape;593;p74">
+                <a:extLst>
+                  <a:ext uri="{FF2B5EF4-FFF2-40B4-BE49-F238E27FC236}">
+                    <a16:creationId xmlns:a16="http://schemas.microsoft.com/office/drawing/2014/main" id="{45C61620-E471-E2BC-1746-CA1B627D44F9}"/>
+                  </a:ext>
+                </a:extLst>
+              </p:cNvPr>
+              <p:cNvCxnSpPr>
+                <a:stCxn id="25" idx="7"/>
+                <a:endCxn id="7" idx="4"/>
+              </p:cNvCxnSpPr>
+              <p:nvPr/>
+            </p:nvCxnSpPr>
+            <p:spPr>
+              <a:xfrm rot="10800000" flipH="1">
+                <a:off x="4157522" y="5333878"/>
+                <a:ext cx="147900" cy="338400"/>
+              </a:xfrm>
+              <a:prstGeom prst="straightConnector1">
+                <a:avLst/>
+              </a:prstGeom>
+              <a:noFill/>
+              <a:ln w="12700" cap="flat" cmpd="sng">
+                <a:solidFill>
+                  <a:srgbClr val="010101"/>
+                </a:solidFill>
+                <a:prstDash val="solid"/>
+                <a:round/>
+                <a:headEnd type="none" w="sm" len="sm"/>
+                <a:tailEnd type="triangle" w="med" len="med"/>
+              </a:ln>
+            </p:spPr>
+          </p:cxnSp>
+        </p:grpSp>
+      </p:grpSp>
+      <p:pic>
+        <p:nvPicPr>
+          <p:cNvPr id="29" name="Picture 28">
+            <a:extLst>
+              <a:ext uri="{FF2B5EF4-FFF2-40B4-BE49-F238E27FC236}">
+                <a16:creationId xmlns:a16="http://schemas.microsoft.com/office/drawing/2014/main" id="{B1281376-CEE9-8F81-11EB-A6ACF2A4A7DA}"/>
+              </a:ext>
+            </a:extLst>
+          </p:cNvPr>
+          <p:cNvPicPr>
+            <a:picLocks noChangeAspect="1"/>
+          </p:cNvPicPr>
+          <p:nvPr/>
+        </p:nvPicPr>
+        <p:blipFill>
+          <a:blip r:embed="rId2"/>
+          <a:stretch>
+            <a:fillRect/>
+          </a:stretch>
+        </p:blipFill>
+        <p:spPr>
+          <a:xfrm>
+            <a:off x="2209800" y="2280791"/>
+            <a:ext cx="5522293" cy="3875542"/>
+          </a:xfrm>
+          <a:prstGeom prst="rect">
+            <a:avLst/>
+          </a:prstGeom>
+        </p:spPr>
+      </p:pic>
+    </p:spTree>
+    <p:extLst>
+      <p:ext uri="{BB962C8B-B14F-4D97-AF65-F5344CB8AC3E}">
+        <p14:creationId xmlns:p14="http://schemas.microsoft.com/office/powerpoint/2010/main" val="3993957983"/>
+      </p:ext>
+    </p:extLst>
+  </p:cSld>
+  <p:clrMapOvr>
+    <a:masterClrMapping/>
+  </p:clrMapOvr>
+</p:sld>
+</file>
+
+<file path=ppt/slides/slide8.xml><?xml version="1.0" encoding="utf-8"?>
+<p:sld xmlns:a="http://schemas.openxmlformats.org/drawingml/2006/main" xmlns:r="http://schemas.openxmlformats.org/officeDocument/2006/relationships" xmlns:p="http://schemas.openxmlformats.org/presentationml/2006/main">
+  <p:cSld>
+    <p:spTree>
+      <p:nvGrpSpPr>
+        <p:cNvPr id="1" name=""/>
+        <p:cNvGrpSpPr/>
+        <p:nvPr/>
+      </p:nvGrpSpPr>
+      <p:grpSpPr>
+        <a:xfrm>
+          <a:off x="0" y="0"/>
+          <a:ext cx="0" cy="0"/>
+          <a:chOff x="0" y="0"/>
+          <a:chExt cx="0" cy="0"/>
+        </a:xfrm>
+      </p:grpSpPr>
+      <p:sp>
+        <p:nvSpPr>
+          <p:cNvPr id="2" name="Title 1">
+            <a:extLst>
+              <a:ext uri="{FF2B5EF4-FFF2-40B4-BE49-F238E27FC236}">
+                <a16:creationId xmlns:a16="http://schemas.microsoft.com/office/drawing/2014/main" id="{8C02015F-69DA-CA0D-B9F1-F96BBE2078AC}"/>
+              </a:ext>
+            </a:extLst>
+          </p:cNvPr>
+          <p:cNvSpPr>
+            <a:spLocks noGrp="1"/>
+          </p:cNvSpPr>
+          <p:nvPr>
+            <p:ph type="title"/>
+          </p:nvPr>
+        </p:nvSpPr>
+        <p:spPr>
+          <a:xfrm>
+            <a:off x="398362" y="154513"/>
+            <a:ext cx="10515600" cy="467697"/>
+          </a:xfrm>
+        </p:spPr>
+        <p:txBody>
+          <a:bodyPr>
+            <a:normAutofit fontScale="90000"/>
+          </a:bodyPr>
+          <a:lstStyle/>
+          <a:p>
+            <a:r>
+              <a:rPr lang="en-US" dirty="0"/>
+              <a:t>Developer Prompt</a:t>
+            </a:r>
+          </a:p>
+        </p:txBody>
+      </p:sp>
+      <p:sp>
+        <p:nvSpPr>
+          <p:cNvPr id="4" name="Rectangle 3">
+            <a:extLst>
+              <a:ext uri="{FF2B5EF4-FFF2-40B4-BE49-F238E27FC236}">
+                <a16:creationId xmlns:a16="http://schemas.microsoft.com/office/drawing/2014/main" id="{B0D54DA6-7D73-B7CB-5579-CF8DF0F4F230}"/>
+              </a:ext>
+            </a:extLst>
+          </p:cNvPr>
+          <p:cNvSpPr/>
+          <p:nvPr/>
+        </p:nvSpPr>
+        <p:spPr>
+          <a:xfrm>
+            <a:off x="3964343" y="944853"/>
+            <a:ext cx="2638251" cy="518984"/>
+          </a:xfrm>
+          <a:prstGeom prst="rect">
+            <a:avLst/>
+          </a:prstGeom>
+          <a:solidFill>
+            <a:srgbClr val="0070C0"/>
+          </a:solidFill>
+        </p:spPr>
+        <p:style>
+          <a:lnRef idx="2">
+            <a:schemeClr val="accent1">
+              <a:shade val="15000"/>
+            </a:schemeClr>
+          </a:lnRef>
+          <a:fillRef idx="1">
+            <a:schemeClr val="accent1"/>
+          </a:fillRef>
+          <a:effectRef idx="0">
+            <a:schemeClr val="accent1"/>
+          </a:effectRef>
+          <a:fontRef idx="minor">
+            <a:schemeClr val="lt1"/>
+          </a:fontRef>
+        </p:style>
+        <p:txBody>
+          <a:bodyPr rtlCol="0" anchor="ctr"/>
+          <a:lstStyle/>
+          <a:p>
+            <a:pPr algn="ctr"/>
+            <a:r>
+              <a:rPr lang="en-US" dirty="0">
+                <a:latin typeface="Arial" panose="020B0604020202020204" pitchFamily="34" charset="0"/>
+                <a:cs typeface="Arial" panose="020B0604020202020204" pitchFamily="34" charset="0"/>
+              </a:rPr>
+              <a:t>Initial Prompt</a:t>
+            </a:r>
+          </a:p>
+        </p:txBody>
+      </p:sp>
+      <p:sp>
+        <p:nvSpPr>
+          <p:cNvPr id="5" name="Rounded Rectangle 4">
+            <a:extLst>
+              <a:ext uri="{FF2B5EF4-FFF2-40B4-BE49-F238E27FC236}">
+                <a16:creationId xmlns:a16="http://schemas.microsoft.com/office/drawing/2014/main" id="{2464D582-97FC-9641-F9E8-F2B6A4CA55D2}"/>
+              </a:ext>
+            </a:extLst>
+          </p:cNvPr>
+          <p:cNvSpPr/>
+          <p:nvPr/>
+        </p:nvSpPr>
+        <p:spPr>
+          <a:xfrm>
+            <a:off x="3964343" y="2829553"/>
+            <a:ext cx="2638251" cy="625643"/>
+          </a:xfrm>
+          <a:prstGeom prst="roundRect">
+            <a:avLst/>
+          </a:prstGeom>
+          <a:solidFill>
+            <a:srgbClr val="002060"/>
+          </a:solidFill>
+          <a:ln>
+            <a:solidFill>
+              <a:srgbClr val="002060"/>
+            </a:solidFill>
+          </a:ln>
+        </p:spPr>
+        <p:style>
+          <a:lnRef idx="2">
+            <a:schemeClr val="accent1">
+              <a:shade val="15000"/>
+            </a:schemeClr>
+          </a:lnRef>
+          <a:fillRef idx="1">
+            <a:schemeClr val="accent1"/>
+          </a:fillRef>
+          <a:effectRef idx="0">
+            <a:schemeClr val="accent1"/>
+          </a:effectRef>
+          <a:fontRef idx="minor">
+            <a:schemeClr val="lt1"/>
+          </a:fontRef>
+        </p:style>
+        <p:txBody>
+          <a:bodyPr rtlCol="0" anchor="ctr"/>
+          <a:lstStyle/>
+          <a:p>
+            <a:pPr algn="ctr"/>
+            <a:r>
+              <a:rPr lang="en-US" dirty="0">
+                <a:latin typeface="Arial" panose="020B0604020202020204" pitchFamily="34" charset="0"/>
+                <a:cs typeface="Arial" panose="020B0604020202020204" pitchFamily="34" charset="0"/>
+              </a:rPr>
+              <a:t>Send to LLM</a:t>
+            </a:r>
+          </a:p>
+        </p:txBody>
+      </p:sp>
+      <p:sp>
+        <p:nvSpPr>
+          <p:cNvPr id="7" name="Rectangle 6">
+            <a:extLst>
+              <a:ext uri="{FF2B5EF4-FFF2-40B4-BE49-F238E27FC236}">
+                <a16:creationId xmlns:a16="http://schemas.microsoft.com/office/drawing/2014/main" id="{4850D6A9-40F3-2574-46FB-7654D6F9CB83}"/>
+              </a:ext>
+            </a:extLst>
+          </p:cNvPr>
+          <p:cNvSpPr/>
+          <p:nvPr/>
+        </p:nvSpPr>
+        <p:spPr>
+          <a:xfrm>
+            <a:off x="1007224" y="5505458"/>
+            <a:ext cx="1133388" cy="518984"/>
+          </a:xfrm>
+          <a:prstGeom prst="rect">
+            <a:avLst/>
+          </a:prstGeom>
+          <a:solidFill>
+            <a:srgbClr val="0070C0"/>
+          </a:solidFill>
+        </p:spPr>
+        <p:style>
+          <a:lnRef idx="2">
+            <a:schemeClr val="accent1">
+              <a:shade val="15000"/>
+            </a:schemeClr>
+          </a:lnRef>
+          <a:fillRef idx="1">
+            <a:schemeClr val="accent1"/>
+          </a:fillRef>
+          <a:effectRef idx="0">
+            <a:schemeClr val="accent1"/>
+          </a:effectRef>
+          <a:fontRef idx="minor">
+            <a:schemeClr val="lt1"/>
+          </a:fontRef>
+        </p:style>
+        <p:txBody>
+          <a:bodyPr rtlCol="0" anchor="ctr"/>
+          <a:lstStyle/>
+          <a:p>
+            <a:pPr algn="ctr"/>
+            <a:r>
+              <a:rPr lang="en-US" dirty="0">
+                <a:latin typeface="Arial" panose="020B0604020202020204" pitchFamily="34" charset="0"/>
+                <a:cs typeface="Arial" panose="020B0604020202020204" pitchFamily="34" charset="0"/>
+              </a:rPr>
+              <a:t>Create</a:t>
+            </a:r>
+          </a:p>
+        </p:txBody>
+      </p:sp>
+      <p:cxnSp>
+        <p:nvCxnSpPr>
+          <p:cNvPr id="9" name="Straight Arrow Connector 8">
+            <a:extLst>
+              <a:ext uri="{FF2B5EF4-FFF2-40B4-BE49-F238E27FC236}">
+                <a16:creationId xmlns:a16="http://schemas.microsoft.com/office/drawing/2014/main" id="{0EBA90BF-00AE-DB33-0B21-09348B9BBF78}"/>
+              </a:ext>
+            </a:extLst>
+          </p:cNvPr>
+          <p:cNvCxnSpPr>
+            <a:cxnSpLocks/>
+            <a:endCxn id="5" idx="0"/>
+          </p:cNvCxnSpPr>
+          <p:nvPr/>
+        </p:nvCxnSpPr>
+        <p:spPr>
+          <a:xfrm>
+            <a:off x="5279236" y="2407534"/>
+            <a:ext cx="4233" cy="422019"/>
+          </a:xfrm>
+          <a:prstGeom prst="straightConnector1">
+            <a:avLst/>
+          </a:prstGeom>
+          <a:ln w="57150">
+            <a:solidFill>
+              <a:schemeClr val="tx1"/>
+            </a:solidFill>
+            <a:tailEnd type="triangle"/>
+          </a:ln>
+        </p:spPr>
+        <p:style>
+          <a:lnRef idx="2">
+            <a:schemeClr val="accent1"/>
+          </a:lnRef>
+          <a:fillRef idx="0">
+            <a:schemeClr val="accent1"/>
+          </a:fillRef>
+          <a:effectRef idx="1">
+            <a:schemeClr val="accent1"/>
+          </a:effectRef>
+          <a:fontRef idx="minor">
+            <a:schemeClr val="tx1"/>
+          </a:fontRef>
+        </p:style>
+      </p:cxnSp>
+      <p:cxnSp>
+        <p:nvCxnSpPr>
+          <p:cNvPr id="10" name="Straight Arrow Connector 9">
+            <a:extLst>
+              <a:ext uri="{FF2B5EF4-FFF2-40B4-BE49-F238E27FC236}">
+                <a16:creationId xmlns:a16="http://schemas.microsoft.com/office/drawing/2014/main" id="{95A6ED09-DA0F-F7A7-67D2-BE76927831D1}"/>
+              </a:ext>
+            </a:extLst>
+          </p:cNvPr>
+          <p:cNvCxnSpPr>
+            <a:cxnSpLocks/>
+            <a:stCxn id="5" idx="2"/>
+          </p:cNvCxnSpPr>
+          <p:nvPr/>
+        </p:nvCxnSpPr>
+        <p:spPr>
+          <a:xfrm>
+            <a:off x="5283469" y="3455196"/>
+            <a:ext cx="0" cy="529389"/>
+          </a:xfrm>
+          <a:prstGeom prst="straightConnector1">
+            <a:avLst/>
+          </a:prstGeom>
+          <a:ln w="57150">
+            <a:solidFill>
+              <a:schemeClr val="tx1"/>
+            </a:solidFill>
+            <a:tailEnd type="triangle"/>
+          </a:ln>
+        </p:spPr>
+        <p:style>
+          <a:lnRef idx="2">
+            <a:schemeClr val="accent1"/>
+          </a:lnRef>
+          <a:fillRef idx="0">
+            <a:schemeClr val="accent1"/>
+          </a:fillRef>
+          <a:effectRef idx="1">
+            <a:schemeClr val="accent1"/>
+          </a:effectRef>
+          <a:fontRef idx="minor">
+            <a:schemeClr val="tx1"/>
+          </a:fontRef>
+        </p:style>
+      </p:cxnSp>
+      <p:sp>
+        <p:nvSpPr>
+          <p:cNvPr id="12" name="Oval 11">
+            <a:extLst>
+              <a:ext uri="{FF2B5EF4-FFF2-40B4-BE49-F238E27FC236}">
+                <a16:creationId xmlns:a16="http://schemas.microsoft.com/office/drawing/2014/main" id="{A12DD628-8E0A-CB96-2D8A-2D81C9174516}"/>
+              </a:ext>
+            </a:extLst>
+          </p:cNvPr>
+          <p:cNvSpPr/>
+          <p:nvPr/>
+        </p:nvSpPr>
+        <p:spPr>
+          <a:xfrm>
+            <a:off x="2192607" y="944853"/>
+            <a:ext cx="1081470" cy="518984"/>
+          </a:xfrm>
+          <a:prstGeom prst="ellipse">
+            <a:avLst/>
+          </a:prstGeom>
+          <a:solidFill>
+            <a:srgbClr val="00B050"/>
+          </a:solidFill>
+        </p:spPr>
+        <p:style>
+          <a:lnRef idx="2">
+            <a:schemeClr val="accent1">
+              <a:shade val="15000"/>
+            </a:schemeClr>
+          </a:lnRef>
+          <a:fillRef idx="1">
+            <a:schemeClr val="accent1"/>
+          </a:fillRef>
+          <a:effectRef idx="0">
+            <a:schemeClr val="accent1"/>
+          </a:effectRef>
+          <a:fontRef idx="minor">
+            <a:schemeClr val="lt1"/>
+          </a:fontRef>
+        </p:style>
+        <p:txBody>
+          <a:bodyPr rtlCol="0" anchor="ctr"/>
+          <a:lstStyle/>
+          <a:p>
+            <a:pPr algn="ctr"/>
+            <a:r>
+              <a:rPr lang="en-US" dirty="0">
+                <a:latin typeface="Arial" panose="020B0604020202020204" pitchFamily="34" charset="0"/>
+                <a:cs typeface="Arial" panose="020B0604020202020204" pitchFamily="34" charset="0"/>
+              </a:rPr>
+              <a:t>Start</a:t>
+            </a:r>
+          </a:p>
+        </p:txBody>
+      </p:sp>
+      <p:cxnSp>
+        <p:nvCxnSpPr>
+          <p:cNvPr id="15" name="Straight Arrow Connector 14">
+            <a:extLst>
+              <a:ext uri="{FF2B5EF4-FFF2-40B4-BE49-F238E27FC236}">
+                <a16:creationId xmlns:a16="http://schemas.microsoft.com/office/drawing/2014/main" id="{41C5304B-D462-AAF0-E958-409CB5D605C7}"/>
+              </a:ext>
+            </a:extLst>
+          </p:cNvPr>
+          <p:cNvCxnSpPr>
+            <a:cxnSpLocks/>
+            <a:stCxn id="12" idx="6"/>
+            <a:endCxn id="4" idx="1"/>
+          </p:cNvCxnSpPr>
+          <p:nvPr/>
+        </p:nvCxnSpPr>
+        <p:spPr>
+          <a:xfrm>
+            <a:off x="3274077" y="1204345"/>
+            <a:ext cx="690266" cy="0"/>
+          </a:xfrm>
+          <a:prstGeom prst="straightConnector1">
+            <a:avLst/>
+          </a:prstGeom>
+          <a:ln w="57150">
+            <a:tailEnd type="triangle"/>
+          </a:ln>
+        </p:spPr>
+        <p:style>
+          <a:lnRef idx="2">
+            <a:schemeClr val="accent1"/>
+          </a:lnRef>
+          <a:fillRef idx="0">
+            <a:schemeClr val="accent1"/>
+          </a:fillRef>
+          <a:effectRef idx="1">
+            <a:schemeClr val="accent1"/>
+          </a:effectRef>
+          <a:fontRef idx="minor">
+            <a:schemeClr val="tx1"/>
+          </a:fontRef>
+        </p:style>
+      </p:cxnSp>
+      <p:cxnSp>
+        <p:nvCxnSpPr>
+          <p:cNvPr id="18" name="Straight Arrow Connector 17">
+            <a:extLst>
+              <a:ext uri="{FF2B5EF4-FFF2-40B4-BE49-F238E27FC236}">
+                <a16:creationId xmlns:a16="http://schemas.microsoft.com/office/drawing/2014/main" id="{93A15BCB-4A6C-0D6E-21BE-0DFCA9739BF0}"/>
+              </a:ext>
+            </a:extLst>
+          </p:cNvPr>
+          <p:cNvCxnSpPr>
+            <a:cxnSpLocks/>
+          </p:cNvCxnSpPr>
+          <p:nvPr/>
+        </p:nvCxnSpPr>
+        <p:spPr>
+          <a:xfrm>
+            <a:off x="5279236" y="1463837"/>
+            <a:ext cx="0" cy="388113"/>
+          </a:xfrm>
+          <a:prstGeom prst="straightConnector1">
+            <a:avLst/>
+          </a:prstGeom>
+          <a:ln w="57150">
+            <a:solidFill>
+              <a:schemeClr val="tx1"/>
+            </a:solidFill>
+            <a:tailEnd type="triangle"/>
+          </a:ln>
+        </p:spPr>
+        <p:style>
+          <a:lnRef idx="2">
+            <a:schemeClr val="accent1"/>
+          </a:lnRef>
+          <a:fillRef idx="0">
+            <a:schemeClr val="accent1"/>
+          </a:fillRef>
+          <a:effectRef idx="1">
+            <a:schemeClr val="accent1"/>
+          </a:effectRef>
+          <a:fontRef idx="minor">
+            <a:schemeClr val="tx1"/>
+          </a:fontRef>
+        </p:style>
+      </p:cxnSp>
+      <p:sp>
+        <p:nvSpPr>
+          <p:cNvPr id="19" name="Rounded Rectangle 18">
+            <a:extLst>
+              <a:ext uri="{FF2B5EF4-FFF2-40B4-BE49-F238E27FC236}">
+                <a16:creationId xmlns:a16="http://schemas.microsoft.com/office/drawing/2014/main" id="{DA72B8AB-2624-6DFD-885A-0111F69056F7}"/>
+              </a:ext>
+            </a:extLst>
+          </p:cNvPr>
+          <p:cNvSpPr/>
+          <p:nvPr/>
+        </p:nvSpPr>
+        <p:spPr>
+          <a:xfrm>
+            <a:off x="3990845" y="1878145"/>
+            <a:ext cx="2638251" cy="489472"/>
+          </a:xfrm>
+          <a:prstGeom prst="roundRect">
+            <a:avLst/>
+          </a:prstGeom>
+          <a:solidFill>
+            <a:schemeClr val="accent6">
+              <a:lumMod val="75000"/>
+            </a:schemeClr>
+          </a:solidFill>
+          <a:ln>
+            <a:solidFill>
+              <a:srgbClr val="002060"/>
+            </a:solidFill>
+          </a:ln>
+        </p:spPr>
+        <p:style>
+          <a:lnRef idx="2">
+            <a:schemeClr val="accent1">
+              <a:shade val="15000"/>
+            </a:schemeClr>
+          </a:lnRef>
+          <a:fillRef idx="1">
+            <a:schemeClr val="accent1"/>
+          </a:fillRef>
+          <a:effectRef idx="0">
+            <a:schemeClr val="accent1"/>
+          </a:effectRef>
+          <a:fontRef idx="minor">
+            <a:schemeClr val="lt1"/>
+          </a:fontRef>
+        </p:style>
+        <p:txBody>
+          <a:bodyPr rtlCol="0" anchor="ctr"/>
+          <a:lstStyle/>
+          <a:p>
+            <a:pPr algn="ctr"/>
+            <a:r>
+              <a:rPr lang="en-US" dirty="0">
+                <a:latin typeface="Arial" panose="020B0604020202020204" pitchFamily="34" charset="0"/>
+                <a:cs typeface="Arial" panose="020B0604020202020204" pitchFamily="34" charset="0"/>
+              </a:rPr>
+              <a:t>Enrich Prompt</a:t>
+            </a:r>
+          </a:p>
+        </p:txBody>
+      </p:sp>
+      <p:cxnSp>
+        <p:nvCxnSpPr>
+          <p:cNvPr id="20" name="Straight Arrow Connector 19">
+            <a:extLst>
+              <a:ext uri="{FF2B5EF4-FFF2-40B4-BE49-F238E27FC236}">
+                <a16:creationId xmlns:a16="http://schemas.microsoft.com/office/drawing/2014/main" id="{2800B30A-5523-3D97-17F3-AACB570AF6A9}"/>
+              </a:ext>
+            </a:extLst>
+          </p:cNvPr>
+          <p:cNvCxnSpPr>
+            <a:cxnSpLocks/>
+            <a:stCxn id="19" idx="3"/>
+          </p:cNvCxnSpPr>
+          <p:nvPr/>
+        </p:nvCxnSpPr>
+        <p:spPr>
+          <a:xfrm>
+            <a:off x="6629096" y="2122881"/>
+            <a:ext cx="811209" cy="15136"/>
+          </a:xfrm>
+          <a:prstGeom prst="straightConnector1">
+            <a:avLst/>
+          </a:prstGeom>
+          <a:ln w="57150">
+            <a:headEnd type="triangle"/>
+            <a:tailEnd type="triangle"/>
+          </a:ln>
+        </p:spPr>
+        <p:style>
+          <a:lnRef idx="2">
+            <a:schemeClr val="accent1"/>
+          </a:lnRef>
+          <a:fillRef idx="0">
+            <a:schemeClr val="accent1"/>
+          </a:fillRef>
+          <a:effectRef idx="1">
+            <a:schemeClr val="accent1"/>
+          </a:effectRef>
+          <a:fontRef idx="minor">
+            <a:schemeClr val="tx1"/>
+          </a:fontRef>
+        </p:style>
+      </p:cxnSp>
+      <p:grpSp>
+        <p:nvGrpSpPr>
+          <p:cNvPr id="21" name="Group 20">
+            <a:extLst>
+              <a:ext uri="{FF2B5EF4-FFF2-40B4-BE49-F238E27FC236}">
+                <a16:creationId xmlns:a16="http://schemas.microsoft.com/office/drawing/2014/main" id="{8D82EF07-D675-3286-FC50-4AE5E9E15C50}"/>
+              </a:ext>
+            </a:extLst>
+          </p:cNvPr>
+          <p:cNvGrpSpPr/>
+          <p:nvPr/>
+        </p:nvGrpSpPr>
+        <p:grpSpPr>
+          <a:xfrm>
+            <a:off x="7440305" y="1492060"/>
+            <a:ext cx="1643605" cy="1261641"/>
+            <a:chOff x="8414795" y="2882096"/>
+            <a:chExt cx="1643605" cy="1261641"/>
+          </a:xfrm>
+        </p:grpSpPr>
+        <p:sp>
+          <p:nvSpPr>
+            <p:cNvPr id="22" name="Can 21">
+              <a:extLst>
+                <a:ext uri="{FF2B5EF4-FFF2-40B4-BE49-F238E27FC236}">
+                  <a16:creationId xmlns:a16="http://schemas.microsoft.com/office/drawing/2014/main" id="{EFBE5E23-9D64-DB93-4367-C28DEFAD0755}"/>
+                </a:ext>
+              </a:extLst>
+            </p:cNvPr>
+            <p:cNvSpPr/>
+            <p:nvPr/>
+          </p:nvSpPr>
+          <p:spPr>
+            <a:xfrm>
+              <a:off x="8414795" y="2882096"/>
+              <a:ext cx="1643605" cy="1261641"/>
+            </a:xfrm>
+            <a:prstGeom prst="can">
+              <a:avLst>
+                <a:gd name="adj" fmla="val 13073"/>
+              </a:avLst>
+            </a:prstGeom>
+            <a:solidFill>
+              <a:schemeClr val="bg1">
+                <a:lumMod val="85000"/>
+              </a:schemeClr>
+            </a:solidFill>
+          </p:spPr>
+          <p:style>
+            <a:lnRef idx="2">
+              <a:schemeClr val="accent1">
+                <a:shade val="15000"/>
+              </a:schemeClr>
+            </a:lnRef>
+            <a:fillRef idx="1">
+              <a:schemeClr val="accent1"/>
+            </a:fillRef>
+            <a:effectRef idx="0">
+              <a:schemeClr val="accent1"/>
+            </a:effectRef>
+            <a:fontRef idx="minor">
+              <a:schemeClr val="lt1"/>
+            </a:fontRef>
+          </p:style>
+          <p:txBody>
+            <a:bodyPr rtlCol="0" anchor="ctr"/>
+            <a:lstStyle/>
+            <a:p>
+              <a:pPr algn="ctr"/>
+              <a:endParaRPr lang="en-US"/>
+            </a:p>
+          </p:txBody>
+        </p:sp>
+        <p:grpSp>
+          <p:nvGrpSpPr>
+            <p:cNvPr id="23" name="Google Shape;571;p74">
+              <a:extLst>
+                <a:ext uri="{FF2B5EF4-FFF2-40B4-BE49-F238E27FC236}">
+                  <a16:creationId xmlns:a16="http://schemas.microsoft.com/office/drawing/2014/main" id="{A49DC800-AE96-2D46-44A0-805E068414ED}"/>
+                </a:ext>
+              </a:extLst>
+            </p:cNvPr>
+            <p:cNvGrpSpPr/>
+            <p:nvPr/>
+          </p:nvGrpSpPr>
+          <p:grpSpPr>
+            <a:xfrm>
+              <a:off x="8623139" y="3134005"/>
+              <a:ext cx="1330304" cy="905560"/>
+              <a:chOff x="3505200" y="4267200"/>
+              <a:chExt cx="1676400" cy="1600200"/>
+            </a:xfrm>
+          </p:grpSpPr>
+          <p:sp>
+            <p:nvSpPr>
+              <p:cNvPr id="24" name="Google Shape;572;p74">
+                <a:extLst>
+                  <a:ext uri="{FF2B5EF4-FFF2-40B4-BE49-F238E27FC236}">
+                    <a16:creationId xmlns:a16="http://schemas.microsoft.com/office/drawing/2014/main" id="{39131EE8-582C-26D6-DFCA-EE21B379B784}"/>
+                  </a:ext>
+                </a:extLst>
+              </p:cNvPr>
+              <p:cNvSpPr/>
+              <p:nvPr/>
+            </p:nvSpPr>
+            <p:spPr>
+              <a:xfrm>
+                <a:off x="4191000" y="4267200"/>
+                <a:ext cx="228600" cy="228600"/>
+              </a:xfrm>
+              <a:prstGeom prst="ellipse">
+                <a:avLst/>
+              </a:prstGeom>
+              <a:solidFill>
+                <a:srgbClr val="FF0000"/>
+              </a:solidFill>
+              <a:ln w="12700" cap="flat" cmpd="sng">
+                <a:solidFill>
+                  <a:srgbClr val="010101"/>
+                </a:solidFill>
+                <a:prstDash val="solid"/>
+                <a:round/>
+                <a:headEnd type="none" w="sm" len="sm"/>
+                <a:tailEnd type="none" w="sm" len="sm"/>
+              </a:ln>
+            </p:spPr>
+            <p:txBody>
+              <a:bodyPr spcFirstLastPara="1" wrap="square" lIns="91425" tIns="45700" rIns="91425" bIns="45700" anchor="t" anchorCtr="0">
+                <a:noAutofit/>
+              </a:bodyPr>
+              <a:lstStyle/>
+              <a:p>
+                <a:pPr marL="0" marR="0" lvl="0" indent="0" algn="ctr" rtl="0">
+                  <a:lnSpc>
+                    <a:spcPct val="100000"/>
+                  </a:lnSpc>
+                  <a:spcBef>
+                    <a:spcPts val="0"/>
+                  </a:spcBef>
+                  <a:spcAft>
+                    <a:spcPts val="0"/>
+                  </a:spcAft>
+                  <a:buClr>
+                    <a:srgbClr val="010101"/>
+                  </a:buClr>
+                  <a:buSzPts val="2400"/>
+                  <a:buFont typeface="Arial"/>
+                  <a:buNone/>
+                </a:pPr>
+                <a:endParaRPr sz="2400" b="1" i="0" u="none" strike="noStrike" cap="none">
+                  <a:solidFill>
+                    <a:srgbClr val="010101"/>
+                  </a:solidFill>
+                  <a:latin typeface="Arial Narrow"/>
+                  <a:ea typeface="Arial Narrow"/>
+                  <a:cs typeface="Arial Narrow"/>
+                  <a:sym typeface="Arial Narrow"/>
+                </a:endParaRPr>
+              </a:p>
+            </p:txBody>
+          </p:sp>
+          <p:sp>
+            <p:nvSpPr>
+              <p:cNvPr id="25" name="Google Shape;573;p74">
+                <a:extLst>
+                  <a:ext uri="{FF2B5EF4-FFF2-40B4-BE49-F238E27FC236}">
+                    <a16:creationId xmlns:a16="http://schemas.microsoft.com/office/drawing/2014/main" id="{E08B0EE1-FEF9-4B58-C36B-D119F61ACDF9}"/>
+                  </a:ext>
+                </a:extLst>
+              </p:cNvPr>
+              <p:cNvSpPr/>
+              <p:nvPr/>
+            </p:nvSpPr>
+            <p:spPr>
+              <a:xfrm>
+                <a:off x="3886200" y="4724400"/>
+                <a:ext cx="228600" cy="228600"/>
+              </a:xfrm>
+              <a:prstGeom prst="ellipse">
+                <a:avLst/>
+              </a:prstGeom>
+              <a:solidFill>
+                <a:srgbClr val="996633"/>
+              </a:solidFill>
+              <a:ln w="12700" cap="flat" cmpd="sng">
+                <a:solidFill>
+                  <a:srgbClr val="010101"/>
+                </a:solidFill>
+                <a:prstDash val="solid"/>
+                <a:round/>
+                <a:headEnd type="none" w="sm" len="sm"/>
+                <a:tailEnd type="none" w="sm" len="sm"/>
+              </a:ln>
+            </p:spPr>
+            <p:txBody>
+              <a:bodyPr spcFirstLastPara="1" wrap="square" lIns="91425" tIns="45700" rIns="91425" bIns="45700" anchor="t" anchorCtr="0">
+                <a:noAutofit/>
+              </a:bodyPr>
+              <a:lstStyle/>
+              <a:p>
+                <a:pPr marL="0" marR="0" lvl="0" indent="0" algn="ctr" rtl="0">
+                  <a:lnSpc>
+                    <a:spcPct val="100000"/>
+                  </a:lnSpc>
+                  <a:spcBef>
+                    <a:spcPts val="0"/>
+                  </a:spcBef>
+                  <a:spcAft>
+                    <a:spcPts val="0"/>
+                  </a:spcAft>
+                  <a:buClr>
+                    <a:srgbClr val="010101"/>
+                  </a:buClr>
+                  <a:buSzPts val="2400"/>
+                  <a:buFont typeface="Arial"/>
+                  <a:buNone/>
+                </a:pPr>
+                <a:endParaRPr sz="2400" b="1" i="0" u="none" strike="noStrike" cap="none">
+                  <a:solidFill>
+                    <a:srgbClr val="010101"/>
+                  </a:solidFill>
+                  <a:latin typeface="Arial Narrow"/>
+                  <a:ea typeface="Arial Narrow"/>
+                  <a:cs typeface="Arial Narrow"/>
+                  <a:sym typeface="Arial Narrow"/>
+                </a:endParaRPr>
+              </a:p>
+            </p:txBody>
+          </p:sp>
+          <p:sp>
+            <p:nvSpPr>
+              <p:cNvPr id="26" name="Google Shape;574;p74">
+                <a:extLst>
+                  <a:ext uri="{FF2B5EF4-FFF2-40B4-BE49-F238E27FC236}">
+                    <a16:creationId xmlns:a16="http://schemas.microsoft.com/office/drawing/2014/main" id="{20A3088E-13D3-D0C8-B993-5FEFF1AAC744}"/>
+                  </a:ext>
+                </a:extLst>
+              </p:cNvPr>
+              <p:cNvSpPr/>
+              <p:nvPr/>
+            </p:nvSpPr>
+            <p:spPr>
+              <a:xfrm>
+                <a:off x="4191000" y="5105400"/>
+                <a:ext cx="228600" cy="228600"/>
+              </a:xfrm>
+              <a:prstGeom prst="ellipse">
+                <a:avLst/>
+              </a:prstGeom>
+              <a:solidFill>
+                <a:srgbClr val="7030A0"/>
+              </a:solidFill>
+              <a:ln w="12700" cap="flat" cmpd="sng">
+                <a:solidFill>
+                  <a:srgbClr val="010101"/>
+                </a:solidFill>
+                <a:prstDash val="solid"/>
+                <a:round/>
+                <a:headEnd type="none" w="sm" len="sm"/>
+                <a:tailEnd type="none" w="sm" len="sm"/>
+              </a:ln>
+            </p:spPr>
+            <p:txBody>
+              <a:bodyPr spcFirstLastPara="1" wrap="square" lIns="91425" tIns="45700" rIns="91425" bIns="45700" anchor="t" anchorCtr="0">
+                <a:noAutofit/>
+              </a:bodyPr>
+              <a:lstStyle/>
+              <a:p>
+                <a:pPr marL="0" marR="0" lvl="0" indent="0" algn="ctr" rtl="0">
+                  <a:lnSpc>
+                    <a:spcPct val="100000"/>
+                  </a:lnSpc>
+                  <a:spcBef>
+                    <a:spcPts val="0"/>
+                  </a:spcBef>
+                  <a:spcAft>
+                    <a:spcPts val="0"/>
+                  </a:spcAft>
+                  <a:buClr>
+                    <a:srgbClr val="010101"/>
+                  </a:buClr>
+                  <a:buSzPts val="2400"/>
+                  <a:buFont typeface="Arial"/>
+                  <a:buNone/>
+                </a:pPr>
+                <a:endParaRPr sz="2400" b="1" i="0" u="none" strike="noStrike" cap="none">
+                  <a:solidFill>
+                    <a:srgbClr val="010101"/>
+                  </a:solidFill>
+                  <a:latin typeface="Arial Narrow"/>
+                  <a:ea typeface="Arial Narrow"/>
+                  <a:cs typeface="Arial Narrow"/>
+                  <a:sym typeface="Arial Narrow"/>
+                </a:endParaRPr>
+              </a:p>
+            </p:txBody>
+          </p:sp>
+          <p:sp>
+            <p:nvSpPr>
+              <p:cNvPr id="27" name="Google Shape;575;p74">
+                <a:extLst>
+                  <a:ext uri="{FF2B5EF4-FFF2-40B4-BE49-F238E27FC236}">
+                    <a16:creationId xmlns:a16="http://schemas.microsoft.com/office/drawing/2014/main" id="{7AFE3641-F570-5128-C562-EF8C51B75E46}"/>
+                  </a:ext>
+                </a:extLst>
+              </p:cNvPr>
+              <p:cNvSpPr/>
+              <p:nvPr/>
+            </p:nvSpPr>
+            <p:spPr>
+              <a:xfrm>
+                <a:off x="4794721" y="4494213"/>
+                <a:ext cx="228600" cy="228600"/>
+              </a:xfrm>
+              <a:prstGeom prst="ellipse">
+                <a:avLst/>
+              </a:prstGeom>
+              <a:solidFill>
+                <a:schemeClr val="accent4"/>
+              </a:solidFill>
+              <a:ln w="12700" cap="flat" cmpd="sng">
+                <a:solidFill>
+                  <a:srgbClr val="010101"/>
+                </a:solidFill>
+                <a:prstDash val="solid"/>
+                <a:round/>
+                <a:headEnd type="none" w="sm" len="sm"/>
+                <a:tailEnd type="none" w="sm" len="sm"/>
+              </a:ln>
+            </p:spPr>
+            <p:txBody>
+              <a:bodyPr spcFirstLastPara="1" wrap="square" lIns="91425" tIns="45700" rIns="91425" bIns="45700" anchor="t" anchorCtr="0">
+                <a:noAutofit/>
+              </a:bodyPr>
+              <a:lstStyle/>
+              <a:p>
+                <a:pPr marL="0" marR="0" lvl="0" indent="0" algn="ctr" rtl="0">
+                  <a:lnSpc>
+                    <a:spcPct val="100000"/>
+                  </a:lnSpc>
+                  <a:spcBef>
+                    <a:spcPts val="0"/>
+                  </a:spcBef>
+                  <a:spcAft>
+                    <a:spcPts val="0"/>
+                  </a:spcAft>
+                  <a:buClr>
+                    <a:srgbClr val="010101"/>
+                  </a:buClr>
+                  <a:buSzPts val="2400"/>
+                  <a:buFont typeface="Arial"/>
+                  <a:buNone/>
+                </a:pPr>
+                <a:endParaRPr sz="2400" b="1" i="0" u="none" strike="noStrike" cap="none">
+                  <a:solidFill>
+                    <a:srgbClr val="010101"/>
+                  </a:solidFill>
+                  <a:latin typeface="Arial Narrow"/>
+                  <a:ea typeface="Arial Narrow"/>
+                  <a:cs typeface="Arial Narrow"/>
+                  <a:sym typeface="Arial Narrow"/>
+                </a:endParaRPr>
+              </a:p>
+            </p:txBody>
+          </p:sp>
+          <p:sp>
+            <p:nvSpPr>
+              <p:cNvPr id="28" name="Google Shape;576;p74">
+                <a:extLst>
+                  <a:ext uri="{FF2B5EF4-FFF2-40B4-BE49-F238E27FC236}">
+                    <a16:creationId xmlns:a16="http://schemas.microsoft.com/office/drawing/2014/main" id="{A415549F-070C-A2FB-1EB2-E89C52F95CDC}"/>
+                  </a:ext>
+                </a:extLst>
+              </p:cNvPr>
+              <p:cNvSpPr/>
+              <p:nvPr/>
+            </p:nvSpPr>
+            <p:spPr>
+              <a:xfrm>
+                <a:off x="4648200" y="4953000"/>
+                <a:ext cx="228600" cy="228600"/>
+              </a:xfrm>
+              <a:prstGeom prst="ellipse">
+                <a:avLst/>
+              </a:prstGeom>
+              <a:solidFill>
+                <a:srgbClr val="FFFF00"/>
+              </a:solidFill>
+              <a:ln w="12700" cap="flat" cmpd="sng">
+                <a:solidFill>
+                  <a:srgbClr val="010101"/>
+                </a:solidFill>
+                <a:prstDash val="solid"/>
+                <a:round/>
+                <a:headEnd type="none" w="sm" len="sm"/>
+                <a:tailEnd type="none" w="sm" len="sm"/>
+              </a:ln>
+            </p:spPr>
+            <p:txBody>
+              <a:bodyPr spcFirstLastPara="1" wrap="square" lIns="91425" tIns="45700" rIns="91425" bIns="45700" anchor="t" anchorCtr="0">
+                <a:noAutofit/>
+              </a:bodyPr>
+              <a:lstStyle/>
+              <a:p>
+                <a:pPr marL="0" marR="0" lvl="0" indent="0" algn="ctr" rtl="0">
+                  <a:lnSpc>
+                    <a:spcPct val="100000"/>
+                  </a:lnSpc>
+                  <a:spcBef>
+                    <a:spcPts val="0"/>
+                  </a:spcBef>
+                  <a:spcAft>
+                    <a:spcPts val="0"/>
+                  </a:spcAft>
+                  <a:buClr>
+                    <a:srgbClr val="010101"/>
+                  </a:buClr>
+                  <a:buSzPts val="2400"/>
+                  <a:buFont typeface="Arial"/>
+                  <a:buNone/>
+                </a:pPr>
+                <a:endParaRPr sz="2400" b="1" i="0" u="none" strike="noStrike" cap="none">
+                  <a:solidFill>
+                    <a:srgbClr val="010101"/>
+                  </a:solidFill>
+                  <a:latin typeface="Arial Narrow"/>
+                  <a:ea typeface="Arial Narrow"/>
+                  <a:cs typeface="Arial Narrow"/>
+                  <a:sym typeface="Arial Narrow"/>
+                </a:endParaRPr>
+              </a:p>
+            </p:txBody>
+          </p:sp>
+          <p:sp>
+            <p:nvSpPr>
+              <p:cNvPr id="29" name="Google Shape;577;p74">
+                <a:extLst>
+                  <a:ext uri="{FF2B5EF4-FFF2-40B4-BE49-F238E27FC236}">
+                    <a16:creationId xmlns:a16="http://schemas.microsoft.com/office/drawing/2014/main" id="{D84A2FC6-5568-5AB4-1CC8-015084572BA5}"/>
+                  </a:ext>
+                </a:extLst>
+              </p:cNvPr>
+              <p:cNvSpPr/>
+              <p:nvPr/>
+            </p:nvSpPr>
+            <p:spPr>
+              <a:xfrm>
+                <a:off x="3581400" y="5257800"/>
+                <a:ext cx="228600" cy="228600"/>
+              </a:xfrm>
+              <a:prstGeom prst="ellipse">
+                <a:avLst/>
+              </a:prstGeom>
+              <a:solidFill>
+                <a:srgbClr val="92D050"/>
+              </a:solidFill>
+              <a:ln w="12700" cap="flat" cmpd="sng">
+                <a:solidFill>
+                  <a:srgbClr val="010101"/>
+                </a:solidFill>
+                <a:prstDash val="solid"/>
+                <a:round/>
+                <a:headEnd type="none" w="sm" len="sm"/>
+                <a:tailEnd type="none" w="sm" len="sm"/>
+              </a:ln>
+            </p:spPr>
+            <p:txBody>
+              <a:bodyPr spcFirstLastPara="1" wrap="square" lIns="91425" tIns="45700" rIns="91425" bIns="45700" anchor="t" anchorCtr="0">
+                <a:noAutofit/>
+              </a:bodyPr>
+              <a:lstStyle/>
+              <a:p>
+                <a:pPr marL="0" marR="0" lvl="0" indent="0" algn="ctr" rtl="0">
+                  <a:lnSpc>
+                    <a:spcPct val="100000"/>
+                  </a:lnSpc>
+                  <a:spcBef>
+                    <a:spcPts val="0"/>
+                  </a:spcBef>
+                  <a:spcAft>
+                    <a:spcPts val="0"/>
+                  </a:spcAft>
+                  <a:buClr>
+                    <a:srgbClr val="010101"/>
+                  </a:buClr>
+                  <a:buSzPts val="2400"/>
+                  <a:buFont typeface="Arial"/>
+                  <a:buNone/>
+                </a:pPr>
+                <a:endParaRPr sz="2400" b="1" i="0" u="none" strike="noStrike" cap="none">
+                  <a:solidFill>
+                    <a:srgbClr val="010101"/>
+                  </a:solidFill>
+                  <a:latin typeface="Arial Narrow"/>
+                  <a:ea typeface="Arial Narrow"/>
+                  <a:cs typeface="Arial Narrow"/>
+                  <a:sym typeface="Arial Narrow"/>
+                </a:endParaRPr>
+              </a:p>
+            </p:txBody>
+          </p:sp>
+          <p:sp>
+            <p:nvSpPr>
+              <p:cNvPr id="30" name="Google Shape;578;p74">
+                <a:extLst>
+                  <a:ext uri="{FF2B5EF4-FFF2-40B4-BE49-F238E27FC236}">
+                    <a16:creationId xmlns:a16="http://schemas.microsoft.com/office/drawing/2014/main" id="{6528B3DA-E91E-AF63-C195-CD0CABC2DAB6}"/>
+                  </a:ext>
+                </a:extLst>
+              </p:cNvPr>
+              <p:cNvSpPr/>
+              <p:nvPr/>
+            </p:nvSpPr>
+            <p:spPr>
+              <a:xfrm>
+                <a:off x="4419600" y="5486400"/>
+                <a:ext cx="228600" cy="228600"/>
+              </a:xfrm>
+              <a:prstGeom prst="ellipse">
+                <a:avLst/>
+              </a:prstGeom>
+              <a:solidFill>
+                <a:srgbClr val="0070C0"/>
+              </a:solidFill>
+              <a:ln w="12700" cap="flat" cmpd="sng">
+                <a:solidFill>
+                  <a:srgbClr val="010101"/>
+                </a:solidFill>
+                <a:prstDash val="solid"/>
+                <a:round/>
+                <a:headEnd type="none" w="sm" len="sm"/>
+                <a:tailEnd type="none" w="sm" len="sm"/>
+              </a:ln>
+            </p:spPr>
+            <p:txBody>
+              <a:bodyPr spcFirstLastPara="1" wrap="square" lIns="91425" tIns="45700" rIns="91425" bIns="45700" anchor="t" anchorCtr="0">
+                <a:noAutofit/>
+              </a:bodyPr>
+              <a:lstStyle/>
+              <a:p>
+                <a:pPr marL="0" marR="0" lvl="0" indent="0" algn="ctr" rtl="0">
+                  <a:lnSpc>
+                    <a:spcPct val="100000"/>
+                  </a:lnSpc>
+                  <a:spcBef>
+                    <a:spcPts val="0"/>
+                  </a:spcBef>
+                  <a:spcAft>
+                    <a:spcPts val="0"/>
+                  </a:spcAft>
+                  <a:buClr>
+                    <a:srgbClr val="010101"/>
+                  </a:buClr>
+                  <a:buSzPts val="2400"/>
+                  <a:buFont typeface="Arial"/>
+                  <a:buNone/>
+                </a:pPr>
+                <a:endParaRPr sz="2400" b="1" i="0" u="none" strike="noStrike" cap="none">
+                  <a:solidFill>
+                    <a:srgbClr val="010101"/>
+                  </a:solidFill>
+                  <a:latin typeface="Arial Narrow"/>
+                  <a:ea typeface="Arial Narrow"/>
+                  <a:cs typeface="Arial Narrow"/>
+                  <a:sym typeface="Arial Narrow"/>
+                </a:endParaRPr>
+              </a:p>
+            </p:txBody>
+          </p:sp>
+          <p:sp>
+            <p:nvSpPr>
+              <p:cNvPr id="31" name="Google Shape;579;p74">
+                <a:extLst>
+                  <a:ext uri="{FF2B5EF4-FFF2-40B4-BE49-F238E27FC236}">
+                    <a16:creationId xmlns:a16="http://schemas.microsoft.com/office/drawing/2014/main" id="{1B30D5D0-CD78-7925-150A-3C249D7431F1}"/>
+                  </a:ext>
+                </a:extLst>
+              </p:cNvPr>
+              <p:cNvSpPr/>
+              <p:nvPr/>
+            </p:nvSpPr>
+            <p:spPr>
+              <a:xfrm>
+                <a:off x="3505200" y="4572000"/>
+                <a:ext cx="228600" cy="228600"/>
+              </a:xfrm>
+              <a:prstGeom prst="ellipse">
+                <a:avLst/>
+              </a:prstGeom>
+              <a:solidFill>
+                <a:srgbClr val="A5A5A5"/>
+              </a:solidFill>
+              <a:ln w="12700" cap="flat" cmpd="sng">
+                <a:solidFill>
+                  <a:srgbClr val="010101"/>
+                </a:solidFill>
+                <a:prstDash val="solid"/>
+                <a:round/>
+                <a:headEnd type="none" w="sm" len="sm"/>
+                <a:tailEnd type="none" w="sm" len="sm"/>
+              </a:ln>
+            </p:spPr>
+            <p:txBody>
+              <a:bodyPr spcFirstLastPara="1" wrap="square" lIns="91425" tIns="45700" rIns="91425" bIns="45700" anchor="t" anchorCtr="0">
+                <a:noAutofit/>
+              </a:bodyPr>
+              <a:lstStyle/>
+              <a:p>
+                <a:pPr marL="0" marR="0" lvl="0" indent="0" algn="ctr" rtl="0">
+                  <a:lnSpc>
+                    <a:spcPct val="100000"/>
+                  </a:lnSpc>
+                  <a:spcBef>
+                    <a:spcPts val="0"/>
+                  </a:spcBef>
+                  <a:spcAft>
+                    <a:spcPts val="0"/>
+                  </a:spcAft>
+                  <a:buClr>
+                    <a:srgbClr val="010101"/>
+                  </a:buClr>
+                  <a:buSzPts val="2400"/>
+                  <a:buFont typeface="Arial"/>
+                  <a:buNone/>
+                </a:pPr>
+                <a:endParaRPr sz="2400" b="1" i="0" u="none" strike="noStrike" cap="none">
+                  <a:solidFill>
+                    <a:srgbClr val="010101"/>
+                  </a:solidFill>
+                  <a:latin typeface="Arial Narrow"/>
+                  <a:ea typeface="Arial Narrow"/>
+                  <a:cs typeface="Arial Narrow"/>
+                  <a:sym typeface="Arial Narrow"/>
+                </a:endParaRPr>
+              </a:p>
+            </p:txBody>
+          </p:sp>
+          <p:sp>
+            <p:nvSpPr>
+              <p:cNvPr id="32" name="Google Shape;580;p74">
+                <a:extLst>
+                  <a:ext uri="{FF2B5EF4-FFF2-40B4-BE49-F238E27FC236}">
+                    <a16:creationId xmlns:a16="http://schemas.microsoft.com/office/drawing/2014/main" id="{B3F90F07-BC08-884B-80B5-6E0AD5C19810}"/>
+                  </a:ext>
+                </a:extLst>
+              </p:cNvPr>
+              <p:cNvSpPr/>
+              <p:nvPr/>
+            </p:nvSpPr>
+            <p:spPr>
+              <a:xfrm>
+                <a:off x="4953000" y="5334000"/>
+                <a:ext cx="228600" cy="228600"/>
+              </a:xfrm>
+              <a:prstGeom prst="ellipse">
+                <a:avLst/>
+              </a:prstGeom>
+              <a:solidFill>
+                <a:srgbClr val="00B050"/>
+              </a:solidFill>
+              <a:ln w="12700" cap="flat" cmpd="sng">
+                <a:solidFill>
+                  <a:srgbClr val="010101"/>
+                </a:solidFill>
+                <a:prstDash val="solid"/>
+                <a:round/>
+                <a:headEnd type="none" w="sm" len="sm"/>
+                <a:tailEnd type="none" w="sm" len="sm"/>
+              </a:ln>
+            </p:spPr>
+            <p:txBody>
+              <a:bodyPr spcFirstLastPara="1" wrap="square" lIns="91425" tIns="45700" rIns="91425" bIns="45700" anchor="t" anchorCtr="0">
+                <a:noAutofit/>
+              </a:bodyPr>
+              <a:lstStyle/>
+              <a:p>
+                <a:pPr marL="0" marR="0" lvl="0" indent="0" algn="ctr" rtl="0">
+                  <a:lnSpc>
+                    <a:spcPct val="100000"/>
+                  </a:lnSpc>
+                  <a:spcBef>
+                    <a:spcPts val="0"/>
+                  </a:spcBef>
+                  <a:spcAft>
+                    <a:spcPts val="0"/>
+                  </a:spcAft>
+                  <a:buClr>
+                    <a:srgbClr val="010101"/>
+                  </a:buClr>
+                  <a:buSzPts val="2400"/>
+                  <a:buFont typeface="Arial"/>
+                  <a:buNone/>
+                </a:pPr>
+                <a:endParaRPr sz="2400" b="1" i="0" u="none" strike="noStrike" cap="none">
+                  <a:solidFill>
+                    <a:srgbClr val="010101"/>
+                  </a:solidFill>
+                  <a:latin typeface="Arial Narrow"/>
+                  <a:ea typeface="Arial Narrow"/>
+                  <a:cs typeface="Arial Narrow"/>
+                  <a:sym typeface="Arial Narrow"/>
+                </a:endParaRPr>
+              </a:p>
+            </p:txBody>
+          </p:sp>
+          <p:cxnSp>
+            <p:nvCxnSpPr>
+              <p:cNvPr id="33" name="Google Shape;581;p74">
+                <a:extLst>
+                  <a:ext uri="{FF2B5EF4-FFF2-40B4-BE49-F238E27FC236}">
+                    <a16:creationId xmlns:a16="http://schemas.microsoft.com/office/drawing/2014/main" id="{9BB3FE31-B246-B0B6-41B3-15D272372553}"/>
+                  </a:ext>
+                </a:extLst>
+              </p:cNvPr>
+              <p:cNvCxnSpPr>
+                <a:stCxn id="31" idx="7"/>
+                <a:endCxn id="24" idx="2"/>
+              </p:cNvCxnSpPr>
+              <p:nvPr/>
+            </p:nvCxnSpPr>
+            <p:spPr>
+              <a:xfrm rot="10800000" flipH="1">
+                <a:off x="3700322" y="4381378"/>
+                <a:ext cx="490800" cy="224100"/>
+              </a:xfrm>
+              <a:prstGeom prst="straightConnector1">
+                <a:avLst/>
+              </a:prstGeom>
+              <a:noFill/>
+              <a:ln w="12700" cap="flat" cmpd="sng">
+                <a:solidFill>
+                  <a:srgbClr val="010101"/>
+                </a:solidFill>
+                <a:prstDash val="solid"/>
+                <a:round/>
+                <a:headEnd type="none" w="sm" len="sm"/>
+                <a:tailEnd type="triangle" w="med" len="med"/>
+              </a:ln>
+            </p:spPr>
+          </p:cxnSp>
+          <p:cxnSp>
+            <p:nvCxnSpPr>
+              <p:cNvPr id="34" name="Google Shape;582;p74">
+                <a:extLst>
+                  <a:ext uri="{FF2B5EF4-FFF2-40B4-BE49-F238E27FC236}">
+                    <a16:creationId xmlns:a16="http://schemas.microsoft.com/office/drawing/2014/main" id="{A0C2FE23-EDDD-0FAB-3B5D-1DD65DF1ACB4}"/>
+                  </a:ext>
+                </a:extLst>
+              </p:cNvPr>
+              <p:cNvCxnSpPr>
+                <a:stCxn id="24" idx="6"/>
+                <a:endCxn id="27" idx="2"/>
+              </p:cNvCxnSpPr>
+              <p:nvPr/>
+            </p:nvCxnSpPr>
+            <p:spPr>
+              <a:xfrm>
+                <a:off x="4419600" y="4381500"/>
+                <a:ext cx="375000" cy="227100"/>
+              </a:xfrm>
+              <a:prstGeom prst="straightConnector1">
+                <a:avLst/>
+              </a:prstGeom>
+              <a:noFill/>
+              <a:ln w="12700" cap="flat" cmpd="sng">
+                <a:solidFill>
+                  <a:srgbClr val="010101"/>
+                </a:solidFill>
+                <a:prstDash val="solid"/>
+                <a:round/>
+                <a:headEnd type="none" w="sm" len="sm"/>
+                <a:tailEnd type="triangle" w="med" len="med"/>
+              </a:ln>
+            </p:spPr>
+          </p:cxnSp>
+          <p:cxnSp>
+            <p:nvCxnSpPr>
+              <p:cNvPr id="35" name="Google Shape;583;p74">
+                <a:extLst>
+                  <a:ext uri="{FF2B5EF4-FFF2-40B4-BE49-F238E27FC236}">
+                    <a16:creationId xmlns:a16="http://schemas.microsoft.com/office/drawing/2014/main" id="{0B23B24D-A1F3-30E6-ED35-6DADFC50EE5F}"/>
+                  </a:ext>
+                </a:extLst>
+              </p:cNvPr>
+              <p:cNvCxnSpPr>
+                <a:stCxn id="27" idx="4"/>
+                <a:endCxn id="28" idx="0"/>
+              </p:cNvCxnSpPr>
+              <p:nvPr/>
+            </p:nvCxnSpPr>
+            <p:spPr>
+              <a:xfrm flipH="1">
+                <a:off x="4762621" y="4722813"/>
+                <a:ext cx="146400" cy="230100"/>
+              </a:xfrm>
+              <a:prstGeom prst="straightConnector1">
+                <a:avLst/>
+              </a:prstGeom>
+              <a:noFill/>
+              <a:ln w="12700" cap="flat" cmpd="sng">
+                <a:solidFill>
+                  <a:srgbClr val="010101"/>
+                </a:solidFill>
+                <a:prstDash val="solid"/>
+                <a:round/>
+                <a:headEnd type="none" w="sm" len="sm"/>
+                <a:tailEnd type="triangle" w="med" len="med"/>
+              </a:ln>
+            </p:spPr>
+          </p:cxnSp>
+          <p:cxnSp>
+            <p:nvCxnSpPr>
+              <p:cNvPr id="36" name="Google Shape;584;p74">
+                <a:extLst>
+                  <a:ext uri="{FF2B5EF4-FFF2-40B4-BE49-F238E27FC236}">
+                    <a16:creationId xmlns:a16="http://schemas.microsoft.com/office/drawing/2014/main" id="{5F1E98D9-9D5A-2A8A-4C4F-6BBBED203455}"/>
+                  </a:ext>
+                </a:extLst>
+              </p:cNvPr>
+              <p:cNvCxnSpPr>
+                <a:stCxn id="28" idx="5"/>
+                <a:endCxn id="32" idx="1"/>
+              </p:cNvCxnSpPr>
+              <p:nvPr/>
+            </p:nvCxnSpPr>
+            <p:spPr>
+              <a:xfrm>
+                <a:off x="4843322" y="5148122"/>
+                <a:ext cx="143100" cy="219300"/>
+              </a:xfrm>
+              <a:prstGeom prst="straightConnector1">
+                <a:avLst/>
+              </a:prstGeom>
+              <a:noFill/>
+              <a:ln w="12700" cap="flat" cmpd="sng">
+                <a:solidFill>
+                  <a:srgbClr val="010101"/>
+                </a:solidFill>
+                <a:prstDash val="solid"/>
+                <a:round/>
+                <a:headEnd type="none" w="sm" len="sm"/>
+                <a:tailEnd type="triangle" w="med" len="med"/>
+              </a:ln>
+            </p:spPr>
+          </p:cxnSp>
+          <p:cxnSp>
+            <p:nvCxnSpPr>
+              <p:cNvPr id="37" name="Google Shape;585;p74">
+                <a:extLst>
+                  <a:ext uri="{FF2B5EF4-FFF2-40B4-BE49-F238E27FC236}">
+                    <a16:creationId xmlns:a16="http://schemas.microsoft.com/office/drawing/2014/main" id="{EED44546-08C4-2FCE-25BC-602FFC6281FE}"/>
+                  </a:ext>
+                </a:extLst>
+              </p:cNvPr>
+              <p:cNvCxnSpPr>
+                <a:stCxn id="32" idx="2"/>
+                <a:endCxn id="30" idx="6"/>
+              </p:cNvCxnSpPr>
+              <p:nvPr/>
+            </p:nvCxnSpPr>
+            <p:spPr>
+              <a:xfrm flipH="1">
+                <a:off x="4648200" y="5448300"/>
+                <a:ext cx="304800" cy="152400"/>
+              </a:xfrm>
+              <a:prstGeom prst="straightConnector1">
+                <a:avLst/>
+              </a:prstGeom>
+              <a:noFill/>
+              <a:ln w="12700" cap="flat" cmpd="sng">
+                <a:solidFill>
+                  <a:srgbClr val="010101"/>
+                </a:solidFill>
+                <a:prstDash val="solid"/>
+                <a:round/>
+                <a:headEnd type="none" w="sm" len="sm"/>
+                <a:tailEnd type="triangle" w="med" len="med"/>
+              </a:ln>
+            </p:spPr>
+          </p:cxnSp>
+          <p:cxnSp>
+            <p:nvCxnSpPr>
+              <p:cNvPr id="38" name="Google Shape;586;p74">
+                <a:extLst>
+                  <a:ext uri="{FF2B5EF4-FFF2-40B4-BE49-F238E27FC236}">
+                    <a16:creationId xmlns:a16="http://schemas.microsoft.com/office/drawing/2014/main" id="{818D0308-20DF-72B9-9499-C2181F8CB340}"/>
+                  </a:ext>
+                </a:extLst>
+              </p:cNvPr>
+              <p:cNvCxnSpPr>
+                <a:endCxn id="26" idx="5"/>
+              </p:cNvCxnSpPr>
+              <p:nvPr/>
+            </p:nvCxnSpPr>
+            <p:spPr>
+              <a:xfrm rot="10800000">
+                <a:off x="4386122" y="5300522"/>
+                <a:ext cx="105000" cy="219300"/>
+              </a:xfrm>
+              <a:prstGeom prst="straightConnector1">
+                <a:avLst/>
+              </a:prstGeom>
+              <a:noFill/>
+              <a:ln w="12700" cap="flat" cmpd="sng">
+                <a:solidFill>
+                  <a:srgbClr val="010101"/>
+                </a:solidFill>
+                <a:prstDash val="solid"/>
+                <a:round/>
+                <a:headEnd type="none" w="sm" len="sm"/>
+                <a:tailEnd type="triangle" w="med" len="med"/>
+              </a:ln>
+            </p:spPr>
+          </p:cxnSp>
+          <p:cxnSp>
+            <p:nvCxnSpPr>
+              <p:cNvPr id="39" name="Google Shape;587;p74">
+                <a:extLst>
+                  <a:ext uri="{FF2B5EF4-FFF2-40B4-BE49-F238E27FC236}">
+                    <a16:creationId xmlns:a16="http://schemas.microsoft.com/office/drawing/2014/main" id="{D8857318-8C60-11DF-8CEA-9FC04F441BAC}"/>
+                  </a:ext>
+                </a:extLst>
+              </p:cNvPr>
+              <p:cNvCxnSpPr>
+                <a:stCxn id="26" idx="1"/>
+                <a:endCxn id="25" idx="5"/>
+              </p:cNvCxnSpPr>
+              <p:nvPr/>
+            </p:nvCxnSpPr>
+            <p:spPr>
+              <a:xfrm rot="10800000">
+                <a:off x="4081378" y="4919578"/>
+                <a:ext cx="143100" cy="219300"/>
+              </a:xfrm>
+              <a:prstGeom prst="straightConnector1">
+                <a:avLst/>
+              </a:prstGeom>
+              <a:noFill/>
+              <a:ln w="12700" cap="flat" cmpd="sng">
+                <a:solidFill>
+                  <a:srgbClr val="010101"/>
+                </a:solidFill>
+                <a:prstDash val="solid"/>
+                <a:round/>
+                <a:headEnd type="none" w="sm" len="sm"/>
+                <a:tailEnd type="triangle" w="med" len="med"/>
+              </a:ln>
+            </p:spPr>
+          </p:cxnSp>
+          <p:cxnSp>
+            <p:nvCxnSpPr>
+              <p:cNvPr id="40" name="Google Shape;588;p74">
+                <a:extLst>
+                  <a:ext uri="{FF2B5EF4-FFF2-40B4-BE49-F238E27FC236}">
+                    <a16:creationId xmlns:a16="http://schemas.microsoft.com/office/drawing/2014/main" id="{7B7D6AB0-AF62-1AF7-F984-5F1791A63773}"/>
+                  </a:ext>
+                </a:extLst>
+              </p:cNvPr>
+              <p:cNvCxnSpPr>
+                <a:stCxn id="25" idx="3"/>
+                <a:endCxn id="29" idx="7"/>
+              </p:cNvCxnSpPr>
+              <p:nvPr/>
+            </p:nvCxnSpPr>
+            <p:spPr>
+              <a:xfrm flipH="1">
+                <a:off x="3776578" y="4919522"/>
+                <a:ext cx="143100" cy="371700"/>
+              </a:xfrm>
+              <a:prstGeom prst="straightConnector1">
+                <a:avLst/>
+              </a:prstGeom>
+              <a:noFill/>
+              <a:ln w="12700" cap="flat" cmpd="sng">
+                <a:solidFill>
+                  <a:srgbClr val="010101"/>
+                </a:solidFill>
+                <a:prstDash val="solid"/>
+                <a:round/>
+                <a:headEnd type="none" w="sm" len="sm"/>
+                <a:tailEnd type="triangle" w="med" len="med"/>
+              </a:ln>
+            </p:spPr>
+          </p:cxnSp>
+          <p:cxnSp>
+            <p:nvCxnSpPr>
+              <p:cNvPr id="41" name="Google Shape;589;p74">
+                <a:extLst>
+                  <a:ext uri="{FF2B5EF4-FFF2-40B4-BE49-F238E27FC236}">
+                    <a16:creationId xmlns:a16="http://schemas.microsoft.com/office/drawing/2014/main" id="{5BD64908-1E03-9C7F-B2A3-23935923875B}"/>
+                  </a:ext>
+                </a:extLst>
+              </p:cNvPr>
+              <p:cNvCxnSpPr>
+                <a:stCxn id="31" idx="4"/>
+                <a:endCxn id="29" idx="1"/>
+              </p:cNvCxnSpPr>
+              <p:nvPr/>
+            </p:nvCxnSpPr>
+            <p:spPr>
+              <a:xfrm flipH="1">
+                <a:off x="3615000" y="4800600"/>
+                <a:ext cx="4500" cy="490800"/>
+              </a:xfrm>
+              <a:prstGeom prst="straightConnector1">
+                <a:avLst/>
+              </a:prstGeom>
+              <a:noFill/>
+              <a:ln w="12700" cap="flat" cmpd="sng">
+                <a:solidFill>
+                  <a:srgbClr val="010101"/>
+                </a:solidFill>
+                <a:prstDash val="solid"/>
+                <a:round/>
+                <a:headEnd type="none" w="sm" len="sm"/>
+                <a:tailEnd type="triangle" w="med" len="med"/>
+              </a:ln>
+            </p:spPr>
+          </p:cxnSp>
+          <p:cxnSp>
+            <p:nvCxnSpPr>
+              <p:cNvPr id="42" name="Google Shape;590;p74">
+                <a:extLst>
+                  <a:ext uri="{FF2B5EF4-FFF2-40B4-BE49-F238E27FC236}">
+                    <a16:creationId xmlns:a16="http://schemas.microsoft.com/office/drawing/2014/main" id="{A9E0228C-D2A8-7104-00AE-AB5ECBA4508C}"/>
+                  </a:ext>
+                </a:extLst>
+              </p:cNvPr>
+              <p:cNvCxnSpPr>
+                <a:stCxn id="26" idx="7"/>
+                <a:endCxn id="24" idx="4"/>
+              </p:cNvCxnSpPr>
+              <p:nvPr/>
+            </p:nvCxnSpPr>
+            <p:spPr>
+              <a:xfrm rot="10800000">
+                <a:off x="4305422" y="4495678"/>
+                <a:ext cx="80700" cy="643200"/>
+              </a:xfrm>
+              <a:prstGeom prst="straightConnector1">
+                <a:avLst/>
+              </a:prstGeom>
+              <a:noFill/>
+              <a:ln w="12700" cap="flat" cmpd="sng">
+                <a:solidFill>
+                  <a:srgbClr val="010101"/>
+                </a:solidFill>
+                <a:prstDash val="solid"/>
+                <a:round/>
+                <a:headEnd type="none" w="sm" len="sm"/>
+                <a:tailEnd type="triangle" w="med" len="med"/>
+              </a:ln>
+            </p:spPr>
+          </p:cxnSp>
+          <p:cxnSp>
+            <p:nvCxnSpPr>
+              <p:cNvPr id="43" name="Google Shape;591;p74">
+                <a:extLst>
+                  <a:ext uri="{FF2B5EF4-FFF2-40B4-BE49-F238E27FC236}">
+                    <a16:creationId xmlns:a16="http://schemas.microsoft.com/office/drawing/2014/main" id="{EA8741BD-0F69-DD95-E3E7-5093C5B42964}"/>
+                  </a:ext>
+                </a:extLst>
+              </p:cNvPr>
+              <p:cNvCxnSpPr>
+                <a:stCxn id="26" idx="3"/>
+                <a:endCxn id="29" idx="6"/>
+              </p:cNvCxnSpPr>
+              <p:nvPr/>
+            </p:nvCxnSpPr>
+            <p:spPr>
+              <a:xfrm flipH="1">
+                <a:off x="3809878" y="5300522"/>
+                <a:ext cx="414600" cy="71700"/>
+              </a:xfrm>
+              <a:prstGeom prst="straightConnector1">
+                <a:avLst/>
+              </a:prstGeom>
+              <a:noFill/>
+              <a:ln w="12700" cap="flat" cmpd="sng">
+                <a:solidFill>
+                  <a:srgbClr val="010101"/>
+                </a:solidFill>
+                <a:prstDash val="solid"/>
+                <a:round/>
+                <a:headEnd type="none" w="sm" len="sm"/>
+                <a:tailEnd type="triangle" w="med" len="med"/>
+              </a:ln>
+            </p:spPr>
+          </p:cxnSp>
+          <p:sp>
+            <p:nvSpPr>
+              <p:cNvPr id="44" name="Google Shape;592;p74">
+                <a:extLst>
+                  <a:ext uri="{FF2B5EF4-FFF2-40B4-BE49-F238E27FC236}">
+                    <a16:creationId xmlns:a16="http://schemas.microsoft.com/office/drawing/2014/main" id="{4DEAE87E-B25E-9B1D-43A9-0511F49C1571}"/>
+                  </a:ext>
+                </a:extLst>
+              </p:cNvPr>
+              <p:cNvSpPr/>
+              <p:nvPr/>
+            </p:nvSpPr>
+            <p:spPr>
+              <a:xfrm>
+                <a:off x="3962400" y="5638800"/>
+                <a:ext cx="228600" cy="228600"/>
+              </a:xfrm>
+              <a:prstGeom prst="ellipse">
+                <a:avLst/>
+              </a:prstGeom>
+              <a:solidFill>
+                <a:srgbClr val="9900FF"/>
+              </a:solidFill>
+              <a:ln w="12700" cap="flat" cmpd="sng">
+                <a:solidFill>
+                  <a:srgbClr val="010101"/>
+                </a:solidFill>
+                <a:prstDash val="solid"/>
+                <a:round/>
+                <a:headEnd type="none" w="sm" len="sm"/>
+                <a:tailEnd type="none" w="sm" len="sm"/>
+              </a:ln>
+            </p:spPr>
+            <p:txBody>
+              <a:bodyPr spcFirstLastPara="1" wrap="square" lIns="91425" tIns="45700" rIns="91425" bIns="45700" anchor="t" anchorCtr="0">
+                <a:noAutofit/>
+              </a:bodyPr>
+              <a:lstStyle/>
+              <a:p>
+                <a:pPr marL="0" marR="0" lvl="0" indent="0" algn="ctr" rtl="0">
+                  <a:lnSpc>
+                    <a:spcPct val="100000"/>
+                  </a:lnSpc>
+                  <a:spcBef>
+                    <a:spcPts val="0"/>
+                  </a:spcBef>
+                  <a:spcAft>
+                    <a:spcPts val="0"/>
+                  </a:spcAft>
+                  <a:buClr>
+                    <a:srgbClr val="010101"/>
+                  </a:buClr>
+                  <a:buSzPts val="2400"/>
+                  <a:buFont typeface="Arial"/>
+                  <a:buNone/>
+                </a:pPr>
+                <a:endParaRPr sz="2400" b="1" i="0" u="none" strike="noStrike" cap="none">
+                  <a:solidFill>
+                    <a:srgbClr val="010101"/>
+                  </a:solidFill>
+                  <a:latin typeface="Arial Narrow"/>
+                  <a:ea typeface="Arial Narrow"/>
+                  <a:cs typeface="Arial Narrow"/>
+                  <a:sym typeface="Arial Narrow"/>
+                </a:endParaRPr>
+              </a:p>
+            </p:txBody>
+          </p:sp>
+          <p:cxnSp>
+            <p:nvCxnSpPr>
+              <p:cNvPr id="45" name="Google Shape;593;p74">
+                <a:extLst>
+                  <a:ext uri="{FF2B5EF4-FFF2-40B4-BE49-F238E27FC236}">
+                    <a16:creationId xmlns:a16="http://schemas.microsoft.com/office/drawing/2014/main" id="{3BDC61B0-E9C1-80F7-57DD-7E53A4427D6E}"/>
+                  </a:ext>
+                </a:extLst>
+              </p:cNvPr>
+              <p:cNvCxnSpPr>
+                <a:stCxn id="44" idx="7"/>
+                <a:endCxn id="26" idx="4"/>
+              </p:cNvCxnSpPr>
+              <p:nvPr/>
+            </p:nvCxnSpPr>
+            <p:spPr>
+              <a:xfrm rot="10800000" flipH="1">
+                <a:off x="4157522" y="5333878"/>
+                <a:ext cx="147900" cy="338400"/>
+              </a:xfrm>
+              <a:prstGeom prst="straightConnector1">
+                <a:avLst/>
+              </a:prstGeom>
+              <a:noFill/>
+              <a:ln w="12700" cap="flat" cmpd="sng">
+                <a:solidFill>
+                  <a:srgbClr val="010101"/>
+                </a:solidFill>
+                <a:prstDash val="solid"/>
+                <a:round/>
+                <a:headEnd type="none" w="sm" len="sm"/>
+                <a:tailEnd type="triangle" w="med" len="med"/>
+              </a:ln>
+            </p:spPr>
+          </p:cxnSp>
+        </p:grpSp>
+      </p:grpSp>
+      <p:sp>
+        <p:nvSpPr>
+          <p:cNvPr id="46" name="TextBox 45">
+            <a:extLst>
+              <a:ext uri="{FF2B5EF4-FFF2-40B4-BE49-F238E27FC236}">
+                <a16:creationId xmlns:a16="http://schemas.microsoft.com/office/drawing/2014/main" id="{299017B8-9A6B-2FF6-54C2-C08A416BEEC1}"/>
+              </a:ext>
+            </a:extLst>
+          </p:cNvPr>
+          <p:cNvSpPr txBox="1"/>
+          <p:nvPr/>
+        </p:nvSpPr>
+        <p:spPr>
+          <a:xfrm>
+            <a:off x="7185352" y="1047265"/>
+            <a:ext cx="3277436" cy="369332"/>
+          </a:xfrm>
+          <a:prstGeom prst="rect">
+            <a:avLst/>
+          </a:prstGeom>
+          <a:noFill/>
+        </p:spPr>
+        <p:txBody>
+          <a:bodyPr wrap="none" rtlCol="0">
+            <a:spAutoFit/>
+          </a:bodyPr>
+          <a:lstStyle/>
+          <a:p>
+            <a:r>
+              <a:rPr lang="en-US" b="1" dirty="0"/>
+              <a:t>Knowledge Graph (Codebase)</a:t>
+            </a:r>
+          </a:p>
+        </p:txBody>
+      </p:sp>
+      <p:sp>
+        <p:nvSpPr>
+          <p:cNvPr id="47" name="TextBox 46">
+            <a:extLst>
+              <a:ext uri="{FF2B5EF4-FFF2-40B4-BE49-F238E27FC236}">
+                <a16:creationId xmlns:a16="http://schemas.microsoft.com/office/drawing/2014/main" id="{4115C526-09B5-AACE-E2E4-1C4D24D502F6}"/>
+              </a:ext>
+            </a:extLst>
+          </p:cNvPr>
+          <p:cNvSpPr txBox="1"/>
+          <p:nvPr/>
+        </p:nvSpPr>
+        <p:spPr>
+          <a:xfrm>
+            <a:off x="7906675" y="2827766"/>
+            <a:ext cx="781752" cy="369332"/>
+          </a:xfrm>
+          <a:prstGeom prst="rect">
+            <a:avLst/>
+          </a:prstGeom>
+          <a:noFill/>
+        </p:spPr>
+        <p:txBody>
+          <a:bodyPr wrap="none" rtlCol="0">
+            <a:spAutoFit/>
+          </a:bodyPr>
+          <a:lstStyle/>
+          <a:p>
+            <a:r>
+              <a:rPr lang="en-US" b="1" dirty="0"/>
+              <a:t>Rules</a:t>
+            </a:r>
+          </a:p>
+        </p:txBody>
+      </p:sp>
+      <p:sp>
+        <p:nvSpPr>
+          <p:cNvPr id="48" name="TextBox 47">
+            <a:extLst>
+              <a:ext uri="{FF2B5EF4-FFF2-40B4-BE49-F238E27FC236}">
+                <a16:creationId xmlns:a16="http://schemas.microsoft.com/office/drawing/2014/main" id="{3969C80D-5A88-4E7F-B136-F6118F714BF4}"/>
+              </a:ext>
+            </a:extLst>
+          </p:cNvPr>
+          <p:cNvSpPr txBox="1"/>
+          <p:nvPr/>
+        </p:nvSpPr>
+        <p:spPr>
+          <a:xfrm>
+            <a:off x="1957839" y="2957708"/>
+            <a:ext cx="1763303" cy="369332"/>
+          </a:xfrm>
+          <a:prstGeom prst="rect">
+            <a:avLst/>
+          </a:prstGeom>
+          <a:noFill/>
+        </p:spPr>
+        <p:txBody>
+          <a:bodyPr wrap="none" rtlCol="0">
+            <a:spAutoFit/>
+          </a:bodyPr>
+          <a:lstStyle/>
+          <a:p>
+            <a:r>
+              <a:rPr lang="en-US" dirty="0"/>
+              <a:t>Classify Prompt</a:t>
+            </a:r>
+          </a:p>
+        </p:txBody>
+      </p:sp>
+      <p:sp>
+        <p:nvSpPr>
+          <p:cNvPr id="49" name="Rounded Rectangle 48">
+            <a:extLst>
+              <a:ext uri="{FF2B5EF4-FFF2-40B4-BE49-F238E27FC236}">
+                <a16:creationId xmlns:a16="http://schemas.microsoft.com/office/drawing/2014/main" id="{1118895C-011D-AB29-F5BB-1D7AF79F7320}"/>
+              </a:ext>
+            </a:extLst>
+          </p:cNvPr>
+          <p:cNvSpPr/>
+          <p:nvPr/>
+        </p:nvSpPr>
+        <p:spPr>
+          <a:xfrm>
+            <a:off x="4017346" y="3973456"/>
+            <a:ext cx="2638251" cy="625643"/>
+          </a:xfrm>
+          <a:prstGeom prst="roundRect">
+            <a:avLst/>
+          </a:prstGeom>
+          <a:solidFill>
+            <a:srgbClr val="FFC000"/>
+          </a:solidFill>
+          <a:ln>
+            <a:solidFill>
+              <a:srgbClr val="002060"/>
+            </a:solidFill>
+          </a:ln>
+        </p:spPr>
+        <p:style>
+          <a:lnRef idx="2">
+            <a:schemeClr val="accent1">
+              <a:shade val="15000"/>
+            </a:schemeClr>
+          </a:lnRef>
+          <a:fillRef idx="1">
+            <a:schemeClr val="accent1"/>
+          </a:fillRef>
+          <a:effectRef idx="0">
+            <a:schemeClr val="accent1"/>
+          </a:effectRef>
+          <a:fontRef idx="minor">
+            <a:schemeClr val="lt1"/>
+          </a:fontRef>
+        </p:style>
+        <p:txBody>
+          <a:bodyPr rtlCol="0" anchor="ctr"/>
+          <a:lstStyle/>
+          <a:p>
+            <a:pPr algn="ctr"/>
+            <a:r>
+              <a:rPr lang="en-US" b="1" dirty="0">
+                <a:solidFill>
+                  <a:schemeClr val="tx1"/>
+                </a:solidFill>
+                <a:latin typeface="Arial" panose="020B0604020202020204" pitchFamily="34" charset="0"/>
+                <a:cs typeface="Arial" panose="020B0604020202020204" pitchFamily="34" charset="0"/>
+              </a:rPr>
+              <a:t>Tool Matcher</a:t>
+            </a:r>
+          </a:p>
+        </p:txBody>
+      </p:sp>
+      <p:sp>
+        <p:nvSpPr>
+          <p:cNvPr id="50" name="Rectangle 49">
+            <a:extLst>
+              <a:ext uri="{FF2B5EF4-FFF2-40B4-BE49-F238E27FC236}">
+                <a16:creationId xmlns:a16="http://schemas.microsoft.com/office/drawing/2014/main" id="{6DA440D7-E89E-6117-C3FC-7CFB6E120C31}"/>
+              </a:ext>
+            </a:extLst>
+          </p:cNvPr>
+          <p:cNvSpPr/>
+          <p:nvPr/>
+        </p:nvSpPr>
+        <p:spPr>
+          <a:xfrm>
+            <a:off x="2241144" y="5505458"/>
+            <a:ext cx="1133388" cy="518984"/>
+          </a:xfrm>
+          <a:prstGeom prst="rect">
+            <a:avLst/>
+          </a:prstGeom>
+          <a:solidFill>
+            <a:srgbClr val="0070C0"/>
+          </a:solidFill>
+        </p:spPr>
+        <p:style>
+          <a:lnRef idx="2">
+            <a:schemeClr val="accent1">
+              <a:shade val="15000"/>
+            </a:schemeClr>
+          </a:lnRef>
+          <a:fillRef idx="1">
+            <a:schemeClr val="accent1"/>
+          </a:fillRef>
+          <a:effectRef idx="0">
+            <a:schemeClr val="accent1"/>
+          </a:effectRef>
+          <a:fontRef idx="minor">
+            <a:schemeClr val="lt1"/>
+          </a:fontRef>
+        </p:style>
+        <p:txBody>
+          <a:bodyPr rtlCol="0" anchor="ctr"/>
+          <a:lstStyle/>
+          <a:p>
+            <a:pPr algn="ctr"/>
+            <a:r>
+              <a:rPr lang="en-US" dirty="0">
+                <a:latin typeface="Arial" panose="020B0604020202020204" pitchFamily="34" charset="0"/>
+                <a:cs typeface="Arial" panose="020B0604020202020204" pitchFamily="34" charset="0"/>
+              </a:rPr>
+              <a:t>Modify</a:t>
+            </a:r>
+          </a:p>
+        </p:txBody>
+      </p:sp>
+      <p:sp>
+        <p:nvSpPr>
+          <p:cNvPr id="51" name="Rectangle 50">
+            <a:extLst>
+              <a:ext uri="{FF2B5EF4-FFF2-40B4-BE49-F238E27FC236}">
+                <a16:creationId xmlns:a16="http://schemas.microsoft.com/office/drawing/2014/main" id="{B6E1DE9D-E553-5395-41CA-81C3C96E515C}"/>
+              </a:ext>
+            </a:extLst>
+          </p:cNvPr>
+          <p:cNvSpPr/>
+          <p:nvPr/>
+        </p:nvSpPr>
+        <p:spPr>
+          <a:xfrm>
+            <a:off x="3502454" y="5501206"/>
+            <a:ext cx="1133388" cy="518984"/>
+          </a:xfrm>
+          <a:prstGeom prst="rect">
+            <a:avLst/>
+          </a:prstGeom>
+          <a:solidFill>
+            <a:srgbClr val="0070C0"/>
+          </a:solidFill>
+        </p:spPr>
+        <p:style>
+          <a:lnRef idx="2">
+            <a:schemeClr val="accent1">
+              <a:shade val="15000"/>
+            </a:schemeClr>
+          </a:lnRef>
+          <a:fillRef idx="1">
+            <a:schemeClr val="accent1"/>
+          </a:fillRef>
+          <a:effectRef idx="0">
+            <a:schemeClr val="accent1"/>
+          </a:effectRef>
+          <a:fontRef idx="minor">
+            <a:schemeClr val="lt1"/>
+          </a:fontRef>
+        </p:style>
+        <p:txBody>
+          <a:bodyPr rtlCol="0" anchor="ctr"/>
+          <a:lstStyle/>
+          <a:p>
+            <a:pPr algn="ctr"/>
+            <a:r>
+              <a:rPr lang="en-US" dirty="0">
+                <a:latin typeface="Arial" panose="020B0604020202020204" pitchFamily="34" charset="0"/>
+                <a:cs typeface="Arial" panose="020B0604020202020204" pitchFamily="34" charset="0"/>
+              </a:rPr>
+              <a:t>Search</a:t>
+            </a:r>
+          </a:p>
+        </p:txBody>
+      </p:sp>
+      <p:sp>
+        <p:nvSpPr>
+          <p:cNvPr id="52" name="Rectangle 51">
+            <a:extLst>
+              <a:ext uri="{FF2B5EF4-FFF2-40B4-BE49-F238E27FC236}">
+                <a16:creationId xmlns:a16="http://schemas.microsoft.com/office/drawing/2014/main" id="{97FBC174-0DA2-0271-F5B4-31C198674674}"/>
+              </a:ext>
+            </a:extLst>
+          </p:cNvPr>
+          <p:cNvSpPr/>
+          <p:nvPr/>
+        </p:nvSpPr>
+        <p:spPr>
+          <a:xfrm>
+            <a:off x="6031088" y="5496413"/>
+            <a:ext cx="1133388" cy="518984"/>
+          </a:xfrm>
+          <a:prstGeom prst="rect">
+            <a:avLst/>
+          </a:prstGeom>
+          <a:solidFill>
+            <a:srgbClr val="0070C0"/>
+          </a:solidFill>
+        </p:spPr>
+        <p:style>
+          <a:lnRef idx="2">
+            <a:schemeClr val="accent1">
+              <a:shade val="15000"/>
+            </a:schemeClr>
+          </a:lnRef>
+          <a:fillRef idx="1">
+            <a:schemeClr val="accent1"/>
+          </a:fillRef>
+          <a:effectRef idx="0">
+            <a:schemeClr val="accent1"/>
+          </a:effectRef>
+          <a:fontRef idx="minor">
+            <a:schemeClr val="lt1"/>
+          </a:fontRef>
+        </p:style>
+        <p:txBody>
+          <a:bodyPr rtlCol="0" anchor="ctr"/>
+          <a:lstStyle/>
+          <a:p>
+            <a:pPr algn="ctr"/>
+            <a:r>
+              <a:rPr lang="en-US" dirty="0">
+                <a:latin typeface="Arial" panose="020B0604020202020204" pitchFamily="34" charset="0"/>
+                <a:cs typeface="Arial" panose="020B0604020202020204" pitchFamily="34" charset="0"/>
+              </a:rPr>
+              <a:t>Copy</a:t>
+            </a:r>
+          </a:p>
+        </p:txBody>
+      </p:sp>
+      <p:sp>
+        <p:nvSpPr>
+          <p:cNvPr id="53" name="Rectangle 52">
+            <a:extLst>
+              <a:ext uri="{FF2B5EF4-FFF2-40B4-BE49-F238E27FC236}">
+                <a16:creationId xmlns:a16="http://schemas.microsoft.com/office/drawing/2014/main" id="{3E504ADD-5D6D-3259-B234-F040EF6CC51C}"/>
+              </a:ext>
+            </a:extLst>
+          </p:cNvPr>
+          <p:cNvSpPr/>
+          <p:nvPr/>
+        </p:nvSpPr>
+        <p:spPr>
+          <a:xfrm>
+            <a:off x="7278859" y="5505458"/>
+            <a:ext cx="1133388" cy="518984"/>
+          </a:xfrm>
+          <a:prstGeom prst="rect">
+            <a:avLst/>
+          </a:prstGeom>
+          <a:solidFill>
+            <a:srgbClr val="0070C0"/>
+          </a:solidFill>
+        </p:spPr>
+        <p:style>
+          <a:lnRef idx="2">
+            <a:schemeClr val="accent1">
+              <a:shade val="15000"/>
+            </a:schemeClr>
+          </a:lnRef>
+          <a:fillRef idx="1">
+            <a:schemeClr val="accent1"/>
+          </a:fillRef>
+          <a:effectRef idx="0">
+            <a:schemeClr val="accent1"/>
+          </a:effectRef>
+          <a:fontRef idx="minor">
+            <a:schemeClr val="lt1"/>
+          </a:fontRef>
+        </p:style>
+        <p:txBody>
+          <a:bodyPr rtlCol="0" anchor="ctr"/>
+          <a:lstStyle/>
+          <a:p>
+            <a:pPr algn="ctr"/>
+            <a:r>
+              <a:rPr lang="en-US" dirty="0">
+                <a:latin typeface="Arial" panose="020B0604020202020204" pitchFamily="34" charset="0"/>
+                <a:cs typeface="Arial" panose="020B0604020202020204" pitchFamily="34" charset="0"/>
+              </a:rPr>
+              <a:t>Move</a:t>
+            </a:r>
+          </a:p>
+        </p:txBody>
+      </p:sp>
+      <p:cxnSp>
+        <p:nvCxnSpPr>
+          <p:cNvPr id="54" name="Straight Arrow Connector 53">
+            <a:extLst>
+              <a:ext uri="{FF2B5EF4-FFF2-40B4-BE49-F238E27FC236}">
+                <a16:creationId xmlns:a16="http://schemas.microsoft.com/office/drawing/2014/main" id="{749226B7-12E7-A7E8-FB5A-24677E1E7281}"/>
+              </a:ext>
+            </a:extLst>
+          </p:cNvPr>
+          <p:cNvCxnSpPr>
+            <a:cxnSpLocks/>
+            <a:stCxn id="49" idx="2"/>
+            <a:endCxn id="7" idx="0"/>
+          </p:cNvCxnSpPr>
+          <p:nvPr/>
+        </p:nvCxnSpPr>
+        <p:spPr>
+          <a:xfrm flipH="1">
+            <a:off x="1573918" y="4599099"/>
+            <a:ext cx="3762554" cy="906359"/>
+          </a:xfrm>
+          <a:prstGeom prst="straightConnector1">
+            <a:avLst/>
+          </a:prstGeom>
+          <a:ln w="57150">
+            <a:solidFill>
+              <a:schemeClr val="tx1"/>
+            </a:solidFill>
+            <a:tailEnd type="triangle"/>
+          </a:ln>
+        </p:spPr>
+        <p:style>
+          <a:lnRef idx="2">
+            <a:schemeClr val="accent1"/>
+          </a:lnRef>
+          <a:fillRef idx="0">
+            <a:schemeClr val="accent1"/>
+          </a:fillRef>
+          <a:effectRef idx="1">
+            <a:schemeClr val="accent1"/>
+          </a:effectRef>
+          <a:fontRef idx="minor">
+            <a:schemeClr val="tx1"/>
+          </a:fontRef>
+        </p:style>
+      </p:cxnSp>
+      <p:cxnSp>
+        <p:nvCxnSpPr>
+          <p:cNvPr id="56" name="Straight Arrow Connector 55">
+            <a:extLst>
+              <a:ext uri="{FF2B5EF4-FFF2-40B4-BE49-F238E27FC236}">
+                <a16:creationId xmlns:a16="http://schemas.microsoft.com/office/drawing/2014/main" id="{CE1047CC-7CCD-06FE-14F0-6D74AAD3D2E7}"/>
+              </a:ext>
+            </a:extLst>
+          </p:cNvPr>
+          <p:cNvCxnSpPr>
+            <a:cxnSpLocks/>
+            <a:stCxn id="49" idx="2"/>
+            <a:endCxn id="50" idx="0"/>
+          </p:cNvCxnSpPr>
+          <p:nvPr/>
+        </p:nvCxnSpPr>
+        <p:spPr>
+          <a:xfrm flipH="1">
+            <a:off x="2807838" y="4599099"/>
+            <a:ext cx="2528634" cy="906359"/>
+          </a:xfrm>
+          <a:prstGeom prst="straightConnector1">
+            <a:avLst/>
+          </a:prstGeom>
+          <a:ln w="57150">
+            <a:solidFill>
+              <a:schemeClr val="tx1"/>
+            </a:solidFill>
+            <a:tailEnd type="triangle"/>
+          </a:ln>
+        </p:spPr>
+        <p:style>
+          <a:lnRef idx="2">
+            <a:schemeClr val="accent1"/>
+          </a:lnRef>
+          <a:fillRef idx="0">
+            <a:schemeClr val="accent1"/>
+          </a:fillRef>
+          <a:effectRef idx="1">
+            <a:schemeClr val="accent1"/>
+          </a:effectRef>
+          <a:fontRef idx="minor">
+            <a:schemeClr val="tx1"/>
+          </a:fontRef>
+        </p:style>
+      </p:cxnSp>
+      <p:cxnSp>
+        <p:nvCxnSpPr>
+          <p:cNvPr id="59" name="Straight Arrow Connector 58">
+            <a:extLst>
+              <a:ext uri="{FF2B5EF4-FFF2-40B4-BE49-F238E27FC236}">
+                <a16:creationId xmlns:a16="http://schemas.microsoft.com/office/drawing/2014/main" id="{865B3035-5111-2EB2-DA1D-ECC1DEB979D2}"/>
+              </a:ext>
+            </a:extLst>
+          </p:cNvPr>
+          <p:cNvCxnSpPr>
+            <a:cxnSpLocks/>
+            <a:stCxn id="49" idx="2"/>
+            <a:endCxn id="51" idx="0"/>
+          </p:cNvCxnSpPr>
+          <p:nvPr/>
+        </p:nvCxnSpPr>
+        <p:spPr>
+          <a:xfrm flipH="1">
+            <a:off x="4069148" y="4599099"/>
+            <a:ext cx="1267324" cy="902107"/>
+          </a:xfrm>
+          <a:prstGeom prst="straightConnector1">
+            <a:avLst/>
+          </a:prstGeom>
+          <a:ln w="57150">
+            <a:solidFill>
+              <a:schemeClr val="tx1"/>
+            </a:solidFill>
+            <a:tailEnd type="triangle"/>
+          </a:ln>
+        </p:spPr>
+        <p:style>
+          <a:lnRef idx="2">
+            <a:schemeClr val="accent1"/>
+          </a:lnRef>
+          <a:fillRef idx="0">
+            <a:schemeClr val="accent1"/>
+          </a:fillRef>
+          <a:effectRef idx="1">
+            <a:schemeClr val="accent1"/>
+          </a:effectRef>
+          <a:fontRef idx="minor">
+            <a:schemeClr val="tx1"/>
+          </a:fontRef>
+        </p:style>
+      </p:cxnSp>
+      <p:sp>
+        <p:nvSpPr>
+          <p:cNvPr id="62" name="Rectangle 61">
+            <a:extLst>
+              <a:ext uri="{FF2B5EF4-FFF2-40B4-BE49-F238E27FC236}">
+                <a16:creationId xmlns:a16="http://schemas.microsoft.com/office/drawing/2014/main" id="{B1DD0F24-71B1-092E-27F6-33CBA9E50C60}"/>
+              </a:ext>
+            </a:extLst>
+          </p:cNvPr>
+          <p:cNvSpPr/>
+          <p:nvPr/>
+        </p:nvSpPr>
+        <p:spPr>
+          <a:xfrm>
+            <a:off x="4795504" y="5496413"/>
+            <a:ext cx="1133388" cy="518984"/>
+          </a:xfrm>
+          <a:prstGeom prst="rect">
+            <a:avLst/>
+          </a:prstGeom>
+          <a:solidFill>
+            <a:srgbClr val="0070C0"/>
+          </a:solidFill>
+        </p:spPr>
+        <p:style>
+          <a:lnRef idx="2">
+            <a:schemeClr val="accent1">
+              <a:shade val="15000"/>
+            </a:schemeClr>
+          </a:lnRef>
+          <a:fillRef idx="1">
+            <a:schemeClr val="accent1"/>
+          </a:fillRef>
+          <a:effectRef idx="0">
+            <a:schemeClr val="accent1"/>
+          </a:effectRef>
+          <a:fontRef idx="minor">
+            <a:schemeClr val="lt1"/>
+          </a:fontRef>
+        </p:style>
+        <p:txBody>
+          <a:bodyPr rtlCol="0" anchor="ctr"/>
+          <a:lstStyle/>
+          <a:p>
+            <a:pPr algn="ctr"/>
+            <a:r>
+              <a:rPr lang="en-US" dirty="0">
+                <a:latin typeface="Arial" panose="020B0604020202020204" pitchFamily="34" charset="0"/>
+                <a:cs typeface="Arial" panose="020B0604020202020204" pitchFamily="34" charset="0"/>
+              </a:rPr>
+              <a:t>Debug</a:t>
+            </a:r>
+          </a:p>
+        </p:txBody>
+      </p:sp>
+      <p:sp>
+        <p:nvSpPr>
+          <p:cNvPr id="63" name="Rectangle 62">
+            <a:extLst>
+              <a:ext uri="{FF2B5EF4-FFF2-40B4-BE49-F238E27FC236}">
+                <a16:creationId xmlns:a16="http://schemas.microsoft.com/office/drawing/2014/main" id="{4CF980B4-96D7-A509-A399-F09CE9410907}"/>
+              </a:ext>
+            </a:extLst>
+          </p:cNvPr>
+          <p:cNvSpPr/>
+          <p:nvPr/>
+        </p:nvSpPr>
+        <p:spPr>
+          <a:xfrm>
+            <a:off x="8523059" y="5505458"/>
+            <a:ext cx="1133388" cy="518984"/>
+          </a:xfrm>
+          <a:prstGeom prst="rect">
+            <a:avLst/>
+          </a:prstGeom>
+          <a:solidFill>
+            <a:srgbClr val="0070C0"/>
+          </a:solidFill>
+        </p:spPr>
+        <p:style>
+          <a:lnRef idx="2">
+            <a:schemeClr val="accent1">
+              <a:shade val="15000"/>
+            </a:schemeClr>
+          </a:lnRef>
+          <a:fillRef idx="1">
+            <a:schemeClr val="accent1"/>
+          </a:fillRef>
+          <a:effectRef idx="0">
+            <a:schemeClr val="accent1"/>
+          </a:effectRef>
+          <a:fontRef idx="minor">
+            <a:schemeClr val="lt1"/>
+          </a:fontRef>
+        </p:style>
+        <p:txBody>
+          <a:bodyPr rtlCol="0" anchor="ctr"/>
+          <a:lstStyle/>
+          <a:p>
+            <a:pPr algn="ctr"/>
+            <a:r>
+              <a:rPr lang="en-US" dirty="0">
+                <a:latin typeface="Arial" panose="020B0604020202020204" pitchFamily="34" charset="0"/>
+                <a:cs typeface="Arial" panose="020B0604020202020204" pitchFamily="34" charset="0"/>
+              </a:rPr>
+              <a:t>Delete</a:t>
+            </a:r>
+          </a:p>
+        </p:txBody>
+      </p:sp>
+      <p:cxnSp>
+        <p:nvCxnSpPr>
+          <p:cNvPr id="64" name="Straight Arrow Connector 63">
+            <a:extLst>
+              <a:ext uri="{FF2B5EF4-FFF2-40B4-BE49-F238E27FC236}">
+                <a16:creationId xmlns:a16="http://schemas.microsoft.com/office/drawing/2014/main" id="{935EFDA6-EDA9-E0F7-D7B5-285533808BAC}"/>
+              </a:ext>
+            </a:extLst>
+          </p:cNvPr>
+          <p:cNvCxnSpPr>
+            <a:cxnSpLocks/>
+            <a:stCxn id="49" idx="2"/>
+            <a:endCxn id="62" idx="0"/>
+          </p:cNvCxnSpPr>
+          <p:nvPr/>
+        </p:nvCxnSpPr>
+        <p:spPr>
+          <a:xfrm>
+            <a:off x="5336472" y="4599099"/>
+            <a:ext cx="25726" cy="897314"/>
+          </a:xfrm>
+          <a:prstGeom prst="straightConnector1">
+            <a:avLst/>
+          </a:prstGeom>
+          <a:ln w="57150">
+            <a:solidFill>
+              <a:schemeClr val="tx1"/>
+            </a:solidFill>
+            <a:tailEnd type="triangle"/>
+          </a:ln>
+        </p:spPr>
+        <p:style>
+          <a:lnRef idx="2">
+            <a:schemeClr val="accent1"/>
+          </a:lnRef>
+          <a:fillRef idx="0">
+            <a:schemeClr val="accent1"/>
+          </a:fillRef>
+          <a:effectRef idx="1">
+            <a:schemeClr val="accent1"/>
+          </a:effectRef>
+          <a:fontRef idx="minor">
+            <a:schemeClr val="tx1"/>
+          </a:fontRef>
+        </p:style>
+      </p:cxnSp>
+      <p:cxnSp>
+        <p:nvCxnSpPr>
+          <p:cNvPr id="65" name="Straight Arrow Connector 64">
+            <a:extLst>
+              <a:ext uri="{FF2B5EF4-FFF2-40B4-BE49-F238E27FC236}">
+                <a16:creationId xmlns:a16="http://schemas.microsoft.com/office/drawing/2014/main" id="{2CF5907F-72D4-FF24-BF38-931072D0C808}"/>
+              </a:ext>
+            </a:extLst>
+          </p:cNvPr>
+          <p:cNvCxnSpPr>
+            <a:cxnSpLocks/>
+            <a:stCxn id="49" idx="2"/>
+            <a:endCxn id="52" idx="0"/>
+          </p:cNvCxnSpPr>
+          <p:nvPr/>
+        </p:nvCxnSpPr>
+        <p:spPr>
+          <a:xfrm>
+            <a:off x="5336472" y="4599099"/>
+            <a:ext cx="1261310" cy="897314"/>
+          </a:xfrm>
+          <a:prstGeom prst="straightConnector1">
+            <a:avLst/>
+          </a:prstGeom>
+          <a:ln w="57150">
+            <a:solidFill>
+              <a:schemeClr val="tx1"/>
+            </a:solidFill>
+            <a:tailEnd type="triangle"/>
+          </a:ln>
+        </p:spPr>
+        <p:style>
+          <a:lnRef idx="2">
+            <a:schemeClr val="accent1"/>
+          </a:lnRef>
+          <a:fillRef idx="0">
+            <a:schemeClr val="accent1"/>
+          </a:fillRef>
+          <a:effectRef idx="1">
+            <a:schemeClr val="accent1"/>
+          </a:effectRef>
+          <a:fontRef idx="minor">
+            <a:schemeClr val="tx1"/>
+          </a:fontRef>
+        </p:style>
+      </p:cxnSp>
+      <p:cxnSp>
+        <p:nvCxnSpPr>
+          <p:cNvPr id="66" name="Straight Arrow Connector 65">
+            <a:extLst>
+              <a:ext uri="{FF2B5EF4-FFF2-40B4-BE49-F238E27FC236}">
+                <a16:creationId xmlns:a16="http://schemas.microsoft.com/office/drawing/2014/main" id="{E51DBFD5-8C0B-E825-6F60-CCF1243F8716}"/>
+              </a:ext>
+            </a:extLst>
+          </p:cNvPr>
+          <p:cNvCxnSpPr>
+            <a:cxnSpLocks/>
+            <a:stCxn id="49" idx="2"/>
+            <a:endCxn id="53" idx="0"/>
+          </p:cNvCxnSpPr>
+          <p:nvPr/>
+        </p:nvCxnSpPr>
+        <p:spPr>
+          <a:xfrm>
+            <a:off x="5336472" y="4599099"/>
+            <a:ext cx="2509081" cy="906359"/>
+          </a:xfrm>
+          <a:prstGeom prst="straightConnector1">
+            <a:avLst/>
+          </a:prstGeom>
+          <a:ln w="57150">
+            <a:solidFill>
+              <a:schemeClr val="tx1"/>
+            </a:solidFill>
+            <a:tailEnd type="triangle"/>
+          </a:ln>
+        </p:spPr>
+        <p:style>
+          <a:lnRef idx="2">
+            <a:schemeClr val="accent1"/>
+          </a:lnRef>
+          <a:fillRef idx="0">
+            <a:schemeClr val="accent1"/>
+          </a:fillRef>
+          <a:effectRef idx="1">
+            <a:schemeClr val="accent1"/>
+          </a:effectRef>
+          <a:fontRef idx="minor">
+            <a:schemeClr val="tx1"/>
+          </a:fontRef>
+        </p:style>
+      </p:cxnSp>
+      <p:cxnSp>
+        <p:nvCxnSpPr>
+          <p:cNvPr id="79" name="Straight Arrow Connector 78">
+            <a:extLst>
+              <a:ext uri="{FF2B5EF4-FFF2-40B4-BE49-F238E27FC236}">
+                <a16:creationId xmlns:a16="http://schemas.microsoft.com/office/drawing/2014/main" id="{7094022A-9A8B-8E5E-CFFA-2F5E7FC586E7}"/>
+              </a:ext>
+            </a:extLst>
+          </p:cNvPr>
+          <p:cNvCxnSpPr>
+            <a:cxnSpLocks/>
+            <a:stCxn id="49" idx="2"/>
+            <a:endCxn id="63" idx="0"/>
+          </p:cNvCxnSpPr>
+          <p:nvPr/>
+        </p:nvCxnSpPr>
+        <p:spPr>
+          <a:xfrm>
+            <a:off x="5336472" y="4599099"/>
+            <a:ext cx="3753281" cy="906359"/>
+          </a:xfrm>
+          <a:prstGeom prst="straightConnector1">
+            <a:avLst/>
+          </a:prstGeom>
+          <a:ln w="57150">
+            <a:solidFill>
+              <a:schemeClr val="tx1"/>
+            </a:solidFill>
+            <a:tailEnd type="triangle"/>
+          </a:ln>
+        </p:spPr>
+        <p:style>
+          <a:lnRef idx="2">
+            <a:schemeClr val="accent1"/>
+          </a:lnRef>
+          <a:fillRef idx="0">
+            <a:schemeClr val="accent1"/>
+          </a:fillRef>
+          <a:effectRef idx="1">
+            <a:schemeClr val="accent1"/>
+          </a:effectRef>
+          <a:fontRef idx="minor">
+            <a:schemeClr val="tx1"/>
+          </a:fontRef>
+        </p:style>
+      </p:cxnSp>
+      <p:sp>
+        <p:nvSpPr>
+          <p:cNvPr id="83" name="TextBox 82">
+            <a:extLst>
+              <a:ext uri="{FF2B5EF4-FFF2-40B4-BE49-F238E27FC236}">
+                <a16:creationId xmlns:a16="http://schemas.microsoft.com/office/drawing/2014/main" id="{0B7A0AB7-B4D4-95B9-9548-1C2AB46D8F4C}"/>
+              </a:ext>
+            </a:extLst>
+          </p:cNvPr>
+          <p:cNvSpPr txBox="1"/>
+          <p:nvPr/>
+        </p:nvSpPr>
+        <p:spPr>
+          <a:xfrm>
+            <a:off x="8086698" y="4341739"/>
+            <a:ext cx="1694438" cy="461665"/>
+          </a:xfrm>
+          <a:prstGeom prst="rect">
+            <a:avLst/>
+          </a:prstGeom>
+          <a:noFill/>
+        </p:spPr>
+        <p:txBody>
+          <a:bodyPr wrap="none" rtlCol="0">
+            <a:spAutoFit/>
+          </a:bodyPr>
+          <a:lstStyle/>
+          <a:p>
+            <a:r>
+              <a:rPr lang="en-US" sz="2400" dirty="0"/>
+              <a:t>Tool Library</a:t>
+            </a:r>
+          </a:p>
+        </p:txBody>
+      </p:sp>
+    </p:spTree>
+    <p:extLst>
+      <p:ext uri="{BB962C8B-B14F-4D97-AF65-F5344CB8AC3E}">
+        <p14:creationId xmlns:p14="http://schemas.microsoft.com/office/powerpoint/2010/main" val="806337443"/>
+      </p:ext>
+    </p:extLst>
+  </p:cSld>
+  <p:clrMapOvr>
+    <a:masterClrMapping/>
+  </p:clrMapOvr>
+</p:sld>
+</file>
+
+<file path=ppt/slides/slide9.xml><?xml version="1.0" encoding="utf-8"?>
+<p:sld xmlns:a="http://schemas.openxmlformats.org/drawingml/2006/main" xmlns:r="http://schemas.openxmlformats.org/officeDocument/2006/relationships" xmlns:p="http://schemas.openxmlformats.org/presentationml/2006/main">
+  <p:cSld>
+    <p:spTree>
+      <p:nvGrpSpPr>
+        <p:cNvPr id="1" name="">
+          <a:extLst>
+            <a:ext uri="{FF2B5EF4-FFF2-40B4-BE49-F238E27FC236}">
+              <a16:creationId xmlns:a16="http://schemas.microsoft.com/office/drawing/2014/main" id="{D5D26EE3-1D8A-FF8B-FA2D-C04A53F5DBAF}"/>
+            </a:ext>
+          </a:extLst>
+        </p:cNvPr>
+        <p:cNvGrpSpPr/>
+        <p:nvPr/>
+      </p:nvGrpSpPr>
+      <p:grpSpPr>
+        <a:xfrm>
+          <a:off x="0" y="0"/>
+          <a:ext cx="0" cy="0"/>
+          <a:chOff x="0" y="0"/>
+          <a:chExt cx="0" cy="0"/>
+        </a:xfrm>
+      </p:grpSpPr>
+      <p:sp>
+        <p:nvSpPr>
+          <p:cNvPr id="2" name="Title 1">
+            <a:extLst>
+              <a:ext uri="{FF2B5EF4-FFF2-40B4-BE49-F238E27FC236}">
+                <a16:creationId xmlns:a16="http://schemas.microsoft.com/office/drawing/2014/main" id="{207C2E45-507F-01CD-3644-25EF18F89C4D}"/>
+              </a:ext>
+            </a:extLst>
+          </p:cNvPr>
+          <p:cNvSpPr>
+            <a:spLocks noGrp="1"/>
+          </p:cNvSpPr>
+          <p:nvPr>
+            <p:ph type="title"/>
+          </p:nvPr>
+        </p:nvSpPr>
+        <p:spPr>
+          <a:xfrm>
+            <a:off x="398362" y="154514"/>
+            <a:ext cx="10515600" cy="278860"/>
+          </a:xfrm>
+        </p:spPr>
+        <p:txBody>
+          <a:bodyPr>
+            <a:normAutofit fontScale="90000"/>
+          </a:bodyPr>
+          <a:lstStyle/>
+          <a:p>
+            <a:r>
+              <a:rPr lang="en-US" dirty="0"/>
+              <a:t>Developer Agents Matching Workflows</a:t>
+            </a:r>
+          </a:p>
+        </p:txBody>
+      </p:sp>
+      <p:sp>
+        <p:nvSpPr>
+          <p:cNvPr id="4" name="Rectangle 3">
+            <a:extLst>
+              <a:ext uri="{FF2B5EF4-FFF2-40B4-BE49-F238E27FC236}">
+                <a16:creationId xmlns:a16="http://schemas.microsoft.com/office/drawing/2014/main" id="{27E765D8-35B3-DABE-676D-8B9E6333774D}"/>
+              </a:ext>
+            </a:extLst>
+          </p:cNvPr>
+          <p:cNvSpPr/>
+          <p:nvPr/>
+        </p:nvSpPr>
+        <p:spPr>
+          <a:xfrm>
+            <a:off x="3964343" y="944853"/>
+            <a:ext cx="2638251" cy="518984"/>
+          </a:xfrm>
+          <a:prstGeom prst="rect">
+            <a:avLst/>
+          </a:prstGeom>
+          <a:solidFill>
+            <a:srgbClr val="0070C0"/>
+          </a:solidFill>
+        </p:spPr>
+        <p:style>
+          <a:lnRef idx="2">
+            <a:schemeClr val="accent1">
+              <a:shade val="15000"/>
+            </a:schemeClr>
+          </a:lnRef>
+          <a:fillRef idx="1">
+            <a:schemeClr val="accent1"/>
+          </a:fillRef>
+          <a:effectRef idx="0">
+            <a:schemeClr val="accent1"/>
+          </a:effectRef>
+          <a:fontRef idx="minor">
+            <a:schemeClr val="lt1"/>
+          </a:fontRef>
+        </p:style>
+        <p:txBody>
+          <a:bodyPr rtlCol="0" anchor="ctr"/>
+          <a:lstStyle/>
+          <a:p>
+            <a:pPr algn="ctr"/>
+            <a:r>
+              <a:rPr lang="en-US" dirty="0">
+                <a:latin typeface="Arial" panose="020B0604020202020204" pitchFamily="34" charset="0"/>
+                <a:cs typeface="Arial" panose="020B0604020202020204" pitchFamily="34" charset="0"/>
+              </a:rPr>
+              <a:t>Initial Prompt</a:t>
+            </a:r>
+          </a:p>
+        </p:txBody>
+      </p:sp>
+      <p:sp>
+        <p:nvSpPr>
+          <p:cNvPr id="5" name="Rounded Rectangle 4">
+            <a:extLst>
+              <a:ext uri="{FF2B5EF4-FFF2-40B4-BE49-F238E27FC236}">
+                <a16:creationId xmlns:a16="http://schemas.microsoft.com/office/drawing/2014/main" id="{C466B4ED-B50B-913D-5C23-217B5641047F}"/>
+              </a:ext>
+            </a:extLst>
+          </p:cNvPr>
+          <p:cNvSpPr/>
+          <p:nvPr/>
+        </p:nvSpPr>
+        <p:spPr>
+          <a:xfrm>
+            <a:off x="3964343" y="2829553"/>
+            <a:ext cx="2638251" cy="625643"/>
+          </a:xfrm>
+          <a:prstGeom prst="roundRect">
+            <a:avLst/>
+          </a:prstGeom>
+          <a:solidFill>
+            <a:srgbClr val="002060"/>
+          </a:solidFill>
+          <a:ln>
+            <a:solidFill>
+              <a:srgbClr val="002060"/>
+            </a:solidFill>
+          </a:ln>
+        </p:spPr>
+        <p:style>
+          <a:lnRef idx="2">
+            <a:schemeClr val="accent1">
+              <a:shade val="15000"/>
+            </a:schemeClr>
+          </a:lnRef>
+          <a:fillRef idx="1">
+            <a:schemeClr val="accent1"/>
+          </a:fillRef>
+          <a:effectRef idx="0">
+            <a:schemeClr val="accent1"/>
+          </a:effectRef>
+          <a:fontRef idx="minor">
+            <a:schemeClr val="lt1"/>
+          </a:fontRef>
+        </p:style>
+        <p:txBody>
+          <a:bodyPr rtlCol="0" anchor="ctr"/>
+          <a:lstStyle/>
+          <a:p>
+            <a:pPr algn="ctr"/>
+            <a:r>
+              <a:rPr lang="en-US" dirty="0">
+                <a:latin typeface="Arial" panose="020B0604020202020204" pitchFamily="34" charset="0"/>
+                <a:cs typeface="Arial" panose="020B0604020202020204" pitchFamily="34" charset="0"/>
+              </a:rPr>
+              <a:t>Send to LLM</a:t>
+            </a:r>
+          </a:p>
+        </p:txBody>
+      </p:sp>
+      <p:sp>
+        <p:nvSpPr>
+          <p:cNvPr id="7" name="Rectangle 6">
+            <a:extLst>
+              <a:ext uri="{FF2B5EF4-FFF2-40B4-BE49-F238E27FC236}">
+                <a16:creationId xmlns:a16="http://schemas.microsoft.com/office/drawing/2014/main" id="{F2BBF5F5-615E-3008-932E-00964A46BE1F}"/>
+              </a:ext>
+            </a:extLst>
+          </p:cNvPr>
+          <p:cNvSpPr/>
+          <p:nvPr/>
+        </p:nvSpPr>
+        <p:spPr>
+          <a:xfrm>
+            <a:off x="1007224" y="5505458"/>
+            <a:ext cx="1133388" cy="518984"/>
+          </a:xfrm>
+          <a:prstGeom prst="rect">
+            <a:avLst/>
+          </a:prstGeom>
+          <a:solidFill>
+            <a:srgbClr val="0070C0"/>
+          </a:solidFill>
+        </p:spPr>
+        <p:style>
+          <a:lnRef idx="2">
+            <a:schemeClr val="accent1">
+              <a:shade val="15000"/>
+            </a:schemeClr>
+          </a:lnRef>
+          <a:fillRef idx="1">
+            <a:schemeClr val="accent1"/>
+          </a:fillRef>
+          <a:effectRef idx="0">
+            <a:schemeClr val="accent1"/>
+          </a:effectRef>
+          <a:fontRef idx="minor">
+            <a:schemeClr val="lt1"/>
+          </a:fontRef>
+        </p:style>
+        <p:txBody>
+          <a:bodyPr rtlCol="0" anchor="ctr"/>
+          <a:lstStyle/>
+          <a:p>
+            <a:pPr algn="ctr"/>
+            <a:r>
+              <a:rPr lang="en-US" dirty="0">
+                <a:latin typeface="Arial" panose="020B0604020202020204" pitchFamily="34" charset="0"/>
+                <a:cs typeface="Arial" panose="020B0604020202020204" pitchFamily="34" charset="0"/>
+              </a:rPr>
+              <a:t>WF1</a:t>
+            </a:r>
+          </a:p>
+        </p:txBody>
+      </p:sp>
+      <p:cxnSp>
+        <p:nvCxnSpPr>
+          <p:cNvPr id="9" name="Straight Arrow Connector 8">
+            <a:extLst>
+              <a:ext uri="{FF2B5EF4-FFF2-40B4-BE49-F238E27FC236}">
+                <a16:creationId xmlns:a16="http://schemas.microsoft.com/office/drawing/2014/main" id="{9F3E8FD5-9A98-392D-985D-DFDD4602F641}"/>
+              </a:ext>
+            </a:extLst>
+          </p:cNvPr>
+          <p:cNvCxnSpPr>
+            <a:cxnSpLocks/>
+            <a:endCxn id="5" idx="0"/>
+          </p:cNvCxnSpPr>
+          <p:nvPr/>
+        </p:nvCxnSpPr>
+        <p:spPr>
+          <a:xfrm>
+            <a:off x="5279236" y="2407534"/>
+            <a:ext cx="4233" cy="422019"/>
+          </a:xfrm>
+          <a:prstGeom prst="straightConnector1">
+            <a:avLst/>
+          </a:prstGeom>
+          <a:ln w="57150">
+            <a:solidFill>
+              <a:schemeClr val="tx1"/>
+            </a:solidFill>
+            <a:tailEnd type="triangle"/>
+          </a:ln>
+        </p:spPr>
+        <p:style>
+          <a:lnRef idx="2">
+            <a:schemeClr val="accent1"/>
+          </a:lnRef>
+          <a:fillRef idx="0">
+            <a:schemeClr val="accent1"/>
+          </a:fillRef>
+          <a:effectRef idx="1">
+            <a:schemeClr val="accent1"/>
+          </a:effectRef>
+          <a:fontRef idx="minor">
+            <a:schemeClr val="tx1"/>
+          </a:fontRef>
+        </p:style>
+      </p:cxnSp>
+      <p:cxnSp>
+        <p:nvCxnSpPr>
+          <p:cNvPr id="10" name="Straight Arrow Connector 9">
+            <a:extLst>
+              <a:ext uri="{FF2B5EF4-FFF2-40B4-BE49-F238E27FC236}">
+                <a16:creationId xmlns:a16="http://schemas.microsoft.com/office/drawing/2014/main" id="{C44B6DC5-AF58-D859-4B5A-0CFB48B33E51}"/>
+              </a:ext>
+            </a:extLst>
+          </p:cNvPr>
+          <p:cNvCxnSpPr>
+            <a:cxnSpLocks/>
+            <a:stCxn id="5" idx="2"/>
+          </p:cNvCxnSpPr>
+          <p:nvPr/>
+        </p:nvCxnSpPr>
+        <p:spPr>
+          <a:xfrm>
+            <a:off x="5283469" y="3455196"/>
+            <a:ext cx="0" cy="529389"/>
+          </a:xfrm>
+          <a:prstGeom prst="straightConnector1">
+            <a:avLst/>
+          </a:prstGeom>
+          <a:ln w="57150">
+            <a:solidFill>
+              <a:schemeClr val="tx1"/>
+            </a:solidFill>
+            <a:tailEnd type="triangle"/>
+          </a:ln>
+        </p:spPr>
+        <p:style>
+          <a:lnRef idx="2">
+            <a:schemeClr val="accent1"/>
+          </a:lnRef>
+          <a:fillRef idx="0">
+            <a:schemeClr val="accent1"/>
+          </a:fillRef>
+          <a:effectRef idx="1">
+            <a:schemeClr val="accent1"/>
+          </a:effectRef>
+          <a:fontRef idx="minor">
+            <a:schemeClr val="tx1"/>
+          </a:fontRef>
+        </p:style>
+      </p:cxnSp>
+      <p:sp>
+        <p:nvSpPr>
+          <p:cNvPr id="12" name="Oval 11">
+            <a:extLst>
+              <a:ext uri="{FF2B5EF4-FFF2-40B4-BE49-F238E27FC236}">
+                <a16:creationId xmlns:a16="http://schemas.microsoft.com/office/drawing/2014/main" id="{A0D39B86-338E-60EC-DA23-B537DC86E872}"/>
+              </a:ext>
+            </a:extLst>
+          </p:cNvPr>
+          <p:cNvSpPr/>
+          <p:nvPr/>
+        </p:nvSpPr>
+        <p:spPr>
+          <a:xfrm>
+            <a:off x="2192607" y="944853"/>
+            <a:ext cx="1081470" cy="518984"/>
+          </a:xfrm>
+          <a:prstGeom prst="ellipse">
+            <a:avLst/>
+          </a:prstGeom>
+          <a:solidFill>
+            <a:srgbClr val="00B050"/>
+          </a:solidFill>
+        </p:spPr>
+        <p:style>
+          <a:lnRef idx="2">
+            <a:schemeClr val="accent1">
+              <a:shade val="15000"/>
+            </a:schemeClr>
+          </a:lnRef>
+          <a:fillRef idx="1">
+            <a:schemeClr val="accent1"/>
+          </a:fillRef>
+          <a:effectRef idx="0">
+            <a:schemeClr val="accent1"/>
+          </a:effectRef>
+          <a:fontRef idx="minor">
+            <a:schemeClr val="lt1"/>
+          </a:fontRef>
+        </p:style>
+        <p:txBody>
+          <a:bodyPr rtlCol="0" anchor="ctr"/>
+          <a:lstStyle/>
+          <a:p>
+            <a:pPr algn="ctr"/>
+            <a:r>
+              <a:rPr lang="en-US" dirty="0">
+                <a:latin typeface="Arial" panose="020B0604020202020204" pitchFamily="34" charset="0"/>
+                <a:cs typeface="Arial" panose="020B0604020202020204" pitchFamily="34" charset="0"/>
+              </a:rPr>
+              <a:t>Start</a:t>
+            </a:r>
+          </a:p>
+        </p:txBody>
+      </p:sp>
+      <p:cxnSp>
+        <p:nvCxnSpPr>
+          <p:cNvPr id="15" name="Straight Arrow Connector 14">
+            <a:extLst>
+              <a:ext uri="{FF2B5EF4-FFF2-40B4-BE49-F238E27FC236}">
+                <a16:creationId xmlns:a16="http://schemas.microsoft.com/office/drawing/2014/main" id="{B2D77ECF-936D-0EF7-CD2B-69F30B921FF9}"/>
+              </a:ext>
+            </a:extLst>
+          </p:cNvPr>
+          <p:cNvCxnSpPr>
+            <a:cxnSpLocks/>
+            <a:stCxn id="12" idx="6"/>
+            <a:endCxn id="4" idx="1"/>
+          </p:cNvCxnSpPr>
+          <p:nvPr/>
+        </p:nvCxnSpPr>
+        <p:spPr>
+          <a:xfrm>
+            <a:off x="3274077" y="1204345"/>
+            <a:ext cx="690266" cy="0"/>
+          </a:xfrm>
+          <a:prstGeom prst="straightConnector1">
+            <a:avLst/>
+          </a:prstGeom>
+          <a:ln w="57150">
+            <a:tailEnd type="triangle"/>
+          </a:ln>
+        </p:spPr>
+        <p:style>
+          <a:lnRef idx="2">
+            <a:schemeClr val="accent1"/>
+          </a:lnRef>
+          <a:fillRef idx="0">
+            <a:schemeClr val="accent1"/>
+          </a:fillRef>
+          <a:effectRef idx="1">
+            <a:schemeClr val="accent1"/>
+          </a:effectRef>
+          <a:fontRef idx="minor">
+            <a:schemeClr val="tx1"/>
+          </a:fontRef>
+        </p:style>
+      </p:cxnSp>
+      <p:cxnSp>
+        <p:nvCxnSpPr>
+          <p:cNvPr id="18" name="Straight Arrow Connector 17">
+            <a:extLst>
+              <a:ext uri="{FF2B5EF4-FFF2-40B4-BE49-F238E27FC236}">
+                <a16:creationId xmlns:a16="http://schemas.microsoft.com/office/drawing/2014/main" id="{3BCF50EF-05F1-B931-7588-3A5222006342}"/>
+              </a:ext>
+            </a:extLst>
+          </p:cNvPr>
+          <p:cNvCxnSpPr>
+            <a:cxnSpLocks/>
+          </p:cNvCxnSpPr>
+          <p:nvPr/>
+        </p:nvCxnSpPr>
+        <p:spPr>
+          <a:xfrm>
+            <a:off x="5279236" y="1463837"/>
+            <a:ext cx="0" cy="388113"/>
+          </a:xfrm>
+          <a:prstGeom prst="straightConnector1">
+            <a:avLst/>
+          </a:prstGeom>
+          <a:ln w="57150">
+            <a:solidFill>
+              <a:schemeClr val="tx1"/>
+            </a:solidFill>
+            <a:tailEnd type="triangle"/>
+          </a:ln>
+        </p:spPr>
+        <p:style>
+          <a:lnRef idx="2">
+            <a:schemeClr val="accent1"/>
+          </a:lnRef>
+          <a:fillRef idx="0">
+            <a:schemeClr val="accent1"/>
+          </a:fillRef>
+          <a:effectRef idx="1">
+            <a:schemeClr val="accent1"/>
+          </a:effectRef>
+          <a:fontRef idx="minor">
+            <a:schemeClr val="tx1"/>
+          </a:fontRef>
+        </p:style>
+      </p:cxnSp>
+      <p:sp>
+        <p:nvSpPr>
+          <p:cNvPr id="19" name="Rounded Rectangle 18">
+            <a:extLst>
+              <a:ext uri="{FF2B5EF4-FFF2-40B4-BE49-F238E27FC236}">
+                <a16:creationId xmlns:a16="http://schemas.microsoft.com/office/drawing/2014/main" id="{EE4FD86A-620E-B2DB-FB7F-9FE305D285C1}"/>
+              </a:ext>
+            </a:extLst>
+          </p:cNvPr>
+          <p:cNvSpPr/>
+          <p:nvPr/>
+        </p:nvSpPr>
+        <p:spPr>
+          <a:xfrm>
+            <a:off x="3990845" y="1878145"/>
+            <a:ext cx="2638251" cy="489472"/>
+          </a:xfrm>
+          <a:prstGeom prst="roundRect">
+            <a:avLst/>
+          </a:prstGeom>
+          <a:solidFill>
+            <a:schemeClr val="accent6">
+              <a:lumMod val="75000"/>
+            </a:schemeClr>
+          </a:solidFill>
+          <a:ln>
+            <a:solidFill>
+              <a:srgbClr val="002060"/>
+            </a:solidFill>
+          </a:ln>
+        </p:spPr>
+        <p:style>
+          <a:lnRef idx="2">
+            <a:schemeClr val="accent1">
+              <a:shade val="15000"/>
+            </a:schemeClr>
+          </a:lnRef>
+          <a:fillRef idx="1">
+            <a:schemeClr val="accent1"/>
+          </a:fillRef>
+          <a:effectRef idx="0">
+            <a:schemeClr val="accent1"/>
+          </a:effectRef>
+          <a:fontRef idx="minor">
+            <a:schemeClr val="lt1"/>
+          </a:fontRef>
+        </p:style>
+        <p:txBody>
+          <a:bodyPr rtlCol="0" anchor="ctr"/>
+          <a:lstStyle/>
+          <a:p>
+            <a:pPr algn="ctr"/>
+            <a:r>
+              <a:rPr lang="en-US" dirty="0">
+                <a:latin typeface="Arial" panose="020B0604020202020204" pitchFamily="34" charset="0"/>
+                <a:cs typeface="Arial" panose="020B0604020202020204" pitchFamily="34" charset="0"/>
+              </a:rPr>
+              <a:t>Enrich Prompt</a:t>
+            </a:r>
+          </a:p>
+        </p:txBody>
+      </p:sp>
+      <p:cxnSp>
+        <p:nvCxnSpPr>
+          <p:cNvPr id="20" name="Straight Arrow Connector 19">
+            <a:extLst>
+              <a:ext uri="{FF2B5EF4-FFF2-40B4-BE49-F238E27FC236}">
+                <a16:creationId xmlns:a16="http://schemas.microsoft.com/office/drawing/2014/main" id="{F035487F-018F-C510-1907-75D8D57B6F5A}"/>
+              </a:ext>
+            </a:extLst>
+          </p:cNvPr>
+          <p:cNvCxnSpPr>
+            <a:cxnSpLocks/>
+            <a:stCxn id="19" idx="3"/>
+          </p:cNvCxnSpPr>
+          <p:nvPr/>
+        </p:nvCxnSpPr>
+        <p:spPr>
+          <a:xfrm>
+            <a:off x="6629096" y="2122881"/>
+            <a:ext cx="811209" cy="15136"/>
+          </a:xfrm>
+          <a:prstGeom prst="straightConnector1">
+            <a:avLst/>
+          </a:prstGeom>
+          <a:ln w="57150">
+            <a:headEnd type="triangle"/>
+            <a:tailEnd type="triangle"/>
+          </a:ln>
+        </p:spPr>
+        <p:style>
+          <a:lnRef idx="2">
+            <a:schemeClr val="accent1"/>
+          </a:lnRef>
+          <a:fillRef idx="0">
+            <a:schemeClr val="accent1"/>
+          </a:fillRef>
+          <a:effectRef idx="1">
+            <a:schemeClr val="accent1"/>
+          </a:effectRef>
+          <a:fontRef idx="minor">
+            <a:schemeClr val="tx1"/>
+          </a:fontRef>
+        </p:style>
+      </p:cxnSp>
+      <p:grpSp>
+        <p:nvGrpSpPr>
+          <p:cNvPr id="21" name="Group 20">
+            <a:extLst>
+              <a:ext uri="{FF2B5EF4-FFF2-40B4-BE49-F238E27FC236}">
+                <a16:creationId xmlns:a16="http://schemas.microsoft.com/office/drawing/2014/main" id="{60F68ED6-D0D0-D924-FF19-7AB8C449E2DF}"/>
+              </a:ext>
+            </a:extLst>
+          </p:cNvPr>
+          <p:cNvGrpSpPr/>
+          <p:nvPr/>
+        </p:nvGrpSpPr>
+        <p:grpSpPr>
+          <a:xfrm>
+            <a:off x="7440305" y="1492060"/>
+            <a:ext cx="1643605" cy="1261641"/>
+            <a:chOff x="8414795" y="2882096"/>
+            <a:chExt cx="1643605" cy="1261641"/>
+          </a:xfrm>
+        </p:grpSpPr>
+        <p:sp>
+          <p:nvSpPr>
+            <p:cNvPr id="22" name="Can 21">
+              <a:extLst>
+                <a:ext uri="{FF2B5EF4-FFF2-40B4-BE49-F238E27FC236}">
+                  <a16:creationId xmlns:a16="http://schemas.microsoft.com/office/drawing/2014/main" id="{94B5D940-2D3B-C58C-43A1-A0818E74F243}"/>
+                </a:ext>
+              </a:extLst>
+            </p:cNvPr>
+            <p:cNvSpPr/>
+            <p:nvPr/>
+          </p:nvSpPr>
+          <p:spPr>
+            <a:xfrm>
+              <a:off x="8414795" y="2882096"/>
+              <a:ext cx="1643605" cy="1261641"/>
+            </a:xfrm>
+            <a:prstGeom prst="can">
+              <a:avLst>
+                <a:gd name="adj" fmla="val 13073"/>
+              </a:avLst>
+            </a:prstGeom>
+            <a:solidFill>
+              <a:schemeClr val="bg1">
+                <a:lumMod val="85000"/>
+              </a:schemeClr>
+            </a:solidFill>
+          </p:spPr>
+          <p:style>
+            <a:lnRef idx="2">
+              <a:schemeClr val="accent1">
+                <a:shade val="15000"/>
+              </a:schemeClr>
+            </a:lnRef>
+            <a:fillRef idx="1">
+              <a:schemeClr val="accent1"/>
+            </a:fillRef>
+            <a:effectRef idx="0">
+              <a:schemeClr val="accent1"/>
+            </a:effectRef>
+            <a:fontRef idx="minor">
+              <a:schemeClr val="lt1"/>
+            </a:fontRef>
+          </p:style>
+          <p:txBody>
+            <a:bodyPr rtlCol="0" anchor="ctr"/>
+            <a:lstStyle/>
+            <a:p>
+              <a:pPr algn="ctr"/>
+              <a:endParaRPr lang="en-US"/>
+            </a:p>
+          </p:txBody>
+        </p:sp>
+        <p:grpSp>
+          <p:nvGrpSpPr>
+            <p:cNvPr id="23" name="Google Shape;571;p74">
+              <a:extLst>
+                <a:ext uri="{FF2B5EF4-FFF2-40B4-BE49-F238E27FC236}">
+                  <a16:creationId xmlns:a16="http://schemas.microsoft.com/office/drawing/2014/main" id="{9F9D8A1A-D64D-C408-6C2A-ADAFC0AC9294}"/>
+                </a:ext>
+              </a:extLst>
+            </p:cNvPr>
+            <p:cNvGrpSpPr/>
+            <p:nvPr/>
+          </p:nvGrpSpPr>
+          <p:grpSpPr>
+            <a:xfrm>
+              <a:off x="8623139" y="3134005"/>
+              <a:ext cx="1330304" cy="905560"/>
+              <a:chOff x="3505200" y="4267200"/>
+              <a:chExt cx="1676400" cy="1600200"/>
+            </a:xfrm>
+          </p:grpSpPr>
+          <p:sp>
+            <p:nvSpPr>
+              <p:cNvPr id="24" name="Google Shape;572;p74">
+                <a:extLst>
+                  <a:ext uri="{FF2B5EF4-FFF2-40B4-BE49-F238E27FC236}">
+                    <a16:creationId xmlns:a16="http://schemas.microsoft.com/office/drawing/2014/main" id="{901958BB-4630-1A15-08CD-388949A3CCCF}"/>
+                  </a:ext>
+                </a:extLst>
+              </p:cNvPr>
+              <p:cNvSpPr/>
+              <p:nvPr/>
+            </p:nvSpPr>
+            <p:spPr>
+              <a:xfrm>
+                <a:off x="4191000" y="4267200"/>
+                <a:ext cx="228600" cy="228600"/>
+              </a:xfrm>
+              <a:prstGeom prst="ellipse">
+                <a:avLst/>
+              </a:prstGeom>
+              <a:solidFill>
+                <a:srgbClr val="FF0000"/>
+              </a:solidFill>
+              <a:ln w="12700" cap="flat" cmpd="sng">
+                <a:solidFill>
+                  <a:srgbClr val="010101"/>
+                </a:solidFill>
+                <a:prstDash val="solid"/>
+                <a:round/>
+                <a:headEnd type="none" w="sm" len="sm"/>
+                <a:tailEnd type="none" w="sm" len="sm"/>
+              </a:ln>
+            </p:spPr>
+            <p:txBody>
+              <a:bodyPr spcFirstLastPara="1" wrap="square" lIns="91425" tIns="45700" rIns="91425" bIns="45700" anchor="t" anchorCtr="0">
+                <a:noAutofit/>
+              </a:bodyPr>
+              <a:lstStyle/>
+              <a:p>
+                <a:pPr marL="0" marR="0" lvl="0" indent="0" algn="ctr" rtl="0">
+                  <a:lnSpc>
+                    <a:spcPct val="100000"/>
+                  </a:lnSpc>
+                  <a:spcBef>
+                    <a:spcPts val="0"/>
+                  </a:spcBef>
+                  <a:spcAft>
+                    <a:spcPts val="0"/>
+                  </a:spcAft>
+                  <a:buClr>
+                    <a:srgbClr val="010101"/>
+                  </a:buClr>
+                  <a:buSzPts val="2400"/>
+                  <a:buFont typeface="Arial"/>
+                  <a:buNone/>
+                </a:pPr>
+                <a:endParaRPr sz="2400" b="1" i="0" u="none" strike="noStrike" cap="none">
+                  <a:solidFill>
+                    <a:srgbClr val="010101"/>
+                  </a:solidFill>
+                  <a:latin typeface="Arial Narrow"/>
+                  <a:ea typeface="Arial Narrow"/>
+                  <a:cs typeface="Arial Narrow"/>
+                  <a:sym typeface="Arial Narrow"/>
+                </a:endParaRPr>
+              </a:p>
+            </p:txBody>
+          </p:sp>
+          <p:sp>
+            <p:nvSpPr>
+              <p:cNvPr id="25" name="Google Shape;573;p74">
+                <a:extLst>
+                  <a:ext uri="{FF2B5EF4-FFF2-40B4-BE49-F238E27FC236}">
+                    <a16:creationId xmlns:a16="http://schemas.microsoft.com/office/drawing/2014/main" id="{8C3A92DD-6D71-6E51-9AF1-DA1943D744DA}"/>
+                  </a:ext>
+                </a:extLst>
+              </p:cNvPr>
+              <p:cNvSpPr/>
+              <p:nvPr/>
+            </p:nvSpPr>
+            <p:spPr>
+              <a:xfrm>
+                <a:off x="3886200" y="4724400"/>
+                <a:ext cx="228600" cy="228600"/>
+              </a:xfrm>
+              <a:prstGeom prst="ellipse">
+                <a:avLst/>
+              </a:prstGeom>
+              <a:solidFill>
+                <a:srgbClr val="996633"/>
+              </a:solidFill>
+              <a:ln w="12700" cap="flat" cmpd="sng">
+                <a:solidFill>
+                  <a:srgbClr val="010101"/>
+                </a:solidFill>
+                <a:prstDash val="solid"/>
+                <a:round/>
+                <a:headEnd type="none" w="sm" len="sm"/>
+                <a:tailEnd type="none" w="sm" len="sm"/>
+              </a:ln>
+            </p:spPr>
+            <p:txBody>
+              <a:bodyPr spcFirstLastPara="1" wrap="square" lIns="91425" tIns="45700" rIns="91425" bIns="45700" anchor="t" anchorCtr="0">
+                <a:noAutofit/>
+              </a:bodyPr>
+              <a:lstStyle/>
+              <a:p>
+                <a:pPr marL="0" marR="0" lvl="0" indent="0" algn="ctr" rtl="0">
+                  <a:lnSpc>
+                    <a:spcPct val="100000"/>
+                  </a:lnSpc>
+                  <a:spcBef>
+                    <a:spcPts val="0"/>
+                  </a:spcBef>
+                  <a:spcAft>
+                    <a:spcPts val="0"/>
+                  </a:spcAft>
+                  <a:buClr>
+                    <a:srgbClr val="010101"/>
+                  </a:buClr>
+                  <a:buSzPts val="2400"/>
+                  <a:buFont typeface="Arial"/>
+                  <a:buNone/>
+                </a:pPr>
+                <a:endParaRPr sz="2400" b="1" i="0" u="none" strike="noStrike" cap="none">
+                  <a:solidFill>
+                    <a:srgbClr val="010101"/>
+                  </a:solidFill>
+                  <a:latin typeface="Arial Narrow"/>
+                  <a:ea typeface="Arial Narrow"/>
+                  <a:cs typeface="Arial Narrow"/>
+                  <a:sym typeface="Arial Narrow"/>
+                </a:endParaRPr>
+              </a:p>
+            </p:txBody>
+          </p:sp>
+          <p:sp>
+            <p:nvSpPr>
+              <p:cNvPr id="26" name="Google Shape;574;p74">
+                <a:extLst>
+                  <a:ext uri="{FF2B5EF4-FFF2-40B4-BE49-F238E27FC236}">
+                    <a16:creationId xmlns:a16="http://schemas.microsoft.com/office/drawing/2014/main" id="{50257154-F1E2-6C9E-0AAB-1D47435E7D64}"/>
+                  </a:ext>
+                </a:extLst>
+              </p:cNvPr>
+              <p:cNvSpPr/>
+              <p:nvPr/>
+            </p:nvSpPr>
+            <p:spPr>
+              <a:xfrm>
+                <a:off x="4191000" y="5105400"/>
+                <a:ext cx="228600" cy="228600"/>
+              </a:xfrm>
+              <a:prstGeom prst="ellipse">
+                <a:avLst/>
+              </a:prstGeom>
+              <a:solidFill>
+                <a:srgbClr val="7030A0"/>
+              </a:solidFill>
+              <a:ln w="12700" cap="flat" cmpd="sng">
+                <a:solidFill>
+                  <a:srgbClr val="010101"/>
+                </a:solidFill>
+                <a:prstDash val="solid"/>
+                <a:round/>
+                <a:headEnd type="none" w="sm" len="sm"/>
+                <a:tailEnd type="none" w="sm" len="sm"/>
+              </a:ln>
+            </p:spPr>
+            <p:txBody>
+              <a:bodyPr spcFirstLastPara="1" wrap="square" lIns="91425" tIns="45700" rIns="91425" bIns="45700" anchor="t" anchorCtr="0">
+                <a:noAutofit/>
+              </a:bodyPr>
+              <a:lstStyle/>
+              <a:p>
+                <a:pPr marL="0" marR="0" lvl="0" indent="0" algn="ctr" rtl="0">
+                  <a:lnSpc>
+                    <a:spcPct val="100000"/>
+                  </a:lnSpc>
+                  <a:spcBef>
+                    <a:spcPts val="0"/>
+                  </a:spcBef>
+                  <a:spcAft>
+                    <a:spcPts val="0"/>
+                  </a:spcAft>
+                  <a:buClr>
+                    <a:srgbClr val="010101"/>
+                  </a:buClr>
+                  <a:buSzPts val="2400"/>
+                  <a:buFont typeface="Arial"/>
+                  <a:buNone/>
+                </a:pPr>
+                <a:endParaRPr sz="2400" b="1" i="0" u="none" strike="noStrike" cap="none">
+                  <a:solidFill>
+                    <a:srgbClr val="010101"/>
+                  </a:solidFill>
+                  <a:latin typeface="Arial Narrow"/>
+                  <a:ea typeface="Arial Narrow"/>
+                  <a:cs typeface="Arial Narrow"/>
+                  <a:sym typeface="Arial Narrow"/>
+                </a:endParaRPr>
+              </a:p>
+            </p:txBody>
+          </p:sp>
+          <p:sp>
+            <p:nvSpPr>
+              <p:cNvPr id="27" name="Google Shape;575;p74">
+                <a:extLst>
+                  <a:ext uri="{FF2B5EF4-FFF2-40B4-BE49-F238E27FC236}">
+                    <a16:creationId xmlns:a16="http://schemas.microsoft.com/office/drawing/2014/main" id="{D9645A0F-2977-EACD-6699-212CC1F68651}"/>
+                  </a:ext>
+                </a:extLst>
+              </p:cNvPr>
+              <p:cNvSpPr/>
+              <p:nvPr/>
+            </p:nvSpPr>
+            <p:spPr>
+              <a:xfrm>
+                <a:off x="4794721" y="4494213"/>
+                <a:ext cx="228600" cy="228600"/>
+              </a:xfrm>
+              <a:prstGeom prst="ellipse">
+                <a:avLst/>
+              </a:prstGeom>
+              <a:solidFill>
+                <a:schemeClr val="accent4"/>
+              </a:solidFill>
+              <a:ln w="12700" cap="flat" cmpd="sng">
+                <a:solidFill>
+                  <a:srgbClr val="010101"/>
+                </a:solidFill>
+                <a:prstDash val="solid"/>
+                <a:round/>
+                <a:headEnd type="none" w="sm" len="sm"/>
+                <a:tailEnd type="none" w="sm" len="sm"/>
+              </a:ln>
+            </p:spPr>
+            <p:txBody>
+              <a:bodyPr spcFirstLastPara="1" wrap="square" lIns="91425" tIns="45700" rIns="91425" bIns="45700" anchor="t" anchorCtr="0">
+                <a:noAutofit/>
+              </a:bodyPr>
+              <a:lstStyle/>
+              <a:p>
+                <a:pPr marL="0" marR="0" lvl="0" indent="0" algn="ctr" rtl="0">
+                  <a:lnSpc>
+                    <a:spcPct val="100000"/>
+                  </a:lnSpc>
+                  <a:spcBef>
+                    <a:spcPts val="0"/>
+                  </a:spcBef>
+                  <a:spcAft>
+                    <a:spcPts val="0"/>
+                  </a:spcAft>
+                  <a:buClr>
+                    <a:srgbClr val="010101"/>
+                  </a:buClr>
+                  <a:buSzPts val="2400"/>
+                  <a:buFont typeface="Arial"/>
+                  <a:buNone/>
+                </a:pPr>
+                <a:endParaRPr sz="2400" b="1" i="0" u="none" strike="noStrike" cap="none">
+                  <a:solidFill>
+                    <a:srgbClr val="010101"/>
+                  </a:solidFill>
+                  <a:latin typeface="Arial Narrow"/>
+                  <a:ea typeface="Arial Narrow"/>
+                  <a:cs typeface="Arial Narrow"/>
+                  <a:sym typeface="Arial Narrow"/>
+                </a:endParaRPr>
+              </a:p>
+            </p:txBody>
+          </p:sp>
+          <p:sp>
+            <p:nvSpPr>
+              <p:cNvPr id="28" name="Google Shape;576;p74">
+                <a:extLst>
+                  <a:ext uri="{FF2B5EF4-FFF2-40B4-BE49-F238E27FC236}">
+                    <a16:creationId xmlns:a16="http://schemas.microsoft.com/office/drawing/2014/main" id="{FC58E5AD-D6DA-385B-46EC-7FA918F564EC}"/>
+                  </a:ext>
+                </a:extLst>
+              </p:cNvPr>
+              <p:cNvSpPr/>
+              <p:nvPr/>
+            </p:nvSpPr>
+            <p:spPr>
+              <a:xfrm>
+                <a:off x="4648200" y="4953000"/>
+                <a:ext cx="228600" cy="228600"/>
+              </a:xfrm>
+              <a:prstGeom prst="ellipse">
+                <a:avLst/>
+              </a:prstGeom>
+              <a:solidFill>
+                <a:srgbClr val="FFFF00"/>
+              </a:solidFill>
+              <a:ln w="12700" cap="flat" cmpd="sng">
+                <a:solidFill>
+                  <a:srgbClr val="010101"/>
+                </a:solidFill>
+                <a:prstDash val="solid"/>
+                <a:round/>
+                <a:headEnd type="none" w="sm" len="sm"/>
+                <a:tailEnd type="none" w="sm" len="sm"/>
+              </a:ln>
+            </p:spPr>
+            <p:txBody>
+              <a:bodyPr spcFirstLastPara="1" wrap="square" lIns="91425" tIns="45700" rIns="91425" bIns="45700" anchor="t" anchorCtr="0">
+                <a:noAutofit/>
+              </a:bodyPr>
+              <a:lstStyle/>
+              <a:p>
+                <a:pPr marL="0" marR="0" lvl="0" indent="0" algn="ctr" rtl="0">
+                  <a:lnSpc>
+                    <a:spcPct val="100000"/>
+                  </a:lnSpc>
+                  <a:spcBef>
+                    <a:spcPts val="0"/>
+                  </a:spcBef>
+                  <a:spcAft>
+                    <a:spcPts val="0"/>
+                  </a:spcAft>
+                  <a:buClr>
+                    <a:srgbClr val="010101"/>
+                  </a:buClr>
+                  <a:buSzPts val="2400"/>
+                  <a:buFont typeface="Arial"/>
+                  <a:buNone/>
+                </a:pPr>
+                <a:endParaRPr sz="2400" b="1" i="0" u="none" strike="noStrike" cap="none">
+                  <a:solidFill>
+                    <a:srgbClr val="010101"/>
+                  </a:solidFill>
+                  <a:latin typeface="Arial Narrow"/>
+                  <a:ea typeface="Arial Narrow"/>
+                  <a:cs typeface="Arial Narrow"/>
+                  <a:sym typeface="Arial Narrow"/>
+                </a:endParaRPr>
+              </a:p>
+            </p:txBody>
+          </p:sp>
+          <p:sp>
+            <p:nvSpPr>
+              <p:cNvPr id="29" name="Google Shape;577;p74">
+                <a:extLst>
+                  <a:ext uri="{FF2B5EF4-FFF2-40B4-BE49-F238E27FC236}">
+                    <a16:creationId xmlns:a16="http://schemas.microsoft.com/office/drawing/2014/main" id="{4DC867F2-5A9E-5992-6DF3-ECAAE0E75379}"/>
+                  </a:ext>
+                </a:extLst>
+              </p:cNvPr>
+              <p:cNvSpPr/>
+              <p:nvPr/>
+            </p:nvSpPr>
+            <p:spPr>
+              <a:xfrm>
+                <a:off x="3581400" y="5257800"/>
+                <a:ext cx="228600" cy="228600"/>
+              </a:xfrm>
+              <a:prstGeom prst="ellipse">
+                <a:avLst/>
+              </a:prstGeom>
+              <a:solidFill>
+                <a:srgbClr val="92D050"/>
+              </a:solidFill>
+              <a:ln w="12700" cap="flat" cmpd="sng">
+                <a:solidFill>
+                  <a:srgbClr val="010101"/>
+                </a:solidFill>
+                <a:prstDash val="solid"/>
+                <a:round/>
+                <a:headEnd type="none" w="sm" len="sm"/>
+                <a:tailEnd type="none" w="sm" len="sm"/>
+              </a:ln>
+            </p:spPr>
+            <p:txBody>
+              <a:bodyPr spcFirstLastPara="1" wrap="square" lIns="91425" tIns="45700" rIns="91425" bIns="45700" anchor="t" anchorCtr="0">
+                <a:noAutofit/>
+              </a:bodyPr>
+              <a:lstStyle/>
+              <a:p>
+                <a:pPr marL="0" marR="0" lvl="0" indent="0" algn="ctr" rtl="0">
+                  <a:lnSpc>
+                    <a:spcPct val="100000"/>
+                  </a:lnSpc>
+                  <a:spcBef>
+                    <a:spcPts val="0"/>
+                  </a:spcBef>
+                  <a:spcAft>
+                    <a:spcPts val="0"/>
+                  </a:spcAft>
+                  <a:buClr>
+                    <a:srgbClr val="010101"/>
+                  </a:buClr>
+                  <a:buSzPts val="2400"/>
+                  <a:buFont typeface="Arial"/>
+                  <a:buNone/>
+                </a:pPr>
+                <a:endParaRPr sz="2400" b="1" i="0" u="none" strike="noStrike" cap="none">
+                  <a:solidFill>
+                    <a:srgbClr val="010101"/>
+                  </a:solidFill>
+                  <a:latin typeface="Arial Narrow"/>
+                  <a:ea typeface="Arial Narrow"/>
+                  <a:cs typeface="Arial Narrow"/>
+                  <a:sym typeface="Arial Narrow"/>
+                </a:endParaRPr>
+              </a:p>
+            </p:txBody>
+          </p:sp>
+          <p:sp>
+            <p:nvSpPr>
+              <p:cNvPr id="30" name="Google Shape;578;p74">
+                <a:extLst>
+                  <a:ext uri="{FF2B5EF4-FFF2-40B4-BE49-F238E27FC236}">
+                    <a16:creationId xmlns:a16="http://schemas.microsoft.com/office/drawing/2014/main" id="{D8CAEBA0-AC6D-80D8-52A1-EB172DDCB5F9}"/>
+                  </a:ext>
+                </a:extLst>
+              </p:cNvPr>
+              <p:cNvSpPr/>
+              <p:nvPr/>
+            </p:nvSpPr>
+            <p:spPr>
+              <a:xfrm>
+                <a:off x="4419600" y="5486400"/>
+                <a:ext cx="228600" cy="228600"/>
+              </a:xfrm>
+              <a:prstGeom prst="ellipse">
+                <a:avLst/>
+              </a:prstGeom>
+              <a:solidFill>
+                <a:srgbClr val="0070C0"/>
+              </a:solidFill>
+              <a:ln w="12700" cap="flat" cmpd="sng">
+                <a:solidFill>
+                  <a:srgbClr val="010101"/>
+                </a:solidFill>
+                <a:prstDash val="solid"/>
+                <a:round/>
+                <a:headEnd type="none" w="sm" len="sm"/>
+                <a:tailEnd type="none" w="sm" len="sm"/>
+              </a:ln>
+            </p:spPr>
+            <p:txBody>
+              <a:bodyPr spcFirstLastPara="1" wrap="square" lIns="91425" tIns="45700" rIns="91425" bIns="45700" anchor="t" anchorCtr="0">
+                <a:noAutofit/>
+              </a:bodyPr>
+              <a:lstStyle/>
+              <a:p>
+                <a:pPr marL="0" marR="0" lvl="0" indent="0" algn="ctr" rtl="0">
+                  <a:lnSpc>
+                    <a:spcPct val="100000"/>
+                  </a:lnSpc>
+                  <a:spcBef>
+                    <a:spcPts val="0"/>
+                  </a:spcBef>
+                  <a:spcAft>
+                    <a:spcPts val="0"/>
+                  </a:spcAft>
+                  <a:buClr>
+                    <a:srgbClr val="010101"/>
+                  </a:buClr>
+                  <a:buSzPts val="2400"/>
+                  <a:buFont typeface="Arial"/>
+                  <a:buNone/>
+                </a:pPr>
+                <a:endParaRPr sz="2400" b="1" i="0" u="none" strike="noStrike" cap="none">
+                  <a:solidFill>
+                    <a:srgbClr val="010101"/>
+                  </a:solidFill>
+                  <a:latin typeface="Arial Narrow"/>
+                  <a:ea typeface="Arial Narrow"/>
+                  <a:cs typeface="Arial Narrow"/>
+                  <a:sym typeface="Arial Narrow"/>
+                </a:endParaRPr>
+              </a:p>
+            </p:txBody>
+          </p:sp>
+          <p:sp>
+            <p:nvSpPr>
+              <p:cNvPr id="31" name="Google Shape;579;p74">
+                <a:extLst>
+                  <a:ext uri="{FF2B5EF4-FFF2-40B4-BE49-F238E27FC236}">
+                    <a16:creationId xmlns:a16="http://schemas.microsoft.com/office/drawing/2014/main" id="{0CE1CDDE-BCF4-CA3E-98B4-7B5C3A91E587}"/>
+                  </a:ext>
+                </a:extLst>
+              </p:cNvPr>
+              <p:cNvSpPr/>
+              <p:nvPr/>
+            </p:nvSpPr>
+            <p:spPr>
+              <a:xfrm>
+                <a:off x="3505200" y="4572000"/>
+                <a:ext cx="228600" cy="228600"/>
+              </a:xfrm>
+              <a:prstGeom prst="ellipse">
+                <a:avLst/>
+              </a:prstGeom>
+              <a:solidFill>
+                <a:srgbClr val="A5A5A5"/>
+              </a:solidFill>
+              <a:ln w="12700" cap="flat" cmpd="sng">
+                <a:solidFill>
+                  <a:srgbClr val="010101"/>
+                </a:solidFill>
+                <a:prstDash val="solid"/>
+                <a:round/>
+                <a:headEnd type="none" w="sm" len="sm"/>
+                <a:tailEnd type="none" w="sm" len="sm"/>
+              </a:ln>
+            </p:spPr>
+            <p:txBody>
+              <a:bodyPr spcFirstLastPara="1" wrap="square" lIns="91425" tIns="45700" rIns="91425" bIns="45700" anchor="t" anchorCtr="0">
+                <a:noAutofit/>
+              </a:bodyPr>
+              <a:lstStyle/>
+              <a:p>
+                <a:pPr marL="0" marR="0" lvl="0" indent="0" algn="ctr" rtl="0">
+                  <a:lnSpc>
+                    <a:spcPct val="100000"/>
+                  </a:lnSpc>
+                  <a:spcBef>
+                    <a:spcPts val="0"/>
+                  </a:spcBef>
+                  <a:spcAft>
+                    <a:spcPts val="0"/>
+                  </a:spcAft>
+                  <a:buClr>
+                    <a:srgbClr val="010101"/>
+                  </a:buClr>
+                  <a:buSzPts val="2400"/>
+                  <a:buFont typeface="Arial"/>
+                  <a:buNone/>
+                </a:pPr>
+                <a:endParaRPr sz="2400" b="1" i="0" u="none" strike="noStrike" cap="none">
+                  <a:solidFill>
+                    <a:srgbClr val="010101"/>
+                  </a:solidFill>
+                  <a:latin typeface="Arial Narrow"/>
+                  <a:ea typeface="Arial Narrow"/>
+                  <a:cs typeface="Arial Narrow"/>
+                  <a:sym typeface="Arial Narrow"/>
+                </a:endParaRPr>
+              </a:p>
+            </p:txBody>
+          </p:sp>
+          <p:sp>
+            <p:nvSpPr>
+              <p:cNvPr id="32" name="Google Shape;580;p74">
+                <a:extLst>
+                  <a:ext uri="{FF2B5EF4-FFF2-40B4-BE49-F238E27FC236}">
+                    <a16:creationId xmlns:a16="http://schemas.microsoft.com/office/drawing/2014/main" id="{FF5082F5-41D0-A1AB-8A26-59254AE6DF0B}"/>
+                  </a:ext>
+                </a:extLst>
+              </p:cNvPr>
+              <p:cNvSpPr/>
+              <p:nvPr/>
+            </p:nvSpPr>
+            <p:spPr>
+              <a:xfrm>
+                <a:off x="4953000" y="5334000"/>
+                <a:ext cx="228600" cy="228600"/>
+              </a:xfrm>
+              <a:prstGeom prst="ellipse">
+                <a:avLst/>
+              </a:prstGeom>
+              <a:solidFill>
+                <a:srgbClr val="00B050"/>
+              </a:solidFill>
+              <a:ln w="12700" cap="flat" cmpd="sng">
+                <a:solidFill>
+                  <a:srgbClr val="010101"/>
+                </a:solidFill>
+                <a:prstDash val="solid"/>
+                <a:round/>
+                <a:headEnd type="none" w="sm" len="sm"/>
+                <a:tailEnd type="none" w="sm" len="sm"/>
+              </a:ln>
+            </p:spPr>
+            <p:txBody>
+              <a:bodyPr spcFirstLastPara="1" wrap="square" lIns="91425" tIns="45700" rIns="91425" bIns="45700" anchor="t" anchorCtr="0">
+                <a:noAutofit/>
+              </a:bodyPr>
+              <a:lstStyle/>
+              <a:p>
+                <a:pPr marL="0" marR="0" lvl="0" indent="0" algn="ctr" rtl="0">
+                  <a:lnSpc>
+                    <a:spcPct val="100000"/>
+                  </a:lnSpc>
+                  <a:spcBef>
+                    <a:spcPts val="0"/>
+                  </a:spcBef>
+                  <a:spcAft>
+                    <a:spcPts val="0"/>
+                  </a:spcAft>
+                  <a:buClr>
+                    <a:srgbClr val="010101"/>
+                  </a:buClr>
+                  <a:buSzPts val="2400"/>
+                  <a:buFont typeface="Arial"/>
+                  <a:buNone/>
+                </a:pPr>
+                <a:endParaRPr sz="2400" b="1" i="0" u="none" strike="noStrike" cap="none">
+                  <a:solidFill>
+                    <a:srgbClr val="010101"/>
+                  </a:solidFill>
+                  <a:latin typeface="Arial Narrow"/>
+                  <a:ea typeface="Arial Narrow"/>
+                  <a:cs typeface="Arial Narrow"/>
+                  <a:sym typeface="Arial Narrow"/>
+                </a:endParaRPr>
+              </a:p>
+            </p:txBody>
+          </p:sp>
+          <p:cxnSp>
+            <p:nvCxnSpPr>
+              <p:cNvPr id="33" name="Google Shape;581;p74">
+                <a:extLst>
+                  <a:ext uri="{FF2B5EF4-FFF2-40B4-BE49-F238E27FC236}">
+                    <a16:creationId xmlns:a16="http://schemas.microsoft.com/office/drawing/2014/main" id="{B14F36BE-30EA-E4D8-35DD-00D10DD2A502}"/>
+                  </a:ext>
+                </a:extLst>
+              </p:cNvPr>
+              <p:cNvCxnSpPr>
+                <a:stCxn id="31" idx="7"/>
+                <a:endCxn id="24" idx="2"/>
+              </p:cNvCxnSpPr>
+              <p:nvPr/>
+            </p:nvCxnSpPr>
+            <p:spPr>
+              <a:xfrm rot="10800000" flipH="1">
+                <a:off x="3700322" y="4381378"/>
+                <a:ext cx="490800" cy="224100"/>
+              </a:xfrm>
+              <a:prstGeom prst="straightConnector1">
+                <a:avLst/>
+              </a:prstGeom>
+              <a:noFill/>
+              <a:ln w="12700" cap="flat" cmpd="sng">
+                <a:solidFill>
+                  <a:srgbClr val="010101"/>
+                </a:solidFill>
+                <a:prstDash val="solid"/>
+                <a:round/>
+                <a:headEnd type="none" w="sm" len="sm"/>
+                <a:tailEnd type="triangle" w="med" len="med"/>
+              </a:ln>
+            </p:spPr>
+          </p:cxnSp>
+          <p:cxnSp>
+            <p:nvCxnSpPr>
+              <p:cNvPr id="34" name="Google Shape;582;p74">
+                <a:extLst>
+                  <a:ext uri="{FF2B5EF4-FFF2-40B4-BE49-F238E27FC236}">
+                    <a16:creationId xmlns:a16="http://schemas.microsoft.com/office/drawing/2014/main" id="{0C7FED62-2085-7283-2158-6497BA798DBD}"/>
+                  </a:ext>
+                </a:extLst>
+              </p:cNvPr>
+              <p:cNvCxnSpPr>
+                <a:stCxn id="24" idx="6"/>
+                <a:endCxn id="27" idx="2"/>
+              </p:cNvCxnSpPr>
+              <p:nvPr/>
+            </p:nvCxnSpPr>
+            <p:spPr>
+              <a:xfrm>
+                <a:off x="4419600" y="4381500"/>
+                <a:ext cx="375000" cy="227100"/>
+              </a:xfrm>
+              <a:prstGeom prst="straightConnector1">
+                <a:avLst/>
+              </a:prstGeom>
+              <a:noFill/>
+              <a:ln w="12700" cap="flat" cmpd="sng">
+                <a:solidFill>
+                  <a:srgbClr val="010101"/>
+                </a:solidFill>
+                <a:prstDash val="solid"/>
+                <a:round/>
+                <a:headEnd type="none" w="sm" len="sm"/>
+                <a:tailEnd type="triangle" w="med" len="med"/>
+              </a:ln>
+            </p:spPr>
+          </p:cxnSp>
+          <p:cxnSp>
+            <p:nvCxnSpPr>
+              <p:cNvPr id="35" name="Google Shape;583;p74">
+                <a:extLst>
+                  <a:ext uri="{FF2B5EF4-FFF2-40B4-BE49-F238E27FC236}">
+                    <a16:creationId xmlns:a16="http://schemas.microsoft.com/office/drawing/2014/main" id="{CE1E83DE-E962-F97B-ED12-B72925784857}"/>
+                  </a:ext>
+                </a:extLst>
+              </p:cNvPr>
+              <p:cNvCxnSpPr>
+                <a:stCxn id="27" idx="4"/>
+                <a:endCxn id="28" idx="0"/>
+              </p:cNvCxnSpPr>
+              <p:nvPr/>
+            </p:nvCxnSpPr>
+            <p:spPr>
+              <a:xfrm flipH="1">
+                <a:off x="4762621" y="4722813"/>
+                <a:ext cx="146400" cy="230100"/>
+              </a:xfrm>
+              <a:prstGeom prst="straightConnector1">
+                <a:avLst/>
+              </a:prstGeom>
+              <a:noFill/>
+              <a:ln w="12700" cap="flat" cmpd="sng">
+                <a:solidFill>
+                  <a:srgbClr val="010101"/>
+                </a:solidFill>
+                <a:prstDash val="solid"/>
+                <a:round/>
+                <a:headEnd type="none" w="sm" len="sm"/>
+                <a:tailEnd type="triangle" w="med" len="med"/>
+              </a:ln>
+            </p:spPr>
+          </p:cxnSp>
+          <p:cxnSp>
+            <p:nvCxnSpPr>
+              <p:cNvPr id="36" name="Google Shape;584;p74">
+                <a:extLst>
+                  <a:ext uri="{FF2B5EF4-FFF2-40B4-BE49-F238E27FC236}">
+                    <a16:creationId xmlns:a16="http://schemas.microsoft.com/office/drawing/2014/main" id="{4EFB6F35-D2ED-F667-DDBD-523AB38A4450}"/>
+                  </a:ext>
+                </a:extLst>
+              </p:cNvPr>
+              <p:cNvCxnSpPr>
+                <a:stCxn id="28" idx="5"/>
+                <a:endCxn id="32" idx="1"/>
+              </p:cNvCxnSpPr>
+              <p:nvPr/>
+            </p:nvCxnSpPr>
+            <p:spPr>
+              <a:xfrm>
+                <a:off x="4843322" y="5148122"/>
+                <a:ext cx="143100" cy="219300"/>
+              </a:xfrm>
+              <a:prstGeom prst="straightConnector1">
+                <a:avLst/>
+              </a:prstGeom>
+              <a:noFill/>
+              <a:ln w="12700" cap="flat" cmpd="sng">
+                <a:solidFill>
+                  <a:srgbClr val="010101"/>
+                </a:solidFill>
+                <a:prstDash val="solid"/>
+                <a:round/>
+                <a:headEnd type="none" w="sm" len="sm"/>
+                <a:tailEnd type="triangle" w="med" len="med"/>
+              </a:ln>
+            </p:spPr>
+          </p:cxnSp>
+          <p:cxnSp>
+            <p:nvCxnSpPr>
+              <p:cNvPr id="37" name="Google Shape;585;p74">
+                <a:extLst>
+                  <a:ext uri="{FF2B5EF4-FFF2-40B4-BE49-F238E27FC236}">
+                    <a16:creationId xmlns:a16="http://schemas.microsoft.com/office/drawing/2014/main" id="{533920CF-884C-7E34-95C7-C4A19F534712}"/>
+                  </a:ext>
+                </a:extLst>
+              </p:cNvPr>
+              <p:cNvCxnSpPr>
+                <a:stCxn id="32" idx="2"/>
+                <a:endCxn id="30" idx="6"/>
+              </p:cNvCxnSpPr>
+              <p:nvPr/>
+            </p:nvCxnSpPr>
+            <p:spPr>
+              <a:xfrm flipH="1">
+                <a:off x="4648200" y="5448300"/>
+                <a:ext cx="304800" cy="152400"/>
+              </a:xfrm>
+              <a:prstGeom prst="straightConnector1">
+                <a:avLst/>
+              </a:prstGeom>
+              <a:noFill/>
+              <a:ln w="12700" cap="flat" cmpd="sng">
+                <a:solidFill>
+                  <a:srgbClr val="010101"/>
+                </a:solidFill>
+                <a:prstDash val="solid"/>
+                <a:round/>
+                <a:headEnd type="none" w="sm" len="sm"/>
+                <a:tailEnd type="triangle" w="med" len="med"/>
+              </a:ln>
+            </p:spPr>
+          </p:cxnSp>
+          <p:cxnSp>
+            <p:nvCxnSpPr>
+              <p:cNvPr id="38" name="Google Shape;586;p74">
+                <a:extLst>
+                  <a:ext uri="{FF2B5EF4-FFF2-40B4-BE49-F238E27FC236}">
+                    <a16:creationId xmlns:a16="http://schemas.microsoft.com/office/drawing/2014/main" id="{968640B7-0B4A-A1B1-00D7-288233DB9C82}"/>
+                  </a:ext>
+                </a:extLst>
+              </p:cNvPr>
+              <p:cNvCxnSpPr>
+                <a:endCxn id="26" idx="5"/>
+              </p:cNvCxnSpPr>
+              <p:nvPr/>
+            </p:nvCxnSpPr>
+            <p:spPr>
+              <a:xfrm rot="10800000">
+                <a:off x="4386122" y="5300522"/>
+                <a:ext cx="105000" cy="219300"/>
+              </a:xfrm>
+              <a:prstGeom prst="straightConnector1">
+                <a:avLst/>
+              </a:prstGeom>
+              <a:noFill/>
+              <a:ln w="12700" cap="flat" cmpd="sng">
+                <a:solidFill>
+                  <a:srgbClr val="010101"/>
+                </a:solidFill>
+                <a:prstDash val="solid"/>
+                <a:round/>
+                <a:headEnd type="none" w="sm" len="sm"/>
+                <a:tailEnd type="triangle" w="med" len="med"/>
+              </a:ln>
+            </p:spPr>
+          </p:cxnSp>
+          <p:cxnSp>
+            <p:nvCxnSpPr>
+              <p:cNvPr id="39" name="Google Shape;587;p74">
+                <a:extLst>
+                  <a:ext uri="{FF2B5EF4-FFF2-40B4-BE49-F238E27FC236}">
+                    <a16:creationId xmlns:a16="http://schemas.microsoft.com/office/drawing/2014/main" id="{6D3B353F-B338-5DD1-9B04-66D00CC8092C}"/>
+                  </a:ext>
+                </a:extLst>
+              </p:cNvPr>
+              <p:cNvCxnSpPr>
+                <a:stCxn id="26" idx="1"/>
+                <a:endCxn id="25" idx="5"/>
+              </p:cNvCxnSpPr>
+              <p:nvPr/>
+            </p:nvCxnSpPr>
+            <p:spPr>
+              <a:xfrm rot="10800000">
+                <a:off x="4081378" y="4919578"/>
+                <a:ext cx="143100" cy="219300"/>
+              </a:xfrm>
+              <a:prstGeom prst="straightConnector1">
+                <a:avLst/>
+              </a:prstGeom>
+              <a:noFill/>
+              <a:ln w="12700" cap="flat" cmpd="sng">
+                <a:solidFill>
+                  <a:srgbClr val="010101"/>
+                </a:solidFill>
+                <a:prstDash val="solid"/>
+                <a:round/>
+                <a:headEnd type="none" w="sm" len="sm"/>
+                <a:tailEnd type="triangle" w="med" len="med"/>
+              </a:ln>
+            </p:spPr>
+          </p:cxnSp>
+          <p:cxnSp>
+            <p:nvCxnSpPr>
+              <p:cNvPr id="40" name="Google Shape;588;p74">
+                <a:extLst>
+                  <a:ext uri="{FF2B5EF4-FFF2-40B4-BE49-F238E27FC236}">
+                    <a16:creationId xmlns:a16="http://schemas.microsoft.com/office/drawing/2014/main" id="{3101CE62-44B5-541D-074E-F0AF47933ACA}"/>
+                  </a:ext>
+                </a:extLst>
+              </p:cNvPr>
+              <p:cNvCxnSpPr>
+                <a:stCxn id="25" idx="3"/>
+                <a:endCxn id="29" idx="7"/>
+              </p:cNvCxnSpPr>
+              <p:nvPr/>
+            </p:nvCxnSpPr>
+            <p:spPr>
+              <a:xfrm flipH="1">
+                <a:off x="3776578" y="4919522"/>
+                <a:ext cx="143100" cy="371700"/>
+              </a:xfrm>
+              <a:prstGeom prst="straightConnector1">
+                <a:avLst/>
+              </a:prstGeom>
+              <a:noFill/>
+              <a:ln w="12700" cap="flat" cmpd="sng">
+                <a:solidFill>
+                  <a:srgbClr val="010101"/>
+                </a:solidFill>
+                <a:prstDash val="solid"/>
+                <a:round/>
+                <a:headEnd type="none" w="sm" len="sm"/>
+                <a:tailEnd type="triangle" w="med" len="med"/>
+              </a:ln>
+            </p:spPr>
+          </p:cxnSp>
+          <p:cxnSp>
+            <p:nvCxnSpPr>
+              <p:cNvPr id="41" name="Google Shape;589;p74">
+                <a:extLst>
+                  <a:ext uri="{FF2B5EF4-FFF2-40B4-BE49-F238E27FC236}">
+                    <a16:creationId xmlns:a16="http://schemas.microsoft.com/office/drawing/2014/main" id="{2ACEA0B6-C02A-9BF6-AC9F-30D2E02EB631}"/>
+                  </a:ext>
+                </a:extLst>
+              </p:cNvPr>
+              <p:cNvCxnSpPr>
+                <a:stCxn id="31" idx="4"/>
+                <a:endCxn id="29" idx="1"/>
+              </p:cNvCxnSpPr>
+              <p:nvPr/>
+            </p:nvCxnSpPr>
+            <p:spPr>
+              <a:xfrm flipH="1">
+                <a:off x="3615000" y="4800600"/>
+                <a:ext cx="4500" cy="490800"/>
+              </a:xfrm>
+              <a:prstGeom prst="straightConnector1">
+                <a:avLst/>
+              </a:prstGeom>
+              <a:noFill/>
+              <a:ln w="12700" cap="flat" cmpd="sng">
+                <a:solidFill>
+                  <a:srgbClr val="010101"/>
+                </a:solidFill>
+                <a:prstDash val="solid"/>
+                <a:round/>
+                <a:headEnd type="none" w="sm" len="sm"/>
+                <a:tailEnd type="triangle" w="med" len="med"/>
+              </a:ln>
+            </p:spPr>
+          </p:cxnSp>
+          <p:cxnSp>
+            <p:nvCxnSpPr>
+              <p:cNvPr id="42" name="Google Shape;590;p74">
+                <a:extLst>
+                  <a:ext uri="{FF2B5EF4-FFF2-40B4-BE49-F238E27FC236}">
+                    <a16:creationId xmlns:a16="http://schemas.microsoft.com/office/drawing/2014/main" id="{6EE69534-D1F9-818E-8A1E-D8D717410280}"/>
+                  </a:ext>
+                </a:extLst>
+              </p:cNvPr>
+              <p:cNvCxnSpPr>
+                <a:stCxn id="26" idx="7"/>
+                <a:endCxn id="24" idx="4"/>
+              </p:cNvCxnSpPr>
+              <p:nvPr/>
+            </p:nvCxnSpPr>
+            <p:spPr>
+              <a:xfrm rot="10800000">
+                <a:off x="4305422" y="4495678"/>
+                <a:ext cx="80700" cy="643200"/>
+              </a:xfrm>
+              <a:prstGeom prst="straightConnector1">
+                <a:avLst/>
+              </a:prstGeom>
+              <a:noFill/>
+              <a:ln w="12700" cap="flat" cmpd="sng">
+                <a:solidFill>
+                  <a:srgbClr val="010101"/>
+                </a:solidFill>
+                <a:prstDash val="solid"/>
+                <a:round/>
+                <a:headEnd type="none" w="sm" len="sm"/>
+                <a:tailEnd type="triangle" w="med" len="med"/>
+              </a:ln>
+            </p:spPr>
+          </p:cxnSp>
+          <p:cxnSp>
+            <p:nvCxnSpPr>
+              <p:cNvPr id="43" name="Google Shape;591;p74">
+                <a:extLst>
+                  <a:ext uri="{FF2B5EF4-FFF2-40B4-BE49-F238E27FC236}">
+                    <a16:creationId xmlns:a16="http://schemas.microsoft.com/office/drawing/2014/main" id="{E33EA807-BFED-3E37-D3E5-096A31F2FD6B}"/>
+                  </a:ext>
+                </a:extLst>
+              </p:cNvPr>
+              <p:cNvCxnSpPr>
+                <a:stCxn id="26" idx="3"/>
+                <a:endCxn id="29" idx="6"/>
+              </p:cNvCxnSpPr>
+              <p:nvPr/>
+            </p:nvCxnSpPr>
+            <p:spPr>
+              <a:xfrm flipH="1">
+                <a:off x="3809878" y="5300522"/>
+                <a:ext cx="414600" cy="71700"/>
+              </a:xfrm>
+              <a:prstGeom prst="straightConnector1">
+                <a:avLst/>
+              </a:prstGeom>
+              <a:noFill/>
+              <a:ln w="12700" cap="flat" cmpd="sng">
+                <a:solidFill>
+                  <a:srgbClr val="010101"/>
+                </a:solidFill>
+                <a:prstDash val="solid"/>
+                <a:round/>
+                <a:headEnd type="none" w="sm" len="sm"/>
+                <a:tailEnd type="triangle" w="med" len="med"/>
+              </a:ln>
+            </p:spPr>
+          </p:cxnSp>
+          <p:sp>
+            <p:nvSpPr>
+              <p:cNvPr id="44" name="Google Shape;592;p74">
+                <a:extLst>
+                  <a:ext uri="{FF2B5EF4-FFF2-40B4-BE49-F238E27FC236}">
+                    <a16:creationId xmlns:a16="http://schemas.microsoft.com/office/drawing/2014/main" id="{2CB4FC90-8E68-EA77-B5F6-2FD980A22B69}"/>
+                  </a:ext>
+                </a:extLst>
+              </p:cNvPr>
+              <p:cNvSpPr/>
+              <p:nvPr/>
+            </p:nvSpPr>
+            <p:spPr>
+              <a:xfrm>
+                <a:off x="3962400" y="5638800"/>
+                <a:ext cx="228600" cy="228600"/>
+              </a:xfrm>
+              <a:prstGeom prst="ellipse">
+                <a:avLst/>
+              </a:prstGeom>
+              <a:solidFill>
+                <a:srgbClr val="9900FF"/>
+              </a:solidFill>
+              <a:ln w="12700" cap="flat" cmpd="sng">
+                <a:solidFill>
+                  <a:srgbClr val="010101"/>
+                </a:solidFill>
+                <a:prstDash val="solid"/>
+                <a:round/>
+                <a:headEnd type="none" w="sm" len="sm"/>
+                <a:tailEnd type="none" w="sm" len="sm"/>
+              </a:ln>
+            </p:spPr>
+            <p:txBody>
+              <a:bodyPr spcFirstLastPara="1" wrap="square" lIns="91425" tIns="45700" rIns="91425" bIns="45700" anchor="t" anchorCtr="0">
+                <a:noAutofit/>
+              </a:bodyPr>
+              <a:lstStyle/>
+              <a:p>
+                <a:pPr marL="0" marR="0" lvl="0" indent="0" algn="ctr" rtl="0">
+                  <a:lnSpc>
+                    <a:spcPct val="100000"/>
+                  </a:lnSpc>
+                  <a:spcBef>
+                    <a:spcPts val="0"/>
+                  </a:spcBef>
+                  <a:spcAft>
+                    <a:spcPts val="0"/>
+                  </a:spcAft>
+                  <a:buClr>
+                    <a:srgbClr val="010101"/>
+                  </a:buClr>
+                  <a:buSzPts val="2400"/>
+                  <a:buFont typeface="Arial"/>
+                  <a:buNone/>
+                </a:pPr>
+                <a:endParaRPr sz="2400" b="1" i="0" u="none" strike="noStrike" cap="none">
+                  <a:solidFill>
+                    <a:srgbClr val="010101"/>
+                  </a:solidFill>
+                  <a:latin typeface="Arial Narrow"/>
+                  <a:ea typeface="Arial Narrow"/>
+                  <a:cs typeface="Arial Narrow"/>
+                  <a:sym typeface="Arial Narrow"/>
+                </a:endParaRPr>
+              </a:p>
+            </p:txBody>
+          </p:sp>
+          <p:cxnSp>
+            <p:nvCxnSpPr>
+              <p:cNvPr id="45" name="Google Shape;593;p74">
+                <a:extLst>
+                  <a:ext uri="{FF2B5EF4-FFF2-40B4-BE49-F238E27FC236}">
+                    <a16:creationId xmlns:a16="http://schemas.microsoft.com/office/drawing/2014/main" id="{004A88A9-32BF-9E33-74E6-7888AF05E303}"/>
+                  </a:ext>
+                </a:extLst>
+              </p:cNvPr>
+              <p:cNvCxnSpPr>
+                <a:stCxn id="44" idx="7"/>
+                <a:endCxn id="26" idx="4"/>
+              </p:cNvCxnSpPr>
+              <p:nvPr/>
+            </p:nvCxnSpPr>
+            <p:spPr>
+              <a:xfrm rot="10800000" flipH="1">
+                <a:off x="4157522" y="5333878"/>
+                <a:ext cx="147900" cy="338400"/>
+              </a:xfrm>
+              <a:prstGeom prst="straightConnector1">
+                <a:avLst/>
+              </a:prstGeom>
+              <a:noFill/>
+              <a:ln w="12700" cap="flat" cmpd="sng">
+                <a:solidFill>
+                  <a:srgbClr val="010101"/>
+                </a:solidFill>
+                <a:prstDash val="solid"/>
+                <a:round/>
+                <a:headEnd type="none" w="sm" len="sm"/>
+                <a:tailEnd type="triangle" w="med" len="med"/>
+              </a:ln>
+            </p:spPr>
+          </p:cxnSp>
+        </p:grpSp>
+      </p:grpSp>
+      <p:sp>
+        <p:nvSpPr>
+          <p:cNvPr id="46" name="TextBox 45">
+            <a:extLst>
+              <a:ext uri="{FF2B5EF4-FFF2-40B4-BE49-F238E27FC236}">
+                <a16:creationId xmlns:a16="http://schemas.microsoft.com/office/drawing/2014/main" id="{55E89B95-EB24-C493-FB65-3D2EFA685107}"/>
+              </a:ext>
+            </a:extLst>
+          </p:cNvPr>
+          <p:cNvSpPr txBox="1"/>
+          <p:nvPr/>
+        </p:nvSpPr>
+        <p:spPr>
+          <a:xfrm>
+            <a:off x="7185352" y="1047265"/>
+            <a:ext cx="3277436" cy="369332"/>
+          </a:xfrm>
+          <a:prstGeom prst="rect">
+            <a:avLst/>
+          </a:prstGeom>
+          <a:noFill/>
+        </p:spPr>
+        <p:txBody>
+          <a:bodyPr wrap="none" rtlCol="0">
+            <a:spAutoFit/>
+          </a:bodyPr>
+          <a:lstStyle/>
+          <a:p>
+            <a:r>
+              <a:rPr lang="en-US" b="1" dirty="0"/>
+              <a:t>Knowledge Graph (Codebase)</a:t>
+            </a:r>
+          </a:p>
+        </p:txBody>
+      </p:sp>
+      <p:sp>
+        <p:nvSpPr>
+          <p:cNvPr id="47" name="TextBox 46">
+            <a:extLst>
+              <a:ext uri="{FF2B5EF4-FFF2-40B4-BE49-F238E27FC236}">
+                <a16:creationId xmlns:a16="http://schemas.microsoft.com/office/drawing/2014/main" id="{87E1BB29-700B-12D4-E737-25BD23F4105D}"/>
+              </a:ext>
+            </a:extLst>
+          </p:cNvPr>
+          <p:cNvSpPr txBox="1"/>
+          <p:nvPr/>
+        </p:nvSpPr>
+        <p:spPr>
+          <a:xfrm>
+            <a:off x="7977557" y="2850176"/>
+            <a:ext cx="781752" cy="369332"/>
+          </a:xfrm>
+          <a:prstGeom prst="rect">
+            <a:avLst/>
+          </a:prstGeom>
+          <a:noFill/>
+        </p:spPr>
+        <p:txBody>
+          <a:bodyPr wrap="none" rtlCol="0">
+            <a:spAutoFit/>
+          </a:bodyPr>
+          <a:lstStyle/>
+          <a:p>
+            <a:r>
+              <a:rPr lang="en-US" b="1" dirty="0"/>
+              <a:t>Rules</a:t>
+            </a:r>
+          </a:p>
+        </p:txBody>
+      </p:sp>
+      <p:sp>
+        <p:nvSpPr>
+          <p:cNvPr id="48" name="TextBox 47">
+            <a:extLst>
+              <a:ext uri="{FF2B5EF4-FFF2-40B4-BE49-F238E27FC236}">
+                <a16:creationId xmlns:a16="http://schemas.microsoft.com/office/drawing/2014/main" id="{C4DA530A-7367-62E8-179F-154904A7DCF1}"/>
+              </a:ext>
+            </a:extLst>
+          </p:cNvPr>
+          <p:cNvSpPr txBox="1"/>
+          <p:nvPr/>
+        </p:nvSpPr>
+        <p:spPr>
+          <a:xfrm>
+            <a:off x="1957839" y="2957708"/>
+            <a:ext cx="1763303" cy="369332"/>
+          </a:xfrm>
+          <a:prstGeom prst="rect">
+            <a:avLst/>
+          </a:prstGeom>
+          <a:noFill/>
+        </p:spPr>
+        <p:txBody>
+          <a:bodyPr wrap="none" rtlCol="0">
+            <a:spAutoFit/>
+          </a:bodyPr>
+          <a:lstStyle/>
+          <a:p>
+            <a:r>
+              <a:rPr lang="en-US" dirty="0"/>
+              <a:t>Classify Prompt</a:t>
+            </a:r>
+          </a:p>
+        </p:txBody>
+      </p:sp>
+      <p:sp>
+        <p:nvSpPr>
+          <p:cNvPr id="49" name="Rounded Rectangle 48">
+            <a:extLst>
+              <a:ext uri="{FF2B5EF4-FFF2-40B4-BE49-F238E27FC236}">
+                <a16:creationId xmlns:a16="http://schemas.microsoft.com/office/drawing/2014/main" id="{2340FA84-0ACB-F1C7-6339-0A450A50531F}"/>
+              </a:ext>
+            </a:extLst>
+          </p:cNvPr>
+          <p:cNvSpPr/>
+          <p:nvPr/>
+        </p:nvSpPr>
+        <p:spPr>
+          <a:xfrm>
+            <a:off x="4017346" y="3973456"/>
+            <a:ext cx="2638251" cy="625643"/>
+          </a:xfrm>
+          <a:prstGeom prst="roundRect">
+            <a:avLst/>
+          </a:prstGeom>
+          <a:solidFill>
+            <a:srgbClr val="FFC000"/>
+          </a:solidFill>
+          <a:ln>
+            <a:solidFill>
+              <a:srgbClr val="002060"/>
+            </a:solidFill>
+          </a:ln>
+        </p:spPr>
+        <p:style>
+          <a:lnRef idx="2">
+            <a:schemeClr val="accent1">
+              <a:shade val="15000"/>
+            </a:schemeClr>
+          </a:lnRef>
+          <a:fillRef idx="1">
+            <a:schemeClr val="accent1"/>
+          </a:fillRef>
+          <a:effectRef idx="0">
+            <a:schemeClr val="accent1"/>
+          </a:effectRef>
+          <a:fontRef idx="minor">
+            <a:schemeClr val="lt1"/>
+          </a:fontRef>
+        </p:style>
+        <p:txBody>
+          <a:bodyPr rtlCol="0" anchor="ctr"/>
+          <a:lstStyle/>
+          <a:p>
+            <a:pPr algn="ctr"/>
+            <a:r>
+              <a:rPr lang="en-US" b="1" dirty="0">
+                <a:solidFill>
+                  <a:schemeClr val="tx1"/>
+                </a:solidFill>
+                <a:latin typeface="Arial" panose="020B0604020202020204" pitchFamily="34" charset="0"/>
+                <a:cs typeface="Arial" panose="020B0604020202020204" pitchFamily="34" charset="0"/>
+              </a:rPr>
+              <a:t>Workflow Matcher</a:t>
+            </a:r>
+          </a:p>
+        </p:txBody>
+      </p:sp>
+      <p:sp>
+        <p:nvSpPr>
+          <p:cNvPr id="50" name="Rectangle 49">
+            <a:extLst>
+              <a:ext uri="{FF2B5EF4-FFF2-40B4-BE49-F238E27FC236}">
+                <a16:creationId xmlns:a16="http://schemas.microsoft.com/office/drawing/2014/main" id="{B750E1B9-55E4-4AD8-4BD6-F8A2186671B7}"/>
+              </a:ext>
+            </a:extLst>
+          </p:cNvPr>
+          <p:cNvSpPr/>
+          <p:nvPr/>
+        </p:nvSpPr>
+        <p:spPr>
+          <a:xfrm>
+            <a:off x="2241144" y="5505458"/>
+            <a:ext cx="1133388" cy="518984"/>
+          </a:xfrm>
+          <a:prstGeom prst="rect">
+            <a:avLst/>
+          </a:prstGeom>
+          <a:solidFill>
+            <a:srgbClr val="0070C0"/>
+          </a:solidFill>
+        </p:spPr>
+        <p:style>
+          <a:lnRef idx="2">
+            <a:schemeClr val="accent1">
+              <a:shade val="15000"/>
+            </a:schemeClr>
+          </a:lnRef>
+          <a:fillRef idx="1">
+            <a:schemeClr val="accent1"/>
+          </a:fillRef>
+          <a:effectRef idx="0">
+            <a:schemeClr val="accent1"/>
+          </a:effectRef>
+          <a:fontRef idx="minor">
+            <a:schemeClr val="lt1"/>
+          </a:fontRef>
+        </p:style>
+        <p:txBody>
+          <a:bodyPr rtlCol="0" anchor="ctr"/>
+          <a:lstStyle/>
+          <a:p>
+            <a:pPr algn="ctr"/>
+            <a:r>
+              <a:rPr lang="en-US" dirty="0">
+                <a:latin typeface="Arial" panose="020B0604020202020204" pitchFamily="34" charset="0"/>
+                <a:cs typeface="Arial" panose="020B0604020202020204" pitchFamily="34" charset="0"/>
+              </a:rPr>
+              <a:t>WF2</a:t>
+            </a:r>
+          </a:p>
+        </p:txBody>
+      </p:sp>
+      <p:sp>
+        <p:nvSpPr>
+          <p:cNvPr id="51" name="Rectangle 50">
+            <a:extLst>
+              <a:ext uri="{FF2B5EF4-FFF2-40B4-BE49-F238E27FC236}">
+                <a16:creationId xmlns:a16="http://schemas.microsoft.com/office/drawing/2014/main" id="{5F6A1E60-1CC6-29AE-6E2D-C92B9E4D3405}"/>
+              </a:ext>
+            </a:extLst>
+          </p:cNvPr>
+          <p:cNvSpPr/>
+          <p:nvPr/>
+        </p:nvSpPr>
+        <p:spPr>
+          <a:xfrm>
+            <a:off x="3502454" y="5501206"/>
+            <a:ext cx="1133388" cy="518984"/>
+          </a:xfrm>
+          <a:prstGeom prst="rect">
+            <a:avLst/>
+          </a:prstGeom>
+          <a:solidFill>
+            <a:srgbClr val="0070C0"/>
+          </a:solidFill>
+        </p:spPr>
+        <p:style>
+          <a:lnRef idx="2">
+            <a:schemeClr val="accent1">
+              <a:shade val="15000"/>
+            </a:schemeClr>
+          </a:lnRef>
+          <a:fillRef idx="1">
+            <a:schemeClr val="accent1"/>
+          </a:fillRef>
+          <a:effectRef idx="0">
+            <a:schemeClr val="accent1"/>
+          </a:effectRef>
+          <a:fontRef idx="minor">
+            <a:schemeClr val="lt1"/>
+          </a:fontRef>
+        </p:style>
+        <p:txBody>
+          <a:bodyPr rtlCol="0" anchor="ctr"/>
+          <a:lstStyle/>
+          <a:p>
+            <a:pPr algn="ctr"/>
+            <a:r>
+              <a:rPr lang="en-US" dirty="0">
+                <a:latin typeface="Arial" panose="020B0604020202020204" pitchFamily="34" charset="0"/>
+                <a:cs typeface="Arial" panose="020B0604020202020204" pitchFamily="34" charset="0"/>
+              </a:rPr>
+              <a:t>WF3</a:t>
+            </a:r>
+          </a:p>
+        </p:txBody>
+      </p:sp>
+      <p:sp>
+        <p:nvSpPr>
+          <p:cNvPr id="52" name="Rectangle 51">
+            <a:extLst>
+              <a:ext uri="{FF2B5EF4-FFF2-40B4-BE49-F238E27FC236}">
+                <a16:creationId xmlns:a16="http://schemas.microsoft.com/office/drawing/2014/main" id="{BB38BB57-DD5B-DA7A-8405-5FEC0667326A}"/>
+              </a:ext>
+            </a:extLst>
+          </p:cNvPr>
+          <p:cNvSpPr/>
+          <p:nvPr/>
+        </p:nvSpPr>
+        <p:spPr>
+          <a:xfrm>
+            <a:off x="6031088" y="5496413"/>
+            <a:ext cx="1133388" cy="518984"/>
+          </a:xfrm>
+          <a:prstGeom prst="rect">
+            <a:avLst/>
+          </a:prstGeom>
+          <a:solidFill>
+            <a:srgbClr val="0070C0"/>
+          </a:solidFill>
+        </p:spPr>
+        <p:style>
+          <a:lnRef idx="2">
+            <a:schemeClr val="accent1">
+              <a:shade val="15000"/>
+            </a:schemeClr>
+          </a:lnRef>
+          <a:fillRef idx="1">
+            <a:schemeClr val="accent1"/>
+          </a:fillRef>
+          <a:effectRef idx="0">
+            <a:schemeClr val="accent1"/>
+          </a:effectRef>
+          <a:fontRef idx="minor">
+            <a:schemeClr val="lt1"/>
+          </a:fontRef>
+        </p:style>
+        <p:txBody>
+          <a:bodyPr rtlCol="0" anchor="ctr"/>
+          <a:lstStyle/>
+          <a:p>
+            <a:pPr algn="ctr"/>
+            <a:r>
+              <a:rPr lang="en-US" dirty="0">
+                <a:latin typeface="Arial" panose="020B0604020202020204" pitchFamily="34" charset="0"/>
+                <a:cs typeface="Arial" panose="020B0604020202020204" pitchFamily="34" charset="0"/>
+              </a:rPr>
+              <a:t>WF5</a:t>
+            </a:r>
+          </a:p>
+        </p:txBody>
+      </p:sp>
+      <p:sp>
+        <p:nvSpPr>
+          <p:cNvPr id="53" name="Rectangle 52">
+            <a:extLst>
+              <a:ext uri="{FF2B5EF4-FFF2-40B4-BE49-F238E27FC236}">
+                <a16:creationId xmlns:a16="http://schemas.microsoft.com/office/drawing/2014/main" id="{B933C982-8357-5270-9E5F-1A7194E43658}"/>
+              </a:ext>
+            </a:extLst>
+          </p:cNvPr>
+          <p:cNvSpPr/>
+          <p:nvPr/>
+        </p:nvSpPr>
+        <p:spPr>
+          <a:xfrm>
+            <a:off x="7278859" y="5505458"/>
+            <a:ext cx="1133388" cy="518984"/>
+          </a:xfrm>
+          <a:prstGeom prst="rect">
+            <a:avLst/>
+          </a:prstGeom>
+          <a:solidFill>
+            <a:srgbClr val="0070C0"/>
+          </a:solidFill>
+        </p:spPr>
+        <p:style>
+          <a:lnRef idx="2">
+            <a:schemeClr val="accent1">
+              <a:shade val="15000"/>
+            </a:schemeClr>
+          </a:lnRef>
+          <a:fillRef idx="1">
+            <a:schemeClr val="accent1"/>
+          </a:fillRef>
+          <a:effectRef idx="0">
+            <a:schemeClr val="accent1"/>
+          </a:effectRef>
+          <a:fontRef idx="minor">
+            <a:schemeClr val="lt1"/>
+          </a:fontRef>
+        </p:style>
+        <p:txBody>
+          <a:bodyPr rtlCol="0" anchor="ctr"/>
+          <a:lstStyle/>
+          <a:p>
+            <a:pPr algn="ctr"/>
+            <a:r>
+              <a:rPr lang="en-US" dirty="0">
+                <a:latin typeface="Arial" panose="020B0604020202020204" pitchFamily="34" charset="0"/>
+                <a:cs typeface="Arial" panose="020B0604020202020204" pitchFamily="34" charset="0"/>
+              </a:rPr>
+              <a:t>WF6</a:t>
+            </a:r>
+          </a:p>
+        </p:txBody>
+      </p:sp>
+      <p:cxnSp>
+        <p:nvCxnSpPr>
+          <p:cNvPr id="54" name="Straight Arrow Connector 53">
+            <a:extLst>
+              <a:ext uri="{FF2B5EF4-FFF2-40B4-BE49-F238E27FC236}">
+                <a16:creationId xmlns:a16="http://schemas.microsoft.com/office/drawing/2014/main" id="{4853680C-0887-3F05-5201-03B07FC7542F}"/>
+              </a:ext>
+            </a:extLst>
+          </p:cNvPr>
+          <p:cNvCxnSpPr>
+            <a:cxnSpLocks/>
+            <a:stCxn id="49" idx="2"/>
+            <a:endCxn id="7" idx="0"/>
+          </p:cNvCxnSpPr>
+          <p:nvPr/>
+        </p:nvCxnSpPr>
+        <p:spPr>
+          <a:xfrm flipH="1">
+            <a:off x="1573918" y="4599099"/>
+            <a:ext cx="3762554" cy="906359"/>
+          </a:xfrm>
+          <a:prstGeom prst="straightConnector1">
+            <a:avLst/>
+          </a:prstGeom>
+          <a:ln w="57150">
+            <a:solidFill>
+              <a:schemeClr val="tx1"/>
+            </a:solidFill>
+            <a:tailEnd type="triangle"/>
+          </a:ln>
+        </p:spPr>
+        <p:style>
+          <a:lnRef idx="2">
+            <a:schemeClr val="accent1"/>
+          </a:lnRef>
+          <a:fillRef idx="0">
+            <a:schemeClr val="accent1"/>
+          </a:fillRef>
+          <a:effectRef idx="1">
+            <a:schemeClr val="accent1"/>
+          </a:effectRef>
+          <a:fontRef idx="minor">
+            <a:schemeClr val="tx1"/>
+          </a:fontRef>
+        </p:style>
+      </p:cxnSp>
+      <p:cxnSp>
+        <p:nvCxnSpPr>
+          <p:cNvPr id="56" name="Straight Arrow Connector 55">
+            <a:extLst>
+              <a:ext uri="{FF2B5EF4-FFF2-40B4-BE49-F238E27FC236}">
+                <a16:creationId xmlns:a16="http://schemas.microsoft.com/office/drawing/2014/main" id="{FC75468F-45BE-72D8-452A-B9643BD0569B}"/>
+              </a:ext>
+            </a:extLst>
+          </p:cNvPr>
+          <p:cNvCxnSpPr>
+            <a:cxnSpLocks/>
+            <a:stCxn id="49" idx="2"/>
+            <a:endCxn id="50" idx="0"/>
+          </p:cNvCxnSpPr>
+          <p:nvPr/>
+        </p:nvCxnSpPr>
+        <p:spPr>
+          <a:xfrm flipH="1">
+            <a:off x="2807838" y="4599099"/>
+            <a:ext cx="2528634" cy="906359"/>
+          </a:xfrm>
+          <a:prstGeom prst="straightConnector1">
+            <a:avLst/>
+          </a:prstGeom>
+          <a:ln w="57150">
+            <a:solidFill>
+              <a:schemeClr val="tx1"/>
+            </a:solidFill>
+            <a:tailEnd type="triangle"/>
+          </a:ln>
+        </p:spPr>
+        <p:style>
+          <a:lnRef idx="2">
+            <a:schemeClr val="accent1"/>
+          </a:lnRef>
+          <a:fillRef idx="0">
+            <a:schemeClr val="accent1"/>
+          </a:fillRef>
+          <a:effectRef idx="1">
+            <a:schemeClr val="accent1"/>
+          </a:effectRef>
+          <a:fontRef idx="minor">
+            <a:schemeClr val="tx1"/>
+          </a:fontRef>
+        </p:style>
+      </p:cxnSp>
+      <p:cxnSp>
+        <p:nvCxnSpPr>
+          <p:cNvPr id="59" name="Straight Arrow Connector 58">
+            <a:extLst>
+              <a:ext uri="{FF2B5EF4-FFF2-40B4-BE49-F238E27FC236}">
+                <a16:creationId xmlns:a16="http://schemas.microsoft.com/office/drawing/2014/main" id="{6E7FCCF7-9015-28FE-AD94-D0080BF6556E}"/>
+              </a:ext>
+            </a:extLst>
+          </p:cNvPr>
+          <p:cNvCxnSpPr>
+            <a:cxnSpLocks/>
+            <a:stCxn id="49" idx="2"/>
+            <a:endCxn id="51" idx="0"/>
+          </p:cNvCxnSpPr>
+          <p:nvPr/>
+        </p:nvCxnSpPr>
+        <p:spPr>
+          <a:xfrm flipH="1">
+            <a:off x="4069148" y="4599099"/>
+            <a:ext cx="1267324" cy="902107"/>
+          </a:xfrm>
+          <a:prstGeom prst="straightConnector1">
+            <a:avLst/>
+          </a:prstGeom>
+          <a:ln w="57150">
+            <a:solidFill>
+              <a:schemeClr val="tx1"/>
+            </a:solidFill>
+            <a:tailEnd type="triangle"/>
+          </a:ln>
+        </p:spPr>
+        <p:style>
+          <a:lnRef idx="2">
+            <a:schemeClr val="accent1"/>
+          </a:lnRef>
+          <a:fillRef idx="0">
+            <a:schemeClr val="accent1"/>
+          </a:fillRef>
+          <a:effectRef idx="1">
+            <a:schemeClr val="accent1"/>
+          </a:effectRef>
+          <a:fontRef idx="minor">
+            <a:schemeClr val="tx1"/>
+          </a:fontRef>
+        </p:style>
+      </p:cxnSp>
+      <p:sp>
+        <p:nvSpPr>
+          <p:cNvPr id="62" name="Rectangle 61">
+            <a:extLst>
+              <a:ext uri="{FF2B5EF4-FFF2-40B4-BE49-F238E27FC236}">
+                <a16:creationId xmlns:a16="http://schemas.microsoft.com/office/drawing/2014/main" id="{E53DF176-70C5-014E-EEDD-CF850346D747}"/>
+              </a:ext>
+            </a:extLst>
+          </p:cNvPr>
+          <p:cNvSpPr/>
+          <p:nvPr/>
+        </p:nvSpPr>
+        <p:spPr>
+          <a:xfrm>
+            <a:off x="4795504" y="5496413"/>
+            <a:ext cx="1133388" cy="518984"/>
+          </a:xfrm>
+          <a:prstGeom prst="rect">
+            <a:avLst/>
+          </a:prstGeom>
+          <a:solidFill>
+            <a:srgbClr val="0070C0"/>
+          </a:solidFill>
+        </p:spPr>
+        <p:style>
+          <a:lnRef idx="2">
+            <a:schemeClr val="accent1">
+              <a:shade val="15000"/>
+            </a:schemeClr>
+          </a:lnRef>
+          <a:fillRef idx="1">
+            <a:schemeClr val="accent1"/>
+          </a:fillRef>
+          <a:effectRef idx="0">
+            <a:schemeClr val="accent1"/>
+          </a:effectRef>
+          <a:fontRef idx="minor">
+            <a:schemeClr val="lt1"/>
+          </a:fontRef>
+        </p:style>
+        <p:txBody>
+          <a:bodyPr rtlCol="0" anchor="ctr"/>
+          <a:lstStyle/>
+          <a:p>
+            <a:pPr algn="ctr"/>
+            <a:r>
+              <a:rPr lang="en-US" dirty="0">
+                <a:latin typeface="Arial" panose="020B0604020202020204" pitchFamily="34" charset="0"/>
+                <a:cs typeface="Arial" panose="020B0604020202020204" pitchFamily="34" charset="0"/>
+              </a:rPr>
+              <a:t>WF4</a:t>
+            </a:r>
+          </a:p>
+        </p:txBody>
+      </p:sp>
+      <p:sp>
+        <p:nvSpPr>
+          <p:cNvPr id="63" name="Rectangle 62">
+            <a:extLst>
+              <a:ext uri="{FF2B5EF4-FFF2-40B4-BE49-F238E27FC236}">
+                <a16:creationId xmlns:a16="http://schemas.microsoft.com/office/drawing/2014/main" id="{44AACC88-F935-DC2B-E788-CB305DB76761}"/>
+              </a:ext>
+            </a:extLst>
+          </p:cNvPr>
+          <p:cNvSpPr/>
+          <p:nvPr/>
+        </p:nvSpPr>
+        <p:spPr>
+          <a:xfrm>
+            <a:off x="8523059" y="5505458"/>
+            <a:ext cx="1133388" cy="518984"/>
+          </a:xfrm>
+          <a:prstGeom prst="rect">
+            <a:avLst/>
+          </a:prstGeom>
+          <a:solidFill>
+            <a:srgbClr val="0070C0"/>
+          </a:solidFill>
+        </p:spPr>
+        <p:style>
+          <a:lnRef idx="2">
+            <a:schemeClr val="accent1">
+              <a:shade val="15000"/>
+            </a:schemeClr>
+          </a:lnRef>
+          <a:fillRef idx="1">
+            <a:schemeClr val="accent1"/>
+          </a:fillRef>
+          <a:effectRef idx="0">
+            <a:schemeClr val="accent1"/>
+          </a:effectRef>
+          <a:fontRef idx="minor">
+            <a:schemeClr val="lt1"/>
+          </a:fontRef>
+        </p:style>
+        <p:txBody>
+          <a:bodyPr rtlCol="0" anchor="ctr"/>
+          <a:lstStyle/>
+          <a:p>
+            <a:pPr algn="ctr"/>
+            <a:r>
+              <a:rPr lang="en-US" dirty="0">
+                <a:latin typeface="Arial" panose="020B0604020202020204" pitchFamily="34" charset="0"/>
+                <a:cs typeface="Arial" panose="020B0604020202020204" pitchFamily="34" charset="0"/>
+              </a:rPr>
+              <a:t>WF7</a:t>
+            </a:r>
+          </a:p>
+        </p:txBody>
+      </p:sp>
+      <p:cxnSp>
+        <p:nvCxnSpPr>
+          <p:cNvPr id="64" name="Straight Arrow Connector 63">
+            <a:extLst>
+              <a:ext uri="{FF2B5EF4-FFF2-40B4-BE49-F238E27FC236}">
+                <a16:creationId xmlns:a16="http://schemas.microsoft.com/office/drawing/2014/main" id="{64AA735F-4B4B-C872-136F-3685160F1CD5}"/>
+              </a:ext>
+            </a:extLst>
+          </p:cNvPr>
+          <p:cNvCxnSpPr>
+            <a:cxnSpLocks/>
+            <a:stCxn id="49" idx="2"/>
+            <a:endCxn id="62" idx="0"/>
+          </p:cNvCxnSpPr>
+          <p:nvPr/>
+        </p:nvCxnSpPr>
+        <p:spPr>
+          <a:xfrm>
+            <a:off x="5336472" y="4599099"/>
+            <a:ext cx="25726" cy="897314"/>
+          </a:xfrm>
+          <a:prstGeom prst="straightConnector1">
+            <a:avLst/>
+          </a:prstGeom>
+          <a:ln w="57150">
+            <a:solidFill>
+              <a:schemeClr val="tx1"/>
+            </a:solidFill>
+            <a:tailEnd type="triangle"/>
+          </a:ln>
+        </p:spPr>
+        <p:style>
+          <a:lnRef idx="2">
+            <a:schemeClr val="accent1"/>
+          </a:lnRef>
+          <a:fillRef idx="0">
+            <a:schemeClr val="accent1"/>
+          </a:fillRef>
+          <a:effectRef idx="1">
+            <a:schemeClr val="accent1"/>
+          </a:effectRef>
+          <a:fontRef idx="minor">
+            <a:schemeClr val="tx1"/>
+          </a:fontRef>
+        </p:style>
+      </p:cxnSp>
+      <p:cxnSp>
+        <p:nvCxnSpPr>
+          <p:cNvPr id="65" name="Straight Arrow Connector 64">
+            <a:extLst>
+              <a:ext uri="{FF2B5EF4-FFF2-40B4-BE49-F238E27FC236}">
+                <a16:creationId xmlns:a16="http://schemas.microsoft.com/office/drawing/2014/main" id="{CD20E241-DD67-8FBB-9354-6FCC86C031BA}"/>
+              </a:ext>
+            </a:extLst>
+          </p:cNvPr>
+          <p:cNvCxnSpPr>
+            <a:cxnSpLocks/>
+            <a:stCxn id="49" idx="2"/>
+            <a:endCxn id="52" idx="0"/>
+          </p:cNvCxnSpPr>
+          <p:nvPr/>
+        </p:nvCxnSpPr>
+        <p:spPr>
+          <a:xfrm>
+            <a:off x="5336472" y="4599099"/>
+            <a:ext cx="1261310" cy="897314"/>
+          </a:xfrm>
+          <a:prstGeom prst="straightConnector1">
+            <a:avLst/>
+          </a:prstGeom>
+          <a:ln w="57150">
+            <a:solidFill>
+              <a:schemeClr val="tx1"/>
+            </a:solidFill>
+            <a:tailEnd type="triangle"/>
+          </a:ln>
+        </p:spPr>
+        <p:style>
+          <a:lnRef idx="2">
+            <a:schemeClr val="accent1"/>
+          </a:lnRef>
+          <a:fillRef idx="0">
+            <a:schemeClr val="accent1"/>
+          </a:fillRef>
+          <a:effectRef idx="1">
+            <a:schemeClr val="accent1"/>
+          </a:effectRef>
+          <a:fontRef idx="minor">
+            <a:schemeClr val="tx1"/>
+          </a:fontRef>
+        </p:style>
+      </p:cxnSp>
+      <p:cxnSp>
+        <p:nvCxnSpPr>
+          <p:cNvPr id="66" name="Straight Arrow Connector 65">
+            <a:extLst>
+              <a:ext uri="{FF2B5EF4-FFF2-40B4-BE49-F238E27FC236}">
+                <a16:creationId xmlns:a16="http://schemas.microsoft.com/office/drawing/2014/main" id="{B15F5926-17F8-279A-96FB-9FE8C4780334}"/>
+              </a:ext>
+            </a:extLst>
+          </p:cNvPr>
+          <p:cNvCxnSpPr>
+            <a:cxnSpLocks/>
+            <a:stCxn id="49" idx="2"/>
+            <a:endCxn id="53" idx="0"/>
+          </p:cNvCxnSpPr>
+          <p:nvPr/>
+        </p:nvCxnSpPr>
+        <p:spPr>
+          <a:xfrm>
+            <a:off x="5336472" y="4599099"/>
+            <a:ext cx="2509081" cy="906359"/>
+          </a:xfrm>
+          <a:prstGeom prst="straightConnector1">
+            <a:avLst/>
+          </a:prstGeom>
+          <a:ln w="57150">
+            <a:solidFill>
+              <a:schemeClr val="tx1"/>
+            </a:solidFill>
+            <a:tailEnd type="triangle"/>
+          </a:ln>
+        </p:spPr>
+        <p:style>
+          <a:lnRef idx="2">
+            <a:schemeClr val="accent1"/>
+          </a:lnRef>
+          <a:fillRef idx="0">
+            <a:schemeClr val="accent1"/>
+          </a:fillRef>
+          <a:effectRef idx="1">
+            <a:schemeClr val="accent1"/>
+          </a:effectRef>
+          <a:fontRef idx="minor">
+            <a:schemeClr val="tx1"/>
+          </a:fontRef>
+        </p:style>
+      </p:cxnSp>
+      <p:cxnSp>
+        <p:nvCxnSpPr>
+          <p:cNvPr id="79" name="Straight Arrow Connector 78">
+            <a:extLst>
+              <a:ext uri="{FF2B5EF4-FFF2-40B4-BE49-F238E27FC236}">
+                <a16:creationId xmlns:a16="http://schemas.microsoft.com/office/drawing/2014/main" id="{6252287A-1A9E-80F5-B71E-6120297700F8}"/>
+              </a:ext>
+            </a:extLst>
+          </p:cNvPr>
+          <p:cNvCxnSpPr>
+            <a:cxnSpLocks/>
+            <a:stCxn id="49" idx="2"/>
+            <a:endCxn id="63" idx="0"/>
+          </p:cNvCxnSpPr>
+          <p:nvPr/>
+        </p:nvCxnSpPr>
+        <p:spPr>
+          <a:xfrm>
+            <a:off x="5336472" y="4599099"/>
+            <a:ext cx="3753281" cy="906359"/>
+          </a:xfrm>
+          <a:prstGeom prst="straightConnector1">
+            <a:avLst/>
+          </a:prstGeom>
+          <a:ln w="57150">
+            <a:solidFill>
+              <a:schemeClr val="tx1"/>
+            </a:solidFill>
+            <a:tailEnd type="triangle"/>
+          </a:ln>
+        </p:spPr>
+        <p:style>
+          <a:lnRef idx="2">
+            <a:schemeClr val="accent1"/>
+          </a:lnRef>
+          <a:fillRef idx="0">
+            <a:schemeClr val="accent1"/>
+          </a:fillRef>
+          <a:effectRef idx="1">
+            <a:schemeClr val="accent1"/>
+          </a:effectRef>
+          <a:fontRef idx="minor">
+            <a:schemeClr val="tx1"/>
+          </a:fontRef>
+        </p:style>
+      </p:cxnSp>
+    </p:spTree>
+    <p:extLst>
+      <p:ext uri="{BB962C8B-B14F-4D97-AF65-F5344CB8AC3E}">
+        <p14:creationId xmlns:p14="http://schemas.microsoft.com/office/powerpoint/2010/main" val="2097358692"/>
       </p:ext>
     </p:extLst>
   </p:cSld>
